--- a/BikeShareDataAnalytics/StarSchemaDesigned .pptx
+++ b/BikeShareDataAnalytics/StarSchemaDesigned .pptx
@@ -264,7 +264,7 @@
           <a:p>
             <a:fld id="{7CFE3D0C-4712-453B-88C0-2CE8E7C08B9F}" type="datetimeFigureOut">
               <a:rPr kumimoji="1" lang="ja-JP" altLang="en-US" smtClean="0"/>
-              <a:t>2022/10/5</a:t>
+              <a:t>2022/10/6</a:t>
             </a:fld>
             <a:endParaRPr kumimoji="1" lang="ja-JP" altLang="en-US"/>
           </a:p>
@@ -494,7 +494,7 @@
           <a:p>
             <a:fld id="{7CFE3D0C-4712-453B-88C0-2CE8E7C08B9F}" type="datetimeFigureOut">
               <a:rPr kumimoji="1" lang="ja-JP" altLang="en-US" smtClean="0"/>
-              <a:t>2022/10/5</a:t>
+              <a:t>2022/10/6</a:t>
             </a:fld>
             <a:endParaRPr kumimoji="1" lang="ja-JP" altLang="en-US"/>
           </a:p>
@@ -734,7 +734,7 @@
           <a:p>
             <a:fld id="{7CFE3D0C-4712-453B-88C0-2CE8E7C08B9F}" type="datetimeFigureOut">
               <a:rPr kumimoji="1" lang="ja-JP" altLang="en-US" smtClean="0"/>
-              <a:t>2022/10/5</a:t>
+              <a:t>2022/10/6</a:t>
             </a:fld>
             <a:endParaRPr kumimoji="1" lang="ja-JP" altLang="en-US"/>
           </a:p>
@@ -964,7 +964,7 @@
           <a:p>
             <a:fld id="{7CFE3D0C-4712-453B-88C0-2CE8E7C08B9F}" type="datetimeFigureOut">
               <a:rPr kumimoji="1" lang="ja-JP" altLang="en-US" smtClean="0"/>
-              <a:t>2022/10/5</a:t>
+              <a:t>2022/10/6</a:t>
             </a:fld>
             <a:endParaRPr kumimoji="1" lang="ja-JP" altLang="en-US"/>
           </a:p>
@@ -1239,7 +1239,7 @@
           <a:p>
             <a:fld id="{7CFE3D0C-4712-453B-88C0-2CE8E7C08B9F}" type="datetimeFigureOut">
               <a:rPr kumimoji="1" lang="ja-JP" altLang="en-US" smtClean="0"/>
-              <a:t>2022/10/5</a:t>
+              <a:t>2022/10/6</a:t>
             </a:fld>
             <a:endParaRPr kumimoji="1" lang="ja-JP" altLang="en-US"/>
           </a:p>
@@ -1568,7 +1568,7 @@
           <a:p>
             <a:fld id="{7CFE3D0C-4712-453B-88C0-2CE8E7C08B9F}" type="datetimeFigureOut">
               <a:rPr kumimoji="1" lang="ja-JP" altLang="en-US" smtClean="0"/>
-              <a:t>2022/10/5</a:t>
+              <a:t>2022/10/6</a:t>
             </a:fld>
             <a:endParaRPr kumimoji="1" lang="ja-JP" altLang="en-US"/>
           </a:p>
@@ -2044,7 +2044,7 @@
           <a:p>
             <a:fld id="{7CFE3D0C-4712-453B-88C0-2CE8E7C08B9F}" type="datetimeFigureOut">
               <a:rPr kumimoji="1" lang="ja-JP" altLang="en-US" smtClean="0"/>
-              <a:t>2022/10/5</a:t>
+              <a:t>2022/10/6</a:t>
             </a:fld>
             <a:endParaRPr kumimoji="1" lang="ja-JP" altLang="en-US"/>
           </a:p>
@@ -2185,7 +2185,7 @@
           <a:p>
             <a:fld id="{7CFE3D0C-4712-453B-88C0-2CE8E7C08B9F}" type="datetimeFigureOut">
               <a:rPr kumimoji="1" lang="ja-JP" altLang="en-US" smtClean="0"/>
-              <a:t>2022/10/5</a:t>
+              <a:t>2022/10/6</a:t>
             </a:fld>
             <a:endParaRPr kumimoji="1" lang="ja-JP" altLang="en-US"/>
           </a:p>
@@ -2298,7 +2298,7 @@
           <a:p>
             <a:fld id="{7CFE3D0C-4712-453B-88C0-2CE8E7C08B9F}" type="datetimeFigureOut">
               <a:rPr kumimoji="1" lang="ja-JP" altLang="en-US" smtClean="0"/>
-              <a:t>2022/10/5</a:t>
+              <a:t>2022/10/6</a:t>
             </a:fld>
             <a:endParaRPr kumimoji="1" lang="ja-JP" altLang="en-US"/>
           </a:p>
@@ -2641,7 +2641,7 @@
           <a:p>
             <a:fld id="{7CFE3D0C-4712-453B-88C0-2CE8E7C08B9F}" type="datetimeFigureOut">
               <a:rPr kumimoji="1" lang="ja-JP" altLang="en-US" smtClean="0"/>
-              <a:t>2022/10/5</a:t>
+              <a:t>2022/10/6</a:t>
             </a:fld>
             <a:endParaRPr kumimoji="1" lang="ja-JP" altLang="en-US"/>
           </a:p>
@@ -2929,7 +2929,7 @@
           <a:p>
             <a:fld id="{7CFE3D0C-4712-453B-88C0-2CE8E7C08B9F}" type="datetimeFigureOut">
               <a:rPr kumimoji="1" lang="ja-JP" altLang="en-US" smtClean="0"/>
-              <a:t>2022/10/5</a:t>
+              <a:t>2022/10/6</a:t>
             </a:fld>
             <a:endParaRPr kumimoji="1" lang="ja-JP" altLang="en-US"/>
           </a:p>
@@ -3202,7 +3202,7 @@
           <a:p>
             <a:fld id="{7CFE3D0C-4712-453B-88C0-2CE8E7C08B9F}" type="datetimeFigureOut">
               <a:rPr kumimoji="1" lang="ja-JP" altLang="en-US" smtClean="0"/>
-              <a:t>2022/10/5</a:t>
+              <a:t>2022/10/6</a:t>
             </a:fld>
             <a:endParaRPr kumimoji="1" lang="ja-JP" altLang="en-US"/>
           </a:p>
@@ -4491,7 +4491,7 @@
           <p:nvPr>
             <p:extLst>
               <p:ext uri="{D42A27DB-BD31-4B8C-83A1-F6EECF244321}">
-                <p14:modId xmlns:p14="http://schemas.microsoft.com/office/powerpoint/2010/main" val="3495098150"/>
+                <p14:modId xmlns:p14="http://schemas.microsoft.com/office/powerpoint/2010/main" val="3815920079"/>
               </p:ext>
             </p:extLst>
           </p:nvPr>
@@ -5152,6 +5152,9 @@
                       </a:pPr>
                       <a:r>
                         <a:rPr lang="en-US" altLang="ja-JP" sz="1000" dirty="0" err="1">
+                          <a:solidFill>
+                            <a:schemeClr val="tx1"/>
+                          </a:solidFill>
                           <a:latin typeface="Arial" panose="020B0604020202020204" pitchFamily="34" charset="0"/>
                           <a:cs typeface="Arial" panose="020B0604020202020204" pitchFamily="34" charset="0"/>
                         </a:rPr>
@@ -5159,7 +5162,7 @@
                       </a:r>
                       <a:endParaRPr lang="en-US" altLang="ja-JP" sz="1000" b="1" dirty="0">
                         <a:solidFill>
-                          <a:srgbClr val="FF0000"/>
+                          <a:schemeClr val="tx1"/>
                         </a:solidFill>
                         <a:latin typeface="Arial" panose="020B0604020202020204" pitchFamily="34" charset="0"/>
                         <a:cs typeface="Arial" panose="020B0604020202020204" pitchFamily="34" charset="0"/>
@@ -5225,20 +5228,16 @@
                       <a:r>
                         <a:rPr kumimoji="1" lang="en-US" altLang="ja-JP" sz="1000" dirty="0" err="1">
                           <a:solidFill>
-                            <a:schemeClr val="accent1">
-                              <a:lumMod val="50000"/>
-                            </a:schemeClr>
+                            <a:schemeClr val="tx1"/>
                           </a:solidFill>
                           <a:latin typeface="Arial" panose="020B0604020202020204" pitchFamily="34" charset="0"/>
                           <a:cs typeface="Arial" panose="020B0604020202020204" pitchFamily="34" charset="0"/>
                         </a:rPr>
-                        <a:t>AccountStartAge</a:t>
+                        <a:t>AgeAtTrip</a:t>
                       </a:r>
                       <a:endParaRPr kumimoji="1" lang="en-US" altLang="ja-JP" sz="1000" dirty="0">
                         <a:solidFill>
-                          <a:schemeClr val="accent1">
-                            <a:lumMod val="50000"/>
-                          </a:schemeClr>
+                          <a:schemeClr val="tx1"/>
                         </a:solidFill>
                         <a:latin typeface="Arial" panose="020B0604020202020204" pitchFamily="34" charset="0"/>
                         <a:cs typeface="Arial" panose="020B0604020202020204" pitchFamily="34" charset="0"/>
@@ -5310,7 +5309,7 @@
           <p:nvPr>
             <p:extLst>
               <p:ext uri="{D42A27DB-BD31-4B8C-83A1-F6EECF244321}">
-                <p14:modId xmlns:p14="http://schemas.microsoft.com/office/powerpoint/2010/main" val="3624283412"/>
+                <p14:modId xmlns:p14="http://schemas.microsoft.com/office/powerpoint/2010/main" val="1431960006"/>
               </p:ext>
             </p:extLst>
           </p:nvPr>
@@ -5716,7 +5715,7 @@
                           <a:latin typeface="Arial" panose="020B0604020202020204" pitchFamily="34" charset="0"/>
                           <a:cs typeface="Arial" panose="020B0604020202020204" pitchFamily="34" charset="0"/>
                         </a:rPr>
-                        <a:t>StartAge</a:t>
+                        <a:t>AccountStartAge</a:t>
                       </a:r>
                       <a:endParaRPr kumimoji="1" lang="ja-JP" altLang="en-US" sz="1000" b="1" dirty="0">
                         <a:solidFill>
@@ -7349,9 +7348,6 @@
             </a:pPr>
             <a:r>
               <a:rPr lang="en-US" altLang="ja-JP" sz="1400" b="0" i="0" dirty="0">
-                <a:solidFill>
-                  <a:srgbClr val="1A202C"/>
-                </a:solidFill>
                 <a:effectLst/>
                 <a:latin typeface="Open Sans" panose="020B0606030504020204" pitchFamily="34" charset="0"/>
               </a:rPr>
@@ -7365,23 +7361,10 @@
             </a:pPr>
             <a:r>
               <a:rPr lang="en-US" altLang="ja-JP" sz="1200" b="0" i="0" dirty="0">
-                <a:solidFill>
-                  <a:srgbClr val="1A202C"/>
-                </a:solidFill>
                 <a:effectLst/>
                 <a:latin typeface="Open Sans" panose="020B0606030504020204" pitchFamily="34" charset="0"/>
               </a:rPr>
-              <a:t>Based on </a:t>
-            </a:r>
-            <a:r>
-              <a:rPr lang="en-US" altLang="ja-JP" sz="1200" b="0" i="0" dirty="0">
-                <a:solidFill>
-                  <a:srgbClr val="FF0000"/>
-                </a:solidFill>
-                <a:effectLst/>
-                <a:latin typeface="Open Sans" panose="020B0606030504020204" pitchFamily="34" charset="0"/>
-              </a:rPr>
-              <a:t>date and time factors such as day of week and time of day</a:t>
+              <a:t>Based on date and time factors such as day of week and time of day</a:t>
             </a:r>
           </a:p>
           <a:p>
@@ -7391,23 +7374,10 @@
             </a:pPr>
             <a:r>
               <a:rPr lang="en-US" altLang="ja-JP" sz="1200" b="0" i="0" dirty="0">
-                <a:solidFill>
-                  <a:srgbClr val="1A202C"/>
-                </a:solidFill>
                 <a:effectLst/>
                 <a:latin typeface="Open Sans" panose="020B0606030504020204" pitchFamily="34" charset="0"/>
               </a:rPr>
-              <a:t>Based on which </a:t>
-            </a:r>
-            <a:r>
-              <a:rPr lang="en-US" altLang="ja-JP" sz="1200" b="0" i="0" dirty="0">
-                <a:solidFill>
-                  <a:srgbClr val="FF0000"/>
-                </a:solidFill>
-                <a:effectLst/>
-                <a:latin typeface="Open Sans" panose="020B0606030504020204" pitchFamily="34" charset="0"/>
-              </a:rPr>
-              <a:t>station is the starting and / or ending station</a:t>
+              <a:t>Based on which station is the starting and / or ending station</a:t>
             </a:r>
           </a:p>
           <a:p>
@@ -7417,33 +7387,10 @@
             </a:pPr>
             <a:r>
               <a:rPr lang="en-US" altLang="ja-JP" sz="1200" b="0" i="0" dirty="0">
-                <a:solidFill>
-                  <a:srgbClr val="1A202C"/>
-                </a:solidFill>
                 <a:effectLst/>
                 <a:latin typeface="Open Sans" panose="020B0606030504020204" pitchFamily="34" charset="0"/>
               </a:rPr>
-              <a:t>Based </a:t>
-            </a:r>
-            <a:r>
-              <a:rPr lang="en-US" altLang="ja-JP" sz="1200" b="0" i="0" dirty="0">
-                <a:solidFill>
-                  <a:srgbClr val="FF0000"/>
-                </a:solidFill>
-                <a:effectLst/>
-                <a:latin typeface="Open Sans" panose="020B0606030504020204" pitchFamily="34" charset="0"/>
-              </a:rPr>
-              <a:t>on age of the rider </a:t>
-            </a:r>
-            <a:r>
-              <a:rPr lang="en-US" altLang="ja-JP" sz="1200" b="0" i="0" dirty="0">
-                <a:solidFill>
-                  <a:srgbClr val="1A202C"/>
-                </a:solidFill>
-                <a:effectLst/>
-                <a:latin typeface="Open Sans" panose="020B0606030504020204" pitchFamily="34" charset="0"/>
-              </a:rPr>
-              <a:t>at time of the ride</a:t>
+              <a:t>Based on age of the rider at time of the ride</a:t>
             </a:r>
           </a:p>
           <a:p>
@@ -7453,23 +7400,10 @@
             </a:pPr>
             <a:r>
               <a:rPr lang="en-US" altLang="ja-JP" sz="1200" b="0" i="0" dirty="0">
-                <a:solidFill>
-                  <a:srgbClr val="1A202C"/>
-                </a:solidFill>
                 <a:effectLst/>
                 <a:latin typeface="Open Sans" panose="020B0606030504020204" pitchFamily="34" charset="0"/>
               </a:rPr>
-              <a:t>Based on whether the rider is </a:t>
-            </a:r>
-            <a:r>
-              <a:rPr lang="en-US" altLang="ja-JP" sz="1200" b="0" i="0" dirty="0">
-                <a:solidFill>
-                  <a:srgbClr val="FF0000"/>
-                </a:solidFill>
-                <a:effectLst/>
-                <a:latin typeface="Open Sans" panose="020B0606030504020204" pitchFamily="34" charset="0"/>
-              </a:rPr>
-              <a:t>a member or a casual rider</a:t>
+              <a:t>Based on whether the rider is a member or a casual rider</a:t>
             </a:r>
           </a:p>
           <a:p>
@@ -7989,7 +7923,7 @@
           <p:nvPr>
             <p:extLst>
               <p:ext uri="{D42A27DB-BD31-4B8C-83A1-F6EECF244321}">
-                <p14:modId xmlns:p14="http://schemas.microsoft.com/office/powerpoint/2010/main" val="2852524901"/>
+                <p14:modId xmlns:p14="http://schemas.microsoft.com/office/powerpoint/2010/main" val="2504961215"/>
               </p:ext>
             </p:extLst>
           </p:nvPr>
@@ -8723,20 +8657,16 @@
                       <a:r>
                         <a:rPr kumimoji="1" lang="en-US" altLang="ja-JP" sz="1000" dirty="0" err="1">
                           <a:solidFill>
-                            <a:schemeClr val="accent1">
-                              <a:lumMod val="50000"/>
-                            </a:schemeClr>
+                            <a:schemeClr val="tx1"/>
                           </a:solidFill>
                           <a:latin typeface="Arial" panose="020B0604020202020204" pitchFamily="34" charset="0"/>
                           <a:cs typeface="Arial" panose="020B0604020202020204" pitchFamily="34" charset="0"/>
                         </a:rPr>
-                        <a:t>AccountStartAge</a:t>
+                        <a:t>AgeAtTrip</a:t>
                       </a:r>
                       <a:endParaRPr kumimoji="1" lang="en-US" altLang="ja-JP" sz="1000" dirty="0">
                         <a:solidFill>
-                          <a:schemeClr val="accent1">
-                            <a:lumMod val="50000"/>
-                          </a:schemeClr>
+                          <a:schemeClr val="tx1"/>
                         </a:solidFill>
                         <a:latin typeface="Arial" panose="020B0604020202020204" pitchFamily="34" charset="0"/>
                         <a:cs typeface="Arial" panose="020B0604020202020204" pitchFamily="34" charset="0"/>
@@ -8808,7 +8738,7 @@
           <p:nvPr>
             <p:extLst>
               <p:ext uri="{D42A27DB-BD31-4B8C-83A1-F6EECF244321}">
-                <p14:modId xmlns:p14="http://schemas.microsoft.com/office/powerpoint/2010/main" val="3397464553"/>
+                <p14:modId xmlns:p14="http://schemas.microsoft.com/office/powerpoint/2010/main" val="33853047"/>
               </p:ext>
             </p:extLst>
           </p:nvPr>
@@ -9214,7 +9144,7 @@
                           <a:latin typeface="Arial" panose="020B0604020202020204" pitchFamily="34" charset="0"/>
                           <a:cs typeface="Arial" panose="020B0604020202020204" pitchFamily="34" charset="0"/>
                         </a:rPr>
-                        <a:t>StartAge</a:t>
+                        <a:t>AccountStartAge</a:t>
                       </a:r>
                       <a:endParaRPr kumimoji="1" lang="ja-JP" altLang="en-US" sz="1000" b="1" dirty="0">
                         <a:solidFill>
@@ -11411,7 +11341,7 @@
           <p:nvPr>
             <p:extLst>
               <p:ext uri="{D42A27DB-BD31-4B8C-83A1-F6EECF244321}">
-                <p14:modId xmlns:p14="http://schemas.microsoft.com/office/powerpoint/2010/main" val="1867031152"/>
+                <p14:modId xmlns:p14="http://schemas.microsoft.com/office/powerpoint/2010/main" val="2342006131"/>
               </p:ext>
             </p:extLst>
           </p:nvPr>
@@ -11817,7 +11747,7 @@
                           <a:latin typeface="Arial" panose="020B0604020202020204" pitchFamily="34" charset="0"/>
                           <a:cs typeface="Arial" panose="020B0604020202020204" pitchFamily="34" charset="0"/>
                         </a:rPr>
-                        <a:t>StartAge</a:t>
+                        <a:t>AccountStartAge</a:t>
                       </a:r>
                       <a:endParaRPr kumimoji="1" lang="ja-JP" altLang="en-US" sz="1000" b="1" dirty="0">
                         <a:solidFill>
@@ -12639,7 +12569,7 @@
           <p:nvPr>
             <p:extLst>
               <p:ext uri="{D42A27DB-BD31-4B8C-83A1-F6EECF244321}">
-                <p14:modId xmlns:p14="http://schemas.microsoft.com/office/powerpoint/2010/main" val="3952913604"/>
+                <p14:modId xmlns:p14="http://schemas.microsoft.com/office/powerpoint/2010/main" val="85514580"/>
               </p:ext>
             </p:extLst>
           </p:nvPr>
@@ -13373,20 +13303,16 @@
                       <a:r>
                         <a:rPr kumimoji="1" lang="en-US" altLang="ja-JP" sz="1000" dirty="0" err="1">
                           <a:solidFill>
-                            <a:schemeClr val="accent1">
-                              <a:lumMod val="50000"/>
-                            </a:schemeClr>
+                            <a:schemeClr val="tx1"/>
                           </a:solidFill>
                           <a:latin typeface="Arial" panose="020B0604020202020204" pitchFamily="34" charset="0"/>
                           <a:cs typeface="Arial" panose="020B0604020202020204" pitchFamily="34" charset="0"/>
                         </a:rPr>
-                        <a:t>AccountStartAge</a:t>
+                        <a:t>AgeAtTrip</a:t>
                       </a:r>
                       <a:endParaRPr kumimoji="1" lang="en-US" altLang="ja-JP" sz="1000" dirty="0">
                         <a:solidFill>
-                          <a:schemeClr val="accent1">
-                            <a:lumMod val="50000"/>
-                          </a:schemeClr>
+                          <a:schemeClr val="tx1"/>
                         </a:solidFill>
                         <a:latin typeface="Arial" panose="020B0604020202020204" pitchFamily="34" charset="0"/>
                         <a:cs typeface="Arial" panose="020B0604020202020204" pitchFamily="34" charset="0"/>
@@ -14767,6 +14693,21 @@
 </file>
 
 <file path=customXml/item1.xml><?xml version="1.0" encoding="utf-8"?>
+<?mso-contentType ?>
+<FormTemplates xmlns="http://schemas.microsoft.com/sharepoint/v3/contenttype/forms">
+  <Display>DocumentLibraryForm</Display>
+  <Edit>DocumentLibraryForm</Edit>
+  <New>DocumentLibraryForm</New>
+</FormTemplates>
+</file>
+
+<file path=customXml/item2.xml><?xml version="1.0" encoding="utf-8"?>
+<p:properties xmlns:p="http://schemas.microsoft.com/office/2006/metadata/properties" xmlns:xsi="http://www.w3.org/2001/XMLSchema-instance" xmlns:pc="http://schemas.microsoft.com/office/infopath/2007/PartnerControls">
+  <documentManagement/>
+</p:properties>
+</file>
+
+<file path=customXml/item3.xml><?xml version="1.0" encoding="utf-8"?>
 <ct:contentTypeSchema xmlns:ct="http://schemas.microsoft.com/office/2006/metadata/contentType" xmlns:ma="http://schemas.microsoft.com/office/2006/metadata/properties/metaAttributes" ct:_="" ma:_="" ma:contentTypeName="Document" ma:contentTypeID="0x01010042524B95A8915F4D930583508A829F4D" ma:contentTypeVersion="2" ma:contentTypeDescription="Create a new document." ma:contentTypeScope="" ma:versionID="3bad324fc73652d1a5b1b314a3758304">
   <xsd:schema xmlns:xsd="http://www.w3.org/2001/XMLSchema" xmlns:xs="http://www.w3.org/2001/XMLSchema" xmlns:p="http://schemas.microsoft.com/office/2006/metadata/properties" xmlns:ns3="cbc8b81f-eef2-4491-a726-3d095f3400b7" targetNamespace="http://schemas.microsoft.com/office/2006/metadata/properties" ma:root="true" ma:fieldsID="a537806480e3ba30f85acecc285e4aa6" ns3:_="">
     <xsd:import namespace="cbc8b81f-eef2-4491-a726-3d095f3400b7"/>
@@ -14898,35 +14839,10 @@
 </ct:contentTypeSchema>
 </file>
 
-<file path=customXml/item2.xml><?xml version="1.0" encoding="utf-8"?>
-<p:properties xmlns:p="http://schemas.microsoft.com/office/2006/metadata/properties" xmlns:xsi="http://www.w3.org/2001/XMLSchema-instance" xmlns:pc="http://schemas.microsoft.com/office/infopath/2007/PartnerControls">
-  <documentManagement/>
-</p:properties>
-</file>
-
-<file path=customXml/item3.xml><?xml version="1.0" encoding="utf-8"?>
-<?mso-contentType ?>
-<FormTemplates xmlns="http://schemas.microsoft.com/sharepoint/v3/contenttype/forms">
-  <Display>DocumentLibraryForm</Display>
-  <Edit>DocumentLibraryForm</Edit>
-  <New>DocumentLibraryForm</New>
-</FormTemplates>
-</file>
-
 <file path=customXml/itemProps1.xml><?xml version="1.0" encoding="utf-8"?>
-<ds:datastoreItem xmlns:ds="http://schemas.openxmlformats.org/officeDocument/2006/customXml" ds:itemID="{AD30A41B-3CCC-4506-A035-19689DC44519}">
+<ds:datastoreItem xmlns:ds="http://schemas.openxmlformats.org/officeDocument/2006/customXml" ds:itemID="{80AEBBAE-CF7E-43B8-8EDE-50BF67322FAE}">
   <ds:schemaRefs>
-    <ds:schemaRef ds:uri="http://schemas.microsoft.com/office/2006/metadata/contentType"/>
-    <ds:schemaRef ds:uri="http://schemas.microsoft.com/office/2006/metadata/properties/metaAttributes"/>
-    <ds:schemaRef ds:uri="http://www.w3.org/2001/XMLSchema"/>
-    <ds:schemaRef ds:uri="http://schemas.microsoft.com/office/2006/metadata/properties"/>
-    <ds:schemaRef ds:uri="cbc8b81f-eef2-4491-a726-3d095f3400b7"/>
-    <ds:schemaRef ds:uri="http://schemas.microsoft.com/office/2006/documentManagement/types"/>
-    <ds:schemaRef ds:uri="http://schemas.microsoft.com/office/infopath/2007/PartnerControls"/>
-    <ds:schemaRef ds:uri="http://schemas.openxmlformats.org/package/2006/metadata/core-properties"/>
-    <ds:schemaRef ds:uri="http://purl.org/dc/elements/1.1/"/>
-    <ds:schemaRef ds:uri="http://purl.org/dc/terms/"/>
-    <ds:schemaRef ds:uri="http://schemas.microsoft.com/internal/obd"/>
+    <ds:schemaRef ds:uri="http://schemas.microsoft.com/sharepoint/v3/contenttype/forms"/>
   </ds:schemaRefs>
 </ds:datastoreItem>
 </file>
@@ -14948,9 +14864,19 @@
 </file>
 
 <file path=customXml/itemProps3.xml><?xml version="1.0" encoding="utf-8"?>
-<ds:datastoreItem xmlns:ds="http://schemas.openxmlformats.org/officeDocument/2006/customXml" ds:itemID="{80AEBBAE-CF7E-43B8-8EDE-50BF67322FAE}">
+<ds:datastoreItem xmlns:ds="http://schemas.openxmlformats.org/officeDocument/2006/customXml" ds:itemID="{AD30A41B-3CCC-4506-A035-19689DC44519}">
   <ds:schemaRefs>
-    <ds:schemaRef ds:uri="http://schemas.microsoft.com/sharepoint/v3/contenttype/forms"/>
+    <ds:schemaRef ds:uri="http://schemas.microsoft.com/office/2006/metadata/contentType"/>
+    <ds:schemaRef ds:uri="http://schemas.microsoft.com/office/2006/metadata/properties/metaAttributes"/>
+    <ds:schemaRef ds:uri="http://www.w3.org/2001/XMLSchema"/>
+    <ds:schemaRef ds:uri="http://schemas.microsoft.com/office/2006/metadata/properties"/>
+    <ds:schemaRef ds:uri="cbc8b81f-eef2-4491-a726-3d095f3400b7"/>
+    <ds:schemaRef ds:uri="http://schemas.microsoft.com/office/2006/documentManagement/types"/>
+    <ds:schemaRef ds:uri="http://schemas.microsoft.com/office/infopath/2007/PartnerControls"/>
+    <ds:schemaRef ds:uri="http://schemas.openxmlformats.org/package/2006/metadata/core-properties"/>
+    <ds:schemaRef ds:uri="http://purl.org/dc/elements/1.1/"/>
+    <ds:schemaRef ds:uri="http://purl.org/dc/terms/"/>
+    <ds:schemaRef ds:uri="http://schemas.microsoft.com/internal/obd"/>
   </ds:schemaRefs>
 </ds:datastoreItem>
 </file>
--- a/BikeShareDataAnalytics/StarSchemaDesigned .pptx
+++ b/BikeShareDataAnalytics/StarSchemaDesigned .pptx
@@ -10,7 +10,7 @@
     <p:sldId id="264" r:id="rId7"/>
     <p:sldId id="259" r:id="rId8"/>
     <p:sldId id="262" r:id="rId9"/>
-    <p:sldId id="263" r:id="rId10"/>
+    <p:sldId id="265" r:id="rId10"/>
   </p:sldIdLst>
   <p:sldSz cx="12192000" cy="6858000"/>
   <p:notesSz cx="6858000" cy="9144000"/>
@@ -264,7 +264,7 @@
           <a:p>
             <a:fld id="{7CFE3D0C-4712-453B-88C0-2CE8E7C08B9F}" type="datetimeFigureOut">
               <a:rPr kumimoji="1" lang="ja-JP" altLang="en-US" smtClean="0"/>
-              <a:t>2022/10/6</a:t>
+              <a:t>2022/10/7</a:t>
             </a:fld>
             <a:endParaRPr kumimoji="1" lang="ja-JP" altLang="en-US"/>
           </a:p>
@@ -494,7 +494,7 @@
           <a:p>
             <a:fld id="{7CFE3D0C-4712-453B-88C0-2CE8E7C08B9F}" type="datetimeFigureOut">
               <a:rPr kumimoji="1" lang="ja-JP" altLang="en-US" smtClean="0"/>
-              <a:t>2022/10/6</a:t>
+              <a:t>2022/10/7</a:t>
             </a:fld>
             <a:endParaRPr kumimoji="1" lang="ja-JP" altLang="en-US"/>
           </a:p>
@@ -734,7 +734,7 @@
           <a:p>
             <a:fld id="{7CFE3D0C-4712-453B-88C0-2CE8E7C08B9F}" type="datetimeFigureOut">
               <a:rPr kumimoji="1" lang="ja-JP" altLang="en-US" smtClean="0"/>
-              <a:t>2022/10/6</a:t>
+              <a:t>2022/10/7</a:t>
             </a:fld>
             <a:endParaRPr kumimoji="1" lang="ja-JP" altLang="en-US"/>
           </a:p>
@@ -964,7 +964,7 @@
           <a:p>
             <a:fld id="{7CFE3D0C-4712-453B-88C0-2CE8E7C08B9F}" type="datetimeFigureOut">
               <a:rPr kumimoji="1" lang="ja-JP" altLang="en-US" smtClean="0"/>
-              <a:t>2022/10/6</a:t>
+              <a:t>2022/10/7</a:t>
             </a:fld>
             <a:endParaRPr kumimoji="1" lang="ja-JP" altLang="en-US"/>
           </a:p>
@@ -1239,7 +1239,7 @@
           <a:p>
             <a:fld id="{7CFE3D0C-4712-453B-88C0-2CE8E7C08B9F}" type="datetimeFigureOut">
               <a:rPr kumimoji="1" lang="ja-JP" altLang="en-US" smtClean="0"/>
-              <a:t>2022/10/6</a:t>
+              <a:t>2022/10/7</a:t>
             </a:fld>
             <a:endParaRPr kumimoji="1" lang="ja-JP" altLang="en-US"/>
           </a:p>
@@ -1568,7 +1568,7 @@
           <a:p>
             <a:fld id="{7CFE3D0C-4712-453B-88C0-2CE8E7C08B9F}" type="datetimeFigureOut">
               <a:rPr kumimoji="1" lang="ja-JP" altLang="en-US" smtClean="0"/>
-              <a:t>2022/10/6</a:t>
+              <a:t>2022/10/7</a:t>
             </a:fld>
             <a:endParaRPr kumimoji="1" lang="ja-JP" altLang="en-US"/>
           </a:p>
@@ -2044,7 +2044,7 @@
           <a:p>
             <a:fld id="{7CFE3D0C-4712-453B-88C0-2CE8E7C08B9F}" type="datetimeFigureOut">
               <a:rPr kumimoji="1" lang="ja-JP" altLang="en-US" smtClean="0"/>
-              <a:t>2022/10/6</a:t>
+              <a:t>2022/10/7</a:t>
             </a:fld>
             <a:endParaRPr kumimoji="1" lang="ja-JP" altLang="en-US"/>
           </a:p>
@@ -2185,7 +2185,7 @@
           <a:p>
             <a:fld id="{7CFE3D0C-4712-453B-88C0-2CE8E7C08B9F}" type="datetimeFigureOut">
               <a:rPr kumimoji="1" lang="ja-JP" altLang="en-US" smtClean="0"/>
-              <a:t>2022/10/6</a:t>
+              <a:t>2022/10/7</a:t>
             </a:fld>
             <a:endParaRPr kumimoji="1" lang="ja-JP" altLang="en-US"/>
           </a:p>
@@ -2298,7 +2298,7 @@
           <a:p>
             <a:fld id="{7CFE3D0C-4712-453B-88C0-2CE8E7C08B9F}" type="datetimeFigureOut">
               <a:rPr kumimoji="1" lang="ja-JP" altLang="en-US" smtClean="0"/>
-              <a:t>2022/10/6</a:t>
+              <a:t>2022/10/7</a:t>
             </a:fld>
             <a:endParaRPr kumimoji="1" lang="ja-JP" altLang="en-US"/>
           </a:p>
@@ -2641,7 +2641,7 @@
           <a:p>
             <a:fld id="{7CFE3D0C-4712-453B-88C0-2CE8E7C08B9F}" type="datetimeFigureOut">
               <a:rPr kumimoji="1" lang="ja-JP" altLang="en-US" smtClean="0"/>
-              <a:t>2022/10/6</a:t>
+              <a:t>2022/10/7</a:t>
             </a:fld>
             <a:endParaRPr kumimoji="1" lang="ja-JP" altLang="en-US"/>
           </a:p>
@@ -2929,7 +2929,7 @@
           <a:p>
             <a:fld id="{7CFE3D0C-4712-453B-88C0-2CE8E7C08B9F}" type="datetimeFigureOut">
               <a:rPr kumimoji="1" lang="ja-JP" altLang="en-US" smtClean="0"/>
-              <a:t>2022/10/6</a:t>
+              <a:t>2022/10/7</a:t>
             </a:fld>
             <a:endParaRPr kumimoji="1" lang="ja-JP" altLang="en-US"/>
           </a:p>
@@ -3202,7 +3202,7 @@
           <a:p>
             <a:fld id="{7CFE3D0C-4712-453B-88C0-2CE8E7C08B9F}" type="datetimeFigureOut">
               <a:rPr kumimoji="1" lang="ja-JP" altLang="en-US" smtClean="0"/>
-              <a:t>2022/10/6</a:t>
+              <a:t>2022/10/7</a:t>
             </a:fld>
             <a:endParaRPr kumimoji="1" lang="ja-JP" altLang="en-US"/>
           </a:p>
@@ -3981,6 +3981,472 @@
       </p:grpSpPr>
       <p:graphicFrame>
         <p:nvGraphicFramePr>
+          <p:cNvPr id="31" name="表 30">
+            <a:extLst>
+              <a:ext uri="{FF2B5EF4-FFF2-40B4-BE49-F238E27FC236}">
+                <a16:creationId xmlns:a16="http://schemas.microsoft.com/office/drawing/2014/main" id="{98AC6419-13A4-6ACA-275D-BF1E243B9150}"/>
+              </a:ext>
+            </a:extLst>
+          </p:cNvPr>
+          <p:cNvGraphicFramePr>
+            <a:graphicFrameLocks noGrp="1"/>
+          </p:cNvGraphicFramePr>
+          <p:nvPr>
+            <p:extLst>
+              <p:ext uri="{D42A27DB-BD31-4B8C-83A1-F6EECF244321}">
+                <p14:modId xmlns:p14="http://schemas.microsoft.com/office/powerpoint/2010/main" val="3762928078"/>
+              </p:ext>
+            </p:extLst>
+          </p:nvPr>
+        </p:nvGraphicFramePr>
+        <p:xfrm>
+          <a:off x="4420391" y="1407917"/>
+          <a:ext cx="2648080" cy="1342792"/>
+        </p:xfrm>
+        <a:graphic>
+          <a:graphicData uri="http://schemas.openxmlformats.org/drawingml/2006/table">
+            <a:tbl>
+              <a:tblPr firstRow="1" bandRow="1">
+                <a:tableStyleId>{F5AB1C69-6EDB-4FF4-983F-18BD219EF322}</a:tableStyleId>
+              </a:tblPr>
+              <a:tblGrid>
+                <a:gridCol w="1346040">
+                  <a:extLst>
+                    <a:ext uri="{9D8B030D-6E8A-4147-A177-3AD203B41FA5}">
+                      <a16:colId xmlns:a16="http://schemas.microsoft.com/office/drawing/2014/main" val="2952130031"/>
+                    </a:ext>
+                  </a:extLst>
+                </a:gridCol>
+                <a:gridCol w="1302040">
+                  <a:extLst>
+                    <a:ext uri="{9D8B030D-6E8A-4147-A177-3AD203B41FA5}">
+                      <a16:colId xmlns:a16="http://schemas.microsoft.com/office/drawing/2014/main" val="792604804"/>
+                    </a:ext>
+                  </a:extLst>
+                </a:gridCol>
+              </a:tblGrid>
+              <a:tr h="123856">
+                <a:tc>
+                  <a:txBody>
+                    <a:bodyPr/>
+                    <a:lstStyle/>
+                    <a:p>
+                      <a:r>
+                        <a:rPr kumimoji="1" lang="en-US" altLang="ja-JP" sz="1000" dirty="0" err="1"/>
+                        <a:t>Payment_fact</a:t>
+                      </a:r>
+                      <a:endParaRPr kumimoji="1" lang="ja-JP" altLang="en-US" sz="1000" dirty="0">
+                        <a:latin typeface="Arial" panose="020B0604020202020204" pitchFamily="34" charset="0"/>
+                        <a:cs typeface="Arial" panose="020B0604020202020204" pitchFamily="34" charset="0"/>
+                      </a:endParaRPr>
+                    </a:p>
+                  </a:txBody>
+                  <a:tcPr/>
+                </a:tc>
+                <a:tc>
+                  <a:txBody>
+                    <a:bodyPr/>
+                    <a:lstStyle/>
+                    <a:p>
+                      <a:endParaRPr kumimoji="1" lang="ja-JP" altLang="en-US" sz="1000" dirty="0">
+                        <a:highlight>
+                          <a:srgbClr val="808000"/>
+                        </a:highlight>
+                        <a:latin typeface="Arial" panose="020B0604020202020204" pitchFamily="34" charset="0"/>
+                        <a:cs typeface="Arial" panose="020B0604020202020204" pitchFamily="34" charset="0"/>
+                      </a:endParaRPr>
+                    </a:p>
+                  </a:txBody>
+                  <a:tcPr/>
+                </a:tc>
+                <a:extLst>
+                  <a:ext uri="{0D108BD9-81ED-4DB2-BD59-A6C34878D82A}">
+                    <a16:rowId xmlns:a16="http://schemas.microsoft.com/office/drawing/2014/main" val="659651961"/>
+                  </a:ext>
+                </a:extLst>
+              </a:tr>
+              <a:tr h="274738">
+                <a:tc>
+                  <a:txBody>
+                    <a:bodyPr/>
+                    <a:lstStyle/>
+                    <a:p>
+                      <a:pPr marL="0" indent="0">
+                        <a:buFont typeface="Arial" panose="020B0604020202020204" pitchFamily="34" charset="0"/>
+                        <a:buNone/>
+                      </a:pPr>
+                      <a:r>
+                        <a:rPr kumimoji="1" lang="en-US" altLang="ja-JP" sz="1000" dirty="0" err="1"/>
+                        <a:t>payment_id</a:t>
+                      </a:r>
+                      <a:endParaRPr kumimoji="1" lang="en-US" altLang="ja-JP" sz="1000" dirty="0">
+                        <a:solidFill>
+                          <a:schemeClr val="accent1">
+                            <a:lumMod val="50000"/>
+                          </a:schemeClr>
+                        </a:solidFill>
+                        <a:latin typeface="Arial" panose="020B0604020202020204" pitchFamily="34" charset="0"/>
+                        <a:cs typeface="Arial" panose="020B0604020202020204" pitchFamily="34" charset="0"/>
+                      </a:endParaRPr>
+                    </a:p>
+                  </a:txBody>
+                  <a:tcPr/>
+                </a:tc>
+                <a:tc>
+                  <a:txBody>
+                    <a:bodyPr/>
+                    <a:lstStyle/>
+                    <a:p>
+                      <a:pPr marL="0" marR="0" lvl="0" indent="0" algn="l" defTabSz="914400" rtl="0" eaLnBrk="1" fontAlgn="auto" latinLnBrk="0" hangingPunct="1">
+                        <a:lnSpc>
+                          <a:spcPct val="100000"/>
+                        </a:lnSpc>
+                        <a:spcBef>
+                          <a:spcPts val="0"/>
+                        </a:spcBef>
+                        <a:spcAft>
+                          <a:spcPts val="0"/>
+                        </a:spcAft>
+                        <a:buClrTx/>
+                        <a:buSzTx/>
+                        <a:buFontTx/>
+                        <a:buNone/>
+                        <a:tabLst/>
+                        <a:defRPr/>
+                      </a:pPr>
+                      <a:r>
+                        <a:rPr kumimoji="1" lang="en-US" altLang="ja-JP" sz="1000" b="0" kern="1200" dirty="0" err="1">
+                          <a:solidFill>
+                            <a:schemeClr val="tx1"/>
+                          </a:solidFill>
+                          <a:effectLst/>
+                        </a:rPr>
+                        <a:t>nvarchar</a:t>
+                      </a:r>
+                      <a:r>
+                        <a:rPr kumimoji="1" lang="en-US" altLang="ja-JP" sz="1000" b="0" kern="1200" dirty="0">
+                          <a:solidFill>
+                            <a:schemeClr val="tx1"/>
+                          </a:solidFill>
+                          <a:effectLst/>
+                        </a:rPr>
+                        <a:t>(4000)</a:t>
+                      </a:r>
+                      <a:endParaRPr kumimoji="1" lang="en-US" altLang="ja-JP" sz="1000" b="0" kern="1200" dirty="0">
+                        <a:solidFill>
+                          <a:schemeClr val="tx1"/>
+                        </a:solidFill>
+                        <a:effectLst/>
+                        <a:latin typeface="Arial" panose="020B0604020202020204" pitchFamily="34" charset="0"/>
+                        <a:ea typeface="+mn-ea"/>
+                        <a:cs typeface="Arial" panose="020B0604020202020204" pitchFamily="34" charset="0"/>
+                      </a:endParaRPr>
+                    </a:p>
+                  </a:txBody>
+                  <a:tcPr/>
+                </a:tc>
+                <a:extLst>
+                  <a:ext uri="{0D108BD9-81ED-4DB2-BD59-A6C34878D82A}">
+                    <a16:rowId xmlns:a16="http://schemas.microsoft.com/office/drawing/2014/main" val="1254725891"/>
+                  </a:ext>
+                </a:extLst>
+              </a:tr>
+              <a:tr h="274738">
+                <a:tc>
+                  <a:txBody>
+                    <a:bodyPr/>
+                    <a:lstStyle/>
+                    <a:p>
+                      <a:pPr marL="0" indent="0">
+                        <a:buFont typeface="Arial" panose="020B0604020202020204" pitchFamily="34" charset="0"/>
+                        <a:buNone/>
+                      </a:pPr>
+                      <a:r>
+                        <a:rPr lang="en-US" altLang="ja-JP" sz="1000" dirty="0">
+                          <a:solidFill>
+                            <a:schemeClr val="accent1">
+                              <a:lumMod val="50000"/>
+                            </a:schemeClr>
+                          </a:solidFill>
+                        </a:rPr>
+                        <a:t>date</a:t>
+                      </a:r>
+                      <a:endParaRPr lang="en-US" altLang="ja-JP" sz="1000" dirty="0">
+                        <a:solidFill>
+                          <a:schemeClr val="accent1">
+                            <a:lumMod val="50000"/>
+                          </a:schemeClr>
+                        </a:solidFill>
+                        <a:latin typeface="Arial" panose="020B0604020202020204" pitchFamily="34" charset="0"/>
+                        <a:cs typeface="Arial" panose="020B0604020202020204" pitchFamily="34" charset="0"/>
+                      </a:endParaRPr>
+                    </a:p>
+                  </a:txBody>
+                  <a:tcPr/>
+                </a:tc>
+                <a:tc>
+                  <a:txBody>
+                    <a:bodyPr/>
+                    <a:lstStyle/>
+                    <a:p>
+                      <a:pPr marL="0" marR="0" lvl="0" indent="0" algn="l" defTabSz="914400" rtl="0" eaLnBrk="1" fontAlgn="auto" latinLnBrk="0" hangingPunct="1">
+                        <a:lnSpc>
+                          <a:spcPct val="100000"/>
+                        </a:lnSpc>
+                        <a:spcBef>
+                          <a:spcPts val="0"/>
+                        </a:spcBef>
+                        <a:spcAft>
+                          <a:spcPts val="0"/>
+                        </a:spcAft>
+                        <a:buClrTx/>
+                        <a:buSzTx/>
+                        <a:buFontTx/>
+                        <a:buNone/>
+                        <a:tabLst/>
+                        <a:defRPr/>
+                      </a:pPr>
+                      <a:r>
+                        <a:rPr kumimoji="1" lang="en-US" altLang="ja-JP" sz="1000" b="0" kern="1200" dirty="0" err="1">
+                          <a:solidFill>
+                            <a:schemeClr val="tx1"/>
+                          </a:solidFill>
+                          <a:effectLst/>
+                        </a:rPr>
+                        <a:t>nvarchar</a:t>
+                      </a:r>
+                      <a:r>
+                        <a:rPr kumimoji="1" lang="en-US" altLang="ja-JP" sz="1000" b="0" kern="1200" dirty="0">
+                          <a:solidFill>
+                            <a:schemeClr val="tx1"/>
+                          </a:solidFill>
+                          <a:effectLst/>
+                        </a:rPr>
+                        <a:t>(4000)</a:t>
+                      </a:r>
+                      <a:endParaRPr kumimoji="1" lang="en-US" altLang="ja-JP" sz="1000" b="0" kern="1200" dirty="0">
+                        <a:solidFill>
+                          <a:schemeClr val="tx1"/>
+                        </a:solidFill>
+                        <a:effectLst/>
+                        <a:latin typeface="Arial" panose="020B0604020202020204" pitchFamily="34" charset="0"/>
+                        <a:ea typeface="+mn-ea"/>
+                        <a:cs typeface="Arial" panose="020B0604020202020204" pitchFamily="34" charset="0"/>
+                      </a:endParaRPr>
+                    </a:p>
+                  </a:txBody>
+                  <a:tcPr/>
+                </a:tc>
+                <a:extLst>
+                  <a:ext uri="{0D108BD9-81ED-4DB2-BD59-A6C34878D82A}">
+                    <a16:rowId xmlns:a16="http://schemas.microsoft.com/office/drawing/2014/main" val="3179887243"/>
+                  </a:ext>
+                </a:extLst>
+              </a:tr>
+              <a:tr h="274738">
+                <a:tc>
+                  <a:txBody>
+                    <a:bodyPr/>
+                    <a:lstStyle/>
+                    <a:p>
+                      <a:pPr marL="0" marR="0" lvl="0" indent="0" algn="l" defTabSz="914400" rtl="0" eaLnBrk="1" fontAlgn="auto" latinLnBrk="0" hangingPunct="1">
+                        <a:lnSpc>
+                          <a:spcPct val="100000"/>
+                        </a:lnSpc>
+                        <a:spcBef>
+                          <a:spcPts val="0"/>
+                        </a:spcBef>
+                        <a:spcAft>
+                          <a:spcPts val="0"/>
+                        </a:spcAft>
+                        <a:buClrTx/>
+                        <a:buSzTx/>
+                        <a:buFontTx/>
+                        <a:buNone/>
+                        <a:tabLst/>
+                        <a:defRPr/>
+                      </a:pPr>
+                      <a:r>
+                        <a:rPr kumimoji="1" lang="en-US" altLang="ja-JP" sz="1000" dirty="0">
+                          <a:solidFill>
+                            <a:schemeClr val="tx1"/>
+                          </a:solidFill>
+                        </a:rPr>
+                        <a:t>amount</a:t>
+                      </a:r>
+                      <a:endParaRPr lang="en-US" altLang="ja-JP" sz="1000" dirty="0">
+                        <a:solidFill>
+                          <a:schemeClr val="tx1"/>
+                        </a:solidFill>
+                        <a:latin typeface="Arial" panose="020B0604020202020204" pitchFamily="34" charset="0"/>
+                        <a:cs typeface="Arial" panose="020B0604020202020204" pitchFamily="34" charset="0"/>
+                      </a:endParaRPr>
+                    </a:p>
+                  </a:txBody>
+                  <a:tcPr/>
+                </a:tc>
+                <a:tc>
+                  <a:txBody>
+                    <a:bodyPr/>
+                    <a:lstStyle/>
+                    <a:p>
+                      <a:pPr marL="0" marR="0" lvl="0" indent="0" algn="l" defTabSz="914400" rtl="0" eaLnBrk="1" fontAlgn="auto" latinLnBrk="0" hangingPunct="1">
+                        <a:lnSpc>
+                          <a:spcPct val="100000"/>
+                        </a:lnSpc>
+                        <a:spcBef>
+                          <a:spcPts val="0"/>
+                        </a:spcBef>
+                        <a:spcAft>
+                          <a:spcPts val="0"/>
+                        </a:spcAft>
+                        <a:buClrTx/>
+                        <a:buSzTx/>
+                        <a:buFontTx/>
+                        <a:buNone/>
+                        <a:tabLst/>
+                        <a:defRPr/>
+                      </a:pPr>
+                      <a:r>
+                        <a:rPr kumimoji="1" lang="en-US" altLang="ja-JP" sz="1000" b="0" kern="1200" dirty="0" err="1">
+                          <a:solidFill>
+                            <a:schemeClr val="tx1"/>
+                          </a:solidFill>
+                          <a:effectLst/>
+                        </a:rPr>
+                        <a:t>nvarchar</a:t>
+                      </a:r>
+                      <a:r>
+                        <a:rPr kumimoji="1" lang="en-US" altLang="ja-JP" sz="1000" b="0" kern="1200" dirty="0">
+                          <a:solidFill>
+                            <a:schemeClr val="tx1"/>
+                          </a:solidFill>
+                          <a:effectLst/>
+                        </a:rPr>
+                        <a:t>(4000)</a:t>
+                      </a:r>
+                      <a:endParaRPr kumimoji="1" lang="en-US" altLang="ja-JP" sz="1000" b="0" kern="1200" dirty="0">
+                        <a:solidFill>
+                          <a:schemeClr val="tx1"/>
+                        </a:solidFill>
+                        <a:effectLst/>
+                        <a:latin typeface="Arial" panose="020B0604020202020204" pitchFamily="34" charset="0"/>
+                        <a:ea typeface="+mn-ea"/>
+                        <a:cs typeface="Arial" panose="020B0604020202020204" pitchFamily="34" charset="0"/>
+                      </a:endParaRPr>
+                    </a:p>
+                  </a:txBody>
+                  <a:tcPr/>
+                </a:tc>
+                <a:extLst>
+                  <a:ext uri="{0D108BD9-81ED-4DB2-BD59-A6C34878D82A}">
+                    <a16:rowId xmlns:a16="http://schemas.microsoft.com/office/drawing/2014/main" val="1698588673"/>
+                  </a:ext>
+                </a:extLst>
+              </a:tr>
+              <a:tr h="274738">
+                <a:tc>
+                  <a:txBody>
+                    <a:bodyPr/>
+                    <a:lstStyle/>
+                    <a:p>
+                      <a:pPr marL="0" marR="0" lvl="0" indent="0" algn="l" defTabSz="914400" rtl="0" eaLnBrk="1" fontAlgn="auto" latinLnBrk="0" hangingPunct="1">
+                        <a:lnSpc>
+                          <a:spcPct val="100000"/>
+                        </a:lnSpc>
+                        <a:spcBef>
+                          <a:spcPts val="0"/>
+                        </a:spcBef>
+                        <a:spcAft>
+                          <a:spcPts val="0"/>
+                        </a:spcAft>
+                        <a:buClrTx/>
+                        <a:buSzTx/>
+                        <a:buFontTx/>
+                        <a:buNone/>
+                        <a:tabLst/>
+                        <a:defRPr/>
+                      </a:pPr>
+                      <a:r>
+                        <a:rPr lang="en-US" altLang="ja-JP" sz="1000" dirty="0" err="1"/>
+                        <a:t>account_number</a:t>
+                      </a:r>
+                      <a:endParaRPr kumimoji="1" lang="en-US" altLang="ja-JP" sz="1000" dirty="0">
+                        <a:solidFill>
+                          <a:schemeClr val="tx1"/>
+                        </a:solidFill>
+                        <a:latin typeface="Arial" panose="020B0604020202020204" pitchFamily="34" charset="0"/>
+                        <a:cs typeface="Arial" panose="020B0604020202020204" pitchFamily="34" charset="0"/>
+                      </a:endParaRPr>
+                    </a:p>
+                  </a:txBody>
+                  <a:tcPr/>
+                </a:tc>
+                <a:tc>
+                  <a:txBody>
+                    <a:bodyPr/>
+                    <a:lstStyle/>
+                    <a:p>
+                      <a:pPr marL="0" marR="0" lvl="0" indent="0" algn="l" defTabSz="914400" rtl="0" eaLnBrk="1" fontAlgn="auto" latinLnBrk="0" hangingPunct="1">
+                        <a:lnSpc>
+                          <a:spcPct val="100000"/>
+                        </a:lnSpc>
+                        <a:spcBef>
+                          <a:spcPts val="0"/>
+                        </a:spcBef>
+                        <a:spcAft>
+                          <a:spcPts val="0"/>
+                        </a:spcAft>
+                        <a:buClrTx/>
+                        <a:buSzTx/>
+                        <a:buFontTx/>
+                        <a:buNone/>
+                        <a:tabLst/>
+                        <a:defRPr/>
+                      </a:pPr>
+                      <a:r>
+                        <a:rPr kumimoji="1" lang="en-US" altLang="ja-JP" sz="1000" b="0" kern="1200" dirty="0" err="1">
+                          <a:solidFill>
+                            <a:schemeClr val="tx1"/>
+                          </a:solidFill>
+                          <a:effectLst/>
+                        </a:rPr>
+                        <a:t>nvarchar</a:t>
+                      </a:r>
+                      <a:r>
+                        <a:rPr kumimoji="1" lang="en-US" altLang="ja-JP" sz="1000" b="0" kern="1200" dirty="0">
+                          <a:solidFill>
+                            <a:schemeClr val="tx1"/>
+                          </a:solidFill>
+                          <a:effectLst/>
+                        </a:rPr>
+                        <a:t>(4000)</a:t>
+                      </a:r>
+                      <a:endParaRPr kumimoji="1" lang="en-US" altLang="ja-JP" sz="1000" b="0" kern="1200" dirty="0">
+                        <a:solidFill>
+                          <a:schemeClr val="tx1"/>
+                        </a:solidFill>
+                        <a:effectLst/>
+                        <a:latin typeface="Arial" panose="020B0604020202020204" pitchFamily="34" charset="0"/>
+                        <a:ea typeface="+mn-ea"/>
+                        <a:cs typeface="Arial" panose="020B0604020202020204" pitchFamily="34" charset="0"/>
+                      </a:endParaRPr>
+                    </a:p>
+                  </a:txBody>
+                  <a:tcPr/>
+                </a:tc>
+                <a:extLst>
+                  <a:ext uri="{0D108BD9-81ED-4DB2-BD59-A6C34878D82A}">
+                    <a16:rowId xmlns:a16="http://schemas.microsoft.com/office/drawing/2014/main" val="2891859404"/>
+                  </a:ext>
+                </a:extLst>
+              </a:tr>
+            </a:tbl>
+          </a:graphicData>
+        </a:graphic>
+      </p:graphicFrame>
+      <p:graphicFrame>
+        <p:nvGraphicFramePr>
           <p:cNvPr id="4" name="表 10">
             <a:extLst>
               <a:ext uri="{FF2B5EF4-FFF2-40B4-BE49-F238E27FC236}">
@@ -3994,14 +4460,14 @@
           <p:nvPr>
             <p:extLst>
               <p:ext uri="{D42A27DB-BD31-4B8C-83A1-F6EECF244321}">
-                <p14:modId xmlns:p14="http://schemas.microsoft.com/office/powerpoint/2010/main" val="3179315476"/>
+                <p14:modId xmlns:p14="http://schemas.microsoft.com/office/powerpoint/2010/main" val="3841643018"/>
               </p:ext>
             </p:extLst>
           </p:nvPr>
         </p:nvGraphicFramePr>
         <p:xfrm>
-          <a:off x="936764" y="2762061"/>
-          <a:ext cx="2284063" cy="1612296"/>
+          <a:off x="350875" y="2762061"/>
+          <a:ext cx="2495069" cy="1612296"/>
         </p:xfrm>
         <a:graphic>
           <a:graphicData uri="http://schemas.openxmlformats.org/drawingml/2006/table">
@@ -4010,14 +4476,14 @@
                 <a:tableStyleId>{912C8C85-51F0-491E-9774-3900AFEF0FD7}</a:tableStyleId>
               </a:tblPr>
               <a:tblGrid>
-                <a:gridCol w="1151828">
+                <a:gridCol w="1435395">
                   <a:extLst>
                     <a:ext uri="{9D8B030D-6E8A-4147-A177-3AD203B41FA5}">
                       <a16:colId xmlns:a16="http://schemas.microsoft.com/office/drawing/2014/main" val="2952130031"/>
                     </a:ext>
                   </a:extLst>
                 </a:gridCol>
-                <a:gridCol w="1132235">
+                <a:gridCol w="1059674">
                   <a:extLst>
                     <a:ext uri="{9D8B030D-6E8A-4147-A177-3AD203B41FA5}">
                       <a16:colId xmlns:a16="http://schemas.microsoft.com/office/drawing/2014/main" val="792604804"/>
@@ -4032,11 +4498,11 @@
                     <a:lstStyle/>
                     <a:p>
                       <a:r>
-                        <a:rPr kumimoji="1" lang="en-US" altLang="ja-JP" sz="1000" dirty="0">
-                          <a:latin typeface="Arial" panose="020B0604020202020204" pitchFamily="34" charset="0"/>
-                          <a:cs typeface="Arial" panose="020B0604020202020204" pitchFamily="34" charset="0"/>
-                        </a:rPr>
-                        <a:t>Calendar</a:t>
+                        <a:rPr kumimoji="1" lang="en-US" altLang="ja-JP" sz="1000" dirty="0" err="1">
+                          <a:latin typeface="Arial" panose="020B0604020202020204" pitchFamily="34" charset="0"/>
+                          <a:cs typeface="Arial" panose="020B0604020202020204" pitchFamily="34" charset="0"/>
+                        </a:rPr>
+                        <a:t>Calendar_dimension</a:t>
                       </a:r>
                       <a:endParaRPr kumimoji="1" lang="ja-JP" altLang="en-US" sz="1000" dirty="0">
                         <a:latin typeface="Arial" panose="020B0604020202020204" pitchFamily="34" charset="0"/>
@@ -4491,14 +4957,14 @@
           <p:nvPr>
             <p:extLst>
               <p:ext uri="{D42A27DB-BD31-4B8C-83A1-F6EECF244321}">
-                <p14:modId xmlns:p14="http://schemas.microsoft.com/office/powerpoint/2010/main" val="3815920079"/>
+                <p14:modId xmlns:p14="http://schemas.microsoft.com/office/powerpoint/2010/main" val="143256233"/>
               </p:ext>
             </p:extLst>
           </p:nvPr>
         </p:nvGraphicFramePr>
         <p:xfrm>
-          <a:off x="4386125" y="3551650"/>
-          <a:ext cx="2302737" cy="2349050"/>
+          <a:off x="4386126" y="3551650"/>
+          <a:ext cx="2658946" cy="2349050"/>
         </p:xfrm>
         <a:graphic>
           <a:graphicData uri="http://schemas.openxmlformats.org/drawingml/2006/table">
@@ -4507,14 +4973,14 @@
                 <a:tableStyleId>{69012ECD-51FC-41F1-AA8D-1B2483CD663E}</a:tableStyleId>
               </a:tblPr>
               <a:tblGrid>
-                <a:gridCol w="1170499">
+                <a:gridCol w="1589372">
                   <a:extLst>
                     <a:ext uri="{9D8B030D-6E8A-4147-A177-3AD203B41FA5}">
                       <a16:colId xmlns:a16="http://schemas.microsoft.com/office/drawing/2014/main" val="2952130031"/>
                     </a:ext>
                   </a:extLst>
                 </a:gridCol>
-                <a:gridCol w="1132238">
+                <a:gridCol w="1069574">
                   <a:extLst>
                     <a:ext uri="{9D8B030D-6E8A-4147-A177-3AD203B41FA5}">
                       <a16:colId xmlns:a16="http://schemas.microsoft.com/office/drawing/2014/main" val="792604804"/>
@@ -4529,8 +4995,8 @@
                     <a:lstStyle/>
                     <a:p>
                       <a:r>
-                        <a:rPr kumimoji="1" lang="en-US" altLang="ja-JP" sz="1000" dirty="0"/>
-                        <a:t>Trip</a:t>
+                        <a:rPr kumimoji="1" lang="en-US" altLang="ja-JP" sz="1000" dirty="0" err="1"/>
+                        <a:t>Trip_fact</a:t>
                       </a:r>
                       <a:endParaRPr kumimoji="1" lang="ja-JP" altLang="en-US" sz="1000" dirty="0">
                         <a:latin typeface="Arial" panose="020B0604020202020204" pitchFamily="34" charset="0"/>
@@ -4545,7 +5011,7 @@
                     <a:bodyPr/>
                     <a:lstStyle/>
                     <a:p>
-                      <a:endParaRPr kumimoji="1" lang="ja-JP" altLang="en-US" sz="1000">
+                      <a:endParaRPr kumimoji="1" lang="ja-JP" altLang="en-US" sz="1000" dirty="0">
                         <a:latin typeface="Arial" panose="020B0604020202020204" pitchFamily="34" charset="0"/>
                         <a:cs typeface="Arial" panose="020B0604020202020204" pitchFamily="34" charset="0"/>
                       </a:endParaRPr>
@@ -5151,14 +5617,14 @@
                         <a:defRPr/>
                       </a:pPr>
                       <a:r>
-                        <a:rPr lang="en-US" altLang="ja-JP" sz="1000" dirty="0" err="1">
+                        <a:rPr lang="en-US" altLang="ja-JP" sz="1000" b="1" dirty="0" err="1">
                           <a:solidFill>
                             <a:schemeClr val="tx1"/>
                           </a:solidFill>
                           <a:latin typeface="Arial" panose="020B0604020202020204" pitchFamily="34" charset="0"/>
                           <a:cs typeface="Arial" panose="020B0604020202020204" pitchFamily="34" charset="0"/>
                         </a:rPr>
-                        <a:t>SpentTime</a:t>
+                        <a:t>Druation</a:t>
                       </a:r>
                       <a:endParaRPr lang="en-US" altLang="ja-JP" sz="1000" b="1" dirty="0">
                         <a:solidFill>
@@ -5233,15 +5699,18 @@
                           <a:latin typeface="Arial" panose="020B0604020202020204" pitchFamily="34" charset="0"/>
                           <a:cs typeface="Arial" panose="020B0604020202020204" pitchFamily="34" charset="0"/>
                         </a:rPr>
-                        <a:t>AgeAtTrip</a:t>
-                      </a:r>
-                      <a:endParaRPr kumimoji="1" lang="en-US" altLang="ja-JP" sz="1000" dirty="0">
-                        <a:solidFill>
-                          <a:schemeClr val="tx1"/>
-                        </a:solidFill>
-                        <a:latin typeface="Arial" panose="020B0604020202020204" pitchFamily="34" charset="0"/>
-                        <a:cs typeface="Arial" panose="020B0604020202020204" pitchFamily="34" charset="0"/>
-                      </a:endParaRPr>
+                        <a:t>Age_at_Time_of</a:t>
+                      </a:r>
+                      <a:r>
+                        <a:rPr kumimoji="1" lang="en-US" altLang="ja-JP" sz="1000" dirty="0">
+                          <a:solidFill>
+                            <a:schemeClr val="tx1"/>
+                          </a:solidFill>
+                          <a:latin typeface="Arial" panose="020B0604020202020204" pitchFamily="34" charset="0"/>
+                          <a:cs typeface="Arial" panose="020B0604020202020204" pitchFamily="34" charset="0"/>
+                        </a:rPr>
+                        <a:t> _Trip</a:t>
+                      </a:r>
                     </a:p>
                   </a:txBody>
                   <a:tcPr/>
@@ -5309,14 +5778,14 @@
           <p:nvPr>
             <p:extLst>
               <p:ext uri="{D42A27DB-BD31-4B8C-83A1-F6EECF244321}">
-                <p14:modId xmlns:p14="http://schemas.microsoft.com/office/powerpoint/2010/main" val="1431960006"/>
+                <p14:modId xmlns:p14="http://schemas.microsoft.com/office/powerpoint/2010/main" val="3874370212"/>
               </p:ext>
             </p:extLst>
           </p:nvPr>
         </p:nvGraphicFramePr>
         <p:xfrm>
           <a:off x="7920397" y="1119052"/>
-          <a:ext cx="2315583" cy="1716537"/>
+          <a:ext cx="2673010" cy="1716537"/>
         </p:xfrm>
         <a:graphic>
           <a:graphicData uri="http://schemas.openxmlformats.org/drawingml/2006/table">
@@ -5325,14 +5794,14 @@
                 <a:tableStyleId>{72833802-FEF1-4C79-8D5D-14CF1EAF98D9}</a:tableStyleId>
               </a:tblPr>
               <a:tblGrid>
-                <a:gridCol w="1167003">
+                <a:gridCol w="1608855">
                   <a:extLst>
                     <a:ext uri="{9D8B030D-6E8A-4147-A177-3AD203B41FA5}">
                       <a16:colId xmlns:a16="http://schemas.microsoft.com/office/drawing/2014/main" val="2952130031"/>
                     </a:ext>
                   </a:extLst>
                 </a:gridCol>
-                <a:gridCol w="1148580">
+                <a:gridCol w="1064155">
                   <a:extLst>
                     <a:ext uri="{9D8B030D-6E8A-4147-A177-3AD203B41FA5}">
                       <a16:colId xmlns:a16="http://schemas.microsoft.com/office/drawing/2014/main" val="792604804"/>
@@ -5347,8 +5816,8 @@
                     <a:lstStyle/>
                     <a:p>
                       <a:r>
-                        <a:rPr kumimoji="1" lang="en-US" altLang="ja-JP" sz="1000" dirty="0"/>
-                        <a:t>Rider</a:t>
+                        <a:rPr kumimoji="1" lang="en-US" altLang="ja-JP" sz="1000" dirty="0" err="1"/>
+                        <a:t>Rider_dimension</a:t>
                       </a:r>
                       <a:endParaRPr kumimoji="1" lang="ja-JP" altLang="en-US" sz="1000" dirty="0">
                         <a:latin typeface="Arial" panose="020B0604020202020204" pitchFamily="34" charset="0"/>
@@ -5833,14 +6302,14 @@
           <p:nvPr>
             <p:extLst>
               <p:ext uri="{D42A27DB-BD31-4B8C-83A1-F6EECF244321}">
-                <p14:modId xmlns:p14="http://schemas.microsoft.com/office/powerpoint/2010/main" val="24628081"/>
+                <p14:modId xmlns:p14="http://schemas.microsoft.com/office/powerpoint/2010/main" val="144876327"/>
               </p:ext>
             </p:extLst>
           </p:nvPr>
         </p:nvGraphicFramePr>
         <p:xfrm>
-          <a:off x="8325580" y="4716900"/>
-          <a:ext cx="2302738" cy="975360"/>
+          <a:off x="8325579" y="4716900"/>
+          <a:ext cx="2673010" cy="975360"/>
         </p:xfrm>
         <a:graphic>
           <a:graphicData uri="http://schemas.openxmlformats.org/drawingml/2006/table">
@@ -5849,14 +6318,14 @@
                 <a:tableStyleId>{7E9639D4-E3E2-4D34-9284-5A2195B3D0D7}</a:tableStyleId>
               </a:tblPr>
               <a:tblGrid>
-                <a:gridCol w="1154159">
+                <a:gridCol w="1462872">
                   <a:extLst>
                     <a:ext uri="{9D8B030D-6E8A-4147-A177-3AD203B41FA5}">
                       <a16:colId xmlns:a16="http://schemas.microsoft.com/office/drawing/2014/main" val="2952130031"/>
                     </a:ext>
                   </a:extLst>
                 </a:gridCol>
-                <a:gridCol w="1148579">
+                <a:gridCol w="1210138">
                   <a:extLst>
                     <a:ext uri="{9D8B030D-6E8A-4147-A177-3AD203B41FA5}">
                       <a16:colId xmlns:a16="http://schemas.microsoft.com/office/drawing/2014/main" val="792604804"/>
@@ -5888,11 +6357,11 @@
                         <a:defRPr/>
                       </a:pPr>
                       <a:r>
-                        <a:rPr kumimoji="1" lang="en-US" altLang="ja-JP" sz="1000" dirty="0">
-                          <a:latin typeface="Arial" panose="020B0604020202020204" pitchFamily="34" charset="0"/>
-                          <a:cs typeface="Arial" panose="020B0604020202020204" pitchFamily="34" charset="0"/>
-                        </a:rPr>
-                        <a:t>Station</a:t>
+                        <a:rPr kumimoji="1" lang="en-US" altLang="ja-JP" sz="1000" dirty="0" err="1">
+                          <a:latin typeface="Arial" panose="020B0604020202020204" pitchFamily="34" charset="0"/>
+                          <a:cs typeface="Arial" panose="020B0604020202020204" pitchFamily="34" charset="0"/>
+                        </a:rPr>
+                        <a:t>Station_dimension</a:t>
                       </a:r>
                       <a:endParaRPr kumimoji="1" lang="en-US" altLang="ja-JP" sz="1000" b="1" dirty="0">
                         <a:latin typeface="Arial" panose="020B0604020202020204" pitchFamily="34" charset="0"/>
@@ -6142,8 +6611,8 @@
         </p:nvSpPr>
         <p:spPr>
           <a:xfrm>
-            <a:off x="944882" y="3031431"/>
-            <a:ext cx="2284062" cy="203542"/>
+            <a:off x="358991" y="3031430"/>
+            <a:ext cx="2486953" cy="211499"/>
           </a:xfrm>
           <a:prstGeom prst="rect">
             <a:avLst/>
@@ -6195,7 +6664,7 @@
         <p:spPr>
           <a:xfrm>
             <a:off x="4404797" y="4074724"/>
-            <a:ext cx="2284064" cy="236939"/>
+            <a:ext cx="2640274" cy="273891"/>
           </a:xfrm>
           <a:prstGeom prst="rect">
             <a:avLst/>
@@ -6246,8 +6715,8 @@
         </p:nvSpPr>
         <p:spPr>
           <a:xfrm>
-            <a:off x="7942580" y="1379467"/>
-            <a:ext cx="2284062" cy="203542"/>
+            <a:off x="7942579" y="1379467"/>
+            <a:ext cx="2650827" cy="194152"/>
           </a:xfrm>
           <a:prstGeom prst="rect">
             <a:avLst/>
@@ -6298,8 +6767,8 @@
         </p:nvSpPr>
         <p:spPr>
           <a:xfrm>
-            <a:off x="8344256" y="4984583"/>
-            <a:ext cx="2284062" cy="203542"/>
+            <a:off x="8344255" y="4976037"/>
+            <a:ext cx="2654333" cy="242342"/>
           </a:xfrm>
           <a:prstGeom prst="rect">
             <a:avLst/>
@@ -6346,6 +6815,7 @@
             </a:extLst>
           </p:cNvPr>
           <p:cNvCxnSpPr>
+            <a:cxnSpLocks/>
             <a:stCxn id="8" idx="3"/>
             <a:endCxn id="9" idx="1"/>
           </p:cNvCxnSpPr>
@@ -6353,8 +6823,8 @@
         </p:nvCxnSpPr>
         <p:spPr>
           <a:xfrm>
-            <a:off x="3228944" y="3133202"/>
-            <a:ext cx="1175853" cy="1059992"/>
+            <a:off x="2845944" y="3137180"/>
+            <a:ext cx="1558853" cy="1074490"/>
           </a:xfrm>
           <a:prstGeom prst="bentConnector3">
             <a:avLst/>
@@ -6399,8 +6869,8 @@
         </p:nvCxnSpPr>
         <p:spPr>
           <a:xfrm rot="10800000">
-            <a:off x="6688862" y="4726176"/>
-            <a:ext cx="1655394" cy="360179"/>
+            <a:off x="7045073" y="4726176"/>
+            <a:ext cx="1299183" cy="371033"/>
           </a:xfrm>
           <a:prstGeom prst="bentConnector3">
             <a:avLst>
@@ -6447,8 +6917,8 @@
         </p:nvCxnSpPr>
         <p:spPr>
           <a:xfrm rot="10800000" flipV="1">
-            <a:off x="6679526" y="1481238"/>
-            <a:ext cx="1263055" cy="3782290"/>
+            <a:off x="7036953" y="1476543"/>
+            <a:ext cx="905626" cy="3784368"/>
           </a:xfrm>
           <a:prstGeom prst="bentConnector3">
             <a:avLst>
@@ -6492,7 +6962,7 @@
         <p:spPr>
           <a:xfrm>
             <a:off x="4378008" y="4607705"/>
-            <a:ext cx="2284064" cy="236939"/>
+            <a:ext cx="2658946" cy="283980"/>
           </a:xfrm>
           <a:prstGeom prst="rect">
             <a:avLst/>
@@ -6543,8 +7013,8 @@
         </p:nvSpPr>
         <p:spPr>
           <a:xfrm>
-            <a:off x="4395461" y="5145058"/>
-            <a:ext cx="2284064" cy="236939"/>
+            <a:off x="4395460" y="5145059"/>
+            <a:ext cx="2641493" cy="231704"/>
           </a:xfrm>
           <a:prstGeom prst="rect">
             <a:avLst/>
@@ -6581,472 +7051,6 @@
           </a:p>
         </p:txBody>
       </p:sp>
-      <p:graphicFrame>
-        <p:nvGraphicFramePr>
-          <p:cNvPr id="17" name="表 16">
-            <a:extLst>
-              <a:ext uri="{FF2B5EF4-FFF2-40B4-BE49-F238E27FC236}">
-                <a16:creationId xmlns:a16="http://schemas.microsoft.com/office/drawing/2014/main" id="{6F806FE0-FFE5-F750-3FBA-EA02D52C7C1A}"/>
-              </a:ext>
-            </a:extLst>
-          </p:cNvPr>
-          <p:cNvGraphicFramePr>
-            <a:graphicFrameLocks noGrp="1"/>
-          </p:cNvGraphicFramePr>
-          <p:nvPr>
-            <p:extLst>
-              <p:ext uri="{D42A27DB-BD31-4B8C-83A1-F6EECF244321}">
-                <p14:modId xmlns:p14="http://schemas.microsoft.com/office/powerpoint/2010/main" val="1654814608"/>
-              </p:ext>
-            </p:extLst>
-          </p:nvPr>
-        </p:nvGraphicFramePr>
-        <p:xfrm>
-          <a:off x="4372855" y="1179604"/>
-          <a:ext cx="2302737" cy="1342792"/>
-        </p:xfrm>
-        <a:graphic>
-          <a:graphicData uri="http://schemas.openxmlformats.org/drawingml/2006/table">
-            <a:tbl>
-              <a:tblPr firstRow="1" bandRow="1">
-                <a:tableStyleId>{F5AB1C69-6EDB-4FF4-983F-18BD219EF322}</a:tableStyleId>
-              </a:tblPr>
-              <a:tblGrid>
-                <a:gridCol w="1170499">
-                  <a:extLst>
-                    <a:ext uri="{9D8B030D-6E8A-4147-A177-3AD203B41FA5}">
-                      <a16:colId xmlns:a16="http://schemas.microsoft.com/office/drawing/2014/main" val="2952130031"/>
-                    </a:ext>
-                  </a:extLst>
-                </a:gridCol>
-                <a:gridCol w="1132238">
-                  <a:extLst>
-                    <a:ext uri="{9D8B030D-6E8A-4147-A177-3AD203B41FA5}">
-                      <a16:colId xmlns:a16="http://schemas.microsoft.com/office/drawing/2014/main" val="792604804"/>
-                    </a:ext>
-                  </a:extLst>
-                </a:gridCol>
-              </a:tblGrid>
-              <a:tr h="123856">
-                <a:tc>
-                  <a:txBody>
-                    <a:bodyPr/>
-                    <a:lstStyle/>
-                    <a:p>
-                      <a:r>
-                        <a:rPr kumimoji="1" lang="en-US" altLang="ja-JP" sz="1000" dirty="0"/>
-                        <a:t>Payment</a:t>
-                      </a:r>
-                      <a:endParaRPr kumimoji="1" lang="ja-JP" altLang="en-US" sz="1000" dirty="0">
-                        <a:latin typeface="Arial" panose="020B0604020202020204" pitchFamily="34" charset="0"/>
-                        <a:cs typeface="Arial" panose="020B0604020202020204" pitchFamily="34" charset="0"/>
-                      </a:endParaRPr>
-                    </a:p>
-                  </a:txBody>
-                  <a:tcPr/>
-                </a:tc>
-                <a:tc>
-                  <a:txBody>
-                    <a:bodyPr/>
-                    <a:lstStyle/>
-                    <a:p>
-                      <a:endParaRPr kumimoji="1" lang="ja-JP" altLang="en-US" sz="1000" dirty="0">
-                        <a:highlight>
-                          <a:srgbClr val="808000"/>
-                        </a:highlight>
-                        <a:latin typeface="Arial" panose="020B0604020202020204" pitchFamily="34" charset="0"/>
-                        <a:cs typeface="Arial" panose="020B0604020202020204" pitchFamily="34" charset="0"/>
-                      </a:endParaRPr>
-                    </a:p>
-                  </a:txBody>
-                  <a:tcPr/>
-                </a:tc>
-                <a:extLst>
-                  <a:ext uri="{0D108BD9-81ED-4DB2-BD59-A6C34878D82A}">
-                    <a16:rowId xmlns:a16="http://schemas.microsoft.com/office/drawing/2014/main" val="659651961"/>
-                  </a:ext>
-                </a:extLst>
-              </a:tr>
-              <a:tr h="274738">
-                <a:tc>
-                  <a:txBody>
-                    <a:bodyPr/>
-                    <a:lstStyle/>
-                    <a:p>
-                      <a:pPr marL="0" indent="0">
-                        <a:buFont typeface="Arial" panose="020B0604020202020204" pitchFamily="34" charset="0"/>
-                        <a:buNone/>
-                      </a:pPr>
-                      <a:r>
-                        <a:rPr kumimoji="1" lang="en-US" altLang="ja-JP" sz="1000" dirty="0" err="1"/>
-                        <a:t>payment_id</a:t>
-                      </a:r>
-                      <a:endParaRPr kumimoji="1" lang="en-US" altLang="ja-JP" sz="1000" dirty="0">
-                        <a:solidFill>
-                          <a:schemeClr val="accent1">
-                            <a:lumMod val="50000"/>
-                          </a:schemeClr>
-                        </a:solidFill>
-                        <a:latin typeface="Arial" panose="020B0604020202020204" pitchFamily="34" charset="0"/>
-                        <a:cs typeface="Arial" panose="020B0604020202020204" pitchFamily="34" charset="0"/>
-                      </a:endParaRPr>
-                    </a:p>
-                  </a:txBody>
-                  <a:tcPr/>
-                </a:tc>
-                <a:tc>
-                  <a:txBody>
-                    <a:bodyPr/>
-                    <a:lstStyle/>
-                    <a:p>
-                      <a:pPr marL="0" marR="0" lvl="0" indent="0" algn="l" defTabSz="914400" rtl="0" eaLnBrk="1" fontAlgn="auto" latinLnBrk="0" hangingPunct="1">
-                        <a:lnSpc>
-                          <a:spcPct val="100000"/>
-                        </a:lnSpc>
-                        <a:spcBef>
-                          <a:spcPts val="0"/>
-                        </a:spcBef>
-                        <a:spcAft>
-                          <a:spcPts val="0"/>
-                        </a:spcAft>
-                        <a:buClrTx/>
-                        <a:buSzTx/>
-                        <a:buFontTx/>
-                        <a:buNone/>
-                        <a:tabLst/>
-                        <a:defRPr/>
-                      </a:pPr>
-                      <a:r>
-                        <a:rPr kumimoji="1" lang="en-US" altLang="ja-JP" sz="1000" b="0" kern="1200" dirty="0" err="1">
-                          <a:solidFill>
-                            <a:schemeClr val="tx1"/>
-                          </a:solidFill>
-                          <a:effectLst/>
-                        </a:rPr>
-                        <a:t>nvarchar</a:t>
-                      </a:r>
-                      <a:r>
-                        <a:rPr kumimoji="1" lang="en-US" altLang="ja-JP" sz="1000" b="0" kern="1200" dirty="0">
-                          <a:solidFill>
-                            <a:schemeClr val="tx1"/>
-                          </a:solidFill>
-                          <a:effectLst/>
-                        </a:rPr>
-                        <a:t>(4000)</a:t>
-                      </a:r>
-                      <a:endParaRPr kumimoji="1" lang="en-US" altLang="ja-JP" sz="1000" b="0" kern="1200" dirty="0">
-                        <a:solidFill>
-                          <a:schemeClr val="tx1"/>
-                        </a:solidFill>
-                        <a:effectLst/>
-                        <a:latin typeface="Arial" panose="020B0604020202020204" pitchFamily="34" charset="0"/>
-                        <a:ea typeface="+mn-ea"/>
-                        <a:cs typeface="Arial" panose="020B0604020202020204" pitchFamily="34" charset="0"/>
-                      </a:endParaRPr>
-                    </a:p>
-                  </a:txBody>
-                  <a:tcPr/>
-                </a:tc>
-                <a:extLst>
-                  <a:ext uri="{0D108BD9-81ED-4DB2-BD59-A6C34878D82A}">
-                    <a16:rowId xmlns:a16="http://schemas.microsoft.com/office/drawing/2014/main" val="1254725891"/>
-                  </a:ext>
-                </a:extLst>
-              </a:tr>
-              <a:tr h="274738">
-                <a:tc>
-                  <a:txBody>
-                    <a:bodyPr/>
-                    <a:lstStyle/>
-                    <a:p>
-                      <a:pPr marL="0" indent="0">
-                        <a:buFont typeface="Arial" panose="020B0604020202020204" pitchFamily="34" charset="0"/>
-                        <a:buNone/>
-                      </a:pPr>
-                      <a:r>
-                        <a:rPr lang="en-US" altLang="ja-JP" sz="1000" dirty="0">
-                          <a:solidFill>
-                            <a:schemeClr val="accent1">
-                              <a:lumMod val="50000"/>
-                            </a:schemeClr>
-                          </a:solidFill>
-                        </a:rPr>
-                        <a:t>date</a:t>
-                      </a:r>
-                      <a:endParaRPr lang="en-US" altLang="ja-JP" sz="1000" dirty="0">
-                        <a:solidFill>
-                          <a:schemeClr val="accent1">
-                            <a:lumMod val="50000"/>
-                          </a:schemeClr>
-                        </a:solidFill>
-                        <a:latin typeface="Arial" panose="020B0604020202020204" pitchFamily="34" charset="0"/>
-                        <a:cs typeface="Arial" panose="020B0604020202020204" pitchFamily="34" charset="0"/>
-                      </a:endParaRPr>
-                    </a:p>
-                  </a:txBody>
-                  <a:tcPr/>
-                </a:tc>
-                <a:tc>
-                  <a:txBody>
-                    <a:bodyPr/>
-                    <a:lstStyle/>
-                    <a:p>
-                      <a:pPr marL="0" marR="0" lvl="0" indent="0" algn="l" defTabSz="914400" rtl="0" eaLnBrk="1" fontAlgn="auto" latinLnBrk="0" hangingPunct="1">
-                        <a:lnSpc>
-                          <a:spcPct val="100000"/>
-                        </a:lnSpc>
-                        <a:spcBef>
-                          <a:spcPts val="0"/>
-                        </a:spcBef>
-                        <a:spcAft>
-                          <a:spcPts val="0"/>
-                        </a:spcAft>
-                        <a:buClrTx/>
-                        <a:buSzTx/>
-                        <a:buFontTx/>
-                        <a:buNone/>
-                        <a:tabLst/>
-                        <a:defRPr/>
-                      </a:pPr>
-                      <a:r>
-                        <a:rPr kumimoji="1" lang="en-US" altLang="ja-JP" sz="1000" b="0" kern="1200" dirty="0" err="1">
-                          <a:solidFill>
-                            <a:schemeClr val="tx1"/>
-                          </a:solidFill>
-                          <a:effectLst/>
-                        </a:rPr>
-                        <a:t>nvarchar</a:t>
-                      </a:r>
-                      <a:r>
-                        <a:rPr kumimoji="1" lang="en-US" altLang="ja-JP" sz="1000" b="0" kern="1200" dirty="0">
-                          <a:solidFill>
-                            <a:schemeClr val="tx1"/>
-                          </a:solidFill>
-                          <a:effectLst/>
-                        </a:rPr>
-                        <a:t>(4000)</a:t>
-                      </a:r>
-                      <a:endParaRPr kumimoji="1" lang="en-US" altLang="ja-JP" sz="1000" b="0" kern="1200" dirty="0">
-                        <a:solidFill>
-                          <a:schemeClr val="tx1"/>
-                        </a:solidFill>
-                        <a:effectLst/>
-                        <a:latin typeface="Arial" panose="020B0604020202020204" pitchFamily="34" charset="0"/>
-                        <a:ea typeface="+mn-ea"/>
-                        <a:cs typeface="Arial" panose="020B0604020202020204" pitchFamily="34" charset="0"/>
-                      </a:endParaRPr>
-                    </a:p>
-                  </a:txBody>
-                  <a:tcPr/>
-                </a:tc>
-                <a:extLst>
-                  <a:ext uri="{0D108BD9-81ED-4DB2-BD59-A6C34878D82A}">
-                    <a16:rowId xmlns:a16="http://schemas.microsoft.com/office/drawing/2014/main" val="3179887243"/>
-                  </a:ext>
-                </a:extLst>
-              </a:tr>
-              <a:tr h="274738">
-                <a:tc>
-                  <a:txBody>
-                    <a:bodyPr/>
-                    <a:lstStyle/>
-                    <a:p>
-                      <a:pPr marL="0" marR="0" lvl="0" indent="0" algn="l" defTabSz="914400" rtl="0" eaLnBrk="1" fontAlgn="auto" latinLnBrk="0" hangingPunct="1">
-                        <a:lnSpc>
-                          <a:spcPct val="100000"/>
-                        </a:lnSpc>
-                        <a:spcBef>
-                          <a:spcPts val="0"/>
-                        </a:spcBef>
-                        <a:spcAft>
-                          <a:spcPts val="0"/>
-                        </a:spcAft>
-                        <a:buClrTx/>
-                        <a:buSzTx/>
-                        <a:buFontTx/>
-                        <a:buNone/>
-                        <a:tabLst/>
-                        <a:defRPr/>
-                      </a:pPr>
-                      <a:r>
-                        <a:rPr kumimoji="1" lang="en-US" altLang="ja-JP" sz="1000" dirty="0">
-                          <a:solidFill>
-                            <a:schemeClr val="tx1"/>
-                          </a:solidFill>
-                        </a:rPr>
-                        <a:t>amount</a:t>
-                      </a:r>
-                      <a:endParaRPr lang="en-US" altLang="ja-JP" sz="1000" dirty="0">
-                        <a:solidFill>
-                          <a:schemeClr val="tx1"/>
-                        </a:solidFill>
-                        <a:latin typeface="Arial" panose="020B0604020202020204" pitchFamily="34" charset="0"/>
-                        <a:cs typeface="Arial" panose="020B0604020202020204" pitchFamily="34" charset="0"/>
-                      </a:endParaRPr>
-                    </a:p>
-                  </a:txBody>
-                  <a:tcPr/>
-                </a:tc>
-                <a:tc>
-                  <a:txBody>
-                    <a:bodyPr/>
-                    <a:lstStyle/>
-                    <a:p>
-                      <a:pPr marL="0" marR="0" lvl="0" indent="0" algn="l" defTabSz="914400" rtl="0" eaLnBrk="1" fontAlgn="auto" latinLnBrk="0" hangingPunct="1">
-                        <a:lnSpc>
-                          <a:spcPct val="100000"/>
-                        </a:lnSpc>
-                        <a:spcBef>
-                          <a:spcPts val="0"/>
-                        </a:spcBef>
-                        <a:spcAft>
-                          <a:spcPts val="0"/>
-                        </a:spcAft>
-                        <a:buClrTx/>
-                        <a:buSzTx/>
-                        <a:buFontTx/>
-                        <a:buNone/>
-                        <a:tabLst/>
-                        <a:defRPr/>
-                      </a:pPr>
-                      <a:r>
-                        <a:rPr kumimoji="1" lang="en-US" altLang="ja-JP" sz="1000" b="0" kern="1200" dirty="0" err="1">
-                          <a:solidFill>
-                            <a:schemeClr val="tx1"/>
-                          </a:solidFill>
-                          <a:effectLst/>
-                        </a:rPr>
-                        <a:t>nvarchar</a:t>
-                      </a:r>
-                      <a:r>
-                        <a:rPr kumimoji="1" lang="en-US" altLang="ja-JP" sz="1000" b="0" kern="1200" dirty="0">
-                          <a:solidFill>
-                            <a:schemeClr val="tx1"/>
-                          </a:solidFill>
-                          <a:effectLst/>
-                        </a:rPr>
-                        <a:t>(4000)</a:t>
-                      </a:r>
-                      <a:endParaRPr kumimoji="1" lang="en-US" altLang="ja-JP" sz="1000" b="0" kern="1200" dirty="0">
-                        <a:solidFill>
-                          <a:schemeClr val="tx1"/>
-                        </a:solidFill>
-                        <a:effectLst/>
-                        <a:latin typeface="Arial" panose="020B0604020202020204" pitchFamily="34" charset="0"/>
-                        <a:ea typeface="+mn-ea"/>
-                        <a:cs typeface="Arial" panose="020B0604020202020204" pitchFamily="34" charset="0"/>
-                      </a:endParaRPr>
-                    </a:p>
-                  </a:txBody>
-                  <a:tcPr/>
-                </a:tc>
-                <a:extLst>
-                  <a:ext uri="{0D108BD9-81ED-4DB2-BD59-A6C34878D82A}">
-                    <a16:rowId xmlns:a16="http://schemas.microsoft.com/office/drawing/2014/main" val="1698588673"/>
-                  </a:ext>
-                </a:extLst>
-              </a:tr>
-              <a:tr h="274738">
-                <a:tc>
-                  <a:txBody>
-                    <a:bodyPr/>
-                    <a:lstStyle/>
-                    <a:p>
-                      <a:pPr marL="0" marR="0" lvl="0" indent="0" algn="l" defTabSz="914400" rtl="0" eaLnBrk="1" fontAlgn="auto" latinLnBrk="0" hangingPunct="1">
-                        <a:lnSpc>
-                          <a:spcPct val="100000"/>
-                        </a:lnSpc>
-                        <a:spcBef>
-                          <a:spcPts val="0"/>
-                        </a:spcBef>
-                        <a:spcAft>
-                          <a:spcPts val="0"/>
-                        </a:spcAft>
-                        <a:buClrTx/>
-                        <a:buSzTx/>
-                        <a:buFontTx/>
-                        <a:buNone/>
-                        <a:tabLst/>
-                        <a:defRPr/>
-                      </a:pPr>
-                      <a:r>
-                        <a:rPr lang="en-US" altLang="ja-JP" sz="1000" dirty="0" err="1"/>
-                        <a:t>account_number</a:t>
-                      </a:r>
-                      <a:endParaRPr kumimoji="1" lang="en-US" altLang="ja-JP" sz="1000" dirty="0">
-                        <a:solidFill>
-                          <a:schemeClr val="tx1"/>
-                        </a:solidFill>
-                        <a:latin typeface="Arial" panose="020B0604020202020204" pitchFamily="34" charset="0"/>
-                        <a:cs typeface="Arial" panose="020B0604020202020204" pitchFamily="34" charset="0"/>
-                      </a:endParaRPr>
-                    </a:p>
-                  </a:txBody>
-                  <a:tcPr/>
-                </a:tc>
-                <a:tc>
-                  <a:txBody>
-                    <a:bodyPr/>
-                    <a:lstStyle/>
-                    <a:p>
-                      <a:pPr marL="0" marR="0" lvl="0" indent="0" algn="l" defTabSz="914400" rtl="0" eaLnBrk="1" fontAlgn="auto" latinLnBrk="0" hangingPunct="1">
-                        <a:lnSpc>
-                          <a:spcPct val="100000"/>
-                        </a:lnSpc>
-                        <a:spcBef>
-                          <a:spcPts val="0"/>
-                        </a:spcBef>
-                        <a:spcAft>
-                          <a:spcPts val="0"/>
-                        </a:spcAft>
-                        <a:buClrTx/>
-                        <a:buSzTx/>
-                        <a:buFontTx/>
-                        <a:buNone/>
-                        <a:tabLst/>
-                        <a:defRPr/>
-                      </a:pPr>
-                      <a:r>
-                        <a:rPr kumimoji="1" lang="en-US" altLang="ja-JP" sz="1000" b="0" kern="1200" dirty="0" err="1">
-                          <a:solidFill>
-                            <a:schemeClr val="tx1"/>
-                          </a:solidFill>
-                          <a:effectLst/>
-                        </a:rPr>
-                        <a:t>nvarchar</a:t>
-                      </a:r>
-                      <a:r>
-                        <a:rPr kumimoji="1" lang="en-US" altLang="ja-JP" sz="1000" b="0" kern="1200" dirty="0">
-                          <a:solidFill>
-                            <a:schemeClr val="tx1"/>
-                          </a:solidFill>
-                          <a:effectLst/>
-                        </a:rPr>
-                        <a:t>(4000)</a:t>
-                      </a:r>
-                      <a:endParaRPr kumimoji="1" lang="en-US" altLang="ja-JP" sz="1000" b="0" kern="1200" dirty="0">
-                        <a:solidFill>
-                          <a:schemeClr val="tx1"/>
-                        </a:solidFill>
-                        <a:effectLst/>
-                        <a:latin typeface="Arial" panose="020B0604020202020204" pitchFamily="34" charset="0"/>
-                        <a:ea typeface="+mn-ea"/>
-                        <a:cs typeface="Arial" panose="020B0604020202020204" pitchFamily="34" charset="0"/>
-                      </a:endParaRPr>
-                    </a:p>
-                  </a:txBody>
-                  <a:tcPr/>
-                </a:tc>
-                <a:extLst>
-                  <a:ext uri="{0D108BD9-81ED-4DB2-BD59-A6C34878D82A}">
-                    <a16:rowId xmlns:a16="http://schemas.microsoft.com/office/drawing/2014/main" val="2891859404"/>
-                  </a:ext>
-                </a:extLst>
-              </a:tr>
-            </a:tbl>
-          </a:graphicData>
-        </a:graphic>
-      </p:graphicFrame>
       <p:sp>
         <p:nvSpPr>
           <p:cNvPr id="19" name="正方形/長方形 18">
@@ -7061,8 +7065,8 @@
         </p:nvSpPr>
         <p:spPr>
           <a:xfrm>
-            <a:off x="4398209" y="1713559"/>
-            <a:ext cx="2284064" cy="236939"/>
+            <a:off x="4440741" y="1649761"/>
+            <a:ext cx="2638742" cy="232729"/>
           </a:xfrm>
           <a:prstGeom prst="rect">
             <a:avLst/>
@@ -7117,8 +7121,8 @@
         </p:nvCxnSpPr>
         <p:spPr>
           <a:xfrm flipV="1">
-            <a:off x="3228944" y="1832029"/>
-            <a:ext cx="1169265" cy="1301173"/>
+            <a:off x="2845944" y="1766126"/>
+            <a:ext cx="1594797" cy="1371054"/>
           </a:xfrm>
           <a:prstGeom prst="bentConnector3">
             <a:avLst/>
@@ -7163,8 +7167,8 @@
         </p:nvCxnSpPr>
         <p:spPr>
           <a:xfrm rot="10800000" flipV="1">
-            <a:off x="6666254" y="1481238"/>
-            <a:ext cx="1276326" cy="903908"/>
+            <a:off x="7046669" y="1476543"/>
+            <a:ext cx="895911" cy="859398"/>
           </a:xfrm>
           <a:prstGeom prst="bentConnector3">
             <a:avLst>
@@ -7207,8 +7211,8 @@
         </p:nvSpPr>
         <p:spPr>
           <a:xfrm>
-            <a:off x="4382192" y="2283375"/>
-            <a:ext cx="2284062" cy="203542"/>
+            <a:off x="4445989" y="2219576"/>
+            <a:ext cx="2600679" cy="232729"/>
           </a:xfrm>
           <a:prstGeom prst="rect">
             <a:avLst/>
@@ -7413,10 +7417,10 @@
       </p:sp>
       <p:graphicFrame>
         <p:nvGraphicFramePr>
-          <p:cNvPr id="10" name="表 10">
+          <p:cNvPr id="55" name="表 10">
             <a:extLst>
               <a:ext uri="{FF2B5EF4-FFF2-40B4-BE49-F238E27FC236}">
-                <a16:creationId xmlns:a16="http://schemas.microsoft.com/office/drawing/2014/main" id="{2E928421-C20A-2C67-97C6-2EC4D5DCBD60}"/>
+                <a16:creationId xmlns:a16="http://schemas.microsoft.com/office/drawing/2014/main" id="{A248BC28-6C9C-8AAD-8B5B-AD58892A282A}"/>
               </a:ext>
             </a:extLst>
           </p:cNvPr>
@@ -7426,14 +7430,14 @@
           <p:nvPr>
             <p:extLst>
               <p:ext uri="{D42A27DB-BD31-4B8C-83A1-F6EECF244321}">
-                <p14:modId xmlns:p14="http://schemas.microsoft.com/office/powerpoint/2010/main" val="4238543357"/>
+                <p14:modId xmlns:p14="http://schemas.microsoft.com/office/powerpoint/2010/main" val="4017609198"/>
               </p:ext>
             </p:extLst>
           </p:nvPr>
         </p:nvGraphicFramePr>
         <p:xfrm>
-          <a:off x="1765590" y="3328471"/>
-          <a:ext cx="2284063" cy="1612296"/>
+          <a:off x="350875" y="2762061"/>
+          <a:ext cx="2495069" cy="1612296"/>
         </p:xfrm>
         <a:graphic>
           <a:graphicData uri="http://schemas.openxmlformats.org/drawingml/2006/table">
@@ -7442,14 +7446,14 @@
                 <a:tableStyleId>{912C8C85-51F0-491E-9774-3900AFEF0FD7}</a:tableStyleId>
               </a:tblPr>
               <a:tblGrid>
-                <a:gridCol w="1151828">
+                <a:gridCol w="1435395">
                   <a:extLst>
                     <a:ext uri="{9D8B030D-6E8A-4147-A177-3AD203B41FA5}">
                       <a16:colId xmlns:a16="http://schemas.microsoft.com/office/drawing/2014/main" val="2952130031"/>
                     </a:ext>
                   </a:extLst>
                 </a:gridCol>
-                <a:gridCol w="1132235">
+                <a:gridCol w="1059674">
                   <a:extLst>
                     <a:ext uri="{9D8B030D-6E8A-4147-A177-3AD203B41FA5}">
                       <a16:colId xmlns:a16="http://schemas.microsoft.com/office/drawing/2014/main" val="792604804"/>
@@ -7464,11 +7468,11 @@
                     <a:lstStyle/>
                     <a:p>
                       <a:r>
-                        <a:rPr kumimoji="1" lang="en-US" altLang="ja-JP" sz="1000" dirty="0">
-                          <a:latin typeface="Arial" panose="020B0604020202020204" pitchFamily="34" charset="0"/>
-                          <a:cs typeface="Arial" panose="020B0604020202020204" pitchFamily="34" charset="0"/>
-                        </a:rPr>
-                        <a:t>Calendar</a:t>
+                        <a:rPr kumimoji="1" lang="en-US" altLang="ja-JP" sz="1000" dirty="0" err="1">
+                          <a:latin typeface="Arial" panose="020B0604020202020204" pitchFamily="34" charset="0"/>
+                          <a:cs typeface="Arial" panose="020B0604020202020204" pitchFamily="34" charset="0"/>
+                        </a:rPr>
+                        <a:t>Calendar_dimension</a:t>
                       </a:r>
                       <a:endParaRPr kumimoji="1" lang="ja-JP" altLang="en-US" sz="1000" dirty="0">
                         <a:latin typeface="Arial" panose="020B0604020202020204" pitchFamily="34" charset="0"/>
@@ -7910,10 +7914,10 @@
       </p:graphicFrame>
       <p:graphicFrame>
         <p:nvGraphicFramePr>
-          <p:cNvPr id="11" name="表 10">
+          <p:cNvPr id="56" name="表 55">
             <a:extLst>
               <a:ext uri="{FF2B5EF4-FFF2-40B4-BE49-F238E27FC236}">
-                <a16:creationId xmlns:a16="http://schemas.microsoft.com/office/drawing/2014/main" id="{26B1F163-B55B-6515-4E32-561BEC50040A}"/>
+                <a16:creationId xmlns:a16="http://schemas.microsoft.com/office/drawing/2014/main" id="{4CB63270-1E79-D782-07F7-8020E19898DD}"/>
               </a:ext>
             </a:extLst>
           </p:cNvPr>
@@ -7923,14 +7927,14 @@
           <p:nvPr>
             <p:extLst>
               <p:ext uri="{D42A27DB-BD31-4B8C-83A1-F6EECF244321}">
-                <p14:modId xmlns:p14="http://schemas.microsoft.com/office/powerpoint/2010/main" val="2504961215"/>
+                <p14:modId xmlns:p14="http://schemas.microsoft.com/office/powerpoint/2010/main" val="1048852596"/>
               </p:ext>
             </p:extLst>
           </p:nvPr>
         </p:nvGraphicFramePr>
         <p:xfrm>
-          <a:off x="4428657" y="2871165"/>
-          <a:ext cx="2302737" cy="2349050"/>
+          <a:off x="4386126" y="3551650"/>
+          <a:ext cx="2658946" cy="2349050"/>
         </p:xfrm>
         <a:graphic>
           <a:graphicData uri="http://schemas.openxmlformats.org/drawingml/2006/table">
@@ -7939,14 +7943,14 @@
                 <a:tableStyleId>{69012ECD-51FC-41F1-AA8D-1B2483CD663E}</a:tableStyleId>
               </a:tblPr>
               <a:tblGrid>
-                <a:gridCol w="1170499">
+                <a:gridCol w="1589372">
                   <a:extLst>
                     <a:ext uri="{9D8B030D-6E8A-4147-A177-3AD203B41FA5}">
                       <a16:colId xmlns:a16="http://schemas.microsoft.com/office/drawing/2014/main" val="2952130031"/>
                     </a:ext>
                   </a:extLst>
                 </a:gridCol>
-                <a:gridCol w="1132238">
+                <a:gridCol w="1069574">
                   <a:extLst>
                     <a:ext uri="{9D8B030D-6E8A-4147-A177-3AD203B41FA5}">
                       <a16:colId xmlns:a16="http://schemas.microsoft.com/office/drawing/2014/main" val="792604804"/>
@@ -7961,8 +7965,8 @@
                     <a:lstStyle/>
                     <a:p>
                       <a:r>
-                        <a:rPr kumimoji="1" lang="en-US" altLang="ja-JP" sz="1000" dirty="0"/>
-                        <a:t>Trip</a:t>
+                        <a:rPr kumimoji="1" lang="en-US" altLang="ja-JP" sz="1000" dirty="0" err="1"/>
+                        <a:t>Trip_fact</a:t>
                       </a:r>
                       <a:endParaRPr kumimoji="1" lang="ja-JP" altLang="en-US" sz="1000" dirty="0">
                         <a:latin typeface="Arial" panose="020B0604020202020204" pitchFamily="34" charset="0"/>
@@ -7977,7 +7981,7 @@
                     <a:bodyPr/>
                     <a:lstStyle/>
                     <a:p>
-                      <a:endParaRPr kumimoji="1" lang="ja-JP" altLang="en-US" sz="1000">
+                      <a:endParaRPr kumimoji="1" lang="ja-JP" altLang="en-US" sz="1000" dirty="0">
                         <a:latin typeface="Arial" panose="020B0604020202020204" pitchFamily="34" charset="0"/>
                         <a:cs typeface="Arial" panose="020B0604020202020204" pitchFamily="34" charset="0"/>
                       </a:endParaRPr>
@@ -8583,15 +8587,18 @@
                         <a:defRPr/>
                       </a:pPr>
                       <a:r>
-                        <a:rPr lang="en-US" altLang="ja-JP" sz="1000" dirty="0" err="1">
-                          <a:latin typeface="Arial" panose="020B0604020202020204" pitchFamily="34" charset="0"/>
-                          <a:cs typeface="Arial" panose="020B0604020202020204" pitchFamily="34" charset="0"/>
-                        </a:rPr>
-                        <a:t>SpentTime</a:t>
+                        <a:rPr lang="en-US" altLang="ja-JP" sz="1000" b="1" dirty="0" err="1">
+                          <a:solidFill>
+                            <a:schemeClr val="tx1"/>
+                          </a:solidFill>
+                          <a:latin typeface="Arial" panose="020B0604020202020204" pitchFamily="34" charset="0"/>
+                          <a:cs typeface="Arial" panose="020B0604020202020204" pitchFamily="34" charset="0"/>
+                        </a:rPr>
+                        <a:t>Druation</a:t>
                       </a:r>
                       <a:endParaRPr lang="en-US" altLang="ja-JP" sz="1000" b="1" dirty="0">
                         <a:solidFill>
-                          <a:srgbClr val="FF0000"/>
+                          <a:schemeClr val="tx1"/>
                         </a:solidFill>
                         <a:latin typeface="Arial" panose="020B0604020202020204" pitchFamily="34" charset="0"/>
                         <a:cs typeface="Arial" panose="020B0604020202020204" pitchFamily="34" charset="0"/>
@@ -8662,15 +8669,18 @@
                           <a:latin typeface="Arial" panose="020B0604020202020204" pitchFamily="34" charset="0"/>
                           <a:cs typeface="Arial" panose="020B0604020202020204" pitchFamily="34" charset="0"/>
                         </a:rPr>
-                        <a:t>AgeAtTrip</a:t>
-                      </a:r>
-                      <a:endParaRPr kumimoji="1" lang="en-US" altLang="ja-JP" sz="1000" dirty="0">
-                        <a:solidFill>
-                          <a:schemeClr val="tx1"/>
-                        </a:solidFill>
-                        <a:latin typeface="Arial" panose="020B0604020202020204" pitchFamily="34" charset="0"/>
-                        <a:cs typeface="Arial" panose="020B0604020202020204" pitchFamily="34" charset="0"/>
-                      </a:endParaRPr>
+                        <a:t>Age_at_Time_of</a:t>
+                      </a:r>
+                      <a:r>
+                        <a:rPr kumimoji="1" lang="en-US" altLang="ja-JP" sz="1000" dirty="0">
+                          <a:solidFill>
+                            <a:schemeClr val="tx1"/>
+                          </a:solidFill>
+                          <a:latin typeface="Arial" panose="020B0604020202020204" pitchFamily="34" charset="0"/>
+                          <a:cs typeface="Arial" panose="020B0604020202020204" pitchFamily="34" charset="0"/>
+                        </a:rPr>
+                        <a:t> _Trip</a:t>
+                      </a:r>
                     </a:p>
                   </a:txBody>
                   <a:tcPr/>
@@ -8725,10 +8735,10 @@
       </p:graphicFrame>
       <p:graphicFrame>
         <p:nvGraphicFramePr>
-          <p:cNvPr id="12" name="表 11">
+          <p:cNvPr id="57" name="表 56">
             <a:extLst>
               <a:ext uri="{FF2B5EF4-FFF2-40B4-BE49-F238E27FC236}">
-                <a16:creationId xmlns:a16="http://schemas.microsoft.com/office/drawing/2014/main" id="{CC594804-8066-A284-6801-31152194BC02}"/>
+                <a16:creationId xmlns:a16="http://schemas.microsoft.com/office/drawing/2014/main" id="{2050E67F-FC42-5F11-6675-765CA8A20367}"/>
               </a:ext>
             </a:extLst>
           </p:cNvPr>
@@ -8738,14 +8748,14 @@
           <p:nvPr>
             <p:extLst>
               <p:ext uri="{D42A27DB-BD31-4B8C-83A1-F6EECF244321}">
-                <p14:modId xmlns:p14="http://schemas.microsoft.com/office/powerpoint/2010/main" val="33853047"/>
+                <p14:modId xmlns:p14="http://schemas.microsoft.com/office/powerpoint/2010/main" val="3196111642"/>
               </p:ext>
             </p:extLst>
           </p:nvPr>
         </p:nvGraphicFramePr>
         <p:xfrm>
-          <a:off x="7622685" y="2309899"/>
-          <a:ext cx="2315583" cy="1716537"/>
+          <a:off x="7920397" y="1119052"/>
+          <a:ext cx="2673010" cy="1716537"/>
         </p:xfrm>
         <a:graphic>
           <a:graphicData uri="http://schemas.openxmlformats.org/drawingml/2006/table">
@@ -8754,14 +8764,14 @@
                 <a:tableStyleId>{72833802-FEF1-4C79-8D5D-14CF1EAF98D9}</a:tableStyleId>
               </a:tblPr>
               <a:tblGrid>
-                <a:gridCol w="1167003">
+                <a:gridCol w="1608855">
                   <a:extLst>
                     <a:ext uri="{9D8B030D-6E8A-4147-A177-3AD203B41FA5}">
                       <a16:colId xmlns:a16="http://schemas.microsoft.com/office/drawing/2014/main" val="2952130031"/>
                     </a:ext>
                   </a:extLst>
                 </a:gridCol>
-                <a:gridCol w="1148580">
+                <a:gridCol w="1064155">
                   <a:extLst>
                     <a:ext uri="{9D8B030D-6E8A-4147-A177-3AD203B41FA5}">
                       <a16:colId xmlns:a16="http://schemas.microsoft.com/office/drawing/2014/main" val="792604804"/>
@@ -8776,8 +8786,8 @@
                     <a:lstStyle/>
                     <a:p>
                       <a:r>
-                        <a:rPr kumimoji="1" lang="en-US" altLang="ja-JP" sz="1000" dirty="0"/>
-                        <a:t>Rider</a:t>
+                        <a:rPr kumimoji="1" lang="en-US" altLang="ja-JP" sz="1000" dirty="0" err="1"/>
+                        <a:t>Rider_dimension</a:t>
                       </a:r>
                       <a:endParaRPr kumimoji="1" lang="ja-JP" altLang="en-US" sz="1000" dirty="0">
                         <a:latin typeface="Arial" panose="020B0604020202020204" pitchFamily="34" charset="0"/>
@@ -9249,10 +9259,10 @@
       </p:graphicFrame>
       <p:graphicFrame>
         <p:nvGraphicFramePr>
-          <p:cNvPr id="13" name="表 10">
+          <p:cNvPr id="58" name="表 10">
             <a:extLst>
               <a:ext uri="{FF2B5EF4-FFF2-40B4-BE49-F238E27FC236}">
-                <a16:creationId xmlns:a16="http://schemas.microsoft.com/office/drawing/2014/main" id="{BF284578-732D-5E94-02CC-AC4AC75B982E}"/>
+                <a16:creationId xmlns:a16="http://schemas.microsoft.com/office/drawing/2014/main" id="{EA95EB38-355B-6F86-2048-283646A6EB87}"/>
               </a:ext>
             </a:extLst>
           </p:cNvPr>
@@ -9262,14 +9272,14 @@
           <p:nvPr>
             <p:extLst>
               <p:ext uri="{D42A27DB-BD31-4B8C-83A1-F6EECF244321}">
-                <p14:modId xmlns:p14="http://schemas.microsoft.com/office/powerpoint/2010/main" val="2136339516"/>
+                <p14:modId xmlns:p14="http://schemas.microsoft.com/office/powerpoint/2010/main" val="3283429663"/>
               </p:ext>
             </p:extLst>
           </p:nvPr>
         </p:nvGraphicFramePr>
         <p:xfrm>
-          <a:off x="7315490" y="5227270"/>
-          <a:ext cx="2302738" cy="975360"/>
+          <a:off x="8325579" y="4716900"/>
+          <a:ext cx="2673010" cy="975360"/>
         </p:xfrm>
         <a:graphic>
           <a:graphicData uri="http://schemas.openxmlformats.org/drawingml/2006/table">
@@ -9278,14 +9288,14 @@
                 <a:tableStyleId>{7E9639D4-E3E2-4D34-9284-5A2195B3D0D7}</a:tableStyleId>
               </a:tblPr>
               <a:tblGrid>
-                <a:gridCol w="1154159">
+                <a:gridCol w="1462872">
                   <a:extLst>
                     <a:ext uri="{9D8B030D-6E8A-4147-A177-3AD203B41FA5}">
                       <a16:colId xmlns:a16="http://schemas.microsoft.com/office/drawing/2014/main" val="2952130031"/>
                     </a:ext>
                   </a:extLst>
                 </a:gridCol>
-                <a:gridCol w="1148579">
+                <a:gridCol w="1210138">
                   <a:extLst>
                     <a:ext uri="{9D8B030D-6E8A-4147-A177-3AD203B41FA5}">
                       <a16:colId xmlns:a16="http://schemas.microsoft.com/office/drawing/2014/main" val="792604804"/>
@@ -9317,11 +9327,11 @@
                         <a:defRPr/>
                       </a:pPr>
                       <a:r>
-                        <a:rPr kumimoji="1" lang="en-US" altLang="ja-JP" sz="1000" dirty="0">
-                          <a:latin typeface="Arial" panose="020B0604020202020204" pitchFamily="34" charset="0"/>
-                          <a:cs typeface="Arial" panose="020B0604020202020204" pitchFamily="34" charset="0"/>
-                        </a:rPr>
-                        <a:t>Station</a:t>
+                        <a:rPr kumimoji="1" lang="en-US" altLang="ja-JP" sz="1000" dirty="0" err="1">
+                          <a:latin typeface="Arial" panose="020B0604020202020204" pitchFamily="34" charset="0"/>
+                          <a:cs typeface="Arial" panose="020B0604020202020204" pitchFamily="34" charset="0"/>
+                        </a:rPr>
+                        <a:t>Station_dimension</a:t>
                       </a:r>
                       <a:endParaRPr kumimoji="1" lang="en-US" altLang="ja-JP" sz="1000" b="1" dirty="0">
                         <a:latin typeface="Arial" panose="020B0604020202020204" pitchFamily="34" charset="0"/>
@@ -9559,10 +9569,10 @@
       </p:graphicFrame>
       <p:sp>
         <p:nvSpPr>
-          <p:cNvPr id="14" name="正方形/長方形 13">
+          <p:cNvPr id="59" name="正方形/長方形 58">
             <a:extLst>
               <a:ext uri="{FF2B5EF4-FFF2-40B4-BE49-F238E27FC236}">
-                <a16:creationId xmlns:a16="http://schemas.microsoft.com/office/drawing/2014/main" id="{BF45796B-8B85-56F0-1FCA-A14AFB1397FE}"/>
+                <a16:creationId xmlns:a16="http://schemas.microsoft.com/office/drawing/2014/main" id="{AAD7FCF4-D0BC-8FD1-F11C-590460608471}"/>
               </a:ext>
             </a:extLst>
           </p:cNvPr>
@@ -9571,8 +9581,8 @@
         </p:nvSpPr>
         <p:spPr>
           <a:xfrm>
-            <a:off x="1773708" y="3597841"/>
-            <a:ext cx="2284062" cy="203542"/>
+            <a:off x="358991" y="3031430"/>
+            <a:ext cx="2486953" cy="211499"/>
           </a:xfrm>
           <a:prstGeom prst="rect">
             <a:avLst/>
@@ -9611,10 +9621,10 @@
       </p:sp>
       <p:sp>
         <p:nvSpPr>
-          <p:cNvPr id="15" name="正方形/長方形 14">
+          <p:cNvPr id="60" name="正方形/長方形 59">
             <a:extLst>
               <a:ext uri="{FF2B5EF4-FFF2-40B4-BE49-F238E27FC236}">
-                <a16:creationId xmlns:a16="http://schemas.microsoft.com/office/drawing/2014/main" id="{25CE8994-1AE6-E15E-427E-19738A1B132E}"/>
+                <a16:creationId xmlns:a16="http://schemas.microsoft.com/office/drawing/2014/main" id="{9F0486F0-935E-03E7-E73C-9F0EA4A77CE1}"/>
               </a:ext>
             </a:extLst>
           </p:cNvPr>
@@ -9623,8 +9633,8 @@
         </p:nvSpPr>
         <p:spPr>
           <a:xfrm>
-            <a:off x="4447329" y="3394239"/>
-            <a:ext cx="2284064" cy="236939"/>
+            <a:off x="4404797" y="4074724"/>
+            <a:ext cx="2640274" cy="273891"/>
           </a:xfrm>
           <a:prstGeom prst="rect">
             <a:avLst/>
@@ -9663,10 +9673,10 @@
       </p:sp>
       <p:sp>
         <p:nvSpPr>
-          <p:cNvPr id="16" name="正方形/長方形 15">
+          <p:cNvPr id="61" name="正方形/長方形 60">
             <a:extLst>
               <a:ext uri="{FF2B5EF4-FFF2-40B4-BE49-F238E27FC236}">
-                <a16:creationId xmlns:a16="http://schemas.microsoft.com/office/drawing/2014/main" id="{0F9FE164-2CC5-B65D-129E-E42FEF1DBE26}"/>
+                <a16:creationId xmlns:a16="http://schemas.microsoft.com/office/drawing/2014/main" id="{FCDCF207-65EC-08EF-9375-13281BFB8CF3}"/>
               </a:ext>
             </a:extLst>
           </p:cNvPr>
@@ -9675,8 +9685,8 @@
         </p:nvSpPr>
         <p:spPr>
           <a:xfrm>
-            <a:off x="7644868" y="2570314"/>
-            <a:ext cx="2284062" cy="203542"/>
+            <a:off x="7942579" y="1379467"/>
+            <a:ext cx="2650827" cy="194152"/>
           </a:xfrm>
           <a:prstGeom prst="rect">
             <a:avLst/>
@@ -9715,10 +9725,10 @@
       </p:sp>
       <p:sp>
         <p:nvSpPr>
-          <p:cNvPr id="17" name="正方形/長方形 16">
+          <p:cNvPr id="62" name="正方形/長方形 61">
             <a:extLst>
               <a:ext uri="{FF2B5EF4-FFF2-40B4-BE49-F238E27FC236}">
-                <a16:creationId xmlns:a16="http://schemas.microsoft.com/office/drawing/2014/main" id="{53EA84D7-2754-B999-9D4A-289AAAD0D66A}"/>
+                <a16:creationId xmlns:a16="http://schemas.microsoft.com/office/drawing/2014/main" id="{42747399-6070-4E75-E256-77AA6593D894}"/>
               </a:ext>
             </a:extLst>
           </p:cNvPr>
@@ -9727,8 +9737,8 @@
         </p:nvSpPr>
         <p:spPr>
           <a:xfrm>
-            <a:off x="7334166" y="5494953"/>
-            <a:ext cx="2284062" cy="203542"/>
+            <a:off x="8344255" y="4976037"/>
+            <a:ext cx="2654333" cy="242342"/>
           </a:xfrm>
           <a:prstGeom prst="rect">
             <a:avLst/>
@@ -9767,23 +9777,24 @@
       </p:sp>
       <p:cxnSp>
         <p:nvCxnSpPr>
-          <p:cNvPr id="20" name="コネクタ: カギ線 19">
+          <p:cNvPr id="63" name="コネクタ: カギ線 62">
             <a:extLst>
               <a:ext uri="{FF2B5EF4-FFF2-40B4-BE49-F238E27FC236}">
-                <a16:creationId xmlns:a16="http://schemas.microsoft.com/office/drawing/2014/main" id="{F470CB10-491F-D939-358C-03D3F06978E0}"/>
+                <a16:creationId xmlns:a16="http://schemas.microsoft.com/office/drawing/2014/main" id="{A21BD368-508D-5661-EE55-71C4E1470C41}"/>
               </a:ext>
             </a:extLst>
           </p:cNvPr>
           <p:cNvCxnSpPr>
-            <a:stCxn id="14" idx="3"/>
-            <a:endCxn id="15" idx="1"/>
+            <a:cxnSpLocks/>
+            <a:stCxn id="59" idx="3"/>
+            <a:endCxn id="60" idx="1"/>
           </p:cNvCxnSpPr>
           <p:nvPr/>
         </p:nvCxnSpPr>
         <p:spPr>
-          <a:xfrm flipV="1">
-            <a:off x="4057770" y="3512709"/>
-            <a:ext cx="389559" cy="186903"/>
+          <a:xfrm>
+            <a:off x="2845944" y="3137180"/>
+            <a:ext cx="1558853" cy="1074490"/>
           </a:xfrm>
           <a:prstGeom prst="bentConnector3">
             <a:avLst/>
@@ -9812,24 +9823,24 @@
       </p:cxnSp>
       <p:cxnSp>
         <p:nvCxnSpPr>
-          <p:cNvPr id="21" name="コネクタ: カギ線 20">
+          <p:cNvPr id="64" name="コネクタ: カギ線 63">
             <a:extLst>
               <a:ext uri="{FF2B5EF4-FFF2-40B4-BE49-F238E27FC236}">
-                <a16:creationId xmlns:a16="http://schemas.microsoft.com/office/drawing/2014/main" id="{0A42923E-19ED-7F7A-CE53-1DCDE275B03E}"/>
+                <a16:creationId xmlns:a16="http://schemas.microsoft.com/office/drawing/2014/main" id="{22DC6BAE-EF06-3CBB-0D9E-0CD0F5D4DFA0}"/>
               </a:ext>
             </a:extLst>
           </p:cNvPr>
           <p:cNvCxnSpPr>
             <a:cxnSpLocks/>
-            <a:stCxn id="17" idx="1"/>
-            <a:endCxn id="11" idx="3"/>
+            <a:stCxn id="62" idx="1"/>
+            <a:endCxn id="56" idx="3"/>
           </p:cNvCxnSpPr>
           <p:nvPr/>
         </p:nvCxnSpPr>
         <p:spPr>
           <a:xfrm rot="10800000">
-            <a:off x="6731394" y="4045690"/>
-            <a:ext cx="602772" cy="1551034"/>
+            <a:off x="7045073" y="4726176"/>
+            <a:ext cx="1299183" cy="371033"/>
           </a:xfrm>
           <a:prstGeom prst="bentConnector3">
             <a:avLst>
@@ -9860,24 +9871,24 @@
       </p:cxnSp>
       <p:cxnSp>
         <p:nvCxnSpPr>
-          <p:cNvPr id="32" name="コネクタ: カギ線 31">
+          <p:cNvPr id="65" name="コネクタ: カギ線 64">
             <a:extLst>
               <a:ext uri="{FF2B5EF4-FFF2-40B4-BE49-F238E27FC236}">
-                <a16:creationId xmlns:a16="http://schemas.microsoft.com/office/drawing/2014/main" id="{2117DCC3-7DCF-C8AA-BBF8-167C1EFDF549}"/>
+                <a16:creationId xmlns:a16="http://schemas.microsoft.com/office/drawing/2014/main" id="{AB347E31-8064-84C5-ECDD-27A27B60204D}"/>
               </a:ext>
             </a:extLst>
           </p:cNvPr>
           <p:cNvCxnSpPr>
             <a:cxnSpLocks/>
-            <a:stCxn id="16" idx="1"/>
-            <a:endCxn id="6" idx="3"/>
+            <a:stCxn id="61" idx="1"/>
+            <a:endCxn id="67" idx="3"/>
           </p:cNvCxnSpPr>
           <p:nvPr/>
         </p:nvCxnSpPr>
         <p:spPr>
           <a:xfrm rot="10800000" flipV="1">
-            <a:off x="6722058" y="2672085"/>
-            <a:ext cx="922811" cy="1910958"/>
+            <a:off x="7036953" y="1476543"/>
+            <a:ext cx="905626" cy="3784368"/>
           </a:xfrm>
           <a:prstGeom prst="bentConnector3">
             <a:avLst>
@@ -9908,10 +9919,10 @@
       </p:cxnSp>
       <p:sp>
         <p:nvSpPr>
-          <p:cNvPr id="5" name="正方形/長方形 4">
+          <p:cNvPr id="66" name="正方形/長方形 65">
             <a:extLst>
               <a:ext uri="{FF2B5EF4-FFF2-40B4-BE49-F238E27FC236}">
-                <a16:creationId xmlns:a16="http://schemas.microsoft.com/office/drawing/2014/main" id="{236E2F4D-477E-A7C7-E8DB-0A7368D865AB}"/>
+                <a16:creationId xmlns:a16="http://schemas.microsoft.com/office/drawing/2014/main" id="{824EDF70-60AE-4C95-C4D0-5BB1AF64714E}"/>
               </a:ext>
             </a:extLst>
           </p:cNvPr>
@@ -9920,8 +9931,8 @@
         </p:nvSpPr>
         <p:spPr>
           <a:xfrm>
-            <a:off x="4420540" y="3927220"/>
-            <a:ext cx="2284064" cy="236939"/>
+            <a:off x="4378008" y="4607705"/>
+            <a:ext cx="2658946" cy="283980"/>
           </a:xfrm>
           <a:prstGeom prst="rect">
             <a:avLst/>
@@ -9960,10 +9971,10 @@
       </p:sp>
       <p:sp>
         <p:nvSpPr>
-          <p:cNvPr id="6" name="正方形/長方形 5">
+          <p:cNvPr id="67" name="正方形/長方形 66">
             <a:extLst>
               <a:ext uri="{FF2B5EF4-FFF2-40B4-BE49-F238E27FC236}">
-                <a16:creationId xmlns:a16="http://schemas.microsoft.com/office/drawing/2014/main" id="{39AAADF3-2B48-84D0-31EF-790DC31E24A9}"/>
+                <a16:creationId xmlns:a16="http://schemas.microsoft.com/office/drawing/2014/main" id="{54A1C151-2286-EE93-3FDD-D8E3D3A1F2C3}"/>
               </a:ext>
             </a:extLst>
           </p:cNvPr>
@@ -9972,8 +9983,8 @@
         </p:nvSpPr>
         <p:spPr>
           <a:xfrm>
-            <a:off x="4437993" y="4464573"/>
-            <a:ext cx="2284064" cy="236939"/>
+            <a:off x="4395460" y="5145059"/>
+            <a:ext cx="2641493" cy="231704"/>
           </a:xfrm>
           <a:prstGeom prst="rect">
             <a:avLst/>
@@ -10063,14 +10074,16 @@
           </a:xfrm>
         </p:spPr>
         <p:txBody>
-          <a:bodyPr/>
+          <a:bodyPr>
+            <a:normAutofit/>
+          </a:bodyPr>
           <a:lstStyle/>
           <a:p>
             <a:pPr marL="0" indent="0" algn="l">
               <a:buNone/>
             </a:pPr>
             <a:r>
-              <a:rPr lang="en-US" altLang="ja-JP" sz="1600" b="0" i="0" dirty="0">
+              <a:rPr lang="en-US" altLang="ja-JP" sz="1400" b="0" i="0" dirty="0">
                 <a:solidFill>
                   <a:srgbClr val="1A202C"/>
                 </a:solidFill>
@@ -10086,7 +10099,7 @@
               <a:buAutoNum type="arabicPeriod"/>
             </a:pPr>
             <a:r>
-              <a:rPr lang="en-US" altLang="ja-JP" sz="1400" b="0" i="0" dirty="0">
+              <a:rPr lang="en-US" altLang="ja-JP" sz="1200" b="0" i="0" dirty="0">
                 <a:solidFill>
                   <a:srgbClr val="1A202C"/>
                 </a:solidFill>
@@ -10102,7 +10115,7 @@
               <a:buAutoNum type="arabicPeriod"/>
             </a:pPr>
             <a:r>
-              <a:rPr lang="en-US" altLang="ja-JP" sz="1400" b="0" i="0" dirty="0">
+              <a:rPr lang="en-US" altLang="ja-JP" sz="1200" b="0" i="0" dirty="0">
                 <a:solidFill>
                   <a:srgbClr val="1A202C"/>
                 </a:solidFill>
@@ -10116,10 +10129,10 @@
       </p:sp>
       <p:graphicFrame>
         <p:nvGraphicFramePr>
-          <p:cNvPr id="11" name="表 10">
+          <p:cNvPr id="50" name="表 49">
             <a:extLst>
               <a:ext uri="{FF2B5EF4-FFF2-40B4-BE49-F238E27FC236}">
-                <a16:creationId xmlns:a16="http://schemas.microsoft.com/office/drawing/2014/main" id="{26B1F163-B55B-6515-4E32-561BEC50040A}"/>
+                <a16:creationId xmlns:a16="http://schemas.microsoft.com/office/drawing/2014/main" id="{CD61180A-1DCE-87E9-0943-60BD9E9882DE}"/>
               </a:ext>
             </a:extLst>
           </p:cNvPr>
@@ -10129,14 +10142,14 @@
           <p:nvPr>
             <p:extLst>
               <p:ext uri="{D42A27DB-BD31-4B8C-83A1-F6EECF244321}">
-                <p14:modId xmlns:p14="http://schemas.microsoft.com/office/powerpoint/2010/main" val="111345107"/>
+                <p14:modId xmlns:p14="http://schemas.microsoft.com/office/powerpoint/2010/main" val="1844777320"/>
               </p:ext>
             </p:extLst>
           </p:nvPr>
         </p:nvGraphicFramePr>
         <p:xfrm>
-          <a:off x="4874067" y="2977594"/>
-          <a:ext cx="2302737" cy="1342792"/>
+          <a:off x="4446768" y="2990533"/>
+          <a:ext cx="2648080" cy="1342792"/>
         </p:xfrm>
         <a:graphic>
           <a:graphicData uri="http://schemas.openxmlformats.org/drawingml/2006/table">
@@ -10145,14 +10158,14 @@
                 <a:tableStyleId>{F5AB1C69-6EDB-4FF4-983F-18BD219EF322}</a:tableStyleId>
               </a:tblPr>
               <a:tblGrid>
-                <a:gridCol w="1170499">
+                <a:gridCol w="1346040">
                   <a:extLst>
                     <a:ext uri="{9D8B030D-6E8A-4147-A177-3AD203B41FA5}">
                       <a16:colId xmlns:a16="http://schemas.microsoft.com/office/drawing/2014/main" val="2952130031"/>
                     </a:ext>
                   </a:extLst>
                 </a:gridCol>
-                <a:gridCol w="1132238">
+                <a:gridCol w="1302040">
                   <a:extLst>
                     <a:ext uri="{9D8B030D-6E8A-4147-A177-3AD203B41FA5}">
                       <a16:colId xmlns:a16="http://schemas.microsoft.com/office/drawing/2014/main" val="792604804"/>
@@ -10167,8 +10180,8 @@
                     <a:lstStyle/>
                     <a:p>
                       <a:r>
-                        <a:rPr kumimoji="1" lang="en-US" altLang="ja-JP" sz="1000" dirty="0"/>
-                        <a:t>Payment</a:t>
+                        <a:rPr kumimoji="1" lang="en-US" altLang="ja-JP" sz="1000" dirty="0" err="1"/>
+                        <a:t>Payment_fact</a:t>
                       </a:r>
                       <a:endParaRPr kumimoji="1" lang="ja-JP" altLang="en-US" sz="1000" dirty="0">
                         <a:latin typeface="Arial" panose="020B0604020202020204" pitchFamily="34" charset="0"/>
@@ -10580,12 +10593,1033 @@
           </a:graphicData>
         </a:graphic>
       </p:graphicFrame>
+      <p:graphicFrame>
+        <p:nvGraphicFramePr>
+          <p:cNvPr id="51" name="表 10">
+            <a:extLst>
+              <a:ext uri="{FF2B5EF4-FFF2-40B4-BE49-F238E27FC236}">
+                <a16:creationId xmlns:a16="http://schemas.microsoft.com/office/drawing/2014/main" id="{120F3797-BCBA-2B65-082E-E9A29498FCA8}"/>
+              </a:ext>
+            </a:extLst>
+          </p:cNvPr>
+          <p:cNvGraphicFramePr>
+            <a:graphicFrameLocks noGrp="1"/>
+          </p:cNvGraphicFramePr>
+          <p:nvPr>
+            <p:extLst>
+              <p:ext uri="{D42A27DB-BD31-4B8C-83A1-F6EECF244321}">
+                <p14:modId xmlns:p14="http://schemas.microsoft.com/office/powerpoint/2010/main" val="782899551"/>
+              </p:ext>
+            </p:extLst>
+          </p:nvPr>
+        </p:nvGraphicFramePr>
+        <p:xfrm>
+          <a:off x="813189" y="3036870"/>
+          <a:ext cx="2495069" cy="1612296"/>
+        </p:xfrm>
+        <a:graphic>
+          <a:graphicData uri="http://schemas.openxmlformats.org/drawingml/2006/table">
+            <a:tbl>
+              <a:tblPr firstRow="1" bandRow="1">
+                <a:tableStyleId>{912C8C85-51F0-491E-9774-3900AFEF0FD7}</a:tableStyleId>
+              </a:tblPr>
+              <a:tblGrid>
+                <a:gridCol w="1435395">
+                  <a:extLst>
+                    <a:ext uri="{9D8B030D-6E8A-4147-A177-3AD203B41FA5}">
+                      <a16:colId xmlns:a16="http://schemas.microsoft.com/office/drawing/2014/main" val="2952130031"/>
+                    </a:ext>
+                  </a:extLst>
+                </a:gridCol>
+                <a:gridCol w="1059674">
+                  <a:extLst>
+                    <a:ext uri="{9D8B030D-6E8A-4147-A177-3AD203B41FA5}">
+                      <a16:colId xmlns:a16="http://schemas.microsoft.com/office/drawing/2014/main" val="792604804"/>
+                    </a:ext>
+                  </a:extLst>
+                </a:gridCol>
+              </a:tblGrid>
+              <a:tr h="166610">
+                <a:tc>
+                  <a:txBody>
+                    <a:bodyPr/>
+                    <a:lstStyle/>
+                    <a:p>
+                      <a:r>
+                        <a:rPr kumimoji="1" lang="en-US" altLang="ja-JP" sz="1000" dirty="0" err="1">
+                          <a:latin typeface="Arial" panose="020B0604020202020204" pitchFamily="34" charset="0"/>
+                          <a:cs typeface="Arial" panose="020B0604020202020204" pitchFamily="34" charset="0"/>
+                        </a:rPr>
+                        <a:t>Calendar_dimension</a:t>
+                      </a:r>
+                      <a:endParaRPr kumimoji="1" lang="ja-JP" altLang="en-US" sz="1000" dirty="0">
+                        <a:latin typeface="Arial" panose="020B0604020202020204" pitchFamily="34" charset="0"/>
+                        <a:cs typeface="Arial" panose="020B0604020202020204" pitchFamily="34" charset="0"/>
+                      </a:endParaRPr>
+                    </a:p>
+                  </a:txBody>
+                  <a:tcPr/>
+                </a:tc>
+                <a:tc>
+                  <a:txBody>
+                    <a:bodyPr/>
+                    <a:lstStyle/>
+                    <a:p>
+                      <a:endParaRPr kumimoji="1" lang="ja-JP" altLang="en-US" sz="1000">
+                        <a:latin typeface="Arial" panose="020B0604020202020204" pitchFamily="34" charset="0"/>
+                        <a:cs typeface="Arial" panose="020B0604020202020204" pitchFamily="34" charset="0"/>
+                      </a:endParaRPr>
+                    </a:p>
+                  </a:txBody>
+                  <a:tcPr/>
+                </a:tc>
+                <a:extLst>
+                  <a:ext uri="{0D108BD9-81ED-4DB2-BD59-A6C34878D82A}">
+                    <a16:rowId xmlns:a16="http://schemas.microsoft.com/office/drawing/2014/main" val="659651961"/>
+                  </a:ext>
+                </a:extLst>
+              </a:tr>
+              <a:tr h="171816">
+                <a:tc>
+                  <a:txBody>
+                    <a:bodyPr/>
+                    <a:lstStyle/>
+                    <a:p>
+                      <a:pPr marL="0" marR="0" lvl="0" indent="0" algn="l" defTabSz="914400" rtl="0" eaLnBrk="1" fontAlgn="auto" latinLnBrk="0" hangingPunct="1">
+                        <a:lnSpc>
+                          <a:spcPct val="100000"/>
+                        </a:lnSpc>
+                        <a:spcBef>
+                          <a:spcPts val="0"/>
+                        </a:spcBef>
+                        <a:spcAft>
+                          <a:spcPts val="0"/>
+                        </a:spcAft>
+                        <a:buClrTx/>
+                        <a:buSzTx/>
+                        <a:buFontTx/>
+                        <a:buNone/>
+                        <a:tabLst/>
+                        <a:defRPr/>
+                      </a:pPr>
+                      <a:r>
+                        <a:rPr kumimoji="1" lang="en-US" altLang="ja-JP" sz="1000" dirty="0">
+                          <a:latin typeface="Arial" panose="020B0604020202020204" pitchFamily="34" charset="0"/>
+                          <a:cs typeface="Arial" panose="020B0604020202020204" pitchFamily="34" charset="0"/>
+                        </a:rPr>
+                        <a:t>Date</a:t>
+                      </a:r>
+                      <a:endParaRPr kumimoji="1" lang="en-US" altLang="ja-JP" sz="1000" dirty="0">
+                        <a:solidFill>
+                          <a:schemeClr val="tx1"/>
+                        </a:solidFill>
+                        <a:latin typeface="Arial" panose="020B0604020202020204" pitchFamily="34" charset="0"/>
+                        <a:cs typeface="Arial" panose="020B0604020202020204" pitchFamily="34" charset="0"/>
+                      </a:endParaRPr>
+                    </a:p>
+                  </a:txBody>
+                  <a:tcPr/>
+                </a:tc>
+                <a:tc>
+                  <a:txBody>
+                    <a:bodyPr/>
+                    <a:lstStyle/>
+                    <a:p>
+                      <a:r>
+                        <a:rPr kumimoji="1" lang="en-US" altLang="ja-JP" sz="1000" dirty="0">
+                          <a:latin typeface="Arial" panose="020B0604020202020204" pitchFamily="34" charset="0"/>
+                          <a:cs typeface="Arial" panose="020B0604020202020204" pitchFamily="34" charset="0"/>
+                        </a:rPr>
+                        <a:t>Date</a:t>
+                      </a:r>
+                      <a:endParaRPr kumimoji="1" lang="ja-JP" altLang="en-US" sz="1000" dirty="0">
+                        <a:latin typeface="Arial" panose="020B0604020202020204" pitchFamily="34" charset="0"/>
+                        <a:cs typeface="Arial" panose="020B0604020202020204" pitchFamily="34" charset="0"/>
+                      </a:endParaRPr>
+                    </a:p>
+                  </a:txBody>
+                  <a:tcPr/>
+                </a:tc>
+                <a:extLst>
+                  <a:ext uri="{0D108BD9-81ED-4DB2-BD59-A6C34878D82A}">
+                    <a16:rowId xmlns:a16="http://schemas.microsoft.com/office/drawing/2014/main" val="1254725891"/>
+                  </a:ext>
+                </a:extLst>
+              </a:tr>
+              <a:tr h="281154">
+                <a:tc>
+                  <a:txBody>
+                    <a:bodyPr/>
+                    <a:lstStyle/>
+                    <a:p>
+                      <a:pPr marL="0" marR="0" lvl="0" indent="0" algn="l" defTabSz="914400" rtl="0" eaLnBrk="1" fontAlgn="auto" latinLnBrk="0" hangingPunct="1">
+                        <a:lnSpc>
+                          <a:spcPct val="100000"/>
+                        </a:lnSpc>
+                        <a:spcBef>
+                          <a:spcPts val="0"/>
+                        </a:spcBef>
+                        <a:spcAft>
+                          <a:spcPts val="0"/>
+                        </a:spcAft>
+                        <a:buClrTx/>
+                        <a:buSzTx/>
+                        <a:buFontTx/>
+                        <a:buNone/>
+                        <a:tabLst/>
+                        <a:defRPr/>
+                      </a:pPr>
+                      <a:r>
+                        <a:rPr lang="en-US" altLang="ja-JP" sz="1000" dirty="0">
+                          <a:latin typeface="Arial" panose="020B0604020202020204" pitchFamily="34" charset="0"/>
+                          <a:cs typeface="Arial" panose="020B0604020202020204" pitchFamily="34" charset="0"/>
+                        </a:rPr>
+                        <a:t>Day of week</a:t>
+                      </a:r>
+                      <a:endParaRPr lang="en-US" altLang="ja-JP" sz="1000" dirty="0">
+                        <a:solidFill>
+                          <a:schemeClr val="tx1"/>
+                        </a:solidFill>
+                        <a:latin typeface="Arial" panose="020B0604020202020204" pitchFamily="34" charset="0"/>
+                        <a:cs typeface="Arial" panose="020B0604020202020204" pitchFamily="34" charset="0"/>
+                      </a:endParaRPr>
+                    </a:p>
+                  </a:txBody>
+                  <a:tcPr/>
+                </a:tc>
+                <a:tc>
+                  <a:txBody>
+                    <a:bodyPr/>
+                    <a:lstStyle/>
+                    <a:p>
+                      <a:pPr marL="0" marR="0" lvl="0" indent="0" algn="l" defTabSz="914400" rtl="0" eaLnBrk="1" fontAlgn="auto" latinLnBrk="0" hangingPunct="1">
+                        <a:lnSpc>
+                          <a:spcPct val="100000"/>
+                        </a:lnSpc>
+                        <a:spcBef>
+                          <a:spcPts val="0"/>
+                        </a:spcBef>
+                        <a:spcAft>
+                          <a:spcPts val="0"/>
+                        </a:spcAft>
+                        <a:buClrTx/>
+                        <a:buSzTx/>
+                        <a:buFontTx/>
+                        <a:buNone/>
+                        <a:tabLst/>
+                        <a:defRPr/>
+                      </a:pPr>
+                      <a:r>
+                        <a:rPr kumimoji="1" lang="en-US" altLang="ja-JP" sz="1000" b="0" kern="1200" dirty="0">
+                          <a:solidFill>
+                            <a:schemeClr val="tx1"/>
+                          </a:solidFill>
+                          <a:effectLst/>
+                          <a:latin typeface="Arial" panose="020B0604020202020204" pitchFamily="34" charset="0"/>
+                          <a:ea typeface="+mn-ea"/>
+                          <a:cs typeface="Arial" panose="020B0604020202020204" pitchFamily="34" charset="0"/>
+                        </a:rPr>
+                        <a:t>TINYINT</a:t>
+                      </a:r>
+                    </a:p>
+                  </a:txBody>
+                  <a:tcPr/>
+                </a:tc>
+                <a:extLst>
+                  <a:ext uri="{0D108BD9-81ED-4DB2-BD59-A6C34878D82A}">
+                    <a16:rowId xmlns:a16="http://schemas.microsoft.com/office/drawing/2014/main" val="3179887243"/>
+                  </a:ext>
+                </a:extLst>
+              </a:tr>
+              <a:tr h="281154">
+                <a:tc>
+                  <a:txBody>
+                    <a:bodyPr/>
+                    <a:lstStyle/>
+                    <a:p>
+                      <a:pPr marL="0" marR="0" lvl="0" indent="0" algn="l" defTabSz="914400" rtl="0" eaLnBrk="1" fontAlgn="auto" latinLnBrk="0" hangingPunct="1">
+                        <a:lnSpc>
+                          <a:spcPct val="100000"/>
+                        </a:lnSpc>
+                        <a:spcBef>
+                          <a:spcPts val="0"/>
+                        </a:spcBef>
+                        <a:spcAft>
+                          <a:spcPts val="0"/>
+                        </a:spcAft>
+                        <a:buClrTx/>
+                        <a:buSzTx/>
+                        <a:buFontTx/>
+                        <a:buNone/>
+                        <a:tabLst/>
+                        <a:defRPr/>
+                      </a:pPr>
+                      <a:r>
+                        <a:rPr lang="en-US" altLang="ja-JP" sz="1000" dirty="0">
+                          <a:latin typeface="Arial" panose="020B0604020202020204" pitchFamily="34" charset="0"/>
+                          <a:cs typeface="Arial" panose="020B0604020202020204" pitchFamily="34" charset="0"/>
+                        </a:rPr>
+                        <a:t>Year</a:t>
+                      </a:r>
+                      <a:endParaRPr lang="en-US" altLang="ja-JP" sz="1000" dirty="0">
+                        <a:solidFill>
+                          <a:schemeClr val="tx1"/>
+                        </a:solidFill>
+                        <a:latin typeface="Arial" panose="020B0604020202020204" pitchFamily="34" charset="0"/>
+                        <a:cs typeface="Arial" panose="020B0604020202020204" pitchFamily="34" charset="0"/>
+                      </a:endParaRPr>
+                    </a:p>
+                  </a:txBody>
+                  <a:tcPr/>
+                </a:tc>
+                <a:tc>
+                  <a:txBody>
+                    <a:bodyPr/>
+                    <a:lstStyle/>
+                    <a:p>
+                      <a:pPr marL="0" marR="0" lvl="0" indent="0" algn="l" defTabSz="914400" rtl="0" eaLnBrk="1" fontAlgn="auto" latinLnBrk="0" hangingPunct="1">
+                        <a:lnSpc>
+                          <a:spcPct val="100000"/>
+                        </a:lnSpc>
+                        <a:spcBef>
+                          <a:spcPts val="0"/>
+                        </a:spcBef>
+                        <a:spcAft>
+                          <a:spcPts val="0"/>
+                        </a:spcAft>
+                        <a:buClrTx/>
+                        <a:buSzTx/>
+                        <a:buFontTx/>
+                        <a:buNone/>
+                        <a:tabLst/>
+                        <a:defRPr/>
+                      </a:pPr>
+                      <a:r>
+                        <a:rPr kumimoji="1" lang="en-US" altLang="ja-JP" sz="1000" b="0" kern="1200" dirty="0">
+                          <a:solidFill>
+                            <a:schemeClr val="tx1"/>
+                          </a:solidFill>
+                          <a:effectLst/>
+                          <a:latin typeface="Arial" panose="020B0604020202020204" pitchFamily="34" charset="0"/>
+                          <a:ea typeface="+mn-ea"/>
+                          <a:cs typeface="Arial" panose="020B0604020202020204" pitchFamily="34" charset="0"/>
+                        </a:rPr>
+                        <a:t>Year</a:t>
+                      </a:r>
+                    </a:p>
+                  </a:txBody>
+                  <a:tcPr/>
+                </a:tc>
+                <a:extLst>
+                  <a:ext uri="{0D108BD9-81ED-4DB2-BD59-A6C34878D82A}">
+                    <a16:rowId xmlns:a16="http://schemas.microsoft.com/office/drawing/2014/main" val="1698588673"/>
+                  </a:ext>
+                </a:extLst>
+              </a:tr>
+              <a:tr h="281154">
+                <a:tc>
+                  <a:txBody>
+                    <a:bodyPr/>
+                    <a:lstStyle/>
+                    <a:p>
+                      <a:pPr marL="0" marR="0" lvl="0" indent="0" algn="l" defTabSz="914400" rtl="0" eaLnBrk="1" fontAlgn="auto" latinLnBrk="0" hangingPunct="1">
+                        <a:lnSpc>
+                          <a:spcPct val="100000"/>
+                        </a:lnSpc>
+                        <a:spcBef>
+                          <a:spcPts val="0"/>
+                        </a:spcBef>
+                        <a:spcAft>
+                          <a:spcPts val="0"/>
+                        </a:spcAft>
+                        <a:buClrTx/>
+                        <a:buSzTx/>
+                        <a:buFontTx/>
+                        <a:buNone/>
+                        <a:tabLst/>
+                        <a:defRPr/>
+                      </a:pPr>
+                      <a:r>
+                        <a:rPr kumimoji="1" lang="en-US" altLang="ja-JP" sz="1000" dirty="0">
+                          <a:latin typeface="Arial" panose="020B0604020202020204" pitchFamily="34" charset="0"/>
+                          <a:cs typeface="Arial" panose="020B0604020202020204" pitchFamily="34" charset="0"/>
+                        </a:rPr>
+                        <a:t>Month </a:t>
+                      </a:r>
+                      <a:endParaRPr kumimoji="1" lang="en-US" altLang="ja-JP" sz="1000" dirty="0">
+                        <a:solidFill>
+                          <a:schemeClr val="tx1"/>
+                        </a:solidFill>
+                        <a:latin typeface="Arial" panose="020B0604020202020204" pitchFamily="34" charset="0"/>
+                        <a:cs typeface="Arial" panose="020B0604020202020204" pitchFamily="34" charset="0"/>
+                      </a:endParaRPr>
+                    </a:p>
+                  </a:txBody>
+                  <a:tcPr/>
+                </a:tc>
+                <a:tc>
+                  <a:txBody>
+                    <a:bodyPr/>
+                    <a:lstStyle/>
+                    <a:p>
+                      <a:pPr marL="0" marR="0" lvl="0" indent="0" algn="l" defTabSz="914400" rtl="0" eaLnBrk="1" fontAlgn="auto" latinLnBrk="0" hangingPunct="1">
+                        <a:lnSpc>
+                          <a:spcPct val="100000"/>
+                        </a:lnSpc>
+                        <a:spcBef>
+                          <a:spcPts val="0"/>
+                        </a:spcBef>
+                        <a:spcAft>
+                          <a:spcPts val="0"/>
+                        </a:spcAft>
+                        <a:buClrTx/>
+                        <a:buSzTx/>
+                        <a:buFontTx/>
+                        <a:buNone/>
+                        <a:tabLst/>
+                        <a:defRPr/>
+                      </a:pPr>
+                      <a:r>
+                        <a:rPr kumimoji="1" lang="en-US" altLang="ja-JP" sz="1000" b="0" kern="1200" dirty="0">
+                          <a:solidFill>
+                            <a:schemeClr val="tx1"/>
+                          </a:solidFill>
+                          <a:effectLst/>
+                          <a:latin typeface="Arial" panose="020B0604020202020204" pitchFamily="34" charset="0"/>
+                          <a:ea typeface="+mn-ea"/>
+                          <a:cs typeface="Arial" panose="020B0604020202020204" pitchFamily="34" charset="0"/>
+                        </a:rPr>
+                        <a:t>CHAR(6)</a:t>
+                      </a:r>
+                    </a:p>
+                  </a:txBody>
+                  <a:tcPr/>
+                </a:tc>
+                <a:extLst>
+                  <a:ext uri="{0D108BD9-81ED-4DB2-BD59-A6C34878D82A}">
+                    <a16:rowId xmlns:a16="http://schemas.microsoft.com/office/drawing/2014/main" val="2891859404"/>
+                  </a:ext>
+                </a:extLst>
+              </a:tr>
+              <a:tr h="281154">
+                <a:tc>
+                  <a:txBody>
+                    <a:bodyPr/>
+                    <a:lstStyle/>
+                    <a:p>
+                      <a:pPr marL="0" marR="0" lvl="0" indent="0" algn="l" defTabSz="914400" rtl="0" eaLnBrk="1" fontAlgn="auto" latinLnBrk="0" hangingPunct="1">
+                        <a:lnSpc>
+                          <a:spcPct val="100000"/>
+                        </a:lnSpc>
+                        <a:spcBef>
+                          <a:spcPts val="0"/>
+                        </a:spcBef>
+                        <a:spcAft>
+                          <a:spcPts val="0"/>
+                        </a:spcAft>
+                        <a:buClrTx/>
+                        <a:buSzTx/>
+                        <a:buFontTx/>
+                        <a:buNone/>
+                        <a:tabLst/>
+                        <a:defRPr/>
+                      </a:pPr>
+                      <a:r>
+                        <a:rPr lang="en-US" altLang="ja-JP" sz="1000" dirty="0">
+                          <a:latin typeface="Arial" panose="020B0604020202020204" pitchFamily="34" charset="0"/>
+                          <a:cs typeface="Arial" panose="020B0604020202020204" pitchFamily="34" charset="0"/>
+                        </a:rPr>
+                        <a:t>Quarter</a:t>
+                      </a:r>
+                      <a:endParaRPr lang="en-US" altLang="ja-JP" sz="1000" dirty="0">
+                        <a:solidFill>
+                          <a:schemeClr val="tx1"/>
+                        </a:solidFill>
+                        <a:latin typeface="Arial" panose="020B0604020202020204" pitchFamily="34" charset="0"/>
+                        <a:cs typeface="Arial" panose="020B0604020202020204" pitchFamily="34" charset="0"/>
+                      </a:endParaRPr>
+                    </a:p>
+                  </a:txBody>
+                  <a:tcPr/>
+                </a:tc>
+                <a:tc>
+                  <a:txBody>
+                    <a:bodyPr/>
+                    <a:lstStyle/>
+                    <a:p>
+                      <a:pPr marL="0" marR="0" lvl="0" indent="0" algn="l" defTabSz="914400" rtl="0" eaLnBrk="1" fontAlgn="auto" latinLnBrk="0" hangingPunct="1">
+                        <a:lnSpc>
+                          <a:spcPct val="100000"/>
+                        </a:lnSpc>
+                        <a:spcBef>
+                          <a:spcPts val="0"/>
+                        </a:spcBef>
+                        <a:spcAft>
+                          <a:spcPts val="0"/>
+                        </a:spcAft>
+                        <a:buClrTx/>
+                        <a:buSzTx/>
+                        <a:buFontTx/>
+                        <a:buNone/>
+                        <a:tabLst/>
+                        <a:defRPr/>
+                      </a:pPr>
+                      <a:r>
+                        <a:rPr kumimoji="1" lang="en-US" altLang="ja-JP" sz="1000" b="0" kern="1200" dirty="0">
+                          <a:solidFill>
+                            <a:schemeClr val="tx1"/>
+                          </a:solidFill>
+                          <a:effectLst/>
+                          <a:latin typeface="Arial" panose="020B0604020202020204" pitchFamily="34" charset="0"/>
+                          <a:ea typeface="+mn-ea"/>
+                          <a:cs typeface="Arial" panose="020B0604020202020204" pitchFamily="34" charset="0"/>
+                        </a:rPr>
+                        <a:t>CHAR(6)</a:t>
+                      </a:r>
+                    </a:p>
+                  </a:txBody>
+                  <a:tcPr/>
+                </a:tc>
+                <a:extLst>
+                  <a:ext uri="{0D108BD9-81ED-4DB2-BD59-A6C34878D82A}">
+                    <a16:rowId xmlns:a16="http://schemas.microsoft.com/office/drawing/2014/main" val="2254065369"/>
+                  </a:ext>
+                </a:extLst>
+              </a:tr>
+            </a:tbl>
+          </a:graphicData>
+        </a:graphic>
+      </p:graphicFrame>
+      <p:graphicFrame>
+        <p:nvGraphicFramePr>
+          <p:cNvPr id="53" name="表 52">
+            <a:extLst>
+              <a:ext uri="{FF2B5EF4-FFF2-40B4-BE49-F238E27FC236}">
+                <a16:creationId xmlns:a16="http://schemas.microsoft.com/office/drawing/2014/main" id="{FC15685E-97D8-B946-5902-719311103464}"/>
+              </a:ext>
+            </a:extLst>
+          </p:cNvPr>
+          <p:cNvGraphicFramePr>
+            <a:graphicFrameLocks noGrp="1"/>
+          </p:cNvGraphicFramePr>
+          <p:nvPr>
+            <p:extLst>
+              <p:ext uri="{D42A27DB-BD31-4B8C-83A1-F6EECF244321}">
+                <p14:modId xmlns:p14="http://schemas.microsoft.com/office/powerpoint/2010/main" val="81908531"/>
+              </p:ext>
+            </p:extLst>
+          </p:nvPr>
+        </p:nvGraphicFramePr>
+        <p:xfrm>
+          <a:off x="7946774" y="2988749"/>
+          <a:ext cx="2673010" cy="1716537"/>
+        </p:xfrm>
+        <a:graphic>
+          <a:graphicData uri="http://schemas.openxmlformats.org/drawingml/2006/table">
+            <a:tbl>
+              <a:tblPr firstRow="1" bandRow="1">
+                <a:tableStyleId>{72833802-FEF1-4C79-8D5D-14CF1EAF98D9}</a:tableStyleId>
+              </a:tblPr>
+              <a:tblGrid>
+                <a:gridCol w="1608855">
+                  <a:extLst>
+                    <a:ext uri="{9D8B030D-6E8A-4147-A177-3AD203B41FA5}">
+                      <a16:colId xmlns:a16="http://schemas.microsoft.com/office/drawing/2014/main" val="2952130031"/>
+                    </a:ext>
+                  </a:extLst>
+                </a:gridCol>
+                <a:gridCol w="1064155">
+                  <a:extLst>
+                    <a:ext uri="{9D8B030D-6E8A-4147-A177-3AD203B41FA5}">
+                      <a16:colId xmlns:a16="http://schemas.microsoft.com/office/drawing/2014/main" val="792604804"/>
+                    </a:ext>
+                  </a:extLst>
+                </a:gridCol>
+              </a:tblGrid>
+              <a:tr h="169076">
+                <a:tc>
+                  <a:txBody>
+                    <a:bodyPr/>
+                    <a:lstStyle/>
+                    <a:p>
+                      <a:r>
+                        <a:rPr kumimoji="1" lang="en-US" altLang="ja-JP" sz="1000" dirty="0" err="1"/>
+                        <a:t>Rider_dimension</a:t>
+                      </a:r>
+                      <a:endParaRPr kumimoji="1" lang="ja-JP" altLang="en-US" sz="1000" dirty="0">
+                        <a:latin typeface="Arial" panose="020B0604020202020204" pitchFamily="34" charset="0"/>
+                        <a:cs typeface="Arial" panose="020B0604020202020204" pitchFamily="34" charset="0"/>
+                      </a:endParaRPr>
+                    </a:p>
+                  </a:txBody>
+                  <a:tcPr/>
+                </a:tc>
+                <a:tc>
+                  <a:txBody>
+                    <a:bodyPr/>
+                    <a:lstStyle/>
+                    <a:p>
+                      <a:endParaRPr kumimoji="1" lang="ja-JP" altLang="en-US" sz="1000" dirty="0">
+                        <a:latin typeface="Arial" panose="020B0604020202020204" pitchFamily="34" charset="0"/>
+                        <a:cs typeface="Arial" panose="020B0604020202020204" pitchFamily="34" charset="0"/>
+                      </a:endParaRPr>
+                    </a:p>
+                  </a:txBody>
+                  <a:tcPr/>
+                </a:tc>
+                <a:extLst>
+                  <a:ext uri="{0D108BD9-81ED-4DB2-BD59-A6C34878D82A}">
+                    <a16:rowId xmlns:a16="http://schemas.microsoft.com/office/drawing/2014/main" val="659651961"/>
+                  </a:ext>
+                </a:extLst>
+              </a:tr>
+              <a:tr h="197255">
+                <a:tc>
+                  <a:txBody>
+                    <a:bodyPr/>
+                    <a:lstStyle/>
+                    <a:p>
+                      <a:pPr marL="0" indent="0">
+                        <a:buFont typeface="Arial" panose="020B0604020202020204" pitchFamily="34" charset="0"/>
+                        <a:buNone/>
+                      </a:pPr>
+                      <a:r>
+                        <a:rPr kumimoji="1" lang="en-US" altLang="ja-JP" sz="1000" dirty="0" err="1">
+                          <a:latin typeface="Arial" panose="020B0604020202020204" pitchFamily="34" charset="0"/>
+                          <a:cs typeface="Arial" panose="020B0604020202020204" pitchFamily="34" charset="0"/>
+                        </a:rPr>
+                        <a:t>riderid</a:t>
+                      </a:r>
+                      <a:endParaRPr kumimoji="1" lang="en-US" altLang="ja-JP" sz="1000" dirty="0">
+                        <a:solidFill>
+                          <a:schemeClr val="accent2">
+                            <a:lumMod val="50000"/>
+                          </a:schemeClr>
+                        </a:solidFill>
+                        <a:latin typeface="Arial" panose="020B0604020202020204" pitchFamily="34" charset="0"/>
+                        <a:cs typeface="Arial" panose="020B0604020202020204" pitchFamily="34" charset="0"/>
+                      </a:endParaRPr>
+                    </a:p>
+                  </a:txBody>
+                  <a:tcPr/>
+                </a:tc>
+                <a:tc>
+                  <a:txBody>
+                    <a:bodyPr/>
+                    <a:lstStyle/>
+                    <a:p>
+                      <a:pPr marL="0" marR="0" lvl="0" indent="0" algn="l" defTabSz="914400" rtl="0" eaLnBrk="1" fontAlgn="auto" latinLnBrk="0" hangingPunct="1">
+                        <a:lnSpc>
+                          <a:spcPct val="100000"/>
+                        </a:lnSpc>
+                        <a:spcBef>
+                          <a:spcPts val="0"/>
+                        </a:spcBef>
+                        <a:spcAft>
+                          <a:spcPts val="0"/>
+                        </a:spcAft>
+                        <a:buClrTx/>
+                        <a:buSzTx/>
+                        <a:buFontTx/>
+                        <a:buNone/>
+                        <a:tabLst/>
+                        <a:defRPr/>
+                      </a:pPr>
+                      <a:r>
+                        <a:rPr kumimoji="1" lang="en-US" altLang="ja-JP" sz="1000" b="0" kern="1200" dirty="0" err="1">
+                          <a:solidFill>
+                            <a:schemeClr val="tx1"/>
+                          </a:solidFill>
+                          <a:effectLst/>
+                          <a:latin typeface="Arial" panose="020B0604020202020204" pitchFamily="34" charset="0"/>
+                          <a:ea typeface="+mn-ea"/>
+                          <a:cs typeface="Arial" panose="020B0604020202020204" pitchFamily="34" charset="0"/>
+                        </a:rPr>
+                        <a:t>bigint</a:t>
+                      </a:r>
+                      <a:endParaRPr kumimoji="1" lang="en-US" altLang="ja-JP" sz="1000" b="0" kern="1200" dirty="0">
+                        <a:solidFill>
+                          <a:schemeClr val="tx1"/>
+                        </a:solidFill>
+                        <a:effectLst/>
+                        <a:latin typeface="Arial" panose="020B0604020202020204" pitchFamily="34" charset="0"/>
+                        <a:ea typeface="+mn-ea"/>
+                        <a:cs typeface="Arial" panose="020B0604020202020204" pitchFamily="34" charset="0"/>
+                      </a:endParaRPr>
+                    </a:p>
+                  </a:txBody>
+                  <a:tcPr/>
+                </a:tc>
+                <a:extLst>
+                  <a:ext uri="{0D108BD9-81ED-4DB2-BD59-A6C34878D82A}">
+                    <a16:rowId xmlns:a16="http://schemas.microsoft.com/office/drawing/2014/main" val="1254725891"/>
+                  </a:ext>
+                </a:extLst>
+              </a:tr>
+              <a:tr h="197255">
+                <a:tc>
+                  <a:txBody>
+                    <a:bodyPr/>
+                    <a:lstStyle/>
+                    <a:p>
+                      <a:r>
+                        <a:rPr kumimoji="1" lang="en-US" altLang="ja-JP" sz="1000" dirty="0">
+                          <a:latin typeface="Arial" panose="020B0604020202020204" pitchFamily="34" charset="0"/>
+                          <a:cs typeface="Arial" panose="020B0604020202020204" pitchFamily="34" charset="0"/>
+                        </a:rPr>
+                        <a:t>birthday</a:t>
+                      </a:r>
+                      <a:endParaRPr kumimoji="1" lang="en-US" altLang="ja-JP" sz="1000" dirty="0">
+                        <a:solidFill>
+                          <a:schemeClr val="accent2">
+                            <a:lumMod val="50000"/>
+                          </a:schemeClr>
+                        </a:solidFill>
+                        <a:latin typeface="Arial" panose="020B0604020202020204" pitchFamily="34" charset="0"/>
+                        <a:cs typeface="Arial" panose="020B0604020202020204" pitchFamily="34" charset="0"/>
+                      </a:endParaRPr>
+                    </a:p>
+                  </a:txBody>
+                  <a:tcPr/>
+                </a:tc>
+                <a:tc>
+                  <a:txBody>
+                    <a:bodyPr/>
+                    <a:lstStyle/>
+                    <a:p>
+                      <a:pPr marL="0" marR="0" lvl="0" indent="0" algn="l" defTabSz="914400" rtl="0" eaLnBrk="1" fontAlgn="auto" latinLnBrk="0" hangingPunct="1">
+                        <a:lnSpc>
+                          <a:spcPct val="100000"/>
+                        </a:lnSpc>
+                        <a:spcBef>
+                          <a:spcPts val="0"/>
+                        </a:spcBef>
+                        <a:spcAft>
+                          <a:spcPts val="0"/>
+                        </a:spcAft>
+                        <a:buClrTx/>
+                        <a:buSzTx/>
+                        <a:buFontTx/>
+                        <a:buNone/>
+                        <a:tabLst/>
+                        <a:defRPr/>
+                      </a:pPr>
+                      <a:r>
+                        <a:rPr kumimoji="1" lang="en-US" altLang="ja-JP" sz="1000" b="0" kern="1200" dirty="0" err="1">
+                          <a:solidFill>
+                            <a:schemeClr val="tx1"/>
+                          </a:solidFill>
+                          <a:effectLst/>
+                          <a:latin typeface="Arial" panose="020B0604020202020204" pitchFamily="34" charset="0"/>
+                          <a:ea typeface="+mn-ea"/>
+                          <a:cs typeface="Arial" panose="020B0604020202020204" pitchFamily="34" charset="0"/>
+                        </a:rPr>
+                        <a:t>nvarchar</a:t>
+                      </a:r>
+                      <a:r>
+                        <a:rPr kumimoji="1" lang="en-US" altLang="ja-JP" sz="1000" b="0" kern="1200" dirty="0">
+                          <a:solidFill>
+                            <a:schemeClr val="tx1"/>
+                          </a:solidFill>
+                          <a:effectLst/>
+                          <a:latin typeface="Arial" panose="020B0604020202020204" pitchFamily="34" charset="0"/>
+                          <a:ea typeface="+mn-ea"/>
+                          <a:cs typeface="Arial" panose="020B0604020202020204" pitchFamily="34" charset="0"/>
+                        </a:rPr>
+                        <a:t>(4000)</a:t>
+                      </a:r>
+                    </a:p>
+                  </a:txBody>
+                  <a:tcPr/>
+                </a:tc>
+                <a:extLst>
+                  <a:ext uri="{0D108BD9-81ED-4DB2-BD59-A6C34878D82A}">
+                    <a16:rowId xmlns:a16="http://schemas.microsoft.com/office/drawing/2014/main" val="2254065369"/>
+                  </a:ext>
+                </a:extLst>
+              </a:tr>
+              <a:tr h="197255">
+                <a:tc>
+                  <a:txBody>
+                    <a:bodyPr/>
+                    <a:lstStyle/>
+                    <a:p>
+                      <a:r>
+                        <a:rPr lang="en-US" altLang="ja-JP" sz="1000" dirty="0">
+                          <a:latin typeface="Arial" panose="020B0604020202020204" pitchFamily="34" charset="0"/>
+                          <a:cs typeface="Arial" panose="020B0604020202020204" pitchFamily="34" charset="0"/>
+                        </a:rPr>
+                        <a:t>member</a:t>
+                      </a:r>
+                    </a:p>
+                  </a:txBody>
+                  <a:tcPr/>
+                </a:tc>
+                <a:tc>
+                  <a:txBody>
+                    <a:bodyPr/>
+                    <a:lstStyle/>
+                    <a:p>
+                      <a:pPr marL="0" marR="0" lvl="0" indent="0" algn="l" defTabSz="914400" rtl="0" eaLnBrk="1" fontAlgn="auto" latinLnBrk="0" hangingPunct="1">
+                        <a:lnSpc>
+                          <a:spcPct val="100000"/>
+                        </a:lnSpc>
+                        <a:spcBef>
+                          <a:spcPts val="0"/>
+                        </a:spcBef>
+                        <a:spcAft>
+                          <a:spcPts val="0"/>
+                        </a:spcAft>
+                        <a:buClrTx/>
+                        <a:buSzTx/>
+                        <a:buFontTx/>
+                        <a:buNone/>
+                        <a:tabLst/>
+                        <a:defRPr/>
+                      </a:pPr>
+                      <a:r>
+                        <a:rPr kumimoji="1" lang="en-US" altLang="ja-JP" sz="1000" b="0" kern="1200" dirty="0">
+                          <a:solidFill>
+                            <a:schemeClr val="tx1"/>
+                          </a:solidFill>
+                          <a:effectLst/>
+                          <a:latin typeface="Arial" panose="020B0604020202020204" pitchFamily="34" charset="0"/>
+                          <a:ea typeface="+mn-ea"/>
+                          <a:cs typeface="Arial" panose="020B0604020202020204" pitchFamily="34" charset="0"/>
+                        </a:rPr>
+                        <a:t>bit</a:t>
+                      </a:r>
+                    </a:p>
+                  </a:txBody>
+                  <a:tcPr/>
+                </a:tc>
+                <a:extLst>
+                  <a:ext uri="{0D108BD9-81ED-4DB2-BD59-A6C34878D82A}">
+                    <a16:rowId xmlns:a16="http://schemas.microsoft.com/office/drawing/2014/main" val="2351082811"/>
+                  </a:ext>
+                </a:extLst>
+              </a:tr>
+              <a:tr h="253497">
+                <a:tc>
+                  <a:txBody>
+                    <a:bodyPr/>
+                    <a:lstStyle/>
+                    <a:p>
+                      <a:r>
+                        <a:rPr lang="en-US" altLang="ja-JP" sz="1000" dirty="0" err="1">
+                          <a:latin typeface="Arial" panose="020B0604020202020204" pitchFamily="34" charset="0"/>
+                          <a:cs typeface="Arial" panose="020B0604020202020204" pitchFamily="34" charset="0"/>
+                        </a:rPr>
+                        <a:t>s</a:t>
+                      </a:r>
+                      <a:r>
+                        <a:rPr kumimoji="1" lang="en-US" altLang="ja-JP" sz="1000" dirty="0" err="1">
+                          <a:latin typeface="Arial" panose="020B0604020202020204" pitchFamily="34" charset="0"/>
+                          <a:cs typeface="Arial" panose="020B0604020202020204" pitchFamily="34" charset="0"/>
+                        </a:rPr>
+                        <a:t>tartdate</a:t>
+                      </a:r>
+                      <a:endParaRPr kumimoji="1" lang="en-US" altLang="ja-JP" sz="1000" dirty="0">
+                        <a:latin typeface="Arial" panose="020B0604020202020204" pitchFamily="34" charset="0"/>
+                        <a:cs typeface="Arial" panose="020B0604020202020204" pitchFamily="34" charset="0"/>
+                      </a:endParaRPr>
+                    </a:p>
+                  </a:txBody>
+                  <a:tcPr/>
+                </a:tc>
+                <a:tc>
+                  <a:txBody>
+                    <a:bodyPr/>
+                    <a:lstStyle/>
+                    <a:p>
+                      <a:pPr marL="0" marR="0" lvl="0" indent="0" algn="l" defTabSz="914400" rtl="0" eaLnBrk="1" fontAlgn="auto" latinLnBrk="0" hangingPunct="1">
+                        <a:lnSpc>
+                          <a:spcPct val="100000"/>
+                        </a:lnSpc>
+                        <a:spcBef>
+                          <a:spcPts val="0"/>
+                        </a:spcBef>
+                        <a:spcAft>
+                          <a:spcPts val="0"/>
+                        </a:spcAft>
+                        <a:buClrTx/>
+                        <a:buSzTx/>
+                        <a:buFontTx/>
+                        <a:buNone/>
+                        <a:tabLst/>
+                        <a:defRPr/>
+                      </a:pPr>
+                      <a:r>
+                        <a:rPr kumimoji="1" lang="en-US" altLang="ja-JP" sz="1000" b="0" kern="1200" dirty="0" err="1">
+                          <a:solidFill>
+                            <a:schemeClr val="tx1"/>
+                          </a:solidFill>
+                          <a:effectLst/>
+                          <a:latin typeface="Arial" panose="020B0604020202020204" pitchFamily="34" charset="0"/>
+                          <a:ea typeface="+mn-ea"/>
+                          <a:cs typeface="Arial" panose="020B0604020202020204" pitchFamily="34" charset="0"/>
+                        </a:rPr>
+                        <a:t>nvarchar</a:t>
+                      </a:r>
+                      <a:r>
+                        <a:rPr kumimoji="1" lang="en-US" altLang="ja-JP" sz="1000" b="0" kern="1200" dirty="0">
+                          <a:solidFill>
+                            <a:schemeClr val="tx1"/>
+                          </a:solidFill>
+                          <a:effectLst/>
+                          <a:latin typeface="Arial" panose="020B0604020202020204" pitchFamily="34" charset="0"/>
+                          <a:ea typeface="+mn-ea"/>
+                          <a:cs typeface="Arial" panose="020B0604020202020204" pitchFamily="34" charset="0"/>
+                        </a:rPr>
+                        <a:t>(4000)</a:t>
+                      </a:r>
+                    </a:p>
+                  </a:txBody>
+                  <a:tcPr/>
+                </a:tc>
+                <a:extLst>
+                  <a:ext uri="{0D108BD9-81ED-4DB2-BD59-A6C34878D82A}">
+                    <a16:rowId xmlns:a16="http://schemas.microsoft.com/office/drawing/2014/main" val="687454561"/>
+                  </a:ext>
+                </a:extLst>
+              </a:tr>
+              <a:tr h="197255">
+                <a:tc>
+                  <a:txBody>
+                    <a:bodyPr/>
+                    <a:lstStyle/>
+                    <a:p>
+                      <a:pPr marL="0" marR="0" lvl="0" indent="0" algn="l" defTabSz="914400" rtl="0" eaLnBrk="1" fontAlgn="auto" latinLnBrk="0" hangingPunct="1">
+                        <a:lnSpc>
+                          <a:spcPct val="100000"/>
+                        </a:lnSpc>
+                        <a:spcBef>
+                          <a:spcPts val="0"/>
+                        </a:spcBef>
+                        <a:spcAft>
+                          <a:spcPts val="0"/>
+                        </a:spcAft>
+                        <a:buClrTx/>
+                        <a:buSzTx/>
+                        <a:buFont typeface="Arial" panose="020B0604020202020204" pitchFamily="34" charset="0"/>
+                        <a:buNone/>
+                        <a:tabLst/>
+                        <a:defRPr/>
+                      </a:pPr>
+                      <a:r>
+                        <a:rPr kumimoji="1" lang="en-US" altLang="ja-JP" sz="1000" dirty="0" err="1">
+                          <a:latin typeface="Arial" panose="020B0604020202020204" pitchFamily="34" charset="0"/>
+                          <a:cs typeface="Arial" panose="020B0604020202020204" pitchFamily="34" charset="0"/>
+                        </a:rPr>
+                        <a:t>AccountStartAge</a:t>
+                      </a:r>
+                      <a:endParaRPr kumimoji="1" lang="ja-JP" altLang="en-US" sz="1000" b="1" dirty="0">
+                        <a:solidFill>
+                          <a:srgbClr val="FF0000"/>
+                        </a:solidFill>
+                        <a:latin typeface="Arial" panose="020B0604020202020204" pitchFamily="34" charset="0"/>
+                        <a:cs typeface="Arial" panose="020B0604020202020204" pitchFamily="34" charset="0"/>
+                      </a:endParaRPr>
+                    </a:p>
+                  </a:txBody>
+                  <a:tcPr/>
+                </a:tc>
+                <a:tc>
+                  <a:txBody>
+                    <a:bodyPr/>
+                    <a:lstStyle/>
+                    <a:p>
+                      <a:pPr marL="0" marR="0" lvl="0" indent="0" algn="l" defTabSz="914400" rtl="0" eaLnBrk="1" fontAlgn="auto" latinLnBrk="0" hangingPunct="1">
+                        <a:lnSpc>
+                          <a:spcPct val="100000"/>
+                        </a:lnSpc>
+                        <a:spcBef>
+                          <a:spcPts val="0"/>
+                        </a:spcBef>
+                        <a:spcAft>
+                          <a:spcPts val="0"/>
+                        </a:spcAft>
+                        <a:buClrTx/>
+                        <a:buSzTx/>
+                        <a:buFontTx/>
+                        <a:buNone/>
+                        <a:tabLst/>
+                        <a:defRPr/>
+                      </a:pPr>
+                      <a:r>
+                        <a:rPr kumimoji="1" lang="en-US" altLang="ja-JP" sz="1000" b="0" kern="1200" dirty="0">
+                          <a:solidFill>
+                            <a:schemeClr val="tx1"/>
+                          </a:solidFill>
+                          <a:effectLst/>
+                          <a:latin typeface="Arial" panose="020B0604020202020204" pitchFamily="34" charset="0"/>
+                          <a:ea typeface="+mn-ea"/>
+                          <a:cs typeface="Arial" panose="020B0604020202020204" pitchFamily="34" charset="0"/>
+                        </a:rPr>
+                        <a:t>TINYINT</a:t>
+                      </a:r>
+                    </a:p>
+                  </a:txBody>
+                  <a:tcPr/>
+                </a:tc>
+                <a:extLst>
+                  <a:ext uri="{0D108BD9-81ED-4DB2-BD59-A6C34878D82A}">
+                    <a16:rowId xmlns:a16="http://schemas.microsoft.com/office/drawing/2014/main" val="663243780"/>
+                  </a:ext>
+                </a:extLst>
+              </a:tr>
+              <a:tr h="197255">
+                <a:tc>
+                  <a:txBody>
+                    <a:bodyPr/>
+                    <a:lstStyle/>
+                    <a:p>
+                      <a:pPr marL="0" indent="0">
+                        <a:buFont typeface="Arial" panose="020B0604020202020204" pitchFamily="34" charset="0"/>
+                        <a:buNone/>
+                      </a:pPr>
+                      <a:endParaRPr kumimoji="1" lang="en-US" altLang="ja-JP" sz="1000" dirty="0">
+                        <a:solidFill>
+                          <a:schemeClr val="accent1">
+                            <a:lumMod val="50000"/>
+                          </a:schemeClr>
+                        </a:solidFill>
+                        <a:latin typeface="Arial" panose="020B0604020202020204" pitchFamily="34" charset="0"/>
+                        <a:cs typeface="Arial" panose="020B0604020202020204" pitchFamily="34" charset="0"/>
+                      </a:endParaRPr>
+                    </a:p>
+                  </a:txBody>
+                  <a:tcPr/>
+                </a:tc>
+                <a:tc>
+                  <a:txBody>
+                    <a:bodyPr/>
+                    <a:lstStyle/>
+                    <a:p>
+                      <a:endParaRPr kumimoji="1" lang="ja-JP" altLang="en-US" sz="1000" dirty="0">
+                        <a:latin typeface="Arial" panose="020B0604020202020204" pitchFamily="34" charset="0"/>
+                        <a:cs typeface="Arial" panose="020B0604020202020204" pitchFamily="34" charset="0"/>
+                      </a:endParaRPr>
+                    </a:p>
+                  </a:txBody>
+                  <a:tcPr/>
+                </a:tc>
+                <a:extLst>
+                  <a:ext uri="{0D108BD9-81ED-4DB2-BD59-A6C34878D82A}">
+                    <a16:rowId xmlns:a16="http://schemas.microsoft.com/office/drawing/2014/main" val="1487810671"/>
+                  </a:ext>
+                </a:extLst>
+              </a:tr>
+            </a:tbl>
+          </a:graphicData>
+        </a:graphic>
+      </p:graphicFrame>
       <p:sp>
         <p:nvSpPr>
-          <p:cNvPr id="14" name="正方形/長方形 13">
+          <p:cNvPr id="55" name="正方形/長方形 54">
             <a:extLst>
               <a:ext uri="{FF2B5EF4-FFF2-40B4-BE49-F238E27FC236}">
-                <a16:creationId xmlns:a16="http://schemas.microsoft.com/office/drawing/2014/main" id="{BF45796B-8B85-56F0-1FCA-A14AFB1397FE}"/>
+                <a16:creationId xmlns:a16="http://schemas.microsoft.com/office/drawing/2014/main" id="{562DFFC4-1896-ACE7-A371-88EAA4157F72}"/>
               </a:ext>
             </a:extLst>
           </p:cNvPr>
@@ -10594,8 +11628,8 @@
         </p:nvSpPr>
         <p:spPr>
           <a:xfrm>
-            <a:off x="1744323" y="3285006"/>
-            <a:ext cx="2284062" cy="203542"/>
+            <a:off x="821305" y="3306239"/>
+            <a:ext cx="2486953" cy="211499"/>
           </a:xfrm>
           <a:prstGeom prst="rect">
             <a:avLst/>
@@ -10634,10 +11668,10 @@
       </p:sp>
       <p:sp>
         <p:nvSpPr>
-          <p:cNvPr id="15" name="正方形/長方形 14">
+          <p:cNvPr id="57" name="正方形/長方形 56">
             <a:extLst>
               <a:ext uri="{FF2B5EF4-FFF2-40B4-BE49-F238E27FC236}">
-                <a16:creationId xmlns:a16="http://schemas.microsoft.com/office/drawing/2014/main" id="{25CE8994-1AE6-E15E-427E-19738A1B132E}"/>
+                <a16:creationId xmlns:a16="http://schemas.microsoft.com/office/drawing/2014/main" id="{AD3D4430-FD76-DF5E-75F1-73AB72F86152}"/>
               </a:ext>
             </a:extLst>
           </p:cNvPr>
@@ -10646,8 +11680,8 @@
         </p:nvSpPr>
         <p:spPr>
           <a:xfrm>
-            <a:off x="4867522" y="3511549"/>
-            <a:ext cx="2284064" cy="236939"/>
+            <a:off x="7968956" y="3249164"/>
+            <a:ext cx="2650827" cy="194152"/>
           </a:xfrm>
           <a:prstGeom prst="rect">
             <a:avLst/>
@@ -10684,25 +11718,78 @@
           </a:p>
         </p:txBody>
       </p:sp>
+      <p:sp>
+        <p:nvSpPr>
+          <p:cNvPr id="64" name="正方形/長方形 63">
+            <a:extLst>
+              <a:ext uri="{FF2B5EF4-FFF2-40B4-BE49-F238E27FC236}">
+                <a16:creationId xmlns:a16="http://schemas.microsoft.com/office/drawing/2014/main" id="{86858ACC-B288-4BCF-058A-136E0BE59B5D}"/>
+              </a:ext>
+            </a:extLst>
+          </p:cNvPr>
+          <p:cNvSpPr/>
+          <p:nvPr/>
+        </p:nvSpPr>
+        <p:spPr>
+          <a:xfrm>
+            <a:off x="4467118" y="3232377"/>
+            <a:ext cx="2638742" cy="232729"/>
+          </a:xfrm>
+          <a:prstGeom prst="rect">
+            <a:avLst/>
+          </a:prstGeom>
+          <a:noFill/>
+          <a:ln w="19050">
+            <a:solidFill>
+              <a:srgbClr val="FF0000"/>
+            </a:solidFill>
+          </a:ln>
+        </p:spPr>
+        <p:style>
+          <a:lnRef idx="2">
+            <a:schemeClr val="accent1">
+              <a:shade val="50000"/>
+            </a:schemeClr>
+          </a:lnRef>
+          <a:fillRef idx="1">
+            <a:schemeClr val="accent1"/>
+          </a:fillRef>
+          <a:effectRef idx="0">
+            <a:schemeClr val="accent1"/>
+          </a:effectRef>
+          <a:fontRef idx="minor">
+            <a:schemeClr val="lt1"/>
+          </a:fontRef>
+        </p:style>
+        <p:txBody>
+          <a:bodyPr rtlCol="0" anchor="ctr"/>
+          <a:lstStyle/>
+          <a:p>
+            <a:pPr algn="ctr"/>
+            <a:endParaRPr kumimoji="1" lang="ja-JP" altLang="en-US"/>
+          </a:p>
+        </p:txBody>
+      </p:sp>
       <p:cxnSp>
         <p:nvCxnSpPr>
-          <p:cNvPr id="20" name="コネクタ: カギ線 19">
+          <p:cNvPr id="65" name="コネクタ: カギ線 64">
             <a:extLst>
               <a:ext uri="{FF2B5EF4-FFF2-40B4-BE49-F238E27FC236}">
-                <a16:creationId xmlns:a16="http://schemas.microsoft.com/office/drawing/2014/main" id="{F470CB10-491F-D939-358C-03D3F06978E0}"/>
+                <a16:creationId xmlns:a16="http://schemas.microsoft.com/office/drawing/2014/main" id="{B112C5A1-B9FA-9917-E61F-8945D610AE74}"/>
               </a:ext>
             </a:extLst>
           </p:cNvPr>
           <p:cNvCxnSpPr>
-            <a:stCxn id="14" idx="3"/>
-            <a:endCxn id="15" idx="1"/>
+            <a:cxnSpLocks/>
+            <a:stCxn id="55" idx="3"/>
+            <a:endCxn id="64" idx="1"/>
           </p:cNvCxnSpPr>
           <p:nvPr/>
         </p:nvCxnSpPr>
         <p:spPr>
-          <a:xfrm>
-            <a:off x="4028385" y="3386777"/>
-            <a:ext cx="839137" cy="243242"/>
+          <a:xfrm flipV="1">
+            <a:off x="3308258" y="3348742"/>
+            <a:ext cx="1158860" cy="63247"/>
           </a:xfrm>
           <a:prstGeom prst="bentConnector3">
             <a:avLst/>
@@ -10731,24 +11818,24 @@
       </p:cxnSp>
       <p:cxnSp>
         <p:nvCxnSpPr>
-          <p:cNvPr id="32" name="コネクタ: カギ線 31">
+          <p:cNvPr id="66" name="コネクタ: カギ線 65">
             <a:extLst>
               <a:ext uri="{FF2B5EF4-FFF2-40B4-BE49-F238E27FC236}">
-                <a16:creationId xmlns:a16="http://schemas.microsoft.com/office/drawing/2014/main" id="{2117DCC3-7DCF-C8AA-BBF8-167C1EFDF549}"/>
+                <a16:creationId xmlns:a16="http://schemas.microsoft.com/office/drawing/2014/main" id="{FE429196-F746-7E71-A70E-7BA9CCFD7B15}"/>
               </a:ext>
             </a:extLst>
           </p:cNvPr>
           <p:cNvCxnSpPr>
             <a:cxnSpLocks/>
-            <a:stCxn id="8" idx="1"/>
-            <a:endCxn id="33" idx="3"/>
+            <a:stCxn id="57" idx="1"/>
+            <a:endCxn id="67" idx="3"/>
           </p:cNvCxnSpPr>
           <p:nvPr/>
         </p:nvCxnSpPr>
         <p:spPr>
           <a:xfrm rot="10800000" flipV="1">
-            <a:off x="7167466" y="3299200"/>
-            <a:ext cx="851018" cy="883936"/>
+            <a:off x="7073046" y="3346239"/>
+            <a:ext cx="895911" cy="572317"/>
           </a:xfrm>
           <a:prstGeom prst="bentConnector3">
             <a:avLst>
@@ -10779,10 +11866,10 @@
       </p:cxnSp>
       <p:sp>
         <p:nvSpPr>
-          <p:cNvPr id="33" name="正方形/長方形 32">
+          <p:cNvPr id="67" name="正方形/長方形 66">
             <a:extLst>
               <a:ext uri="{FF2B5EF4-FFF2-40B4-BE49-F238E27FC236}">
-                <a16:creationId xmlns:a16="http://schemas.microsoft.com/office/drawing/2014/main" id="{A1D08171-8A86-0156-753F-E20A134426E6}"/>
+                <a16:creationId xmlns:a16="http://schemas.microsoft.com/office/drawing/2014/main" id="{4B77C666-5093-419A-47CD-78F412553270}"/>
               </a:ext>
             </a:extLst>
           </p:cNvPr>
@@ -10791,1081 +11878,8 @@
         </p:nvSpPr>
         <p:spPr>
           <a:xfrm>
-            <a:off x="4883404" y="4081365"/>
-            <a:ext cx="2284062" cy="203542"/>
-          </a:xfrm>
-          <a:prstGeom prst="rect">
-            <a:avLst/>
-          </a:prstGeom>
-          <a:noFill/>
-          <a:ln w="19050">
-            <a:solidFill>
-              <a:srgbClr val="FF0000"/>
-            </a:solidFill>
-          </a:ln>
-        </p:spPr>
-        <p:style>
-          <a:lnRef idx="2">
-            <a:schemeClr val="accent1">
-              <a:shade val="50000"/>
-            </a:schemeClr>
-          </a:lnRef>
-          <a:fillRef idx="1">
-            <a:schemeClr val="accent1"/>
-          </a:fillRef>
-          <a:effectRef idx="0">
-            <a:schemeClr val="accent1"/>
-          </a:effectRef>
-          <a:fontRef idx="minor">
-            <a:schemeClr val="lt1"/>
-          </a:fontRef>
-        </p:style>
-        <p:txBody>
-          <a:bodyPr rtlCol="0" anchor="ctr"/>
-          <a:lstStyle/>
-          <a:p>
-            <a:pPr algn="ctr"/>
-            <a:endParaRPr kumimoji="1" lang="ja-JP" altLang="en-US"/>
-          </a:p>
-        </p:txBody>
-      </p:sp>
-      <p:graphicFrame>
-        <p:nvGraphicFramePr>
-          <p:cNvPr id="2" name="表 10">
-            <a:extLst>
-              <a:ext uri="{FF2B5EF4-FFF2-40B4-BE49-F238E27FC236}">
-                <a16:creationId xmlns:a16="http://schemas.microsoft.com/office/drawing/2014/main" id="{D0CCE7F1-42B2-0F90-FC0E-13DEB8F992F4}"/>
-              </a:ext>
-            </a:extLst>
-          </p:cNvPr>
-          <p:cNvGraphicFramePr>
-            <a:graphicFrameLocks noGrp="1"/>
-          </p:cNvGraphicFramePr>
-          <p:nvPr>
-            <p:extLst>
-              <p:ext uri="{D42A27DB-BD31-4B8C-83A1-F6EECF244321}">
-                <p14:modId xmlns:p14="http://schemas.microsoft.com/office/powerpoint/2010/main" val="3940889685"/>
-              </p:ext>
-            </p:extLst>
-          </p:nvPr>
-        </p:nvGraphicFramePr>
-        <p:xfrm>
-          <a:off x="1744324" y="3030759"/>
-          <a:ext cx="2284063" cy="1612296"/>
-        </p:xfrm>
-        <a:graphic>
-          <a:graphicData uri="http://schemas.openxmlformats.org/drawingml/2006/table">
-            <a:tbl>
-              <a:tblPr firstRow="1" bandRow="1">
-                <a:tableStyleId>{912C8C85-51F0-491E-9774-3900AFEF0FD7}</a:tableStyleId>
-              </a:tblPr>
-              <a:tblGrid>
-                <a:gridCol w="1151828">
-                  <a:extLst>
-                    <a:ext uri="{9D8B030D-6E8A-4147-A177-3AD203B41FA5}">
-                      <a16:colId xmlns:a16="http://schemas.microsoft.com/office/drawing/2014/main" val="2952130031"/>
-                    </a:ext>
-                  </a:extLst>
-                </a:gridCol>
-                <a:gridCol w="1132235">
-                  <a:extLst>
-                    <a:ext uri="{9D8B030D-6E8A-4147-A177-3AD203B41FA5}">
-                      <a16:colId xmlns:a16="http://schemas.microsoft.com/office/drawing/2014/main" val="792604804"/>
-                    </a:ext>
-                  </a:extLst>
-                </a:gridCol>
-              </a:tblGrid>
-              <a:tr h="166610">
-                <a:tc>
-                  <a:txBody>
-                    <a:bodyPr/>
-                    <a:lstStyle/>
-                    <a:p>
-                      <a:r>
-                        <a:rPr kumimoji="1" lang="en-US" altLang="ja-JP" sz="1000" dirty="0">
-                          <a:latin typeface="Arial" panose="020B0604020202020204" pitchFamily="34" charset="0"/>
-                          <a:cs typeface="Arial" panose="020B0604020202020204" pitchFamily="34" charset="0"/>
-                        </a:rPr>
-                        <a:t>Calendar</a:t>
-                      </a:r>
-                      <a:endParaRPr kumimoji="1" lang="ja-JP" altLang="en-US" sz="1000" dirty="0">
-                        <a:latin typeface="Arial" panose="020B0604020202020204" pitchFamily="34" charset="0"/>
-                        <a:cs typeface="Arial" panose="020B0604020202020204" pitchFamily="34" charset="0"/>
-                      </a:endParaRPr>
-                    </a:p>
-                  </a:txBody>
-                  <a:tcPr/>
-                </a:tc>
-                <a:tc>
-                  <a:txBody>
-                    <a:bodyPr/>
-                    <a:lstStyle/>
-                    <a:p>
-                      <a:endParaRPr kumimoji="1" lang="ja-JP" altLang="en-US" sz="1000">
-                        <a:latin typeface="Arial" panose="020B0604020202020204" pitchFamily="34" charset="0"/>
-                        <a:cs typeface="Arial" panose="020B0604020202020204" pitchFamily="34" charset="0"/>
-                      </a:endParaRPr>
-                    </a:p>
-                  </a:txBody>
-                  <a:tcPr/>
-                </a:tc>
-                <a:extLst>
-                  <a:ext uri="{0D108BD9-81ED-4DB2-BD59-A6C34878D82A}">
-                    <a16:rowId xmlns:a16="http://schemas.microsoft.com/office/drawing/2014/main" val="659651961"/>
-                  </a:ext>
-                </a:extLst>
-              </a:tr>
-              <a:tr h="171816">
-                <a:tc>
-                  <a:txBody>
-                    <a:bodyPr/>
-                    <a:lstStyle/>
-                    <a:p>
-                      <a:pPr marL="0" marR="0" lvl="0" indent="0" algn="l" defTabSz="914400" rtl="0" eaLnBrk="1" fontAlgn="auto" latinLnBrk="0" hangingPunct="1">
-                        <a:lnSpc>
-                          <a:spcPct val="100000"/>
-                        </a:lnSpc>
-                        <a:spcBef>
-                          <a:spcPts val="0"/>
-                        </a:spcBef>
-                        <a:spcAft>
-                          <a:spcPts val="0"/>
-                        </a:spcAft>
-                        <a:buClrTx/>
-                        <a:buSzTx/>
-                        <a:buFontTx/>
-                        <a:buNone/>
-                        <a:tabLst/>
-                        <a:defRPr/>
-                      </a:pPr>
-                      <a:r>
-                        <a:rPr kumimoji="1" lang="en-US" altLang="ja-JP" sz="1000" dirty="0">
-                          <a:latin typeface="Arial" panose="020B0604020202020204" pitchFamily="34" charset="0"/>
-                          <a:cs typeface="Arial" panose="020B0604020202020204" pitchFamily="34" charset="0"/>
-                        </a:rPr>
-                        <a:t>Date</a:t>
-                      </a:r>
-                      <a:endParaRPr kumimoji="1" lang="en-US" altLang="ja-JP" sz="1000" dirty="0">
-                        <a:solidFill>
-                          <a:schemeClr val="tx1"/>
-                        </a:solidFill>
-                        <a:latin typeface="Arial" panose="020B0604020202020204" pitchFamily="34" charset="0"/>
-                        <a:cs typeface="Arial" panose="020B0604020202020204" pitchFamily="34" charset="0"/>
-                      </a:endParaRPr>
-                    </a:p>
-                  </a:txBody>
-                  <a:tcPr/>
-                </a:tc>
-                <a:tc>
-                  <a:txBody>
-                    <a:bodyPr/>
-                    <a:lstStyle/>
-                    <a:p>
-                      <a:r>
-                        <a:rPr kumimoji="1" lang="en-US" altLang="ja-JP" sz="1000" dirty="0">
-                          <a:latin typeface="Arial" panose="020B0604020202020204" pitchFamily="34" charset="0"/>
-                          <a:cs typeface="Arial" panose="020B0604020202020204" pitchFamily="34" charset="0"/>
-                        </a:rPr>
-                        <a:t>Date</a:t>
-                      </a:r>
-                      <a:endParaRPr kumimoji="1" lang="ja-JP" altLang="en-US" sz="1000" dirty="0">
-                        <a:latin typeface="Arial" panose="020B0604020202020204" pitchFamily="34" charset="0"/>
-                        <a:cs typeface="Arial" panose="020B0604020202020204" pitchFamily="34" charset="0"/>
-                      </a:endParaRPr>
-                    </a:p>
-                  </a:txBody>
-                  <a:tcPr/>
-                </a:tc>
-                <a:extLst>
-                  <a:ext uri="{0D108BD9-81ED-4DB2-BD59-A6C34878D82A}">
-                    <a16:rowId xmlns:a16="http://schemas.microsoft.com/office/drawing/2014/main" val="1254725891"/>
-                  </a:ext>
-                </a:extLst>
-              </a:tr>
-              <a:tr h="281154">
-                <a:tc>
-                  <a:txBody>
-                    <a:bodyPr/>
-                    <a:lstStyle/>
-                    <a:p>
-                      <a:pPr marL="0" marR="0" lvl="0" indent="0" algn="l" defTabSz="914400" rtl="0" eaLnBrk="1" fontAlgn="auto" latinLnBrk="0" hangingPunct="1">
-                        <a:lnSpc>
-                          <a:spcPct val="100000"/>
-                        </a:lnSpc>
-                        <a:spcBef>
-                          <a:spcPts val="0"/>
-                        </a:spcBef>
-                        <a:spcAft>
-                          <a:spcPts val="0"/>
-                        </a:spcAft>
-                        <a:buClrTx/>
-                        <a:buSzTx/>
-                        <a:buFontTx/>
-                        <a:buNone/>
-                        <a:tabLst/>
-                        <a:defRPr/>
-                      </a:pPr>
-                      <a:r>
-                        <a:rPr lang="en-US" altLang="ja-JP" sz="1000" dirty="0">
-                          <a:latin typeface="Arial" panose="020B0604020202020204" pitchFamily="34" charset="0"/>
-                          <a:cs typeface="Arial" panose="020B0604020202020204" pitchFamily="34" charset="0"/>
-                        </a:rPr>
-                        <a:t>Day of week</a:t>
-                      </a:r>
-                      <a:endParaRPr lang="en-US" altLang="ja-JP" sz="1000" dirty="0">
-                        <a:solidFill>
-                          <a:schemeClr val="tx1"/>
-                        </a:solidFill>
-                        <a:latin typeface="Arial" panose="020B0604020202020204" pitchFamily="34" charset="0"/>
-                        <a:cs typeface="Arial" panose="020B0604020202020204" pitchFamily="34" charset="0"/>
-                      </a:endParaRPr>
-                    </a:p>
-                  </a:txBody>
-                  <a:tcPr/>
-                </a:tc>
-                <a:tc>
-                  <a:txBody>
-                    <a:bodyPr/>
-                    <a:lstStyle/>
-                    <a:p>
-                      <a:pPr marL="0" marR="0" lvl="0" indent="0" algn="l" defTabSz="914400" rtl="0" eaLnBrk="1" fontAlgn="auto" latinLnBrk="0" hangingPunct="1">
-                        <a:lnSpc>
-                          <a:spcPct val="100000"/>
-                        </a:lnSpc>
-                        <a:spcBef>
-                          <a:spcPts val="0"/>
-                        </a:spcBef>
-                        <a:spcAft>
-                          <a:spcPts val="0"/>
-                        </a:spcAft>
-                        <a:buClrTx/>
-                        <a:buSzTx/>
-                        <a:buFontTx/>
-                        <a:buNone/>
-                        <a:tabLst/>
-                        <a:defRPr/>
-                      </a:pPr>
-                      <a:r>
-                        <a:rPr kumimoji="1" lang="en-US" altLang="ja-JP" sz="1000" b="0" kern="1200" dirty="0">
-                          <a:solidFill>
-                            <a:schemeClr val="tx1"/>
-                          </a:solidFill>
-                          <a:effectLst/>
-                          <a:latin typeface="Arial" panose="020B0604020202020204" pitchFamily="34" charset="0"/>
-                          <a:ea typeface="+mn-ea"/>
-                          <a:cs typeface="Arial" panose="020B0604020202020204" pitchFamily="34" charset="0"/>
-                        </a:rPr>
-                        <a:t>TINYINT</a:t>
-                      </a:r>
-                    </a:p>
-                  </a:txBody>
-                  <a:tcPr/>
-                </a:tc>
-                <a:extLst>
-                  <a:ext uri="{0D108BD9-81ED-4DB2-BD59-A6C34878D82A}">
-                    <a16:rowId xmlns:a16="http://schemas.microsoft.com/office/drawing/2014/main" val="3179887243"/>
-                  </a:ext>
-                </a:extLst>
-              </a:tr>
-              <a:tr h="281154">
-                <a:tc>
-                  <a:txBody>
-                    <a:bodyPr/>
-                    <a:lstStyle/>
-                    <a:p>
-                      <a:pPr marL="0" marR="0" lvl="0" indent="0" algn="l" defTabSz="914400" rtl="0" eaLnBrk="1" fontAlgn="auto" latinLnBrk="0" hangingPunct="1">
-                        <a:lnSpc>
-                          <a:spcPct val="100000"/>
-                        </a:lnSpc>
-                        <a:spcBef>
-                          <a:spcPts val="0"/>
-                        </a:spcBef>
-                        <a:spcAft>
-                          <a:spcPts val="0"/>
-                        </a:spcAft>
-                        <a:buClrTx/>
-                        <a:buSzTx/>
-                        <a:buFontTx/>
-                        <a:buNone/>
-                        <a:tabLst/>
-                        <a:defRPr/>
-                      </a:pPr>
-                      <a:r>
-                        <a:rPr lang="en-US" altLang="ja-JP" sz="1000" dirty="0">
-                          <a:latin typeface="Arial" panose="020B0604020202020204" pitchFamily="34" charset="0"/>
-                          <a:cs typeface="Arial" panose="020B0604020202020204" pitchFamily="34" charset="0"/>
-                        </a:rPr>
-                        <a:t>Year</a:t>
-                      </a:r>
-                      <a:endParaRPr lang="en-US" altLang="ja-JP" sz="1000" dirty="0">
-                        <a:solidFill>
-                          <a:schemeClr val="tx1"/>
-                        </a:solidFill>
-                        <a:latin typeface="Arial" panose="020B0604020202020204" pitchFamily="34" charset="0"/>
-                        <a:cs typeface="Arial" panose="020B0604020202020204" pitchFamily="34" charset="0"/>
-                      </a:endParaRPr>
-                    </a:p>
-                  </a:txBody>
-                  <a:tcPr/>
-                </a:tc>
-                <a:tc>
-                  <a:txBody>
-                    <a:bodyPr/>
-                    <a:lstStyle/>
-                    <a:p>
-                      <a:pPr marL="0" marR="0" lvl="0" indent="0" algn="l" defTabSz="914400" rtl="0" eaLnBrk="1" fontAlgn="auto" latinLnBrk="0" hangingPunct="1">
-                        <a:lnSpc>
-                          <a:spcPct val="100000"/>
-                        </a:lnSpc>
-                        <a:spcBef>
-                          <a:spcPts val="0"/>
-                        </a:spcBef>
-                        <a:spcAft>
-                          <a:spcPts val="0"/>
-                        </a:spcAft>
-                        <a:buClrTx/>
-                        <a:buSzTx/>
-                        <a:buFontTx/>
-                        <a:buNone/>
-                        <a:tabLst/>
-                        <a:defRPr/>
-                      </a:pPr>
-                      <a:r>
-                        <a:rPr kumimoji="1" lang="en-US" altLang="ja-JP" sz="1000" b="0" kern="1200" dirty="0">
-                          <a:solidFill>
-                            <a:schemeClr val="tx1"/>
-                          </a:solidFill>
-                          <a:effectLst/>
-                          <a:latin typeface="Arial" panose="020B0604020202020204" pitchFamily="34" charset="0"/>
-                          <a:ea typeface="+mn-ea"/>
-                          <a:cs typeface="Arial" panose="020B0604020202020204" pitchFamily="34" charset="0"/>
-                        </a:rPr>
-                        <a:t>Year</a:t>
-                      </a:r>
-                    </a:p>
-                  </a:txBody>
-                  <a:tcPr/>
-                </a:tc>
-                <a:extLst>
-                  <a:ext uri="{0D108BD9-81ED-4DB2-BD59-A6C34878D82A}">
-                    <a16:rowId xmlns:a16="http://schemas.microsoft.com/office/drawing/2014/main" val="1698588673"/>
-                  </a:ext>
-                </a:extLst>
-              </a:tr>
-              <a:tr h="281154">
-                <a:tc>
-                  <a:txBody>
-                    <a:bodyPr/>
-                    <a:lstStyle/>
-                    <a:p>
-                      <a:pPr marL="0" marR="0" lvl="0" indent="0" algn="l" defTabSz="914400" rtl="0" eaLnBrk="1" fontAlgn="auto" latinLnBrk="0" hangingPunct="1">
-                        <a:lnSpc>
-                          <a:spcPct val="100000"/>
-                        </a:lnSpc>
-                        <a:spcBef>
-                          <a:spcPts val="0"/>
-                        </a:spcBef>
-                        <a:spcAft>
-                          <a:spcPts val="0"/>
-                        </a:spcAft>
-                        <a:buClrTx/>
-                        <a:buSzTx/>
-                        <a:buFontTx/>
-                        <a:buNone/>
-                        <a:tabLst/>
-                        <a:defRPr/>
-                      </a:pPr>
-                      <a:r>
-                        <a:rPr kumimoji="1" lang="en-US" altLang="ja-JP" sz="1000" dirty="0">
-                          <a:latin typeface="Arial" panose="020B0604020202020204" pitchFamily="34" charset="0"/>
-                          <a:cs typeface="Arial" panose="020B0604020202020204" pitchFamily="34" charset="0"/>
-                        </a:rPr>
-                        <a:t>Month </a:t>
-                      </a:r>
-                      <a:endParaRPr kumimoji="1" lang="en-US" altLang="ja-JP" sz="1000" dirty="0">
-                        <a:solidFill>
-                          <a:schemeClr val="tx1"/>
-                        </a:solidFill>
-                        <a:latin typeface="Arial" panose="020B0604020202020204" pitchFamily="34" charset="0"/>
-                        <a:cs typeface="Arial" panose="020B0604020202020204" pitchFamily="34" charset="0"/>
-                      </a:endParaRPr>
-                    </a:p>
-                  </a:txBody>
-                  <a:tcPr/>
-                </a:tc>
-                <a:tc>
-                  <a:txBody>
-                    <a:bodyPr/>
-                    <a:lstStyle/>
-                    <a:p>
-                      <a:pPr marL="0" marR="0" lvl="0" indent="0" algn="l" defTabSz="914400" rtl="0" eaLnBrk="1" fontAlgn="auto" latinLnBrk="0" hangingPunct="1">
-                        <a:lnSpc>
-                          <a:spcPct val="100000"/>
-                        </a:lnSpc>
-                        <a:spcBef>
-                          <a:spcPts val="0"/>
-                        </a:spcBef>
-                        <a:spcAft>
-                          <a:spcPts val="0"/>
-                        </a:spcAft>
-                        <a:buClrTx/>
-                        <a:buSzTx/>
-                        <a:buFontTx/>
-                        <a:buNone/>
-                        <a:tabLst/>
-                        <a:defRPr/>
-                      </a:pPr>
-                      <a:r>
-                        <a:rPr kumimoji="1" lang="en-US" altLang="ja-JP" sz="1000" b="0" kern="1200" dirty="0">
-                          <a:solidFill>
-                            <a:schemeClr val="tx1"/>
-                          </a:solidFill>
-                          <a:effectLst/>
-                          <a:latin typeface="Arial" panose="020B0604020202020204" pitchFamily="34" charset="0"/>
-                          <a:ea typeface="+mn-ea"/>
-                          <a:cs typeface="Arial" panose="020B0604020202020204" pitchFamily="34" charset="0"/>
-                        </a:rPr>
-                        <a:t>CHAR(6)</a:t>
-                      </a:r>
-                    </a:p>
-                  </a:txBody>
-                  <a:tcPr/>
-                </a:tc>
-                <a:extLst>
-                  <a:ext uri="{0D108BD9-81ED-4DB2-BD59-A6C34878D82A}">
-                    <a16:rowId xmlns:a16="http://schemas.microsoft.com/office/drawing/2014/main" val="2891859404"/>
-                  </a:ext>
-                </a:extLst>
-              </a:tr>
-              <a:tr h="281154">
-                <a:tc>
-                  <a:txBody>
-                    <a:bodyPr/>
-                    <a:lstStyle/>
-                    <a:p>
-                      <a:pPr marL="0" marR="0" lvl="0" indent="0" algn="l" defTabSz="914400" rtl="0" eaLnBrk="1" fontAlgn="auto" latinLnBrk="0" hangingPunct="1">
-                        <a:lnSpc>
-                          <a:spcPct val="100000"/>
-                        </a:lnSpc>
-                        <a:spcBef>
-                          <a:spcPts val="0"/>
-                        </a:spcBef>
-                        <a:spcAft>
-                          <a:spcPts val="0"/>
-                        </a:spcAft>
-                        <a:buClrTx/>
-                        <a:buSzTx/>
-                        <a:buFontTx/>
-                        <a:buNone/>
-                        <a:tabLst/>
-                        <a:defRPr/>
-                      </a:pPr>
-                      <a:r>
-                        <a:rPr lang="en-US" altLang="ja-JP" sz="1000" dirty="0">
-                          <a:latin typeface="Arial" panose="020B0604020202020204" pitchFamily="34" charset="0"/>
-                          <a:cs typeface="Arial" panose="020B0604020202020204" pitchFamily="34" charset="0"/>
-                        </a:rPr>
-                        <a:t>Quarter</a:t>
-                      </a:r>
-                      <a:endParaRPr lang="en-US" altLang="ja-JP" sz="1000" dirty="0">
-                        <a:solidFill>
-                          <a:schemeClr val="tx1"/>
-                        </a:solidFill>
-                        <a:latin typeface="Arial" panose="020B0604020202020204" pitchFamily="34" charset="0"/>
-                        <a:cs typeface="Arial" panose="020B0604020202020204" pitchFamily="34" charset="0"/>
-                      </a:endParaRPr>
-                    </a:p>
-                  </a:txBody>
-                  <a:tcPr/>
-                </a:tc>
-                <a:tc>
-                  <a:txBody>
-                    <a:bodyPr/>
-                    <a:lstStyle/>
-                    <a:p>
-                      <a:pPr marL="0" marR="0" lvl="0" indent="0" algn="l" defTabSz="914400" rtl="0" eaLnBrk="1" fontAlgn="auto" latinLnBrk="0" hangingPunct="1">
-                        <a:lnSpc>
-                          <a:spcPct val="100000"/>
-                        </a:lnSpc>
-                        <a:spcBef>
-                          <a:spcPts val="0"/>
-                        </a:spcBef>
-                        <a:spcAft>
-                          <a:spcPts val="0"/>
-                        </a:spcAft>
-                        <a:buClrTx/>
-                        <a:buSzTx/>
-                        <a:buFontTx/>
-                        <a:buNone/>
-                        <a:tabLst/>
-                        <a:defRPr/>
-                      </a:pPr>
-                      <a:r>
-                        <a:rPr kumimoji="1" lang="en-US" altLang="ja-JP" sz="1000" b="0" kern="1200" dirty="0">
-                          <a:solidFill>
-                            <a:schemeClr val="tx1"/>
-                          </a:solidFill>
-                          <a:effectLst/>
-                          <a:latin typeface="Arial" panose="020B0604020202020204" pitchFamily="34" charset="0"/>
-                          <a:ea typeface="+mn-ea"/>
-                          <a:cs typeface="Arial" panose="020B0604020202020204" pitchFamily="34" charset="0"/>
-                        </a:rPr>
-                        <a:t>CHAR(6)</a:t>
-                      </a:r>
-                    </a:p>
-                  </a:txBody>
-                  <a:tcPr/>
-                </a:tc>
-                <a:extLst>
-                  <a:ext uri="{0D108BD9-81ED-4DB2-BD59-A6C34878D82A}">
-                    <a16:rowId xmlns:a16="http://schemas.microsoft.com/office/drawing/2014/main" val="2254065369"/>
-                  </a:ext>
-                </a:extLst>
-              </a:tr>
-            </a:tbl>
-          </a:graphicData>
-        </a:graphic>
-      </p:graphicFrame>
-      <p:graphicFrame>
-        <p:nvGraphicFramePr>
-          <p:cNvPr id="7" name="表 6">
-            <a:extLst>
-              <a:ext uri="{FF2B5EF4-FFF2-40B4-BE49-F238E27FC236}">
-                <a16:creationId xmlns:a16="http://schemas.microsoft.com/office/drawing/2014/main" id="{D122FF3E-4FDA-E112-6F6A-168FA13A35A4}"/>
-              </a:ext>
-            </a:extLst>
-          </p:cNvPr>
-          <p:cNvGraphicFramePr>
-            <a:graphicFrameLocks noGrp="1"/>
-          </p:cNvGraphicFramePr>
-          <p:nvPr>
-            <p:extLst>
-              <p:ext uri="{D42A27DB-BD31-4B8C-83A1-F6EECF244321}">
-                <p14:modId xmlns:p14="http://schemas.microsoft.com/office/powerpoint/2010/main" val="2342006131"/>
-              </p:ext>
-            </p:extLst>
-          </p:nvPr>
-        </p:nvGraphicFramePr>
-        <p:xfrm>
-          <a:off x="7996301" y="2937014"/>
-          <a:ext cx="2315583" cy="1716537"/>
-        </p:xfrm>
-        <a:graphic>
-          <a:graphicData uri="http://schemas.openxmlformats.org/drawingml/2006/table">
-            <a:tbl>
-              <a:tblPr firstRow="1" bandRow="1">
-                <a:tableStyleId>{72833802-FEF1-4C79-8D5D-14CF1EAF98D9}</a:tableStyleId>
-              </a:tblPr>
-              <a:tblGrid>
-                <a:gridCol w="1167003">
-                  <a:extLst>
-                    <a:ext uri="{9D8B030D-6E8A-4147-A177-3AD203B41FA5}">
-                      <a16:colId xmlns:a16="http://schemas.microsoft.com/office/drawing/2014/main" val="2952130031"/>
-                    </a:ext>
-                  </a:extLst>
-                </a:gridCol>
-                <a:gridCol w="1148580">
-                  <a:extLst>
-                    <a:ext uri="{9D8B030D-6E8A-4147-A177-3AD203B41FA5}">
-                      <a16:colId xmlns:a16="http://schemas.microsoft.com/office/drawing/2014/main" val="792604804"/>
-                    </a:ext>
-                  </a:extLst>
-                </a:gridCol>
-              </a:tblGrid>
-              <a:tr h="169076">
-                <a:tc>
-                  <a:txBody>
-                    <a:bodyPr/>
-                    <a:lstStyle/>
-                    <a:p>
-                      <a:r>
-                        <a:rPr kumimoji="1" lang="en-US" altLang="ja-JP" sz="1000" dirty="0"/>
-                        <a:t>Rider</a:t>
-                      </a:r>
-                      <a:endParaRPr kumimoji="1" lang="ja-JP" altLang="en-US" sz="1000" dirty="0">
-                        <a:latin typeface="Arial" panose="020B0604020202020204" pitchFamily="34" charset="0"/>
-                        <a:cs typeface="Arial" panose="020B0604020202020204" pitchFamily="34" charset="0"/>
-                      </a:endParaRPr>
-                    </a:p>
-                  </a:txBody>
-                  <a:tcPr/>
-                </a:tc>
-                <a:tc>
-                  <a:txBody>
-                    <a:bodyPr/>
-                    <a:lstStyle/>
-                    <a:p>
-                      <a:endParaRPr kumimoji="1" lang="ja-JP" altLang="en-US" sz="1000" dirty="0">
-                        <a:latin typeface="Arial" panose="020B0604020202020204" pitchFamily="34" charset="0"/>
-                        <a:cs typeface="Arial" panose="020B0604020202020204" pitchFamily="34" charset="0"/>
-                      </a:endParaRPr>
-                    </a:p>
-                  </a:txBody>
-                  <a:tcPr/>
-                </a:tc>
-                <a:extLst>
-                  <a:ext uri="{0D108BD9-81ED-4DB2-BD59-A6C34878D82A}">
-                    <a16:rowId xmlns:a16="http://schemas.microsoft.com/office/drawing/2014/main" val="659651961"/>
-                  </a:ext>
-                </a:extLst>
-              </a:tr>
-              <a:tr h="197255">
-                <a:tc>
-                  <a:txBody>
-                    <a:bodyPr/>
-                    <a:lstStyle/>
-                    <a:p>
-                      <a:pPr marL="0" indent="0">
-                        <a:buFont typeface="Arial" panose="020B0604020202020204" pitchFamily="34" charset="0"/>
-                        <a:buNone/>
-                      </a:pPr>
-                      <a:r>
-                        <a:rPr kumimoji="1" lang="en-US" altLang="ja-JP" sz="1000" dirty="0" err="1">
-                          <a:latin typeface="Arial" panose="020B0604020202020204" pitchFamily="34" charset="0"/>
-                          <a:cs typeface="Arial" panose="020B0604020202020204" pitchFamily="34" charset="0"/>
-                        </a:rPr>
-                        <a:t>riderid</a:t>
-                      </a:r>
-                      <a:endParaRPr kumimoji="1" lang="en-US" altLang="ja-JP" sz="1000" dirty="0">
-                        <a:solidFill>
-                          <a:schemeClr val="accent2">
-                            <a:lumMod val="50000"/>
-                          </a:schemeClr>
-                        </a:solidFill>
-                        <a:latin typeface="Arial" panose="020B0604020202020204" pitchFamily="34" charset="0"/>
-                        <a:cs typeface="Arial" panose="020B0604020202020204" pitchFamily="34" charset="0"/>
-                      </a:endParaRPr>
-                    </a:p>
-                  </a:txBody>
-                  <a:tcPr/>
-                </a:tc>
-                <a:tc>
-                  <a:txBody>
-                    <a:bodyPr/>
-                    <a:lstStyle/>
-                    <a:p>
-                      <a:pPr marL="0" marR="0" lvl="0" indent="0" algn="l" defTabSz="914400" rtl="0" eaLnBrk="1" fontAlgn="auto" latinLnBrk="0" hangingPunct="1">
-                        <a:lnSpc>
-                          <a:spcPct val="100000"/>
-                        </a:lnSpc>
-                        <a:spcBef>
-                          <a:spcPts val="0"/>
-                        </a:spcBef>
-                        <a:spcAft>
-                          <a:spcPts val="0"/>
-                        </a:spcAft>
-                        <a:buClrTx/>
-                        <a:buSzTx/>
-                        <a:buFontTx/>
-                        <a:buNone/>
-                        <a:tabLst/>
-                        <a:defRPr/>
-                      </a:pPr>
-                      <a:r>
-                        <a:rPr kumimoji="1" lang="en-US" altLang="ja-JP" sz="1000" b="0" kern="1200" dirty="0" err="1">
-                          <a:solidFill>
-                            <a:schemeClr val="tx1"/>
-                          </a:solidFill>
-                          <a:effectLst/>
-                          <a:latin typeface="Arial" panose="020B0604020202020204" pitchFamily="34" charset="0"/>
-                          <a:ea typeface="+mn-ea"/>
-                          <a:cs typeface="Arial" panose="020B0604020202020204" pitchFamily="34" charset="0"/>
-                        </a:rPr>
-                        <a:t>bigint</a:t>
-                      </a:r>
-                      <a:endParaRPr kumimoji="1" lang="en-US" altLang="ja-JP" sz="1000" b="0" kern="1200" dirty="0">
-                        <a:solidFill>
-                          <a:schemeClr val="tx1"/>
-                        </a:solidFill>
-                        <a:effectLst/>
-                        <a:latin typeface="Arial" panose="020B0604020202020204" pitchFamily="34" charset="0"/>
-                        <a:ea typeface="+mn-ea"/>
-                        <a:cs typeface="Arial" panose="020B0604020202020204" pitchFamily="34" charset="0"/>
-                      </a:endParaRPr>
-                    </a:p>
-                  </a:txBody>
-                  <a:tcPr/>
-                </a:tc>
-                <a:extLst>
-                  <a:ext uri="{0D108BD9-81ED-4DB2-BD59-A6C34878D82A}">
-                    <a16:rowId xmlns:a16="http://schemas.microsoft.com/office/drawing/2014/main" val="1254725891"/>
-                  </a:ext>
-                </a:extLst>
-              </a:tr>
-              <a:tr h="197255">
-                <a:tc>
-                  <a:txBody>
-                    <a:bodyPr/>
-                    <a:lstStyle/>
-                    <a:p>
-                      <a:r>
-                        <a:rPr kumimoji="1" lang="en-US" altLang="ja-JP" sz="1000" dirty="0">
-                          <a:latin typeface="Arial" panose="020B0604020202020204" pitchFamily="34" charset="0"/>
-                          <a:cs typeface="Arial" panose="020B0604020202020204" pitchFamily="34" charset="0"/>
-                        </a:rPr>
-                        <a:t>birthday</a:t>
-                      </a:r>
-                      <a:endParaRPr kumimoji="1" lang="en-US" altLang="ja-JP" sz="1000" dirty="0">
-                        <a:solidFill>
-                          <a:schemeClr val="accent2">
-                            <a:lumMod val="50000"/>
-                          </a:schemeClr>
-                        </a:solidFill>
-                        <a:latin typeface="Arial" panose="020B0604020202020204" pitchFamily="34" charset="0"/>
-                        <a:cs typeface="Arial" panose="020B0604020202020204" pitchFamily="34" charset="0"/>
-                      </a:endParaRPr>
-                    </a:p>
-                  </a:txBody>
-                  <a:tcPr/>
-                </a:tc>
-                <a:tc>
-                  <a:txBody>
-                    <a:bodyPr/>
-                    <a:lstStyle/>
-                    <a:p>
-                      <a:pPr marL="0" marR="0" lvl="0" indent="0" algn="l" defTabSz="914400" rtl="0" eaLnBrk="1" fontAlgn="auto" latinLnBrk="0" hangingPunct="1">
-                        <a:lnSpc>
-                          <a:spcPct val="100000"/>
-                        </a:lnSpc>
-                        <a:spcBef>
-                          <a:spcPts val="0"/>
-                        </a:spcBef>
-                        <a:spcAft>
-                          <a:spcPts val="0"/>
-                        </a:spcAft>
-                        <a:buClrTx/>
-                        <a:buSzTx/>
-                        <a:buFontTx/>
-                        <a:buNone/>
-                        <a:tabLst/>
-                        <a:defRPr/>
-                      </a:pPr>
-                      <a:r>
-                        <a:rPr kumimoji="1" lang="en-US" altLang="ja-JP" sz="1000" b="0" kern="1200" dirty="0" err="1">
-                          <a:solidFill>
-                            <a:schemeClr val="tx1"/>
-                          </a:solidFill>
-                          <a:effectLst/>
-                          <a:latin typeface="Arial" panose="020B0604020202020204" pitchFamily="34" charset="0"/>
-                          <a:ea typeface="+mn-ea"/>
-                          <a:cs typeface="Arial" panose="020B0604020202020204" pitchFamily="34" charset="0"/>
-                        </a:rPr>
-                        <a:t>nvarchar</a:t>
-                      </a:r>
-                      <a:r>
-                        <a:rPr kumimoji="1" lang="en-US" altLang="ja-JP" sz="1000" b="0" kern="1200" dirty="0">
-                          <a:solidFill>
-                            <a:schemeClr val="tx1"/>
-                          </a:solidFill>
-                          <a:effectLst/>
-                          <a:latin typeface="Arial" panose="020B0604020202020204" pitchFamily="34" charset="0"/>
-                          <a:ea typeface="+mn-ea"/>
-                          <a:cs typeface="Arial" panose="020B0604020202020204" pitchFamily="34" charset="0"/>
-                        </a:rPr>
-                        <a:t>(4000)</a:t>
-                      </a:r>
-                    </a:p>
-                  </a:txBody>
-                  <a:tcPr/>
-                </a:tc>
-                <a:extLst>
-                  <a:ext uri="{0D108BD9-81ED-4DB2-BD59-A6C34878D82A}">
-                    <a16:rowId xmlns:a16="http://schemas.microsoft.com/office/drawing/2014/main" val="2254065369"/>
-                  </a:ext>
-                </a:extLst>
-              </a:tr>
-              <a:tr h="197255">
-                <a:tc>
-                  <a:txBody>
-                    <a:bodyPr/>
-                    <a:lstStyle/>
-                    <a:p>
-                      <a:r>
-                        <a:rPr lang="en-US" altLang="ja-JP" sz="1000" dirty="0">
-                          <a:latin typeface="Arial" panose="020B0604020202020204" pitchFamily="34" charset="0"/>
-                          <a:cs typeface="Arial" panose="020B0604020202020204" pitchFamily="34" charset="0"/>
-                        </a:rPr>
-                        <a:t>member</a:t>
-                      </a:r>
-                    </a:p>
-                  </a:txBody>
-                  <a:tcPr/>
-                </a:tc>
-                <a:tc>
-                  <a:txBody>
-                    <a:bodyPr/>
-                    <a:lstStyle/>
-                    <a:p>
-                      <a:pPr marL="0" marR="0" lvl="0" indent="0" algn="l" defTabSz="914400" rtl="0" eaLnBrk="1" fontAlgn="auto" latinLnBrk="0" hangingPunct="1">
-                        <a:lnSpc>
-                          <a:spcPct val="100000"/>
-                        </a:lnSpc>
-                        <a:spcBef>
-                          <a:spcPts val="0"/>
-                        </a:spcBef>
-                        <a:spcAft>
-                          <a:spcPts val="0"/>
-                        </a:spcAft>
-                        <a:buClrTx/>
-                        <a:buSzTx/>
-                        <a:buFontTx/>
-                        <a:buNone/>
-                        <a:tabLst/>
-                        <a:defRPr/>
-                      </a:pPr>
-                      <a:r>
-                        <a:rPr kumimoji="1" lang="en-US" altLang="ja-JP" sz="1000" b="0" kern="1200" dirty="0">
-                          <a:solidFill>
-                            <a:schemeClr val="tx1"/>
-                          </a:solidFill>
-                          <a:effectLst/>
-                          <a:latin typeface="Arial" panose="020B0604020202020204" pitchFamily="34" charset="0"/>
-                          <a:ea typeface="+mn-ea"/>
-                          <a:cs typeface="Arial" panose="020B0604020202020204" pitchFamily="34" charset="0"/>
-                        </a:rPr>
-                        <a:t>bit</a:t>
-                      </a:r>
-                    </a:p>
-                  </a:txBody>
-                  <a:tcPr/>
-                </a:tc>
-                <a:extLst>
-                  <a:ext uri="{0D108BD9-81ED-4DB2-BD59-A6C34878D82A}">
-                    <a16:rowId xmlns:a16="http://schemas.microsoft.com/office/drawing/2014/main" val="2351082811"/>
-                  </a:ext>
-                </a:extLst>
-              </a:tr>
-              <a:tr h="253497">
-                <a:tc>
-                  <a:txBody>
-                    <a:bodyPr/>
-                    <a:lstStyle/>
-                    <a:p>
-                      <a:r>
-                        <a:rPr lang="en-US" altLang="ja-JP" sz="1000" dirty="0" err="1">
-                          <a:latin typeface="Arial" panose="020B0604020202020204" pitchFamily="34" charset="0"/>
-                          <a:cs typeface="Arial" panose="020B0604020202020204" pitchFamily="34" charset="0"/>
-                        </a:rPr>
-                        <a:t>s</a:t>
-                      </a:r>
-                      <a:r>
-                        <a:rPr kumimoji="1" lang="en-US" altLang="ja-JP" sz="1000" dirty="0" err="1">
-                          <a:latin typeface="Arial" panose="020B0604020202020204" pitchFamily="34" charset="0"/>
-                          <a:cs typeface="Arial" panose="020B0604020202020204" pitchFamily="34" charset="0"/>
-                        </a:rPr>
-                        <a:t>tartdate</a:t>
-                      </a:r>
-                      <a:endParaRPr kumimoji="1" lang="en-US" altLang="ja-JP" sz="1000" dirty="0">
-                        <a:latin typeface="Arial" panose="020B0604020202020204" pitchFamily="34" charset="0"/>
-                        <a:cs typeface="Arial" panose="020B0604020202020204" pitchFamily="34" charset="0"/>
-                      </a:endParaRPr>
-                    </a:p>
-                  </a:txBody>
-                  <a:tcPr/>
-                </a:tc>
-                <a:tc>
-                  <a:txBody>
-                    <a:bodyPr/>
-                    <a:lstStyle/>
-                    <a:p>
-                      <a:pPr marL="0" marR="0" lvl="0" indent="0" algn="l" defTabSz="914400" rtl="0" eaLnBrk="1" fontAlgn="auto" latinLnBrk="0" hangingPunct="1">
-                        <a:lnSpc>
-                          <a:spcPct val="100000"/>
-                        </a:lnSpc>
-                        <a:spcBef>
-                          <a:spcPts val="0"/>
-                        </a:spcBef>
-                        <a:spcAft>
-                          <a:spcPts val="0"/>
-                        </a:spcAft>
-                        <a:buClrTx/>
-                        <a:buSzTx/>
-                        <a:buFontTx/>
-                        <a:buNone/>
-                        <a:tabLst/>
-                        <a:defRPr/>
-                      </a:pPr>
-                      <a:r>
-                        <a:rPr kumimoji="1" lang="en-US" altLang="ja-JP" sz="1000" b="0" kern="1200" dirty="0" err="1">
-                          <a:solidFill>
-                            <a:schemeClr val="tx1"/>
-                          </a:solidFill>
-                          <a:effectLst/>
-                          <a:latin typeface="Arial" panose="020B0604020202020204" pitchFamily="34" charset="0"/>
-                          <a:ea typeface="+mn-ea"/>
-                          <a:cs typeface="Arial" panose="020B0604020202020204" pitchFamily="34" charset="0"/>
-                        </a:rPr>
-                        <a:t>nvarchar</a:t>
-                      </a:r>
-                      <a:r>
-                        <a:rPr kumimoji="1" lang="en-US" altLang="ja-JP" sz="1000" b="0" kern="1200" dirty="0">
-                          <a:solidFill>
-                            <a:schemeClr val="tx1"/>
-                          </a:solidFill>
-                          <a:effectLst/>
-                          <a:latin typeface="Arial" panose="020B0604020202020204" pitchFamily="34" charset="0"/>
-                          <a:ea typeface="+mn-ea"/>
-                          <a:cs typeface="Arial" panose="020B0604020202020204" pitchFamily="34" charset="0"/>
-                        </a:rPr>
-                        <a:t>(4000)</a:t>
-                      </a:r>
-                    </a:p>
-                  </a:txBody>
-                  <a:tcPr/>
-                </a:tc>
-                <a:extLst>
-                  <a:ext uri="{0D108BD9-81ED-4DB2-BD59-A6C34878D82A}">
-                    <a16:rowId xmlns:a16="http://schemas.microsoft.com/office/drawing/2014/main" val="687454561"/>
-                  </a:ext>
-                </a:extLst>
-              </a:tr>
-              <a:tr h="197255">
-                <a:tc>
-                  <a:txBody>
-                    <a:bodyPr/>
-                    <a:lstStyle/>
-                    <a:p>
-                      <a:pPr marL="0" marR="0" lvl="0" indent="0" algn="l" defTabSz="914400" rtl="0" eaLnBrk="1" fontAlgn="auto" latinLnBrk="0" hangingPunct="1">
-                        <a:lnSpc>
-                          <a:spcPct val="100000"/>
-                        </a:lnSpc>
-                        <a:spcBef>
-                          <a:spcPts val="0"/>
-                        </a:spcBef>
-                        <a:spcAft>
-                          <a:spcPts val="0"/>
-                        </a:spcAft>
-                        <a:buClrTx/>
-                        <a:buSzTx/>
-                        <a:buFont typeface="Arial" panose="020B0604020202020204" pitchFamily="34" charset="0"/>
-                        <a:buNone/>
-                        <a:tabLst/>
-                        <a:defRPr/>
-                      </a:pPr>
-                      <a:r>
-                        <a:rPr kumimoji="1" lang="en-US" altLang="ja-JP" sz="1000" dirty="0" err="1">
-                          <a:latin typeface="Arial" panose="020B0604020202020204" pitchFamily="34" charset="0"/>
-                          <a:cs typeface="Arial" panose="020B0604020202020204" pitchFamily="34" charset="0"/>
-                        </a:rPr>
-                        <a:t>AccountStartAge</a:t>
-                      </a:r>
-                      <a:endParaRPr kumimoji="1" lang="ja-JP" altLang="en-US" sz="1000" b="1" dirty="0">
-                        <a:solidFill>
-                          <a:srgbClr val="FF0000"/>
-                        </a:solidFill>
-                        <a:latin typeface="Arial" panose="020B0604020202020204" pitchFamily="34" charset="0"/>
-                        <a:cs typeface="Arial" panose="020B0604020202020204" pitchFamily="34" charset="0"/>
-                      </a:endParaRPr>
-                    </a:p>
-                  </a:txBody>
-                  <a:tcPr/>
-                </a:tc>
-                <a:tc>
-                  <a:txBody>
-                    <a:bodyPr/>
-                    <a:lstStyle/>
-                    <a:p>
-                      <a:pPr marL="0" marR="0" lvl="0" indent="0" algn="l" defTabSz="914400" rtl="0" eaLnBrk="1" fontAlgn="auto" latinLnBrk="0" hangingPunct="1">
-                        <a:lnSpc>
-                          <a:spcPct val="100000"/>
-                        </a:lnSpc>
-                        <a:spcBef>
-                          <a:spcPts val="0"/>
-                        </a:spcBef>
-                        <a:spcAft>
-                          <a:spcPts val="0"/>
-                        </a:spcAft>
-                        <a:buClrTx/>
-                        <a:buSzTx/>
-                        <a:buFontTx/>
-                        <a:buNone/>
-                        <a:tabLst/>
-                        <a:defRPr/>
-                      </a:pPr>
-                      <a:r>
-                        <a:rPr kumimoji="1" lang="en-US" altLang="ja-JP" sz="1000" b="0" kern="1200" dirty="0">
-                          <a:solidFill>
-                            <a:schemeClr val="tx1"/>
-                          </a:solidFill>
-                          <a:effectLst/>
-                          <a:latin typeface="Arial" panose="020B0604020202020204" pitchFamily="34" charset="0"/>
-                          <a:ea typeface="+mn-ea"/>
-                          <a:cs typeface="Arial" panose="020B0604020202020204" pitchFamily="34" charset="0"/>
-                        </a:rPr>
-                        <a:t>TINYINT</a:t>
-                      </a:r>
-                    </a:p>
-                  </a:txBody>
-                  <a:tcPr/>
-                </a:tc>
-                <a:extLst>
-                  <a:ext uri="{0D108BD9-81ED-4DB2-BD59-A6C34878D82A}">
-                    <a16:rowId xmlns:a16="http://schemas.microsoft.com/office/drawing/2014/main" val="663243780"/>
-                  </a:ext>
-                </a:extLst>
-              </a:tr>
-              <a:tr h="197255">
-                <a:tc>
-                  <a:txBody>
-                    <a:bodyPr/>
-                    <a:lstStyle/>
-                    <a:p>
-                      <a:pPr marL="0" indent="0">
-                        <a:buFont typeface="Arial" panose="020B0604020202020204" pitchFamily="34" charset="0"/>
-                        <a:buNone/>
-                      </a:pPr>
-                      <a:endParaRPr kumimoji="1" lang="en-US" altLang="ja-JP" sz="1000" dirty="0">
-                        <a:solidFill>
-                          <a:schemeClr val="accent1">
-                            <a:lumMod val="50000"/>
-                          </a:schemeClr>
-                        </a:solidFill>
-                        <a:latin typeface="Arial" panose="020B0604020202020204" pitchFamily="34" charset="0"/>
-                        <a:cs typeface="Arial" panose="020B0604020202020204" pitchFamily="34" charset="0"/>
-                      </a:endParaRPr>
-                    </a:p>
-                  </a:txBody>
-                  <a:tcPr/>
-                </a:tc>
-                <a:tc>
-                  <a:txBody>
-                    <a:bodyPr/>
-                    <a:lstStyle/>
-                    <a:p>
-                      <a:endParaRPr kumimoji="1" lang="ja-JP" altLang="en-US" sz="1000" dirty="0">
-                        <a:latin typeface="Arial" panose="020B0604020202020204" pitchFamily="34" charset="0"/>
-                        <a:cs typeface="Arial" panose="020B0604020202020204" pitchFamily="34" charset="0"/>
-                      </a:endParaRPr>
-                    </a:p>
-                  </a:txBody>
-                  <a:tcPr/>
-                </a:tc>
-                <a:extLst>
-                  <a:ext uri="{0D108BD9-81ED-4DB2-BD59-A6C34878D82A}">
-                    <a16:rowId xmlns:a16="http://schemas.microsoft.com/office/drawing/2014/main" val="1487810671"/>
-                  </a:ext>
-                </a:extLst>
-              </a:tr>
-            </a:tbl>
-          </a:graphicData>
-        </a:graphic>
-      </p:graphicFrame>
-      <p:sp>
-        <p:nvSpPr>
-          <p:cNvPr id="8" name="正方形/長方形 7">
-            <a:extLst>
-              <a:ext uri="{FF2B5EF4-FFF2-40B4-BE49-F238E27FC236}">
-                <a16:creationId xmlns:a16="http://schemas.microsoft.com/office/drawing/2014/main" id="{43D3B25C-D3CC-2AC7-3855-09B936FD24A7}"/>
-              </a:ext>
-            </a:extLst>
-          </p:cNvPr>
-          <p:cNvSpPr/>
-          <p:nvPr/>
-        </p:nvSpPr>
-        <p:spPr>
-          <a:xfrm>
-            <a:off x="8018484" y="3197429"/>
-            <a:ext cx="2284062" cy="203542"/>
+            <a:off x="4472366" y="3802192"/>
+            <a:ext cx="2600679" cy="232729"/>
           </a:xfrm>
           <a:prstGeom prst="rect">
             <a:avLst/>
@@ -11962,7 +11976,7 @@
               <a:buNone/>
             </a:pPr>
             <a:r>
-              <a:rPr lang="en-US" altLang="ja-JP" sz="1400" b="0" i="0" dirty="0">
+              <a:rPr lang="en-US" altLang="ja-JP" sz="1200" b="0" i="0" dirty="0">
                 <a:solidFill>
                   <a:srgbClr val="1A202C"/>
                 </a:solidFill>
@@ -11978,7 +11992,7 @@
               <a:buAutoNum type="arabicPeriod"/>
             </a:pPr>
             <a:r>
-              <a:rPr lang="en-US" altLang="ja-JP" sz="1400" b="0" i="0" dirty="0">
+              <a:rPr lang="en-US" altLang="ja-JP" sz="1200" b="0" i="0" dirty="0">
                 <a:solidFill>
                   <a:srgbClr val="1A202C"/>
                 </a:solidFill>
@@ -11994,7 +12008,7 @@
               <a:buAutoNum type="arabicPeriod"/>
             </a:pPr>
             <a:r>
-              <a:rPr lang="en-US" altLang="ja-JP" sz="1400" b="0" i="0" dirty="0">
+              <a:rPr lang="en-US" altLang="ja-JP" sz="1200" b="0" i="0" dirty="0">
                 <a:solidFill>
                   <a:srgbClr val="1A202C"/>
                 </a:solidFill>
@@ -12012,12 +12026,304 @@
           </a:p>
         </p:txBody>
       </p:sp>
+      <p:graphicFrame>
+        <p:nvGraphicFramePr>
+          <p:cNvPr id="37" name="表 36">
+            <a:extLst>
+              <a:ext uri="{FF2B5EF4-FFF2-40B4-BE49-F238E27FC236}">
+                <a16:creationId xmlns:a16="http://schemas.microsoft.com/office/drawing/2014/main" id="{EA446142-EAD3-A7C5-F9A4-025321AFFDE1}"/>
+              </a:ext>
+            </a:extLst>
+          </p:cNvPr>
+          <p:cNvGraphicFramePr>
+            <a:graphicFrameLocks noGrp="1"/>
+          </p:cNvGraphicFramePr>
+          <p:nvPr>
+            <p:extLst>
+              <p:ext uri="{D42A27DB-BD31-4B8C-83A1-F6EECF244321}">
+                <p14:modId xmlns:p14="http://schemas.microsoft.com/office/powerpoint/2010/main" val="2737432372"/>
+              </p:ext>
+            </p:extLst>
+          </p:nvPr>
+        </p:nvGraphicFramePr>
+        <p:xfrm>
+          <a:off x="5126784" y="4799647"/>
+          <a:ext cx="2223399" cy="975360"/>
+        </p:xfrm>
+        <a:graphic>
+          <a:graphicData uri="http://schemas.openxmlformats.org/drawingml/2006/table">
+            <a:tbl>
+              <a:tblPr firstRow="1" bandRow="1">
+                <a:tableStyleId>{69012ECD-51FC-41F1-AA8D-1B2483CD663E}</a:tableStyleId>
+              </a:tblPr>
+              <a:tblGrid>
+                <a:gridCol w="2223399">
+                  <a:extLst>
+                    <a:ext uri="{9D8B030D-6E8A-4147-A177-3AD203B41FA5}">
+                      <a16:colId xmlns:a16="http://schemas.microsoft.com/office/drawing/2014/main" val="2952130031"/>
+                    </a:ext>
+                  </a:extLst>
+                </a:gridCol>
+              </a:tblGrid>
+              <a:tr h="230491">
+                <a:tc>
+                  <a:txBody>
+                    <a:bodyPr/>
+                    <a:lstStyle/>
+                    <a:p>
+                      <a:pPr marL="0" marR="0" lvl="0" indent="0" algn="l" defTabSz="914400" rtl="0" eaLnBrk="1" fontAlgn="auto" latinLnBrk="0" hangingPunct="1">
+                        <a:lnSpc>
+                          <a:spcPct val="100000"/>
+                        </a:lnSpc>
+                        <a:spcBef>
+                          <a:spcPts val="0"/>
+                        </a:spcBef>
+                        <a:spcAft>
+                          <a:spcPts val="0"/>
+                        </a:spcAft>
+                        <a:buClrTx/>
+                        <a:buSzTx/>
+                        <a:buFontTx/>
+                        <a:buNone/>
+                        <a:tabLst/>
+                        <a:defRPr/>
+                      </a:pPr>
+                      <a:r>
+                        <a:rPr kumimoji="1" lang="en-US" altLang="ja-JP" sz="1000" b="0" kern="1200" dirty="0" err="1">
+                          <a:solidFill>
+                            <a:schemeClr val="bg1"/>
+                          </a:solidFill>
+                          <a:effectLst/>
+                          <a:latin typeface="Arial" panose="020B0604020202020204" pitchFamily="34" charset="0"/>
+                          <a:ea typeface="+mn-ea"/>
+                          <a:cs typeface="Arial" panose="020B0604020202020204" pitchFamily="34" charset="0"/>
+                        </a:rPr>
+                        <a:t>member_behavior</a:t>
+                      </a:r>
+                      <a:endParaRPr kumimoji="1" lang="en-US" altLang="ja-JP" sz="1000" b="0" kern="1200" dirty="0">
+                        <a:solidFill>
+                          <a:schemeClr val="bg1"/>
+                        </a:solidFill>
+                        <a:effectLst/>
+                        <a:latin typeface="Arial" panose="020B0604020202020204" pitchFamily="34" charset="0"/>
+                        <a:ea typeface="+mn-ea"/>
+                        <a:cs typeface="Arial" panose="020B0604020202020204" pitchFamily="34" charset="0"/>
+                      </a:endParaRPr>
+                    </a:p>
+                  </a:txBody>
+                  <a:tcPr/>
+                </a:tc>
+                <a:extLst>
+                  <a:ext uri="{0D108BD9-81ED-4DB2-BD59-A6C34878D82A}">
+                    <a16:rowId xmlns:a16="http://schemas.microsoft.com/office/drawing/2014/main" val="659651961"/>
+                  </a:ext>
+                </a:extLst>
+              </a:tr>
+              <a:tr h="187891">
+                <a:tc>
+                  <a:txBody>
+                    <a:bodyPr/>
+                    <a:lstStyle/>
+                    <a:p>
+                      <a:pPr marL="0" marR="0" lvl="0" indent="0" algn="l" defTabSz="914400" rtl="0" eaLnBrk="1" fontAlgn="auto" latinLnBrk="0" hangingPunct="1">
+                        <a:lnSpc>
+                          <a:spcPct val="100000"/>
+                        </a:lnSpc>
+                        <a:spcBef>
+                          <a:spcPts val="0"/>
+                        </a:spcBef>
+                        <a:spcAft>
+                          <a:spcPts val="0"/>
+                        </a:spcAft>
+                        <a:buClrTx/>
+                        <a:buSzTx/>
+                        <a:buFont typeface="Arial" panose="020B0604020202020204" pitchFamily="34" charset="0"/>
+                        <a:buNone/>
+                        <a:tabLst/>
+                        <a:defRPr/>
+                      </a:pPr>
+                      <a:r>
+                        <a:rPr kumimoji="1" lang="en-US" altLang="ja-JP" sz="1000" b="0" kern="1200" dirty="0" err="1">
+                          <a:solidFill>
+                            <a:schemeClr val="tx1"/>
+                          </a:solidFill>
+                          <a:effectLst/>
+                          <a:latin typeface="Arial" panose="020B0604020202020204" pitchFamily="34" charset="0"/>
+                          <a:ea typeface="+mn-ea"/>
+                          <a:cs typeface="Arial" panose="020B0604020202020204" pitchFamily="34" charset="0"/>
+                        </a:rPr>
+                        <a:t>member_id</a:t>
+                      </a:r>
+                      <a:endParaRPr kumimoji="1" lang="en-US" altLang="ja-JP" sz="1000" b="0" kern="1200" dirty="0">
+                        <a:solidFill>
+                          <a:schemeClr val="tx1"/>
+                        </a:solidFill>
+                        <a:effectLst/>
+                        <a:latin typeface="Arial" panose="020B0604020202020204" pitchFamily="34" charset="0"/>
+                        <a:ea typeface="+mn-ea"/>
+                        <a:cs typeface="Arial" panose="020B0604020202020204" pitchFamily="34" charset="0"/>
+                      </a:endParaRPr>
+                    </a:p>
+                  </a:txBody>
+                  <a:tcPr/>
+                </a:tc>
+                <a:extLst>
+                  <a:ext uri="{0D108BD9-81ED-4DB2-BD59-A6C34878D82A}">
+                    <a16:rowId xmlns:a16="http://schemas.microsoft.com/office/drawing/2014/main" val="1254725891"/>
+                  </a:ext>
+                </a:extLst>
+              </a:tr>
+              <a:tr h="0">
+                <a:tc>
+                  <a:txBody>
+                    <a:bodyPr/>
+                    <a:lstStyle/>
+                    <a:p>
+                      <a:pPr marL="0" marR="0" lvl="0" indent="0" algn="l" defTabSz="914400" rtl="0" eaLnBrk="1" fontAlgn="auto" latinLnBrk="0" hangingPunct="1">
+                        <a:lnSpc>
+                          <a:spcPct val="100000"/>
+                        </a:lnSpc>
+                        <a:spcBef>
+                          <a:spcPts val="0"/>
+                        </a:spcBef>
+                        <a:spcAft>
+                          <a:spcPts val="0"/>
+                        </a:spcAft>
+                        <a:buClrTx/>
+                        <a:buSzTx/>
+                        <a:buFont typeface="Arial" panose="020B0604020202020204" pitchFamily="34" charset="0"/>
+                        <a:buNone/>
+                        <a:tabLst/>
+                        <a:defRPr/>
+                      </a:pPr>
+                      <a:r>
+                        <a:rPr kumimoji="1" lang="en-US" altLang="ja-JP" sz="1000" b="0" kern="1200" dirty="0" err="1">
+                          <a:solidFill>
+                            <a:schemeClr val="tx1"/>
+                          </a:solidFill>
+                          <a:effectLst/>
+                          <a:latin typeface="Arial" panose="020B0604020202020204" pitchFamily="34" charset="0"/>
+                          <a:ea typeface="+mn-ea"/>
+                          <a:cs typeface="Arial" panose="020B0604020202020204" pitchFamily="34" charset="0"/>
+                        </a:rPr>
+                        <a:t>CountTripPerMonth</a:t>
+                      </a:r>
+                      <a:endParaRPr kumimoji="1" lang="en-US" altLang="ja-JP" sz="1000" b="0" kern="1200" dirty="0">
+                        <a:solidFill>
+                          <a:schemeClr val="tx1"/>
+                        </a:solidFill>
+                        <a:effectLst/>
+                        <a:latin typeface="Arial" panose="020B0604020202020204" pitchFamily="34" charset="0"/>
+                        <a:ea typeface="+mn-ea"/>
+                        <a:cs typeface="Arial" panose="020B0604020202020204" pitchFamily="34" charset="0"/>
+                      </a:endParaRPr>
+                    </a:p>
+                  </a:txBody>
+                  <a:tcPr/>
+                </a:tc>
+                <a:extLst>
+                  <a:ext uri="{0D108BD9-81ED-4DB2-BD59-A6C34878D82A}">
+                    <a16:rowId xmlns:a16="http://schemas.microsoft.com/office/drawing/2014/main" val="3179887243"/>
+                  </a:ext>
+                </a:extLst>
+              </a:tr>
+              <a:tr h="0">
+                <a:tc>
+                  <a:txBody>
+                    <a:bodyPr/>
+                    <a:lstStyle/>
+                    <a:p>
+                      <a:r>
+                        <a:rPr kumimoji="1" lang="en-US" altLang="ja-JP" sz="1000" b="0" kern="1200" dirty="0" err="1">
+                          <a:solidFill>
+                            <a:schemeClr val="tx1"/>
+                          </a:solidFill>
+                          <a:effectLst/>
+                          <a:latin typeface="Arial" panose="020B0604020202020204" pitchFamily="34" charset="0"/>
+                          <a:ea typeface="+mn-ea"/>
+                          <a:cs typeface="Arial" panose="020B0604020202020204" pitchFamily="34" charset="0"/>
+                        </a:rPr>
+                        <a:t>SpentTimePerMonth</a:t>
+                      </a:r>
+                      <a:endParaRPr kumimoji="1" lang="en-US" altLang="ja-JP" sz="1000" b="0" kern="1200" dirty="0">
+                        <a:solidFill>
+                          <a:schemeClr val="tx1"/>
+                        </a:solidFill>
+                        <a:effectLst/>
+                        <a:latin typeface="Arial" panose="020B0604020202020204" pitchFamily="34" charset="0"/>
+                        <a:ea typeface="+mn-ea"/>
+                        <a:cs typeface="Arial" panose="020B0604020202020204" pitchFamily="34" charset="0"/>
+                      </a:endParaRPr>
+                    </a:p>
+                  </a:txBody>
+                  <a:tcPr/>
+                </a:tc>
+                <a:extLst>
+                  <a:ext uri="{0D108BD9-81ED-4DB2-BD59-A6C34878D82A}">
+                    <a16:rowId xmlns:a16="http://schemas.microsoft.com/office/drawing/2014/main" val="1698588673"/>
+                  </a:ext>
+                </a:extLst>
+              </a:tr>
+            </a:tbl>
+          </a:graphicData>
+        </a:graphic>
+      </p:graphicFrame>
       <p:sp>
         <p:nvSpPr>
-          <p:cNvPr id="14" name="正方形/長方形 13">
+          <p:cNvPr id="43" name="矢印: 折線 42">
             <a:extLst>
               <a:ext uri="{FF2B5EF4-FFF2-40B4-BE49-F238E27FC236}">
-                <a16:creationId xmlns:a16="http://schemas.microsoft.com/office/drawing/2014/main" id="{BF45796B-8B85-56F0-1FCA-A14AFB1397FE}"/>
+                <a16:creationId xmlns:a16="http://schemas.microsoft.com/office/drawing/2014/main" id="{4324698E-7114-C0E0-FC1F-EBFBC5F7973A}"/>
+              </a:ext>
+            </a:extLst>
+          </p:cNvPr>
+          <p:cNvSpPr/>
+          <p:nvPr/>
+        </p:nvSpPr>
+        <p:spPr>
+          <a:xfrm rot="10800000">
+            <a:off x="7394965" y="4500674"/>
+            <a:ext cx="1000182" cy="698688"/>
+          </a:xfrm>
+          <a:prstGeom prst="bentArrow">
+            <a:avLst/>
+          </a:prstGeom>
+        </p:spPr>
+        <p:style>
+          <a:lnRef idx="2">
+            <a:schemeClr val="accent1">
+              <a:shade val="50000"/>
+            </a:schemeClr>
+          </a:lnRef>
+          <a:fillRef idx="1">
+            <a:schemeClr val="accent1"/>
+          </a:fillRef>
+          <a:effectRef idx="0">
+            <a:schemeClr val="accent1"/>
+          </a:effectRef>
+          <a:fontRef idx="minor">
+            <a:schemeClr val="lt1"/>
+          </a:fontRef>
+        </p:style>
+        <p:txBody>
+          <a:bodyPr rtlCol="0" anchor="ctr"/>
+          <a:lstStyle/>
+          <a:p>
+            <a:pPr algn="ctr"/>
+            <a:endParaRPr kumimoji="1" lang="ja-JP" altLang="en-US">
+              <a:solidFill>
+                <a:schemeClr val="tx1"/>
+              </a:solidFill>
+            </a:endParaRPr>
+          </a:p>
+        </p:txBody>
+      </p:sp>
+      <p:sp>
+        <p:nvSpPr>
+          <p:cNvPr id="6" name="正方形/長方形 5">
+            <a:extLst>
+              <a:ext uri="{FF2B5EF4-FFF2-40B4-BE49-F238E27FC236}">
+                <a16:creationId xmlns:a16="http://schemas.microsoft.com/office/drawing/2014/main" id="{FE6B14F1-6461-ADB5-CC99-86EC4263E82A}"/>
               </a:ext>
             </a:extLst>
           </p:cNvPr>
@@ -12026,8 +12332,8 @@
         </p:nvSpPr>
         <p:spPr>
           <a:xfrm>
-            <a:off x="5254481" y="2117792"/>
-            <a:ext cx="2284062" cy="203542"/>
+            <a:off x="5126783" y="5028041"/>
+            <a:ext cx="2223399" cy="256135"/>
           </a:xfrm>
           <a:prstGeom prst="rect">
             <a:avLst/>
@@ -12064,12 +12370,1378 @@
           </a:p>
         </p:txBody>
       </p:sp>
+      <p:cxnSp>
+        <p:nvCxnSpPr>
+          <p:cNvPr id="7" name="コネクタ: カギ線 6">
+            <a:extLst>
+              <a:ext uri="{FF2B5EF4-FFF2-40B4-BE49-F238E27FC236}">
+                <a16:creationId xmlns:a16="http://schemas.microsoft.com/office/drawing/2014/main" id="{62E8F742-59E1-0BA7-C6EB-9B95A4814ADC}"/>
+              </a:ext>
+            </a:extLst>
+          </p:cNvPr>
+          <p:cNvCxnSpPr>
+            <a:cxnSpLocks/>
+            <a:stCxn id="6" idx="1"/>
+            <a:endCxn id="19" idx="3"/>
+          </p:cNvCxnSpPr>
+          <p:nvPr/>
+        </p:nvCxnSpPr>
+        <p:spPr>
+          <a:xfrm rot="10800000" flipV="1">
+            <a:off x="3740761" y="5156109"/>
+            <a:ext cx="1386023" cy="608568"/>
+          </a:xfrm>
+          <a:prstGeom prst="bentConnector3">
+            <a:avLst>
+              <a:gd name="adj1" fmla="val 50000"/>
+            </a:avLst>
+          </a:prstGeom>
+          <a:ln>
+            <a:solidFill>
+              <a:srgbClr val="FF0000"/>
+            </a:solidFill>
+            <a:tailEnd type="triangle"/>
+          </a:ln>
+        </p:spPr>
+        <p:style>
+          <a:lnRef idx="1">
+            <a:schemeClr val="accent1"/>
+          </a:lnRef>
+          <a:fillRef idx="0">
+            <a:schemeClr val="accent1"/>
+          </a:fillRef>
+          <a:effectRef idx="0">
+            <a:schemeClr val="accent1"/>
+          </a:effectRef>
+          <a:fontRef idx="minor">
+            <a:schemeClr val="tx1"/>
+          </a:fontRef>
+        </p:style>
+      </p:cxnSp>
+      <p:graphicFrame>
+        <p:nvGraphicFramePr>
+          <p:cNvPr id="2" name="表 10">
+            <a:extLst>
+              <a:ext uri="{FF2B5EF4-FFF2-40B4-BE49-F238E27FC236}">
+                <a16:creationId xmlns:a16="http://schemas.microsoft.com/office/drawing/2014/main" id="{47607001-5128-7BEC-043E-61D83564030D}"/>
+              </a:ext>
+            </a:extLst>
+          </p:cNvPr>
+          <p:cNvGraphicFramePr>
+            <a:graphicFrameLocks noGrp="1"/>
+          </p:cNvGraphicFramePr>
+          <p:nvPr>
+            <p:extLst>
+              <p:ext uri="{D42A27DB-BD31-4B8C-83A1-F6EECF244321}">
+                <p14:modId xmlns:p14="http://schemas.microsoft.com/office/powerpoint/2010/main" val="4129827659"/>
+              </p:ext>
+            </p:extLst>
+          </p:nvPr>
+        </p:nvGraphicFramePr>
+        <p:xfrm>
+          <a:off x="4316203" y="2417213"/>
+          <a:ext cx="2495069" cy="1612296"/>
+        </p:xfrm>
+        <a:graphic>
+          <a:graphicData uri="http://schemas.openxmlformats.org/drawingml/2006/table">
+            <a:tbl>
+              <a:tblPr firstRow="1" bandRow="1">
+                <a:tableStyleId>{912C8C85-51F0-491E-9774-3900AFEF0FD7}</a:tableStyleId>
+              </a:tblPr>
+              <a:tblGrid>
+                <a:gridCol w="1435395">
+                  <a:extLst>
+                    <a:ext uri="{9D8B030D-6E8A-4147-A177-3AD203B41FA5}">
+                      <a16:colId xmlns:a16="http://schemas.microsoft.com/office/drawing/2014/main" val="2952130031"/>
+                    </a:ext>
+                  </a:extLst>
+                </a:gridCol>
+                <a:gridCol w="1059674">
+                  <a:extLst>
+                    <a:ext uri="{9D8B030D-6E8A-4147-A177-3AD203B41FA5}">
+                      <a16:colId xmlns:a16="http://schemas.microsoft.com/office/drawing/2014/main" val="792604804"/>
+                    </a:ext>
+                  </a:extLst>
+                </a:gridCol>
+              </a:tblGrid>
+              <a:tr h="166610">
+                <a:tc>
+                  <a:txBody>
+                    <a:bodyPr/>
+                    <a:lstStyle/>
+                    <a:p>
+                      <a:r>
+                        <a:rPr kumimoji="1" lang="en-US" altLang="ja-JP" sz="1000" dirty="0" err="1">
+                          <a:latin typeface="Arial" panose="020B0604020202020204" pitchFamily="34" charset="0"/>
+                          <a:cs typeface="Arial" panose="020B0604020202020204" pitchFamily="34" charset="0"/>
+                        </a:rPr>
+                        <a:t>Calendar_dimension</a:t>
+                      </a:r>
+                      <a:endParaRPr kumimoji="1" lang="ja-JP" altLang="en-US" sz="1000" dirty="0">
+                        <a:latin typeface="Arial" panose="020B0604020202020204" pitchFamily="34" charset="0"/>
+                        <a:cs typeface="Arial" panose="020B0604020202020204" pitchFamily="34" charset="0"/>
+                      </a:endParaRPr>
+                    </a:p>
+                  </a:txBody>
+                  <a:tcPr/>
+                </a:tc>
+                <a:tc>
+                  <a:txBody>
+                    <a:bodyPr/>
+                    <a:lstStyle/>
+                    <a:p>
+                      <a:endParaRPr kumimoji="1" lang="ja-JP" altLang="en-US" sz="1000">
+                        <a:latin typeface="Arial" panose="020B0604020202020204" pitchFamily="34" charset="0"/>
+                        <a:cs typeface="Arial" panose="020B0604020202020204" pitchFamily="34" charset="0"/>
+                      </a:endParaRPr>
+                    </a:p>
+                  </a:txBody>
+                  <a:tcPr/>
+                </a:tc>
+                <a:extLst>
+                  <a:ext uri="{0D108BD9-81ED-4DB2-BD59-A6C34878D82A}">
+                    <a16:rowId xmlns:a16="http://schemas.microsoft.com/office/drawing/2014/main" val="659651961"/>
+                  </a:ext>
+                </a:extLst>
+              </a:tr>
+              <a:tr h="171816">
+                <a:tc>
+                  <a:txBody>
+                    <a:bodyPr/>
+                    <a:lstStyle/>
+                    <a:p>
+                      <a:pPr marL="0" marR="0" lvl="0" indent="0" algn="l" defTabSz="914400" rtl="0" eaLnBrk="1" fontAlgn="auto" latinLnBrk="0" hangingPunct="1">
+                        <a:lnSpc>
+                          <a:spcPct val="100000"/>
+                        </a:lnSpc>
+                        <a:spcBef>
+                          <a:spcPts val="0"/>
+                        </a:spcBef>
+                        <a:spcAft>
+                          <a:spcPts val="0"/>
+                        </a:spcAft>
+                        <a:buClrTx/>
+                        <a:buSzTx/>
+                        <a:buFontTx/>
+                        <a:buNone/>
+                        <a:tabLst/>
+                        <a:defRPr/>
+                      </a:pPr>
+                      <a:r>
+                        <a:rPr kumimoji="1" lang="en-US" altLang="ja-JP" sz="1000" dirty="0">
+                          <a:latin typeface="Arial" panose="020B0604020202020204" pitchFamily="34" charset="0"/>
+                          <a:cs typeface="Arial" panose="020B0604020202020204" pitchFamily="34" charset="0"/>
+                        </a:rPr>
+                        <a:t>Date</a:t>
+                      </a:r>
+                      <a:endParaRPr kumimoji="1" lang="en-US" altLang="ja-JP" sz="1000" dirty="0">
+                        <a:solidFill>
+                          <a:schemeClr val="tx1"/>
+                        </a:solidFill>
+                        <a:latin typeface="Arial" panose="020B0604020202020204" pitchFamily="34" charset="0"/>
+                        <a:cs typeface="Arial" panose="020B0604020202020204" pitchFamily="34" charset="0"/>
+                      </a:endParaRPr>
+                    </a:p>
+                  </a:txBody>
+                  <a:tcPr/>
+                </a:tc>
+                <a:tc>
+                  <a:txBody>
+                    <a:bodyPr/>
+                    <a:lstStyle/>
+                    <a:p>
+                      <a:r>
+                        <a:rPr kumimoji="1" lang="en-US" altLang="ja-JP" sz="1000" dirty="0">
+                          <a:latin typeface="Arial" panose="020B0604020202020204" pitchFamily="34" charset="0"/>
+                          <a:cs typeface="Arial" panose="020B0604020202020204" pitchFamily="34" charset="0"/>
+                        </a:rPr>
+                        <a:t>Date</a:t>
+                      </a:r>
+                      <a:endParaRPr kumimoji="1" lang="ja-JP" altLang="en-US" sz="1000" dirty="0">
+                        <a:latin typeface="Arial" panose="020B0604020202020204" pitchFamily="34" charset="0"/>
+                        <a:cs typeface="Arial" panose="020B0604020202020204" pitchFamily="34" charset="0"/>
+                      </a:endParaRPr>
+                    </a:p>
+                  </a:txBody>
+                  <a:tcPr/>
+                </a:tc>
+                <a:extLst>
+                  <a:ext uri="{0D108BD9-81ED-4DB2-BD59-A6C34878D82A}">
+                    <a16:rowId xmlns:a16="http://schemas.microsoft.com/office/drawing/2014/main" val="1254725891"/>
+                  </a:ext>
+                </a:extLst>
+              </a:tr>
+              <a:tr h="281154">
+                <a:tc>
+                  <a:txBody>
+                    <a:bodyPr/>
+                    <a:lstStyle/>
+                    <a:p>
+                      <a:pPr marL="0" marR="0" lvl="0" indent="0" algn="l" defTabSz="914400" rtl="0" eaLnBrk="1" fontAlgn="auto" latinLnBrk="0" hangingPunct="1">
+                        <a:lnSpc>
+                          <a:spcPct val="100000"/>
+                        </a:lnSpc>
+                        <a:spcBef>
+                          <a:spcPts val="0"/>
+                        </a:spcBef>
+                        <a:spcAft>
+                          <a:spcPts val="0"/>
+                        </a:spcAft>
+                        <a:buClrTx/>
+                        <a:buSzTx/>
+                        <a:buFontTx/>
+                        <a:buNone/>
+                        <a:tabLst/>
+                        <a:defRPr/>
+                      </a:pPr>
+                      <a:r>
+                        <a:rPr lang="en-US" altLang="ja-JP" sz="1000" dirty="0">
+                          <a:latin typeface="Arial" panose="020B0604020202020204" pitchFamily="34" charset="0"/>
+                          <a:cs typeface="Arial" panose="020B0604020202020204" pitchFamily="34" charset="0"/>
+                        </a:rPr>
+                        <a:t>Day of week</a:t>
+                      </a:r>
+                      <a:endParaRPr lang="en-US" altLang="ja-JP" sz="1000" dirty="0">
+                        <a:solidFill>
+                          <a:schemeClr val="tx1"/>
+                        </a:solidFill>
+                        <a:latin typeface="Arial" panose="020B0604020202020204" pitchFamily="34" charset="0"/>
+                        <a:cs typeface="Arial" panose="020B0604020202020204" pitchFamily="34" charset="0"/>
+                      </a:endParaRPr>
+                    </a:p>
+                  </a:txBody>
+                  <a:tcPr/>
+                </a:tc>
+                <a:tc>
+                  <a:txBody>
+                    <a:bodyPr/>
+                    <a:lstStyle/>
+                    <a:p>
+                      <a:pPr marL="0" marR="0" lvl="0" indent="0" algn="l" defTabSz="914400" rtl="0" eaLnBrk="1" fontAlgn="auto" latinLnBrk="0" hangingPunct="1">
+                        <a:lnSpc>
+                          <a:spcPct val="100000"/>
+                        </a:lnSpc>
+                        <a:spcBef>
+                          <a:spcPts val="0"/>
+                        </a:spcBef>
+                        <a:spcAft>
+                          <a:spcPts val="0"/>
+                        </a:spcAft>
+                        <a:buClrTx/>
+                        <a:buSzTx/>
+                        <a:buFontTx/>
+                        <a:buNone/>
+                        <a:tabLst/>
+                        <a:defRPr/>
+                      </a:pPr>
+                      <a:r>
+                        <a:rPr kumimoji="1" lang="en-US" altLang="ja-JP" sz="1000" b="0" kern="1200" dirty="0">
+                          <a:solidFill>
+                            <a:schemeClr val="tx1"/>
+                          </a:solidFill>
+                          <a:effectLst/>
+                          <a:latin typeface="Arial" panose="020B0604020202020204" pitchFamily="34" charset="0"/>
+                          <a:ea typeface="+mn-ea"/>
+                          <a:cs typeface="Arial" panose="020B0604020202020204" pitchFamily="34" charset="0"/>
+                        </a:rPr>
+                        <a:t>TINYINT</a:t>
+                      </a:r>
+                    </a:p>
+                  </a:txBody>
+                  <a:tcPr/>
+                </a:tc>
+                <a:extLst>
+                  <a:ext uri="{0D108BD9-81ED-4DB2-BD59-A6C34878D82A}">
+                    <a16:rowId xmlns:a16="http://schemas.microsoft.com/office/drawing/2014/main" val="3179887243"/>
+                  </a:ext>
+                </a:extLst>
+              </a:tr>
+              <a:tr h="281154">
+                <a:tc>
+                  <a:txBody>
+                    <a:bodyPr/>
+                    <a:lstStyle/>
+                    <a:p>
+                      <a:pPr marL="0" marR="0" lvl="0" indent="0" algn="l" defTabSz="914400" rtl="0" eaLnBrk="1" fontAlgn="auto" latinLnBrk="0" hangingPunct="1">
+                        <a:lnSpc>
+                          <a:spcPct val="100000"/>
+                        </a:lnSpc>
+                        <a:spcBef>
+                          <a:spcPts val="0"/>
+                        </a:spcBef>
+                        <a:spcAft>
+                          <a:spcPts val="0"/>
+                        </a:spcAft>
+                        <a:buClrTx/>
+                        <a:buSzTx/>
+                        <a:buFontTx/>
+                        <a:buNone/>
+                        <a:tabLst/>
+                        <a:defRPr/>
+                      </a:pPr>
+                      <a:r>
+                        <a:rPr lang="en-US" altLang="ja-JP" sz="1000" dirty="0">
+                          <a:latin typeface="Arial" panose="020B0604020202020204" pitchFamily="34" charset="0"/>
+                          <a:cs typeface="Arial" panose="020B0604020202020204" pitchFamily="34" charset="0"/>
+                        </a:rPr>
+                        <a:t>Year</a:t>
+                      </a:r>
+                      <a:endParaRPr lang="en-US" altLang="ja-JP" sz="1000" dirty="0">
+                        <a:solidFill>
+                          <a:schemeClr val="tx1"/>
+                        </a:solidFill>
+                        <a:latin typeface="Arial" panose="020B0604020202020204" pitchFamily="34" charset="0"/>
+                        <a:cs typeface="Arial" panose="020B0604020202020204" pitchFamily="34" charset="0"/>
+                      </a:endParaRPr>
+                    </a:p>
+                  </a:txBody>
+                  <a:tcPr/>
+                </a:tc>
+                <a:tc>
+                  <a:txBody>
+                    <a:bodyPr/>
+                    <a:lstStyle/>
+                    <a:p>
+                      <a:pPr marL="0" marR="0" lvl="0" indent="0" algn="l" defTabSz="914400" rtl="0" eaLnBrk="1" fontAlgn="auto" latinLnBrk="0" hangingPunct="1">
+                        <a:lnSpc>
+                          <a:spcPct val="100000"/>
+                        </a:lnSpc>
+                        <a:spcBef>
+                          <a:spcPts val="0"/>
+                        </a:spcBef>
+                        <a:spcAft>
+                          <a:spcPts val="0"/>
+                        </a:spcAft>
+                        <a:buClrTx/>
+                        <a:buSzTx/>
+                        <a:buFontTx/>
+                        <a:buNone/>
+                        <a:tabLst/>
+                        <a:defRPr/>
+                      </a:pPr>
+                      <a:r>
+                        <a:rPr kumimoji="1" lang="en-US" altLang="ja-JP" sz="1000" b="0" kern="1200" dirty="0">
+                          <a:solidFill>
+                            <a:schemeClr val="tx1"/>
+                          </a:solidFill>
+                          <a:effectLst/>
+                          <a:latin typeface="Arial" panose="020B0604020202020204" pitchFamily="34" charset="0"/>
+                          <a:ea typeface="+mn-ea"/>
+                          <a:cs typeface="Arial" panose="020B0604020202020204" pitchFamily="34" charset="0"/>
+                        </a:rPr>
+                        <a:t>Year</a:t>
+                      </a:r>
+                    </a:p>
+                  </a:txBody>
+                  <a:tcPr/>
+                </a:tc>
+                <a:extLst>
+                  <a:ext uri="{0D108BD9-81ED-4DB2-BD59-A6C34878D82A}">
+                    <a16:rowId xmlns:a16="http://schemas.microsoft.com/office/drawing/2014/main" val="1698588673"/>
+                  </a:ext>
+                </a:extLst>
+              </a:tr>
+              <a:tr h="281154">
+                <a:tc>
+                  <a:txBody>
+                    <a:bodyPr/>
+                    <a:lstStyle/>
+                    <a:p>
+                      <a:pPr marL="0" marR="0" lvl="0" indent="0" algn="l" defTabSz="914400" rtl="0" eaLnBrk="1" fontAlgn="auto" latinLnBrk="0" hangingPunct="1">
+                        <a:lnSpc>
+                          <a:spcPct val="100000"/>
+                        </a:lnSpc>
+                        <a:spcBef>
+                          <a:spcPts val="0"/>
+                        </a:spcBef>
+                        <a:spcAft>
+                          <a:spcPts val="0"/>
+                        </a:spcAft>
+                        <a:buClrTx/>
+                        <a:buSzTx/>
+                        <a:buFontTx/>
+                        <a:buNone/>
+                        <a:tabLst/>
+                        <a:defRPr/>
+                      </a:pPr>
+                      <a:r>
+                        <a:rPr kumimoji="1" lang="en-US" altLang="ja-JP" sz="1000" dirty="0">
+                          <a:latin typeface="Arial" panose="020B0604020202020204" pitchFamily="34" charset="0"/>
+                          <a:cs typeface="Arial" panose="020B0604020202020204" pitchFamily="34" charset="0"/>
+                        </a:rPr>
+                        <a:t>Month </a:t>
+                      </a:r>
+                      <a:endParaRPr kumimoji="1" lang="en-US" altLang="ja-JP" sz="1000" dirty="0">
+                        <a:solidFill>
+                          <a:schemeClr val="tx1"/>
+                        </a:solidFill>
+                        <a:latin typeface="Arial" panose="020B0604020202020204" pitchFamily="34" charset="0"/>
+                        <a:cs typeface="Arial" panose="020B0604020202020204" pitchFamily="34" charset="0"/>
+                      </a:endParaRPr>
+                    </a:p>
+                  </a:txBody>
+                  <a:tcPr/>
+                </a:tc>
+                <a:tc>
+                  <a:txBody>
+                    <a:bodyPr/>
+                    <a:lstStyle/>
+                    <a:p>
+                      <a:pPr marL="0" marR="0" lvl="0" indent="0" algn="l" defTabSz="914400" rtl="0" eaLnBrk="1" fontAlgn="auto" latinLnBrk="0" hangingPunct="1">
+                        <a:lnSpc>
+                          <a:spcPct val="100000"/>
+                        </a:lnSpc>
+                        <a:spcBef>
+                          <a:spcPts val="0"/>
+                        </a:spcBef>
+                        <a:spcAft>
+                          <a:spcPts val="0"/>
+                        </a:spcAft>
+                        <a:buClrTx/>
+                        <a:buSzTx/>
+                        <a:buFontTx/>
+                        <a:buNone/>
+                        <a:tabLst/>
+                        <a:defRPr/>
+                      </a:pPr>
+                      <a:r>
+                        <a:rPr kumimoji="1" lang="en-US" altLang="ja-JP" sz="1000" b="0" kern="1200" dirty="0">
+                          <a:solidFill>
+                            <a:schemeClr val="tx1"/>
+                          </a:solidFill>
+                          <a:effectLst/>
+                          <a:latin typeface="Arial" panose="020B0604020202020204" pitchFamily="34" charset="0"/>
+                          <a:ea typeface="+mn-ea"/>
+                          <a:cs typeface="Arial" panose="020B0604020202020204" pitchFamily="34" charset="0"/>
+                        </a:rPr>
+                        <a:t>CHAR(6)</a:t>
+                      </a:r>
+                    </a:p>
+                  </a:txBody>
+                  <a:tcPr/>
+                </a:tc>
+                <a:extLst>
+                  <a:ext uri="{0D108BD9-81ED-4DB2-BD59-A6C34878D82A}">
+                    <a16:rowId xmlns:a16="http://schemas.microsoft.com/office/drawing/2014/main" val="2891859404"/>
+                  </a:ext>
+                </a:extLst>
+              </a:tr>
+              <a:tr h="281154">
+                <a:tc>
+                  <a:txBody>
+                    <a:bodyPr/>
+                    <a:lstStyle/>
+                    <a:p>
+                      <a:pPr marL="0" marR="0" lvl="0" indent="0" algn="l" defTabSz="914400" rtl="0" eaLnBrk="1" fontAlgn="auto" latinLnBrk="0" hangingPunct="1">
+                        <a:lnSpc>
+                          <a:spcPct val="100000"/>
+                        </a:lnSpc>
+                        <a:spcBef>
+                          <a:spcPts val="0"/>
+                        </a:spcBef>
+                        <a:spcAft>
+                          <a:spcPts val="0"/>
+                        </a:spcAft>
+                        <a:buClrTx/>
+                        <a:buSzTx/>
+                        <a:buFontTx/>
+                        <a:buNone/>
+                        <a:tabLst/>
+                        <a:defRPr/>
+                      </a:pPr>
+                      <a:r>
+                        <a:rPr lang="en-US" altLang="ja-JP" sz="1000" dirty="0">
+                          <a:latin typeface="Arial" panose="020B0604020202020204" pitchFamily="34" charset="0"/>
+                          <a:cs typeface="Arial" panose="020B0604020202020204" pitchFamily="34" charset="0"/>
+                        </a:rPr>
+                        <a:t>Quarter</a:t>
+                      </a:r>
+                      <a:endParaRPr lang="en-US" altLang="ja-JP" sz="1000" dirty="0">
+                        <a:solidFill>
+                          <a:schemeClr val="tx1"/>
+                        </a:solidFill>
+                        <a:latin typeface="Arial" panose="020B0604020202020204" pitchFamily="34" charset="0"/>
+                        <a:cs typeface="Arial" panose="020B0604020202020204" pitchFamily="34" charset="0"/>
+                      </a:endParaRPr>
+                    </a:p>
+                  </a:txBody>
+                  <a:tcPr/>
+                </a:tc>
+                <a:tc>
+                  <a:txBody>
+                    <a:bodyPr/>
+                    <a:lstStyle/>
+                    <a:p>
+                      <a:pPr marL="0" marR="0" lvl="0" indent="0" algn="l" defTabSz="914400" rtl="0" eaLnBrk="1" fontAlgn="auto" latinLnBrk="0" hangingPunct="1">
+                        <a:lnSpc>
+                          <a:spcPct val="100000"/>
+                        </a:lnSpc>
+                        <a:spcBef>
+                          <a:spcPts val="0"/>
+                        </a:spcBef>
+                        <a:spcAft>
+                          <a:spcPts val="0"/>
+                        </a:spcAft>
+                        <a:buClrTx/>
+                        <a:buSzTx/>
+                        <a:buFontTx/>
+                        <a:buNone/>
+                        <a:tabLst/>
+                        <a:defRPr/>
+                      </a:pPr>
+                      <a:r>
+                        <a:rPr kumimoji="1" lang="en-US" altLang="ja-JP" sz="1000" b="0" kern="1200" dirty="0">
+                          <a:solidFill>
+                            <a:schemeClr val="tx1"/>
+                          </a:solidFill>
+                          <a:effectLst/>
+                          <a:latin typeface="Arial" panose="020B0604020202020204" pitchFamily="34" charset="0"/>
+                          <a:ea typeface="+mn-ea"/>
+                          <a:cs typeface="Arial" panose="020B0604020202020204" pitchFamily="34" charset="0"/>
+                        </a:rPr>
+                        <a:t>CHAR(6)</a:t>
+                      </a:r>
+                    </a:p>
+                  </a:txBody>
+                  <a:tcPr/>
+                </a:tc>
+                <a:extLst>
+                  <a:ext uri="{0D108BD9-81ED-4DB2-BD59-A6C34878D82A}">
+                    <a16:rowId xmlns:a16="http://schemas.microsoft.com/office/drawing/2014/main" val="2254065369"/>
+                  </a:ext>
+                </a:extLst>
+              </a:tr>
+            </a:tbl>
+          </a:graphicData>
+        </a:graphic>
+      </p:graphicFrame>
+      <p:graphicFrame>
+        <p:nvGraphicFramePr>
+          <p:cNvPr id="4" name="表 3">
+            <a:extLst>
+              <a:ext uri="{FF2B5EF4-FFF2-40B4-BE49-F238E27FC236}">
+                <a16:creationId xmlns:a16="http://schemas.microsoft.com/office/drawing/2014/main" id="{AC123DAB-E9DC-D5BA-88B4-E106CBFC843A}"/>
+              </a:ext>
+            </a:extLst>
+          </p:cNvPr>
+          <p:cNvGraphicFramePr>
+            <a:graphicFrameLocks noGrp="1"/>
+          </p:cNvGraphicFramePr>
+          <p:nvPr>
+            <p:extLst>
+              <p:ext uri="{D42A27DB-BD31-4B8C-83A1-F6EECF244321}">
+                <p14:modId xmlns:p14="http://schemas.microsoft.com/office/powerpoint/2010/main" val="2702049468"/>
+              </p:ext>
+            </p:extLst>
+          </p:nvPr>
+        </p:nvGraphicFramePr>
+        <p:xfrm>
+          <a:off x="7771163" y="1975877"/>
+          <a:ext cx="2658946" cy="2349050"/>
+        </p:xfrm>
+        <a:graphic>
+          <a:graphicData uri="http://schemas.openxmlformats.org/drawingml/2006/table">
+            <a:tbl>
+              <a:tblPr firstRow="1" bandRow="1">
+                <a:tableStyleId>{69012ECD-51FC-41F1-AA8D-1B2483CD663E}</a:tableStyleId>
+              </a:tblPr>
+              <a:tblGrid>
+                <a:gridCol w="1589372">
+                  <a:extLst>
+                    <a:ext uri="{9D8B030D-6E8A-4147-A177-3AD203B41FA5}">
+                      <a16:colId xmlns:a16="http://schemas.microsoft.com/office/drawing/2014/main" val="2952130031"/>
+                    </a:ext>
+                  </a:extLst>
+                </a:gridCol>
+                <a:gridCol w="1069574">
+                  <a:extLst>
+                    <a:ext uri="{9D8B030D-6E8A-4147-A177-3AD203B41FA5}">
+                      <a16:colId xmlns:a16="http://schemas.microsoft.com/office/drawing/2014/main" val="792604804"/>
+                    </a:ext>
+                  </a:extLst>
+                </a:gridCol>
+              </a:tblGrid>
+              <a:tr h="123856">
+                <a:tc>
+                  <a:txBody>
+                    <a:bodyPr/>
+                    <a:lstStyle/>
+                    <a:p>
+                      <a:r>
+                        <a:rPr kumimoji="1" lang="en-US" altLang="ja-JP" sz="1000" dirty="0" err="1"/>
+                        <a:t>Trip_fact</a:t>
+                      </a:r>
+                      <a:endParaRPr kumimoji="1" lang="ja-JP" altLang="en-US" sz="1000" dirty="0">
+                        <a:latin typeface="Arial" panose="020B0604020202020204" pitchFamily="34" charset="0"/>
+                        <a:cs typeface="Arial" panose="020B0604020202020204" pitchFamily="34" charset="0"/>
+                      </a:endParaRPr>
+                    </a:p>
+                  </a:txBody>
+                  <a:tcPr/>
+                </a:tc>
+                <a:tc>
+                  <a:txBody>
+                    <a:bodyPr/>
+                    <a:lstStyle/>
+                    <a:p>
+                      <a:endParaRPr kumimoji="1" lang="ja-JP" altLang="en-US" sz="1000" dirty="0">
+                        <a:latin typeface="Arial" panose="020B0604020202020204" pitchFamily="34" charset="0"/>
+                        <a:cs typeface="Arial" panose="020B0604020202020204" pitchFamily="34" charset="0"/>
+                      </a:endParaRPr>
+                    </a:p>
+                  </a:txBody>
+                  <a:tcPr/>
+                </a:tc>
+                <a:extLst>
+                  <a:ext uri="{0D108BD9-81ED-4DB2-BD59-A6C34878D82A}">
+                    <a16:rowId xmlns:a16="http://schemas.microsoft.com/office/drawing/2014/main" val="659651961"/>
+                  </a:ext>
+                </a:extLst>
+              </a:tr>
+              <a:tr h="274738">
+                <a:tc>
+                  <a:txBody>
+                    <a:bodyPr/>
+                    <a:lstStyle/>
+                    <a:p>
+                      <a:pPr marL="0" indent="0">
+                        <a:buFont typeface="Arial" panose="020B0604020202020204" pitchFamily="34" charset="0"/>
+                        <a:buNone/>
+                      </a:pPr>
+                      <a:r>
+                        <a:rPr kumimoji="1" lang="en-US" altLang="ja-JP" sz="1000" dirty="0" err="1">
+                          <a:latin typeface="Arial" panose="020B0604020202020204" pitchFamily="34" charset="0"/>
+                          <a:cs typeface="Arial" panose="020B0604020202020204" pitchFamily="34" charset="0"/>
+                        </a:rPr>
+                        <a:t>trip_id</a:t>
+                      </a:r>
+                      <a:endParaRPr kumimoji="1" lang="en-US" altLang="ja-JP" sz="1000" dirty="0">
+                        <a:solidFill>
+                          <a:schemeClr val="accent1">
+                            <a:lumMod val="50000"/>
+                          </a:schemeClr>
+                        </a:solidFill>
+                        <a:latin typeface="Arial" panose="020B0604020202020204" pitchFamily="34" charset="0"/>
+                        <a:cs typeface="Arial" panose="020B0604020202020204" pitchFamily="34" charset="0"/>
+                      </a:endParaRPr>
+                    </a:p>
+                  </a:txBody>
+                  <a:tcPr/>
+                </a:tc>
+                <a:tc>
+                  <a:txBody>
+                    <a:bodyPr/>
+                    <a:lstStyle/>
+                    <a:p>
+                      <a:pPr marL="0" marR="0" lvl="0" indent="0" algn="l" defTabSz="914400" rtl="0" eaLnBrk="1" fontAlgn="auto" latinLnBrk="0" hangingPunct="1">
+                        <a:lnSpc>
+                          <a:spcPct val="100000"/>
+                        </a:lnSpc>
+                        <a:spcBef>
+                          <a:spcPts val="0"/>
+                        </a:spcBef>
+                        <a:spcAft>
+                          <a:spcPts val="0"/>
+                        </a:spcAft>
+                        <a:buClrTx/>
+                        <a:buSzTx/>
+                        <a:buFontTx/>
+                        <a:buNone/>
+                        <a:tabLst/>
+                        <a:defRPr/>
+                      </a:pPr>
+                      <a:r>
+                        <a:rPr kumimoji="1" lang="en-US" altLang="ja-JP" sz="1000" b="0" kern="1200" dirty="0" err="1">
+                          <a:solidFill>
+                            <a:schemeClr val="tx1"/>
+                          </a:solidFill>
+                          <a:effectLst/>
+                          <a:latin typeface="Arial" panose="020B0604020202020204" pitchFamily="34" charset="0"/>
+                          <a:ea typeface="+mn-ea"/>
+                          <a:cs typeface="Arial" panose="020B0604020202020204" pitchFamily="34" charset="0"/>
+                        </a:rPr>
+                        <a:t>nvarchar</a:t>
+                      </a:r>
+                      <a:r>
+                        <a:rPr kumimoji="1" lang="en-US" altLang="ja-JP" sz="1000" b="0" kern="1200" dirty="0">
+                          <a:solidFill>
+                            <a:schemeClr val="tx1"/>
+                          </a:solidFill>
+                          <a:effectLst/>
+                          <a:latin typeface="Arial" panose="020B0604020202020204" pitchFamily="34" charset="0"/>
+                          <a:ea typeface="+mn-ea"/>
+                          <a:cs typeface="Arial" panose="020B0604020202020204" pitchFamily="34" charset="0"/>
+                        </a:rPr>
+                        <a:t>(4000)</a:t>
+                      </a:r>
+                    </a:p>
+                  </a:txBody>
+                  <a:tcPr/>
+                </a:tc>
+                <a:extLst>
+                  <a:ext uri="{0D108BD9-81ED-4DB2-BD59-A6C34878D82A}">
+                    <a16:rowId xmlns:a16="http://schemas.microsoft.com/office/drawing/2014/main" val="1254725891"/>
+                  </a:ext>
+                </a:extLst>
+              </a:tr>
+              <a:tr h="274738">
+                <a:tc>
+                  <a:txBody>
+                    <a:bodyPr/>
+                    <a:lstStyle/>
+                    <a:p>
+                      <a:pPr marL="0" marR="0" lvl="0" indent="0" algn="l" defTabSz="914400" rtl="0" eaLnBrk="1" fontAlgn="auto" latinLnBrk="0" hangingPunct="1">
+                        <a:lnSpc>
+                          <a:spcPct val="100000"/>
+                        </a:lnSpc>
+                        <a:spcBef>
+                          <a:spcPts val="0"/>
+                        </a:spcBef>
+                        <a:spcAft>
+                          <a:spcPts val="0"/>
+                        </a:spcAft>
+                        <a:buClrTx/>
+                        <a:buSzTx/>
+                        <a:buFontTx/>
+                        <a:buNone/>
+                        <a:tabLst/>
+                        <a:defRPr/>
+                      </a:pPr>
+                      <a:r>
+                        <a:rPr kumimoji="1" lang="en-US" altLang="ja-JP" sz="1000" dirty="0" err="1">
+                          <a:latin typeface="Arial" panose="020B0604020202020204" pitchFamily="34" charset="0"/>
+                          <a:cs typeface="Arial" panose="020B0604020202020204" pitchFamily="34" charset="0"/>
+                        </a:rPr>
+                        <a:t>start_at</a:t>
+                      </a:r>
+                      <a:endParaRPr lang="en-US" altLang="ja-JP" sz="1000" dirty="0">
+                        <a:solidFill>
+                          <a:schemeClr val="tx1"/>
+                        </a:solidFill>
+                        <a:latin typeface="Arial" panose="020B0604020202020204" pitchFamily="34" charset="0"/>
+                        <a:cs typeface="Arial" panose="020B0604020202020204" pitchFamily="34" charset="0"/>
+                      </a:endParaRPr>
+                    </a:p>
+                  </a:txBody>
+                  <a:tcPr/>
+                </a:tc>
+                <a:tc>
+                  <a:txBody>
+                    <a:bodyPr/>
+                    <a:lstStyle/>
+                    <a:p>
+                      <a:pPr marL="0" marR="0" lvl="0" indent="0" algn="l" defTabSz="914400" rtl="0" eaLnBrk="1" fontAlgn="auto" latinLnBrk="0" hangingPunct="1">
+                        <a:lnSpc>
+                          <a:spcPct val="100000"/>
+                        </a:lnSpc>
+                        <a:spcBef>
+                          <a:spcPts val="0"/>
+                        </a:spcBef>
+                        <a:spcAft>
+                          <a:spcPts val="0"/>
+                        </a:spcAft>
+                        <a:buClrTx/>
+                        <a:buSzTx/>
+                        <a:buFontTx/>
+                        <a:buNone/>
+                        <a:tabLst/>
+                        <a:defRPr/>
+                      </a:pPr>
+                      <a:r>
+                        <a:rPr kumimoji="1" lang="en-US" altLang="ja-JP" sz="1000" b="0" kern="1200" dirty="0" err="1">
+                          <a:solidFill>
+                            <a:schemeClr val="tx1"/>
+                          </a:solidFill>
+                          <a:effectLst/>
+                          <a:latin typeface="Arial" panose="020B0604020202020204" pitchFamily="34" charset="0"/>
+                          <a:ea typeface="+mn-ea"/>
+                          <a:cs typeface="Arial" panose="020B0604020202020204" pitchFamily="34" charset="0"/>
+                        </a:rPr>
+                        <a:t>nvarchar</a:t>
+                      </a:r>
+                      <a:r>
+                        <a:rPr kumimoji="1" lang="en-US" altLang="ja-JP" sz="1000" b="0" kern="1200" dirty="0">
+                          <a:solidFill>
+                            <a:schemeClr val="tx1"/>
+                          </a:solidFill>
+                          <a:effectLst/>
+                          <a:latin typeface="Arial" panose="020B0604020202020204" pitchFamily="34" charset="0"/>
+                          <a:ea typeface="+mn-ea"/>
+                          <a:cs typeface="Arial" panose="020B0604020202020204" pitchFamily="34" charset="0"/>
+                        </a:rPr>
+                        <a:t>(4000)</a:t>
+                      </a:r>
+                    </a:p>
+                  </a:txBody>
+                  <a:tcPr/>
+                </a:tc>
+                <a:extLst>
+                  <a:ext uri="{0D108BD9-81ED-4DB2-BD59-A6C34878D82A}">
+                    <a16:rowId xmlns:a16="http://schemas.microsoft.com/office/drawing/2014/main" val="1698588673"/>
+                  </a:ext>
+                </a:extLst>
+              </a:tr>
+              <a:tr h="274738">
+                <a:tc>
+                  <a:txBody>
+                    <a:bodyPr/>
+                    <a:lstStyle/>
+                    <a:p>
+                      <a:pPr marL="0" marR="0" lvl="0" indent="0" algn="l" defTabSz="914400" rtl="0" eaLnBrk="1" fontAlgn="auto" latinLnBrk="0" hangingPunct="1">
+                        <a:lnSpc>
+                          <a:spcPct val="100000"/>
+                        </a:lnSpc>
+                        <a:spcBef>
+                          <a:spcPts val="0"/>
+                        </a:spcBef>
+                        <a:spcAft>
+                          <a:spcPts val="0"/>
+                        </a:spcAft>
+                        <a:buClrTx/>
+                        <a:buSzTx/>
+                        <a:buFontTx/>
+                        <a:buNone/>
+                        <a:tabLst/>
+                        <a:defRPr/>
+                      </a:pPr>
+                      <a:r>
+                        <a:rPr lang="en-US" altLang="ja-JP" sz="1000" dirty="0" err="1">
+                          <a:latin typeface="Arial" panose="020B0604020202020204" pitchFamily="34" charset="0"/>
+                          <a:cs typeface="Arial" panose="020B0604020202020204" pitchFamily="34" charset="0"/>
+                        </a:rPr>
+                        <a:t>end_at</a:t>
+                      </a:r>
+                      <a:endParaRPr kumimoji="1" lang="en-US" altLang="ja-JP" sz="1000" dirty="0">
+                        <a:solidFill>
+                          <a:schemeClr val="tx1"/>
+                        </a:solidFill>
+                        <a:latin typeface="Arial" panose="020B0604020202020204" pitchFamily="34" charset="0"/>
+                        <a:cs typeface="Arial" panose="020B0604020202020204" pitchFamily="34" charset="0"/>
+                      </a:endParaRPr>
+                    </a:p>
+                  </a:txBody>
+                  <a:tcPr/>
+                </a:tc>
+                <a:tc>
+                  <a:txBody>
+                    <a:bodyPr/>
+                    <a:lstStyle/>
+                    <a:p>
+                      <a:pPr marL="0" marR="0" lvl="0" indent="0" algn="l" defTabSz="914400" rtl="0" eaLnBrk="1" fontAlgn="auto" latinLnBrk="0" hangingPunct="1">
+                        <a:lnSpc>
+                          <a:spcPct val="100000"/>
+                        </a:lnSpc>
+                        <a:spcBef>
+                          <a:spcPts val="0"/>
+                        </a:spcBef>
+                        <a:spcAft>
+                          <a:spcPts val="0"/>
+                        </a:spcAft>
+                        <a:buClrTx/>
+                        <a:buSzTx/>
+                        <a:buFontTx/>
+                        <a:buNone/>
+                        <a:tabLst/>
+                        <a:defRPr/>
+                      </a:pPr>
+                      <a:r>
+                        <a:rPr kumimoji="1" lang="en-US" altLang="ja-JP" sz="1000" b="0" kern="1200" dirty="0" err="1">
+                          <a:solidFill>
+                            <a:schemeClr val="tx1"/>
+                          </a:solidFill>
+                          <a:effectLst/>
+                          <a:latin typeface="Arial" panose="020B0604020202020204" pitchFamily="34" charset="0"/>
+                          <a:ea typeface="+mn-ea"/>
+                          <a:cs typeface="Arial" panose="020B0604020202020204" pitchFamily="34" charset="0"/>
+                        </a:rPr>
+                        <a:t>nvarchar</a:t>
+                      </a:r>
+                      <a:r>
+                        <a:rPr kumimoji="1" lang="en-US" altLang="ja-JP" sz="1000" b="0" kern="1200" dirty="0">
+                          <a:solidFill>
+                            <a:schemeClr val="tx1"/>
+                          </a:solidFill>
+                          <a:effectLst/>
+                          <a:latin typeface="Arial" panose="020B0604020202020204" pitchFamily="34" charset="0"/>
+                          <a:ea typeface="+mn-ea"/>
+                          <a:cs typeface="Arial" panose="020B0604020202020204" pitchFamily="34" charset="0"/>
+                        </a:rPr>
+                        <a:t>(4000)</a:t>
+                      </a:r>
+                    </a:p>
+                  </a:txBody>
+                  <a:tcPr/>
+                </a:tc>
+                <a:extLst>
+                  <a:ext uri="{0D108BD9-81ED-4DB2-BD59-A6C34878D82A}">
+                    <a16:rowId xmlns:a16="http://schemas.microsoft.com/office/drawing/2014/main" val="2891859404"/>
+                  </a:ext>
+                </a:extLst>
+              </a:tr>
+              <a:tr h="274738">
+                <a:tc>
+                  <a:txBody>
+                    <a:bodyPr/>
+                    <a:lstStyle/>
+                    <a:p>
+                      <a:pPr marL="0" indent="0">
+                        <a:buFont typeface="Arial" panose="020B0604020202020204" pitchFamily="34" charset="0"/>
+                        <a:buNone/>
+                      </a:pPr>
+                      <a:r>
+                        <a:rPr kumimoji="1" lang="en-US" altLang="ja-JP" sz="1000" dirty="0" err="1">
+                          <a:latin typeface="Arial" panose="020B0604020202020204" pitchFamily="34" charset="0"/>
+                          <a:cs typeface="Arial" panose="020B0604020202020204" pitchFamily="34" charset="0"/>
+                        </a:rPr>
+                        <a:t>start_station_id</a:t>
+                      </a:r>
+                      <a:endParaRPr kumimoji="1" lang="en-US" altLang="ja-JP" sz="1000" dirty="0">
+                        <a:solidFill>
+                          <a:schemeClr val="accent1">
+                            <a:lumMod val="50000"/>
+                          </a:schemeClr>
+                        </a:solidFill>
+                        <a:latin typeface="Arial" panose="020B0604020202020204" pitchFamily="34" charset="0"/>
+                        <a:cs typeface="Arial" panose="020B0604020202020204" pitchFamily="34" charset="0"/>
+                      </a:endParaRPr>
+                    </a:p>
+                  </a:txBody>
+                  <a:tcPr/>
+                </a:tc>
+                <a:tc>
+                  <a:txBody>
+                    <a:bodyPr/>
+                    <a:lstStyle/>
+                    <a:p>
+                      <a:pPr marL="0" marR="0" lvl="0" indent="0" algn="l" defTabSz="914400" rtl="0" eaLnBrk="1" fontAlgn="auto" latinLnBrk="0" hangingPunct="1">
+                        <a:lnSpc>
+                          <a:spcPct val="100000"/>
+                        </a:lnSpc>
+                        <a:spcBef>
+                          <a:spcPts val="0"/>
+                        </a:spcBef>
+                        <a:spcAft>
+                          <a:spcPts val="0"/>
+                        </a:spcAft>
+                        <a:buClrTx/>
+                        <a:buSzTx/>
+                        <a:buFontTx/>
+                        <a:buNone/>
+                        <a:tabLst/>
+                        <a:defRPr/>
+                      </a:pPr>
+                      <a:r>
+                        <a:rPr kumimoji="1" lang="en-US" altLang="ja-JP" sz="1000" b="0" kern="1200" dirty="0" err="1">
+                          <a:solidFill>
+                            <a:schemeClr val="tx1"/>
+                          </a:solidFill>
+                          <a:effectLst/>
+                          <a:latin typeface="Arial" panose="020B0604020202020204" pitchFamily="34" charset="0"/>
+                          <a:ea typeface="+mn-ea"/>
+                          <a:cs typeface="Arial" panose="020B0604020202020204" pitchFamily="34" charset="0"/>
+                        </a:rPr>
+                        <a:t>nvarchar</a:t>
+                      </a:r>
+                      <a:r>
+                        <a:rPr kumimoji="1" lang="en-US" altLang="ja-JP" sz="1000" b="0" kern="1200" dirty="0">
+                          <a:solidFill>
+                            <a:schemeClr val="tx1"/>
+                          </a:solidFill>
+                          <a:effectLst/>
+                          <a:latin typeface="Arial" panose="020B0604020202020204" pitchFamily="34" charset="0"/>
+                          <a:ea typeface="+mn-ea"/>
+                          <a:cs typeface="Arial" panose="020B0604020202020204" pitchFamily="34" charset="0"/>
+                        </a:rPr>
+                        <a:t>(4000)</a:t>
+                      </a:r>
+                    </a:p>
+                  </a:txBody>
+                  <a:tcPr/>
+                </a:tc>
+                <a:extLst>
+                  <a:ext uri="{0D108BD9-81ED-4DB2-BD59-A6C34878D82A}">
+                    <a16:rowId xmlns:a16="http://schemas.microsoft.com/office/drawing/2014/main" val="2254065369"/>
+                  </a:ext>
+                </a:extLst>
+              </a:tr>
+              <a:tr h="274738">
+                <a:tc>
+                  <a:txBody>
+                    <a:bodyPr/>
+                    <a:lstStyle/>
+                    <a:p>
+                      <a:pPr marL="0" marR="0" lvl="0" indent="0" algn="l" defTabSz="914400" rtl="0" eaLnBrk="1" fontAlgn="auto" latinLnBrk="0" hangingPunct="1">
+                        <a:lnSpc>
+                          <a:spcPct val="100000"/>
+                        </a:lnSpc>
+                        <a:spcBef>
+                          <a:spcPts val="0"/>
+                        </a:spcBef>
+                        <a:spcAft>
+                          <a:spcPts val="0"/>
+                        </a:spcAft>
+                        <a:buClrTx/>
+                        <a:buSzTx/>
+                        <a:buFont typeface="Arial" panose="020B0604020202020204" pitchFamily="34" charset="0"/>
+                        <a:buNone/>
+                        <a:tabLst/>
+                        <a:defRPr/>
+                      </a:pPr>
+                      <a:r>
+                        <a:rPr lang="en-US" altLang="ja-JP" sz="1000" dirty="0" err="1">
+                          <a:latin typeface="Arial" panose="020B0604020202020204" pitchFamily="34" charset="0"/>
+                          <a:cs typeface="Arial" panose="020B0604020202020204" pitchFamily="34" charset="0"/>
+                        </a:rPr>
+                        <a:t>TimeDay</a:t>
+                      </a:r>
+                      <a:r>
+                        <a:rPr lang="en-US" altLang="ja-JP" sz="1000" dirty="0">
+                          <a:latin typeface="Arial" panose="020B0604020202020204" pitchFamily="34" charset="0"/>
+                          <a:cs typeface="Arial" panose="020B0604020202020204" pitchFamily="34" charset="0"/>
+                        </a:rPr>
+                        <a:t>,</a:t>
+                      </a:r>
+                      <a:endParaRPr lang="en-US" altLang="ja-JP" sz="1000" dirty="0">
+                        <a:solidFill>
+                          <a:schemeClr val="accent1">
+                            <a:lumMod val="50000"/>
+                          </a:schemeClr>
+                        </a:solidFill>
+                        <a:latin typeface="Arial" panose="020B0604020202020204" pitchFamily="34" charset="0"/>
+                        <a:cs typeface="Arial" panose="020B0604020202020204" pitchFamily="34" charset="0"/>
+                      </a:endParaRPr>
+                    </a:p>
+                  </a:txBody>
+                  <a:tcPr/>
+                </a:tc>
+                <a:tc>
+                  <a:txBody>
+                    <a:bodyPr/>
+                    <a:lstStyle/>
+                    <a:p>
+                      <a:pPr marL="0" marR="0" lvl="0" indent="0" algn="l" defTabSz="914400" rtl="0" eaLnBrk="1" fontAlgn="auto" latinLnBrk="0" hangingPunct="1">
+                        <a:lnSpc>
+                          <a:spcPct val="100000"/>
+                        </a:lnSpc>
+                        <a:spcBef>
+                          <a:spcPts val="0"/>
+                        </a:spcBef>
+                        <a:spcAft>
+                          <a:spcPts val="0"/>
+                        </a:spcAft>
+                        <a:buClrTx/>
+                        <a:buSzTx/>
+                        <a:buFontTx/>
+                        <a:buNone/>
+                        <a:tabLst/>
+                        <a:defRPr/>
+                      </a:pPr>
+                      <a:r>
+                        <a:rPr kumimoji="1" lang="en-US" altLang="ja-JP" sz="1000" b="0" kern="1200" dirty="0" err="1">
+                          <a:solidFill>
+                            <a:schemeClr val="tx1"/>
+                          </a:solidFill>
+                          <a:effectLst/>
+                          <a:latin typeface="Arial" panose="020B0604020202020204" pitchFamily="34" charset="0"/>
+                          <a:ea typeface="+mn-ea"/>
+                          <a:cs typeface="Arial" panose="020B0604020202020204" pitchFamily="34" charset="0"/>
+                        </a:rPr>
+                        <a:t>nvarchar</a:t>
+                      </a:r>
+                      <a:r>
+                        <a:rPr kumimoji="1" lang="en-US" altLang="ja-JP" sz="1000" b="0" kern="1200" dirty="0">
+                          <a:solidFill>
+                            <a:schemeClr val="tx1"/>
+                          </a:solidFill>
+                          <a:effectLst/>
+                          <a:latin typeface="Arial" panose="020B0604020202020204" pitchFamily="34" charset="0"/>
+                          <a:ea typeface="+mn-ea"/>
+                          <a:cs typeface="Arial" panose="020B0604020202020204" pitchFamily="34" charset="0"/>
+                        </a:rPr>
+                        <a:t>(4000)</a:t>
+                      </a:r>
+                    </a:p>
+                  </a:txBody>
+                  <a:tcPr/>
+                </a:tc>
+                <a:extLst>
+                  <a:ext uri="{0D108BD9-81ED-4DB2-BD59-A6C34878D82A}">
+                    <a16:rowId xmlns:a16="http://schemas.microsoft.com/office/drawing/2014/main" val="2351082811"/>
+                  </a:ext>
+                </a:extLst>
+              </a:tr>
+              <a:tr h="169069">
+                <a:tc>
+                  <a:txBody>
+                    <a:bodyPr/>
+                    <a:lstStyle/>
+                    <a:p>
+                      <a:pPr marL="0" marR="0" lvl="0" indent="0" algn="l" defTabSz="914400" rtl="0" eaLnBrk="1" fontAlgn="auto" latinLnBrk="0" hangingPunct="1">
+                        <a:lnSpc>
+                          <a:spcPct val="100000"/>
+                        </a:lnSpc>
+                        <a:spcBef>
+                          <a:spcPts val="0"/>
+                        </a:spcBef>
+                        <a:spcAft>
+                          <a:spcPts val="0"/>
+                        </a:spcAft>
+                        <a:buClrTx/>
+                        <a:buSzTx/>
+                        <a:buFont typeface="Arial" panose="020B0604020202020204" pitchFamily="34" charset="0"/>
+                        <a:buNone/>
+                        <a:tabLst/>
+                        <a:defRPr/>
+                      </a:pPr>
+                      <a:r>
+                        <a:rPr lang="en-US" altLang="ja-JP" sz="1000" dirty="0" err="1">
+                          <a:latin typeface="Arial" panose="020B0604020202020204" pitchFamily="34" charset="0"/>
+                          <a:cs typeface="Arial" panose="020B0604020202020204" pitchFamily="34" charset="0"/>
+                        </a:rPr>
+                        <a:t>member_id</a:t>
+                      </a:r>
+                      <a:endParaRPr lang="en-US" altLang="ja-JP" sz="1000" dirty="0">
+                        <a:solidFill>
+                          <a:schemeClr val="accent1">
+                            <a:lumMod val="50000"/>
+                          </a:schemeClr>
+                        </a:solidFill>
+                        <a:latin typeface="Arial" panose="020B0604020202020204" pitchFamily="34" charset="0"/>
+                        <a:cs typeface="Arial" panose="020B0604020202020204" pitchFamily="34" charset="0"/>
+                      </a:endParaRPr>
+                    </a:p>
+                  </a:txBody>
+                  <a:tcPr/>
+                </a:tc>
+                <a:tc>
+                  <a:txBody>
+                    <a:bodyPr/>
+                    <a:lstStyle/>
+                    <a:p>
+                      <a:pPr marL="0" marR="0" lvl="0" indent="0" algn="l" defTabSz="914400" rtl="0" eaLnBrk="1" fontAlgn="auto" latinLnBrk="0" hangingPunct="1">
+                        <a:lnSpc>
+                          <a:spcPct val="100000"/>
+                        </a:lnSpc>
+                        <a:spcBef>
+                          <a:spcPts val="0"/>
+                        </a:spcBef>
+                        <a:spcAft>
+                          <a:spcPts val="0"/>
+                        </a:spcAft>
+                        <a:buClrTx/>
+                        <a:buSzTx/>
+                        <a:buFontTx/>
+                        <a:buNone/>
+                        <a:tabLst/>
+                        <a:defRPr/>
+                      </a:pPr>
+                      <a:r>
+                        <a:rPr kumimoji="1" lang="en-US" altLang="ja-JP" sz="1000" b="0" kern="1200" dirty="0" err="1">
+                          <a:solidFill>
+                            <a:schemeClr val="tx1"/>
+                          </a:solidFill>
+                          <a:effectLst/>
+                          <a:latin typeface="Arial" panose="020B0604020202020204" pitchFamily="34" charset="0"/>
+                          <a:ea typeface="+mn-ea"/>
+                          <a:cs typeface="Arial" panose="020B0604020202020204" pitchFamily="34" charset="0"/>
+                        </a:rPr>
+                        <a:t>bigint</a:t>
+                      </a:r>
+                      <a:endParaRPr kumimoji="1" lang="en-US" altLang="ja-JP" sz="1000" b="0" kern="1200" dirty="0">
+                        <a:solidFill>
+                          <a:schemeClr val="tx1"/>
+                        </a:solidFill>
+                        <a:effectLst/>
+                        <a:latin typeface="Arial" panose="020B0604020202020204" pitchFamily="34" charset="0"/>
+                        <a:ea typeface="+mn-ea"/>
+                        <a:cs typeface="Arial" panose="020B0604020202020204" pitchFamily="34" charset="0"/>
+                      </a:endParaRPr>
+                    </a:p>
+                  </a:txBody>
+                  <a:tcPr/>
+                </a:tc>
+                <a:extLst>
+                  <a:ext uri="{0D108BD9-81ED-4DB2-BD59-A6C34878D82A}">
+                    <a16:rowId xmlns:a16="http://schemas.microsoft.com/office/drawing/2014/main" val="687454561"/>
+                  </a:ext>
+                </a:extLst>
+              </a:tr>
+              <a:tr h="169069">
+                <a:tc>
+                  <a:txBody>
+                    <a:bodyPr/>
+                    <a:lstStyle/>
+                    <a:p>
+                      <a:pPr marL="0" marR="0" lvl="0" indent="0" algn="l" defTabSz="914400" rtl="0" eaLnBrk="1" fontAlgn="auto" latinLnBrk="0" hangingPunct="1">
+                        <a:lnSpc>
+                          <a:spcPct val="100000"/>
+                        </a:lnSpc>
+                        <a:spcBef>
+                          <a:spcPts val="0"/>
+                        </a:spcBef>
+                        <a:spcAft>
+                          <a:spcPts val="0"/>
+                        </a:spcAft>
+                        <a:buClrTx/>
+                        <a:buSzTx/>
+                        <a:buFont typeface="Arial" panose="020B0604020202020204" pitchFamily="34" charset="0"/>
+                        <a:buNone/>
+                        <a:tabLst/>
+                        <a:defRPr/>
+                      </a:pPr>
+                      <a:r>
+                        <a:rPr lang="en-US" altLang="ja-JP" sz="1000" b="1" dirty="0" err="1">
+                          <a:solidFill>
+                            <a:schemeClr val="tx1"/>
+                          </a:solidFill>
+                          <a:latin typeface="Arial" panose="020B0604020202020204" pitchFamily="34" charset="0"/>
+                          <a:cs typeface="Arial" panose="020B0604020202020204" pitchFamily="34" charset="0"/>
+                        </a:rPr>
+                        <a:t>Druation</a:t>
+                      </a:r>
+                      <a:endParaRPr lang="en-US" altLang="ja-JP" sz="1000" b="1" dirty="0">
+                        <a:solidFill>
+                          <a:schemeClr val="tx1"/>
+                        </a:solidFill>
+                        <a:latin typeface="Arial" panose="020B0604020202020204" pitchFamily="34" charset="0"/>
+                        <a:cs typeface="Arial" panose="020B0604020202020204" pitchFamily="34" charset="0"/>
+                      </a:endParaRPr>
+                    </a:p>
+                  </a:txBody>
+                  <a:tcPr/>
+                </a:tc>
+                <a:tc>
+                  <a:txBody>
+                    <a:bodyPr/>
+                    <a:lstStyle/>
+                    <a:p>
+                      <a:pPr marL="0" marR="0" lvl="0" indent="0" algn="l" defTabSz="914400" rtl="0" eaLnBrk="1" fontAlgn="auto" latinLnBrk="0" hangingPunct="1">
+                        <a:lnSpc>
+                          <a:spcPct val="100000"/>
+                        </a:lnSpc>
+                        <a:spcBef>
+                          <a:spcPts val="0"/>
+                        </a:spcBef>
+                        <a:spcAft>
+                          <a:spcPts val="0"/>
+                        </a:spcAft>
+                        <a:buClrTx/>
+                        <a:buSzTx/>
+                        <a:buFontTx/>
+                        <a:buNone/>
+                        <a:tabLst/>
+                        <a:defRPr/>
+                      </a:pPr>
+                      <a:r>
+                        <a:rPr kumimoji="1" lang="en-US" altLang="ja-JP" sz="1000" b="0" kern="1200" dirty="0">
+                          <a:solidFill>
+                            <a:schemeClr val="tx1"/>
+                          </a:solidFill>
+                          <a:effectLst/>
+                          <a:latin typeface="Arial" panose="020B0604020202020204" pitchFamily="34" charset="0"/>
+                          <a:ea typeface="+mn-ea"/>
+                          <a:cs typeface="Arial" panose="020B0604020202020204" pitchFamily="34" charset="0"/>
+                        </a:rPr>
+                        <a:t>TINYINT</a:t>
+                      </a:r>
+                    </a:p>
+                  </a:txBody>
+                  <a:tcPr/>
+                </a:tc>
+                <a:extLst>
+                  <a:ext uri="{0D108BD9-81ED-4DB2-BD59-A6C34878D82A}">
+                    <a16:rowId xmlns:a16="http://schemas.microsoft.com/office/drawing/2014/main" val="2200225552"/>
+                  </a:ext>
+                </a:extLst>
+              </a:tr>
+              <a:tr h="169069">
+                <a:tc>
+                  <a:txBody>
+                    <a:bodyPr/>
+                    <a:lstStyle/>
+                    <a:p>
+                      <a:pPr marL="0" indent="0">
+                        <a:buFont typeface="Arial" panose="020B0604020202020204" pitchFamily="34" charset="0"/>
+                        <a:buNone/>
+                      </a:pPr>
+                      <a:r>
+                        <a:rPr kumimoji="1" lang="en-US" altLang="ja-JP" sz="1000" dirty="0" err="1">
+                          <a:solidFill>
+                            <a:schemeClr val="tx1"/>
+                          </a:solidFill>
+                          <a:latin typeface="Arial" panose="020B0604020202020204" pitchFamily="34" charset="0"/>
+                          <a:cs typeface="Arial" panose="020B0604020202020204" pitchFamily="34" charset="0"/>
+                        </a:rPr>
+                        <a:t>Age_at_Time_of</a:t>
+                      </a:r>
+                      <a:r>
+                        <a:rPr kumimoji="1" lang="en-US" altLang="ja-JP" sz="1000" dirty="0">
+                          <a:solidFill>
+                            <a:schemeClr val="tx1"/>
+                          </a:solidFill>
+                          <a:latin typeface="Arial" panose="020B0604020202020204" pitchFamily="34" charset="0"/>
+                          <a:cs typeface="Arial" panose="020B0604020202020204" pitchFamily="34" charset="0"/>
+                        </a:rPr>
+                        <a:t> _Trip</a:t>
+                      </a:r>
+                    </a:p>
+                  </a:txBody>
+                  <a:tcPr/>
+                </a:tc>
+                <a:tc>
+                  <a:txBody>
+                    <a:bodyPr/>
+                    <a:lstStyle/>
+                    <a:p>
+                      <a:pPr marL="0" marR="0" lvl="0" indent="0" algn="l" defTabSz="914400" rtl="0" eaLnBrk="1" fontAlgn="auto" latinLnBrk="0" hangingPunct="1">
+                        <a:lnSpc>
+                          <a:spcPct val="100000"/>
+                        </a:lnSpc>
+                        <a:spcBef>
+                          <a:spcPts val="0"/>
+                        </a:spcBef>
+                        <a:spcAft>
+                          <a:spcPts val="0"/>
+                        </a:spcAft>
+                        <a:buClrTx/>
+                        <a:buSzTx/>
+                        <a:buFontTx/>
+                        <a:buNone/>
+                        <a:tabLst/>
+                        <a:defRPr/>
+                      </a:pPr>
+                      <a:r>
+                        <a:rPr kumimoji="1" lang="en-US" altLang="ja-JP" sz="1000" b="0" kern="1200" dirty="0">
+                          <a:solidFill>
+                            <a:schemeClr val="tx1"/>
+                          </a:solidFill>
+                          <a:effectLst/>
+                          <a:latin typeface="Arial" panose="020B0604020202020204" pitchFamily="34" charset="0"/>
+                          <a:ea typeface="+mn-ea"/>
+                          <a:cs typeface="Arial" panose="020B0604020202020204" pitchFamily="34" charset="0"/>
+                        </a:rPr>
+                        <a:t>TINYINT</a:t>
+                      </a:r>
+                    </a:p>
+                  </a:txBody>
+                  <a:tcPr/>
+                </a:tc>
+                <a:extLst>
+                  <a:ext uri="{0D108BD9-81ED-4DB2-BD59-A6C34878D82A}">
+                    <a16:rowId xmlns:a16="http://schemas.microsoft.com/office/drawing/2014/main" val="663243780"/>
+                  </a:ext>
+                </a:extLst>
+              </a:tr>
+            </a:tbl>
+          </a:graphicData>
+        </a:graphic>
+      </p:graphicFrame>
       <p:sp>
         <p:nvSpPr>
-          <p:cNvPr id="15" name="正方形/長方形 14">
+          <p:cNvPr id="10" name="正方形/長方形 9">
             <a:extLst>
               <a:ext uri="{FF2B5EF4-FFF2-40B4-BE49-F238E27FC236}">
-                <a16:creationId xmlns:a16="http://schemas.microsoft.com/office/drawing/2014/main" id="{25CE8994-1AE6-E15E-427E-19738A1B132E}"/>
+                <a16:creationId xmlns:a16="http://schemas.microsoft.com/office/drawing/2014/main" id="{6B54899D-883E-7193-BC1B-2B531E852DBE}"/>
               </a:ext>
             </a:extLst>
           </p:cNvPr>
@@ -12078,8 +13750,8 @@
         </p:nvSpPr>
         <p:spPr>
           <a:xfrm>
-            <a:off x="7953858" y="1666097"/>
-            <a:ext cx="2284064" cy="236939"/>
+            <a:off x="4324319" y="2686582"/>
+            <a:ext cx="2486953" cy="211499"/>
           </a:xfrm>
           <a:prstGeom prst="rect">
             <a:avLst/>
@@ -12116,350 +13788,12 @@
           </a:p>
         </p:txBody>
       </p:sp>
-      <p:cxnSp>
-        <p:nvCxnSpPr>
-          <p:cNvPr id="20" name="コネクタ: カギ線 19">
+      <p:sp>
+        <p:nvSpPr>
+          <p:cNvPr id="11" name="正方形/長方形 10">
             <a:extLst>
               <a:ext uri="{FF2B5EF4-FFF2-40B4-BE49-F238E27FC236}">
-                <a16:creationId xmlns:a16="http://schemas.microsoft.com/office/drawing/2014/main" id="{F470CB10-491F-D939-358C-03D3F06978E0}"/>
-              </a:ext>
-            </a:extLst>
-          </p:cNvPr>
-          <p:cNvCxnSpPr>
-            <a:cxnSpLocks/>
-            <a:stCxn id="14" idx="3"/>
-            <a:endCxn id="15" idx="1"/>
-          </p:cNvCxnSpPr>
-          <p:nvPr/>
-        </p:nvCxnSpPr>
-        <p:spPr>
-          <a:xfrm flipV="1">
-            <a:off x="7538543" y="1784567"/>
-            <a:ext cx="415315" cy="434996"/>
-          </a:xfrm>
-          <a:prstGeom prst="bentConnector3">
-            <a:avLst/>
-          </a:prstGeom>
-          <a:ln>
-            <a:solidFill>
-              <a:srgbClr val="FF0000"/>
-            </a:solidFill>
-            <a:tailEnd type="triangle"/>
-          </a:ln>
-        </p:spPr>
-        <p:style>
-          <a:lnRef idx="1">
-            <a:schemeClr val="accent1"/>
-          </a:lnRef>
-          <a:fillRef idx="0">
-            <a:schemeClr val="accent1"/>
-          </a:fillRef>
-          <a:effectRef idx="0">
-            <a:schemeClr val="accent1"/>
-          </a:effectRef>
-          <a:fontRef idx="minor">
-            <a:schemeClr val="tx1"/>
-          </a:fontRef>
-        </p:style>
-      </p:cxnSp>
-      <p:graphicFrame>
-        <p:nvGraphicFramePr>
-          <p:cNvPr id="37" name="表 36">
-            <a:extLst>
-              <a:ext uri="{FF2B5EF4-FFF2-40B4-BE49-F238E27FC236}">
-                <a16:creationId xmlns:a16="http://schemas.microsoft.com/office/drawing/2014/main" id="{EA446142-EAD3-A7C5-F9A4-025321AFFDE1}"/>
-              </a:ext>
-            </a:extLst>
-          </p:cNvPr>
-          <p:cNvGraphicFramePr>
-            <a:graphicFrameLocks noGrp="1"/>
-          </p:cNvGraphicFramePr>
-          <p:nvPr>
-            <p:extLst>
-              <p:ext uri="{D42A27DB-BD31-4B8C-83A1-F6EECF244321}">
-                <p14:modId xmlns:p14="http://schemas.microsoft.com/office/powerpoint/2010/main" val="3137923051"/>
-              </p:ext>
-            </p:extLst>
-          </p:nvPr>
-        </p:nvGraphicFramePr>
-        <p:xfrm>
-          <a:off x="5091616" y="3911624"/>
-          <a:ext cx="2223399" cy="975360"/>
-        </p:xfrm>
-        <a:graphic>
-          <a:graphicData uri="http://schemas.openxmlformats.org/drawingml/2006/table">
-            <a:tbl>
-              <a:tblPr firstRow="1" bandRow="1">
-                <a:tableStyleId>{69012ECD-51FC-41F1-AA8D-1B2483CD663E}</a:tableStyleId>
-              </a:tblPr>
-              <a:tblGrid>
-                <a:gridCol w="2223399">
-                  <a:extLst>
-                    <a:ext uri="{9D8B030D-6E8A-4147-A177-3AD203B41FA5}">
-                      <a16:colId xmlns:a16="http://schemas.microsoft.com/office/drawing/2014/main" val="2952130031"/>
-                    </a:ext>
-                  </a:extLst>
-                </a:gridCol>
-              </a:tblGrid>
-              <a:tr h="230491">
-                <a:tc>
-                  <a:txBody>
-                    <a:bodyPr/>
-                    <a:lstStyle/>
-                    <a:p>
-                      <a:pPr marL="0" marR="0" lvl="0" indent="0" algn="l" defTabSz="914400" rtl="0" eaLnBrk="1" fontAlgn="auto" latinLnBrk="0" hangingPunct="1">
-                        <a:lnSpc>
-                          <a:spcPct val="100000"/>
-                        </a:lnSpc>
-                        <a:spcBef>
-                          <a:spcPts val="0"/>
-                        </a:spcBef>
-                        <a:spcAft>
-                          <a:spcPts val="0"/>
-                        </a:spcAft>
-                        <a:buClrTx/>
-                        <a:buSzTx/>
-                        <a:buFontTx/>
-                        <a:buNone/>
-                        <a:tabLst/>
-                        <a:defRPr/>
-                      </a:pPr>
-                      <a:r>
-                        <a:rPr kumimoji="1" lang="en-US" altLang="ja-JP" sz="1000" b="0" kern="1200" dirty="0" err="1">
-                          <a:solidFill>
-                            <a:schemeClr val="bg1"/>
-                          </a:solidFill>
-                          <a:effectLst/>
-                          <a:latin typeface="Arial" panose="020B0604020202020204" pitchFamily="34" charset="0"/>
-                          <a:ea typeface="+mn-ea"/>
-                          <a:cs typeface="Arial" panose="020B0604020202020204" pitchFamily="34" charset="0"/>
-                        </a:rPr>
-                        <a:t>member_behavior</a:t>
-                      </a:r>
-                      <a:endParaRPr kumimoji="1" lang="en-US" altLang="ja-JP" sz="1000" b="0" kern="1200" dirty="0">
-                        <a:solidFill>
-                          <a:schemeClr val="bg1"/>
-                        </a:solidFill>
-                        <a:effectLst/>
-                        <a:latin typeface="Arial" panose="020B0604020202020204" pitchFamily="34" charset="0"/>
-                        <a:ea typeface="+mn-ea"/>
-                        <a:cs typeface="Arial" panose="020B0604020202020204" pitchFamily="34" charset="0"/>
-                      </a:endParaRPr>
-                    </a:p>
-                  </a:txBody>
-                  <a:tcPr/>
-                </a:tc>
-                <a:extLst>
-                  <a:ext uri="{0D108BD9-81ED-4DB2-BD59-A6C34878D82A}">
-                    <a16:rowId xmlns:a16="http://schemas.microsoft.com/office/drawing/2014/main" val="659651961"/>
-                  </a:ext>
-                </a:extLst>
-              </a:tr>
-              <a:tr h="187891">
-                <a:tc>
-                  <a:txBody>
-                    <a:bodyPr/>
-                    <a:lstStyle/>
-                    <a:p>
-                      <a:pPr marL="0" marR="0" lvl="0" indent="0" algn="l" defTabSz="914400" rtl="0" eaLnBrk="1" fontAlgn="auto" latinLnBrk="0" hangingPunct="1">
-                        <a:lnSpc>
-                          <a:spcPct val="100000"/>
-                        </a:lnSpc>
-                        <a:spcBef>
-                          <a:spcPts val="0"/>
-                        </a:spcBef>
-                        <a:spcAft>
-                          <a:spcPts val="0"/>
-                        </a:spcAft>
-                        <a:buClrTx/>
-                        <a:buSzTx/>
-                        <a:buFont typeface="Arial" panose="020B0604020202020204" pitchFamily="34" charset="0"/>
-                        <a:buNone/>
-                        <a:tabLst/>
-                        <a:defRPr/>
-                      </a:pPr>
-                      <a:r>
-                        <a:rPr kumimoji="1" lang="en-US" altLang="ja-JP" sz="1000" b="0" kern="1200" dirty="0" err="1">
-                          <a:solidFill>
-                            <a:schemeClr val="tx1"/>
-                          </a:solidFill>
-                          <a:effectLst/>
-                          <a:latin typeface="Arial" panose="020B0604020202020204" pitchFamily="34" charset="0"/>
-                          <a:ea typeface="+mn-ea"/>
-                          <a:cs typeface="Arial" panose="020B0604020202020204" pitchFamily="34" charset="0"/>
-                        </a:rPr>
-                        <a:t>member_id</a:t>
-                      </a:r>
-                      <a:endParaRPr kumimoji="1" lang="en-US" altLang="ja-JP" sz="1000" b="0" kern="1200" dirty="0">
-                        <a:solidFill>
-                          <a:schemeClr val="tx1"/>
-                        </a:solidFill>
-                        <a:effectLst/>
-                        <a:latin typeface="Arial" panose="020B0604020202020204" pitchFamily="34" charset="0"/>
-                        <a:ea typeface="+mn-ea"/>
-                        <a:cs typeface="Arial" panose="020B0604020202020204" pitchFamily="34" charset="0"/>
-                      </a:endParaRPr>
-                    </a:p>
-                  </a:txBody>
-                  <a:tcPr/>
-                </a:tc>
-                <a:extLst>
-                  <a:ext uri="{0D108BD9-81ED-4DB2-BD59-A6C34878D82A}">
-                    <a16:rowId xmlns:a16="http://schemas.microsoft.com/office/drawing/2014/main" val="1254725891"/>
-                  </a:ext>
-                </a:extLst>
-              </a:tr>
-              <a:tr h="0">
-                <a:tc>
-                  <a:txBody>
-                    <a:bodyPr/>
-                    <a:lstStyle/>
-                    <a:p>
-                      <a:pPr marL="0" marR="0" lvl="0" indent="0" algn="l" defTabSz="914400" rtl="0" eaLnBrk="1" fontAlgn="auto" latinLnBrk="0" hangingPunct="1">
-                        <a:lnSpc>
-                          <a:spcPct val="100000"/>
-                        </a:lnSpc>
-                        <a:spcBef>
-                          <a:spcPts val="0"/>
-                        </a:spcBef>
-                        <a:spcAft>
-                          <a:spcPts val="0"/>
-                        </a:spcAft>
-                        <a:buClrTx/>
-                        <a:buSzTx/>
-                        <a:buFont typeface="Arial" panose="020B0604020202020204" pitchFamily="34" charset="0"/>
-                        <a:buNone/>
-                        <a:tabLst/>
-                        <a:defRPr/>
-                      </a:pPr>
-                      <a:r>
-                        <a:rPr kumimoji="1" lang="en-US" altLang="ja-JP" sz="1000" b="0" kern="1200" dirty="0" err="1">
-                          <a:solidFill>
-                            <a:schemeClr val="tx1"/>
-                          </a:solidFill>
-                          <a:effectLst/>
-                          <a:latin typeface="Arial" panose="020B0604020202020204" pitchFamily="34" charset="0"/>
-                          <a:ea typeface="+mn-ea"/>
-                          <a:cs typeface="Arial" panose="020B0604020202020204" pitchFamily="34" charset="0"/>
-                        </a:rPr>
-                        <a:t>CountTripPerMonth</a:t>
-                      </a:r>
-                      <a:endParaRPr kumimoji="1" lang="en-US" altLang="ja-JP" sz="1000" b="0" kern="1200" dirty="0">
-                        <a:solidFill>
-                          <a:schemeClr val="tx1"/>
-                        </a:solidFill>
-                        <a:effectLst/>
-                        <a:latin typeface="Arial" panose="020B0604020202020204" pitchFamily="34" charset="0"/>
-                        <a:ea typeface="+mn-ea"/>
-                        <a:cs typeface="Arial" panose="020B0604020202020204" pitchFamily="34" charset="0"/>
-                      </a:endParaRPr>
-                    </a:p>
-                  </a:txBody>
-                  <a:tcPr/>
-                </a:tc>
-                <a:extLst>
-                  <a:ext uri="{0D108BD9-81ED-4DB2-BD59-A6C34878D82A}">
-                    <a16:rowId xmlns:a16="http://schemas.microsoft.com/office/drawing/2014/main" val="3179887243"/>
-                  </a:ext>
-                </a:extLst>
-              </a:tr>
-              <a:tr h="0">
-                <a:tc>
-                  <a:txBody>
-                    <a:bodyPr/>
-                    <a:lstStyle/>
-                    <a:p>
-                      <a:r>
-                        <a:rPr kumimoji="1" lang="en-US" altLang="ja-JP" sz="1000" b="0" kern="1200" dirty="0" err="1">
-                          <a:solidFill>
-                            <a:schemeClr val="tx1"/>
-                          </a:solidFill>
-                          <a:effectLst/>
-                          <a:latin typeface="Arial" panose="020B0604020202020204" pitchFamily="34" charset="0"/>
-                          <a:ea typeface="+mn-ea"/>
-                          <a:cs typeface="Arial" panose="020B0604020202020204" pitchFamily="34" charset="0"/>
-                        </a:rPr>
-                        <a:t>SpentTimePerMonth</a:t>
-                      </a:r>
-                      <a:endParaRPr kumimoji="1" lang="en-US" altLang="ja-JP" sz="1000" b="0" kern="1200" dirty="0">
-                        <a:solidFill>
-                          <a:schemeClr val="tx1"/>
-                        </a:solidFill>
-                        <a:effectLst/>
-                        <a:latin typeface="Arial" panose="020B0604020202020204" pitchFamily="34" charset="0"/>
-                        <a:ea typeface="+mn-ea"/>
-                        <a:cs typeface="Arial" panose="020B0604020202020204" pitchFamily="34" charset="0"/>
-                      </a:endParaRPr>
-                    </a:p>
-                  </a:txBody>
-                  <a:tcPr/>
-                </a:tc>
-                <a:extLst>
-                  <a:ext uri="{0D108BD9-81ED-4DB2-BD59-A6C34878D82A}">
-                    <a16:rowId xmlns:a16="http://schemas.microsoft.com/office/drawing/2014/main" val="1698588673"/>
-                  </a:ext>
-                </a:extLst>
-              </a:tr>
-            </a:tbl>
-          </a:graphicData>
-        </a:graphic>
-      </p:graphicFrame>
-      <p:sp>
-        <p:nvSpPr>
-          <p:cNvPr id="43" name="矢印: 折線 42">
-            <a:extLst>
-              <a:ext uri="{FF2B5EF4-FFF2-40B4-BE49-F238E27FC236}">
-                <a16:creationId xmlns:a16="http://schemas.microsoft.com/office/drawing/2014/main" id="{4324698E-7114-C0E0-FC1F-EBFBC5F7973A}"/>
-              </a:ext>
-            </a:extLst>
-          </p:cNvPr>
-          <p:cNvSpPr/>
-          <p:nvPr/>
-        </p:nvSpPr>
-        <p:spPr>
-          <a:xfrm rot="10800000">
-            <a:off x="7359797" y="3612651"/>
-            <a:ext cx="1000182" cy="698688"/>
-          </a:xfrm>
-          <a:prstGeom prst="bentArrow">
-            <a:avLst/>
-          </a:prstGeom>
-        </p:spPr>
-        <p:style>
-          <a:lnRef idx="2">
-            <a:schemeClr val="accent1">
-              <a:shade val="50000"/>
-            </a:schemeClr>
-          </a:lnRef>
-          <a:fillRef idx="1">
-            <a:schemeClr val="accent1"/>
-          </a:fillRef>
-          <a:effectRef idx="0">
-            <a:schemeClr val="accent1"/>
-          </a:effectRef>
-          <a:fontRef idx="minor">
-            <a:schemeClr val="lt1"/>
-          </a:fontRef>
-        </p:style>
-        <p:txBody>
-          <a:bodyPr rtlCol="0" anchor="ctr"/>
-          <a:lstStyle/>
-          <a:p>
-            <a:pPr algn="ctr"/>
-            <a:endParaRPr kumimoji="1" lang="ja-JP" altLang="en-US">
-              <a:solidFill>
-                <a:schemeClr val="tx1"/>
-              </a:solidFill>
-            </a:endParaRPr>
-          </a:p>
-        </p:txBody>
-      </p:sp>
-      <p:sp>
-        <p:nvSpPr>
-          <p:cNvPr id="6" name="正方形/長方形 5">
-            <a:extLst>
-              <a:ext uri="{FF2B5EF4-FFF2-40B4-BE49-F238E27FC236}">
-                <a16:creationId xmlns:a16="http://schemas.microsoft.com/office/drawing/2014/main" id="{FE6B14F1-6461-ADB5-CC99-86EC4263E82A}"/>
+                <a16:creationId xmlns:a16="http://schemas.microsoft.com/office/drawing/2014/main" id="{C8041795-F5A9-CE0E-92E5-F3B201AFA9E8}"/>
               </a:ext>
             </a:extLst>
           </p:cNvPr>
@@ -12468,8 +13802,8 @@
         </p:nvSpPr>
         <p:spPr>
           <a:xfrm>
-            <a:off x="5030953" y="4140019"/>
-            <a:ext cx="2284062" cy="203542"/>
+            <a:off x="7789834" y="2498951"/>
+            <a:ext cx="2640274" cy="273891"/>
           </a:xfrm>
           <a:prstGeom prst="rect">
             <a:avLst/>
@@ -12508,29 +13842,27 @@
       </p:sp>
       <p:cxnSp>
         <p:nvCxnSpPr>
-          <p:cNvPr id="7" name="コネクタ: カギ線 6">
+          <p:cNvPr id="12" name="コネクタ: カギ線 11">
             <a:extLst>
               <a:ext uri="{FF2B5EF4-FFF2-40B4-BE49-F238E27FC236}">
-                <a16:creationId xmlns:a16="http://schemas.microsoft.com/office/drawing/2014/main" id="{62E8F742-59E1-0BA7-C6EB-9B95A4814ADC}"/>
+                <a16:creationId xmlns:a16="http://schemas.microsoft.com/office/drawing/2014/main" id="{AA14D651-DA65-E195-FEA4-B86C6EE3B6E2}"/>
               </a:ext>
             </a:extLst>
           </p:cNvPr>
           <p:cNvCxnSpPr>
             <a:cxnSpLocks/>
-            <a:stCxn id="6" idx="1"/>
-            <a:endCxn id="5" idx="3"/>
+            <a:stCxn id="10" idx="3"/>
+            <a:endCxn id="11" idx="1"/>
           </p:cNvCxnSpPr>
           <p:nvPr/>
         </p:nvCxnSpPr>
         <p:spPr>
-          <a:xfrm rot="10800000" flipV="1">
-            <a:off x="3342245" y="4241789"/>
-            <a:ext cx="1688708" cy="388955"/>
+          <a:xfrm flipV="1">
+            <a:off x="6811272" y="2635897"/>
+            <a:ext cx="978562" cy="156435"/>
           </a:xfrm>
           <a:prstGeom prst="bentConnector3">
-            <a:avLst>
-              <a:gd name="adj1" fmla="val 50000"/>
-            </a:avLst>
+            <a:avLst/>
           </a:prstGeom>
           <a:ln>
             <a:solidFill>
@@ -12556,10 +13888,10 @@
       </p:cxnSp>
       <p:graphicFrame>
         <p:nvGraphicFramePr>
-          <p:cNvPr id="8" name="表 7">
+          <p:cNvPr id="18" name="表 17">
             <a:extLst>
               <a:ext uri="{FF2B5EF4-FFF2-40B4-BE49-F238E27FC236}">
-                <a16:creationId xmlns:a16="http://schemas.microsoft.com/office/drawing/2014/main" id="{FB52A9E8-C982-61E7-DBB7-32A2361C608F}"/>
+                <a16:creationId xmlns:a16="http://schemas.microsoft.com/office/drawing/2014/main" id="{251FCD0B-88B5-42CD-A689-879FB7E31CCF}"/>
               </a:ext>
             </a:extLst>
           </p:cNvPr>
@@ -12569,30 +13901,30 @@
           <p:nvPr>
             <p:extLst>
               <p:ext uri="{D42A27DB-BD31-4B8C-83A1-F6EECF244321}">
-                <p14:modId xmlns:p14="http://schemas.microsoft.com/office/powerpoint/2010/main" val="85514580"/>
+                <p14:modId xmlns:p14="http://schemas.microsoft.com/office/powerpoint/2010/main" val="794789007"/>
               </p:ext>
             </p:extLst>
           </p:nvPr>
         </p:nvGraphicFramePr>
         <p:xfrm>
-          <a:off x="7935185" y="1146809"/>
-          <a:ext cx="2302737" cy="2349050"/>
+          <a:off x="1096898" y="4555301"/>
+          <a:ext cx="2648080" cy="1342792"/>
         </p:xfrm>
         <a:graphic>
           <a:graphicData uri="http://schemas.openxmlformats.org/drawingml/2006/table">
             <a:tbl>
               <a:tblPr firstRow="1" bandRow="1">
-                <a:tableStyleId>{69012ECD-51FC-41F1-AA8D-1B2483CD663E}</a:tableStyleId>
+                <a:tableStyleId>{F5AB1C69-6EDB-4FF4-983F-18BD219EF322}</a:tableStyleId>
               </a:tblPr>
               <a:tblGrid>
-                <a:gridCol w="1170499">
+                <a:gridCol w="1346040">
                   <a:extLst>
                     <a:ext uri="{9D8B030D-6E8A-4147-A177-3AD203B41FA5}">
                       <a16:colId xmlns:a16="http://schemas.microsoft.com/office/drawing/2014/main" val="2952130031"/>
                     </a:ext>
                   </a:extLst>
                 </a:gridCol>
-                <a:gridCol w="1132238">
+                <a:gridCol w="1302040">
                   <a:extLst>
                     <a:ext uri="{9D8B030D-6E8A-4147-A177-3AD203B41FA5}">
                       <a16:colId xmlns:a16="http://schemas.microsoft.com/office/drawing/2014/main" val="792604804"/>
@@ -12607,823 +13939,8 @@
                     <a:lstStyle/>
                     <a:p>
                       <a:r>
-                        <a:rPr kumimoji="1" lang="en-US" altLang="ja-JP" sz="1000" dirty="0"/>
-                        <a:t>Trip</a:t>
-                      </a:r>
-                      <a:endParaRPr kumimoji="1" lang="ja-JP" altLang="en-US" sz="1000" dirty="0">
-                        <a:latin typeface="Arial" panose="020B0604020202020204" pitchFamily="34" charset="0"/>
-                        <a:cs typeface="Arial" panose="020B0604020202020204" pitchFamily="34" charset="0"/>
-                      </a:endParaRPr>
-                    </a:p>
-                  </a:txBody>
-                  <a:tcPr/>
-                </a:tc>
-                <a:tc>
-                  <a:txBody>
-                    <a:bodyPr/>
-                    <a:lstStyle/>
-                    <a:p>
-                      <a:endParaRPr kumimoji="1" lang="ja-JP" altLang="en-US" sz="1000">
-                        <a:latin typeface="Arial" panose="020B0604020202020204" pitchFamily="34" charset="0"/>
-                        <a:cs typeface="Arial" panose="020B0604020202020204" pitchFamily="34" charset="0"/>
-                      </a:endParaRPr>
-                    </a:p>
-                  </a:txBody>
-                  <a:tcPr/>
-                </a:tc>
-                <a:extLst>
-                  <a:ext uri="{0D108BD9-81ED-4DB2-BD59-A6C34878D82A}">
-                    <a16:rowId xmlns:a16="http://schemas.microsoft.com/office/drawing/2014/main" val="659651961"/>
-                  </a:ext>
-                </a:extLst>
-              </a:tr>
-              <a:tr h="274738">
-                <a:tc>
-                  <a:txBody>
-                    <a:bodyPr/>
-                    <a:lstStyle/>
-                    <a:p>
-                      <a:pPr marL="0" indent="0">
-                        <a:buFont typeface="Arial" panose="020B0604020202020204" pitchFamily="34" charset="0"/>
-                        <a:buNone/>
-                      </a:pPr>
-                      <a:r>
-                        <a:rPr kumimoji="1" lang="en-US" altLang="ja-JP" sz="1000" dirty="0" err="1">
-                          <a:latin typeface="Arial" panose="020B0604020202020204" pitchFamily="34" charset="0"/>
-                          <a:cs typeface="Arial" panose="020B0604020202020204" pitchFamily="34" charset="0"/>
-                        </a:rPr>
-                        <a:t>trip_id</a:t>
-                      </a:r>
-                      <a:endParaRPr kumimoji="1" lang="en-US" altLang="ja-JP" sz="1000" dirty="0">
-                        <a:solidFill>
-                          <a:schemeClr val="accent1">
-                            <a:lumMod val="50000"/>
-                          </a:schemeClr>
-                        </a:solidFill>
-                        <a:latin typeface="Arial" panose="020B0604020202020204" pitchFamily="34" charset="0"/>
-                        <a:cs typeface="Arial" panose="020B0604020202020204" pitchFamily="34" charset="0"/>
-                      </a:endParaRPr>
-                    </a:p>
-                  </a:txBody>
-                  <a:tcPr/>
-                </a:tc>
-                <a:tc>
-                  <a:txBody>
-                    <a:bodyPr/>
-                    <a:lstStyle/>
-                    <a:p>
-                      <a:pPr marL="0" marR="0" lvl="0" indent="0" algn="l" defTabSz="914400" rtl="0" eaLnBrk="1" fontAlgn="auto" latinLnBrk="0" hangingPunct="1">
-                        <a:lnSpc>
-                          <a:spcPct val="100000"/>
-                        </a:lnSpc>
-                        <a:spcBef>
-                          <a:spcPts val="0"/>
-                        </a:spcBef>
-                        <a:spcAft>
-                          <a:spcPts val="0"/>
-                        </a:spcAft>
-                        <a:buClrTx/>
-                        <a:buSzTx/>
-                        <a:buFontTx/>
-                        <a:buNone/>
-                        <a:tabLst/>
-                        <a:defRPr/>
-                      </a:pPr>
-                      <a:r>
-                        <a:rPr kumimoji="1" lang="en-US" altLang="ja-JP" sz="1000" b="0" kern="1200" dirty="0" err="1">
-                          <a:solidFill>
-                            <a:schemeClr val="tx1"/>
-                          </a:solidFill>
-                          <a:effectLst/>
-                          <a:latin typeface="Arial" panose="020B0604020202020204" pitchFamily="34" charset="0"/>
-                          <a:ea typeface="+mn-ea"/>
-                          <a:cs typeface="Arial" panose="020B0604020202020204" pitchFamily="34" charset="0"/>
-                        </a:rPr>
-                        <a:t>nvarchar</a:t>
-                      </a:r>
-                      <a:r>
-                        <a:rPr kumimoji="1" lang="en-US" altLang="ja-JP" sz="1000" b="0" kern="1200" dirty="0">
-                          <a:solidFill>
-                            <a:schemeClr val="tx1"/>
-                          </a:solidFill>
-                          <a:effectLst/>
-                          <a:latin typeface="Arial" panose="020B0604020202020204" pitchFamily="34" charset="0"/>
-                          <a:ea typeface="+mn-ea"/>
-                          <a:cs typeface="Arial" panose="020B0604020202020204" pitchFamily="34" charset="0"/>
-                        </a:rPr>
-                        <a:t>(4000)</a:t>
-                      </a:r>
-                    </a:p>
-                  </a:txBody>
-                  <a:tcPr/>
-                </a:tc>
-                <a:extLst>
-                  <a:ext uri="{0D108BD9-81ED-4DB2-BD59-A6C34878D82A}">
-                    <a16:rowId xmlns:a16="http://schemas.microsoft.com/office/drawing/2014/main" val="1254725891"/>
-                  </a:ext>
-                </a:extLst>
-              </a:tr>
-              <a:tr h="274738">
-                <a:tc>
-                  <a:txBody>
-                    <a:bodyPr/>
-                    <a:lstStyle/>
-                    <a:p>
-                      <a:pPr marL="0" marR="0" lvl="0" indent="0" algn="l" defTabSz="914400" rtl="0" eaLnBrk="1" fontAlgn="auto" latinLnBrk="0" hangingPunct="1">
-                        <a:lnSpc>
-                          <a:spcPct val="100000"/>
-                        </a:lnSpc>
-                        <a:spcBef>
-                          <a:spcPts val="0"/>
-                        </a:spcBef>
-                        <a:spcAft>
-                          <a:spcPts val="0"/>
-                        </a:spcAft>
-                        <a:buClrTx/>
-                        <a:buSzTx/>
-                        <a:buFontTx/>
-                        <a:buNone/>
-                        <a:tabLst/>
-                        <a:defRPr/>
-                      </a:pPr>
-                      <a:r>
-                        <a:rPr kumimoji="1" lang="en-US" altLang="ja-JP" sz="1000" dirty="0" err="1">
-                          <a:latin typeface="Arial" panose="020B0604020202020204" pitchFamily="34" charset="0"/>
-                          <a:cs typeface="Arial" panose="020B0604020202020204" pitchFamily="34" charset="0"/>
-                        </a:rPr>
-                        <a:t>start_at</a:t>
-                      </a:r>
-                      <a:endParaRPr lang="en-US" altLang="ja-JP" sz="1000" dirty="0">
-                        <a:solidFill>
-                          <a:schemeClr val="tx1"/>
-                        </a:solidFill>
-                        <a:latin typeface="Arial" panose="020B0604020202020204" pitchFamily="34" charset="0"/>
-                        <a:cs typeface="Arial" panose="020B0604020202020204" pitchFamily="34" charset="0"/>
-                      </a:endParaRPr>
-                    </a:p>
-                  </a:txBody>
-                  <a:tcPr/>
-                </a:tc>
-                <a:tc>
-                  <a:txBody>
-                    <a:bodyPr/>
-                    <a:lstStyle/>
-                    <a:p>
-                      <a:pPr marL="0" marR="0" lvl="0" indent="0" algn="l" defTabSz="914400" rtl="0" eaLnBrk="1" fontAlgn="auto" latinLnBrk="0" hangingPunct="1">
-                        <a:lnSpc>
-                          <a:spcPct val="100000"/>
-                        </a:lnSpc>
-                        <a:spcBef>
-                          <a:spcPts val="0"/>
-                        </a:spcBef>
-                        <a:spcAft>
-                          <a:spcPts val="0"/>
-                        </a:spcAft>
-                        <a:buClrTx/>
-                        <a:buSzTx/>
-                        <a:buFontTx/>
-                        <a:buNone/>
-                        <a:tabLst/>
-                        <a:defRPr/>
-                      </a:pPr>
-                      <a:r>
-                        <a:rPr kumimoji="1" lang="en-US" altLang="ja-JP" sz="1000" b="0" kern="1200" dirty="0" err="1">
-                          <a:solidFill>
-                            <a:schemeClr val="tx1"/>
-                          </a:solidFill>
-                          <a:effectLst/>
-                          <a:latin typeface="Arial" panose="020B0604020202020204" pitchFamily="34" charset="0"/>
-                          <a:ea typeface="+mn-ea"/>
-                          <a:cs typeface="Arial" panose="020B0604020202020204" pitchFamily="34" charset="0"/>
-                        </a:rPr>
-                        <a:t>nvarchar</a:t>
-                      </a:r>
-                      <a:r>
-                        <a:rPr kumimoji="1" lang="en-US" altLang="ja-JP" sz="1000" b="0" kern="1200" dirty="0">
-                          <a:solidFill>
-                            <a:schemeClr val="tx1"/>
-                          </a:solidFill>
-                          <a:effectLst/>
-                          <a:latin typeface="Arial" panose="020B0604020202020204" pitchFamily="34" charset="0"/>
-                          <a:ea typeface="+mn-ea"/>
-                          <a:cs typeface="Arial" panose="020B0604020202020204" pitchFamily="34" charset="0"/>
-                        </a:rPr>
-                        <a:t>(4000)</a:t>
-                      </a:r>
-                    </a:p>
-                  </a:txBody>
-                  <a:tcPr/>
-                </a:tc>
-                <a:extLst>
-                  <a:ext uri="{0D108BD9-81ED-4DB2-BD59-A6C34878D82A}">
-                    <a16:rowId xmlns:a16="http://schemas.microsoft.com/office/drawing/2014/main" val="1698588673"/>
-                  </a:ext>
-                </a:extLst>
-              </a:tr>
-              <a:tr h="274738">
-                <a:tc>
-                  <a:txBody>
-                    <a:bodyPr/>
-                    <a:lstStyle/>
-                    <a:p>
-                      <a:pPr marL="0" marR="0" lvl="0" indent="0" algn="l" defTabSz="914400" rtl="0" eaLnBrk="1" fontAlgn="auto" latinLnBrk="0" hangingPunct="1">
-                        <a:lnSpc>
-                          <a:spcPct val="100000"/>
-                        </a:lnSpc>
-                        <a:spcBef>
-                          <a:spcPts val="0"/>
-                        </a:spcBef>
-                        <a:spcAft>
-                          <a:spcPts val="0"/>
-                        </a:spcAft>
-                        <a:buClrTx/>
-                        <a:buSzTx/>
-                        <a:buFontTx/>
-                        <a:buNone/>
-                        <a:tabLst/>
-                        <a:defRPr/>
-                      </a:pPr>
-                      <a:r>
-                        <a:rPr lang="en-US" altLang="ja-JP" sz="1000" dirty="0" err="1">
-                          <a:latin typeface="Arial" panose="020B0604020202020204" pitchFamily="34" charset="0"/>
-                          <a:cs typeface="Arial" panose="020B0604020202020204" pitchFamily="34" charset="0"/>
-                        </a:rPr>
-                        <a:t>end_at</a:t>
-                      </a:r>
-                      <a:endParaRPr kumimoji="1" lang="en-US" altLang="ja-JP" sz="1000" dirty="0">
-                        <a:solidFill>
-                          <a:schemeClr val="tx1"/>
-                        </a:solidFill>
-                        <a:latin typeface="Arial" panose="020B0604020202020204" pitchFamily="34" charset="0"/>
-                        <a:cs typeface="Arial" panose="020B0604020202020204" pitchFamily="34" charset="0"/>
-                      </a:endParaRPr>
-                    </a:p>
-                  </a:txBody>
-                  <a:tcPr/>
-                </a:tc>
-                <a:tc>
-                  <a:txBody>
-                    <a:bodyPr/>
-                    <a:lstStyle/>
-                    <a:p>
-                      <a:pPr marL="0" marR="0" lvl="0" indent="0" algn="l" defTabSz="914400" rtl="0" eaLnBrk="1" fontAlgn="auto" latinLnBrk="0" hangingPunct="1">
-                        <a:lnSpc>
-                          <a:spcPct val="100000"/>
-                        </a:lnSpc>
-                        <a:spcBef>
-                          <a:spcPts val="0"/>
-                        </a:spcBef>
-                        <a:spcAft>
-                          <a:spcPts val="0"/>
-                        </a:spcAft>
-                        <a:buClrTx/>
-                        <a:buSzTx/>
-                        <a:buFontTx/>
-                        <a:buNone/>
-                        <a:tabLst/>
-                        <a:defRPr/>
-                      </a:pPr>
-                      <a:r>
-                        <a:rPr kumimoji="1" lang="en-US" altLang="ja-JP" sz="1000" b="0" kern="1200" dirty="0" err="1">
-                          <a:solidFill>
-                            <a:schemeClr val="tx1"/>
-                          </a:solidFill>
-                          <a:effectLst/>
-                          <a:latin typeface="Arial" panose="020B0604020202020204" pitchFamily="34" charset="0"/>
-                          <a:ea typeface="+mn-ea"/>
-                          <a:cs typeface="Arial" panose="020B0604020202020204" pitchFamily="34" charset="0"/>
-                        </a:rPr>
-                        <a:t>nvarchar</a:t>
-                      </a:r>
-                      <a:r>
-                        <a:rPr kumimoji="1" lang="en-US" altLang="ja-JP" sz="1000" b="0" kern="1200" dirty="0">
-                          <a:solidFill>
-                            <a:schemeClr val="tx1"/>
-                          </a:solidFill>
-                          <a:effectLst/>
-                          <a:latin typeface="Arial" panose="020B0604020202020204" pitchFamily="34" charset="0"/>
-                          <a:ea typeface="+mn-ea"/>
-                          <a:cs typeface="Arial" panose="020B0604020202020204" pitchFamily="34" charset="0"/>
-                        </a:rPr>
-                        <a:t>(4000)</a:t>
-                      </a:r>
-                    </a:p>
-                  </a:txBody>
-                  <a:tcPr/>
-                </a:tc>
-                <a:extLst>
-                  <a:ext uri="{0D108BD9-81ED-4DB2-BD59-A6C34878D82A}">
-                    <a16:rowId xmlns:a16="http://schemas.microsoft.com/office/drawing/2014/main" val="2891859404"/>
-                  </a:ext>
-                </a:extLst>
-              </a:tr>
-              <a:tr h="274738">
-                <a:tc>
-                  <a:txBody>
-                    <a:bodyPr/>
-                    <a:lstStyle/>
-                    <a:p>
-                      <a:pPr marL="0" indent="0">
-                        <a:buFont typeface="Arial" panose="020B0604020202020204" pitchFamily="34" charset="0"/>
-                        <a:buNone/>
-                      </a:pPr>
-                      <a:r>
-                        <a:rPr kumimoji="1" lang="en-US" altLang="ja-JP" sz="1000" dirty="0" err="1">
-                          <a:latin typeface="Arial" panose="020B0604020202020204" pitchFamily="34" charset="0"/>
-                          <a:cs typeface="Arial" panose="020B0604020202020204" pitchFamily="34" charset="0"/>
-                        </a:rPr>
-                        <a:t>start_station_id</a:t>
-                      </a:r>
-                      <a:endParaRPr kumimoji="1" lang="en-US" altLang="ja-JP" sz="1000" dirty="0">
-                        <a:solidFill>
-                          <a:schemeClr val="accent1">
-                            <a:lumMod val="50000"/>
-                          </a:schemeClr>
-                        </a:solidFill>
-                        <a:latin typeface="Arial" panose="020B0604020202020204" pitchFamily="34" charset="0"/>
-                        <a:cs typeface="Arial" panose="020B0604020202020204" pitchFamily="34" charset="0"/>
-                      </a:endParaRPr>
-                    </a:p>
-                  </a:txBody>
-                  <a:tcPr/>
-                </a:tc>
-                <a:tc>
-                  <a:txBody>
-                    <a:bodyPr/>
-                    <a:lstStyle/>
-                    <a:p>
-                      <a:pPr marL="0" marR="0" lvl="0" indent="0" algn="l" defTabSz="914400" rtl="0" eaLnBrk="1" fontAlgn="auto" latinLnBrk="0" hangingPunct="1">
-                        <a:lnSpc>
-                          <a:spcPct val="100000"/>
-                        </a:lnSpc>
-                        <a:spcBef>
-                          <a:spcPts val="0"/>
-                        </a:spcBef>
-                        <a:spcAft>
-                          <a:spcPts val="0"/>
-                        </a:spcAft>
-                        <a:buClrTx/>
-                        <a:buSzTx/>
-                        <a:buFontTx/>
-                        <a:buNone/>
-                        <a:tabLst/>
-                        <a:defRPr/>
-                      </a:pPr>
-                      <a:r>
-                        <a:rPr kumimoji="1" lang="en-US" altLang="ja-JP" sz="1000" b="0" kern="1200" dirty="0" err="1">
-                          <a:solidFill>
-                            <a:schemeClr val="tx1"/>
-                          </a:solidFill>
-                          <a:effectLst/>
-                          <a:latin typeface="Arial" panose="020B0604020202020204" pitchFamily="34" charset="0"/>
-                          <a:ea typeface="+mn-ea"/>
-                          <a:cs typeface="Arial" panose="020B0604020202020204" pitchFamily="34" charset="0"/>
-                        </a:rPr>
-                        <a:t>nvarchar</a:t>
-                      </a:r>
-                      <a:r>
-                        <a:rPr kumimoji="1" lang="en-US" altLang="ja-JP" sz="1000" b="0" kern="1200" dirty="0">
-                          <a:solidFill>
-                            <a:schemeClr val="tx1"/>
-                          </a:solidFill>
-                          <a:effectLst/>
-                          <a:latin typeface="Arial" panose="020B0604020202020204" pitchFamily="34" charset="0"/>
-                          <a:ea typeface="+mn-ea"/>
-                          <a:cs typeface="Arial" panose="020B0604020202020204" pitchFamily="34" charset="0"/>
-                        </a:rPr>
-                        <a:t>(4000)</a:t>
-                      </a:r>
-                    </a:p>
-                  </a:txBody>
-                  <a:tcPr/>
-                </a:tc>
-                <a:extLst>
-                  <a:ext uri="{0D108BD9-81ED-4DB2-BD59-A6C34878D82A}">
-                    <a16:rowId xmlns:a16="http://schemas.microsoft.com/office/drawing/2014/main" val="2254065369"/>
-                  </a:ext>
-                </a:extLst>
-              </a:tr>
-              <a:tr h="274738">
-                <a:tc>
-                  <a:txBody>
-                    <a:bodyPr/>
-                    <a:lstStyle/>
-                    <a:p>
-                      <a:pPr marL="0" marR="0" lvl="0" indent="0" algn="l" defTabSz="914400" rtl="0" eaLnBrk="1" fontAlgn="auto" latinLnBrk="0" hangingPunct="1">
-                        <a:lnSpc>
-                          <a:spcPct val="100000"/>
-                        </a:lnSpc>
-                        <a:spcBef>
-                          <a:spcPts val="0"/>
-                        </a:spcBef>
-                        <a:spcAft>
-                          <a:spcPts val="0"/>
-                        </a:spcAft>
-                        <a:buClrTx/>
-                        <a:buSzTx/>
-                        <a:buFont typeface="Arial" panose="020B0604020202020204" pitchFamily="34" charset="0"/>
-                        <a:buNone/>
-                        <a:tabLst/>
-                        <a:defRPr/>
-                      </a:pPr>
-                      <a:r>
-                        <a:rPr lang="en-US" altLang="ja-JP" sz="1000" dirty="0" err="1">
-                          <a:latin typeface="Arial" panose="020B0604020202020204" pitchFamily="34" charset="0"/>
-                          <a:cs typeface="Arial" panose="020B0604020202020204" pitchFamily="34" charset="0"/>
-                        </a:rPr>
-                        <a:t>TimeDay</a:t>
-                      </a:r>
-                      <a:r>
-                        <a:rPr lang="en-US" altLang="ja-JP" sz="1000" dirty="0">
-                          <a:latin typeface="Arial" panose="020B0604020202020204" pitchFamily="34" charset="0"/>
-                          <a:cs typeface="Arial" panose="020B0604020202020204" pitchFamily="34" charset="0"/>
-                        </a:rPr>
-                        <a:t>,</a:t>
-                      </a:r>
-                      <a:endParaRPr lang="en-US" altLang="ja-JP" sz="1000" dirty="0">
-                        <a:solidFill>
-                          <a:schemeClr val="accent1">
-                            <a:lumMod val="50000"/>
-                          </a:schemeClr>
-                        </a:solidFill>
-                        <a:latin typeface="Arial" panose="020B0604020202020204" pitchFamily="34" charset="0"/>
-                        <a:cs typeface="Arial" panose="020B0604020202020204" pitchFamily="34" charset="0"/>
-                      </a:endParaRPr>
-                    </a:p>
-                  </a:txBody>
-                  <a:tcPr/>
-                </a:tc>
-                <a:tc>
-                  <a:txBody>
-                    <a:bodyPr/>
-                    <a:lstStyle/>
-                    <a:p>
-                      <a:pPr marL="0" marR="0" lvl="0" indent="0" algn="l" defTabSz="914400" rtl="0" eaLnBrk="1" fontAlgn="auto" latinLnBrk="0" hangingPunct="1">
-                        <a:lnSpc>
-                          <a:spcPct val="100000"/>
-                        </a:lnSpc>
-                        <a:spcBef>
-                          <a:spcPts val="0"/>
-                        </a:spcBef>
-                        <a:spcAft>
-                          <a:spcPts val="0"/>
-                        </a:spcAft>
-                        <a:buClrTx/>
-                        <a:buSzTx/>
-                        <a:buFontTx/>
-                        <a:buNone/>
-                        <a:tabLst/>
-                        <a:defRPr/>
-                      </a:pPr>
-                      <a:r>
-                        <a:rPr kumimoji="1" lang="en-US" altLang="ja-JP" sz="1000" b="0" kern="1200" dirty="0" err="1">
-                          <a:solidFill>
-                            <a:schemeClr val="tx1"/>
-                          </a:solidFill>
-                          <a:effectLst/>
-                          <a:latin typeface="Arial" panose="020B0604020202020204" pitchFamily="34" charset="0"/>
-                          <a:ea typeface="+mn-ea"/>
-                          <a:cs typeface="Arial" panose="020B0604020202020204" pitchFamily="34" charset="0"/>
-                        </a:rPr>
-                        <a:t>nvarchar</a:t>
-                      </a:r>
-                      <a:r>
-                        <a:rPr kumimoji="1" lang="en-US" altLang="ja-JP" sz="1000" b="0" kern="1200" dirty="0">
-                          <a:solidFill>
-                            <a:schemeClr val="tx1"/>
-                          </a:solidFill>
-                          <a:effectLst/>
-                          <a:latin typeface="Arial" panose="020B0604020202020204" pitchFamily="34" charset="0"/>
-                          <a:ea typeface="+mn-ea"/>
-                          <a:cs typeface="Arial" panose="020B0604020202020204" pitchFamily="34" charset="0"/>
-                        </a:rPr>
-                        <a:t>(4000)</a:t>
-                      </a:r>
-                    </a:p>
-                  </a:txBody>
-                  <a:tcPr/>
-                </a:tc>
-                <a:extLst>
-                  <a:ext uri="{0D108BD9-81ED-4DB2-BD59-A6C34878D82A}">
-                    <a16:rowId xmlns:a16="http://schemas.microsoft.com/office/drawing/2014/main" val="2351082811"/>
-                  </a:ext>
-                </a:extLst>
-              </a:tr>
-              <a:tr h="169069">
-                <a:tc>
-                  <a:txBody>
-                    <a:bodyPr/>
-                    <a:lstStyle/>
-                    <a:p>
-                      <a:pPr marL="0" marR="0" lvl="0" indent="0" algn="l" defTabSz="914400" rtl="0" eaLnBrk="1" fontAlgn="auto" latinLnBrk="0" hangingPunct="1">
-                        <a:lnSpc>
-                          <a:spcPct val="100000"/>
-                        </a:lnSpc>
-                        <a:spcBef>
-                          <a:spcPts val="0"/>
-                        </a:spcBef>
-                        <a:spcAft>
-                          <a:spcPts val="0"/>
-                        </a:spcAft>
-                        <a:buClrTx/>
-                        <a:buSzTx/>
-                        <a:buFont typeface="Arial" panose="020B0604020202020204" pitchFamily="34" charset="0"/>
-                        <a:buNone/>
-                        <a:tabLst/>
-                        <a:defRPr/>
-                      </a:pPr>
-                      <a:r>
-                        <a:rPr lang="en-US" altLang="ja-JP" sz="1000" dirty="0" err="1">
-                          <a:latin typeface="Arial" panose="020B0604020202020204" pitchFamily="34" charset="0"/>
-                          <a:cs typeface="Arial" panose="020B0604020202020204" pitchFamily="34" charset="0"/>
-                        </a:rPr>
-                        <a:t>member_id</a:t>
-                      </a:r>
-                      <a:endParaRPr lang="en-US" altLang="ja-JP" sz="1000" dirty="0">
-                        <a:solidFill>
-                          <a:schemeClr val="accent1">
-                            <a:lumMod val="50000"/>
-                          </a:schemeClr>
-                        </a:solidFill>
-                        <a:latin typeface="Arial" panose="020B0604020202020204" pitchFamily="34" charset="0"/>
-                        <a:cs typeface="Arial" panose="020B0604020202020204" pitchFamily="34" charset="0"/>
-                      </a:endParaRPr>
-                    </a:p>
-                  </a:txBody>
-                  <a:tcPr/>
-                </a:tc>
-                <a:tc>
-                  <a:txBody>
-                    <a:bodyPr/>
-                    <a:lstStyle/>
-                    <a:p>
-                      <a:pPr marL="0" marR="0" lvl="0" indent="0" algn="l" defTabSz="914400" rtl="0" eaLnBrk="1" fontAlgn="auto" latinLnBrk="0" hangingPunct="1">
-                        <a:lnSpc>
-                          <a:spcPct val="100000"/>
-                        </a:lnSpc>
-                        <a:spcBef>
-                          <a:spcPts val="0"/>
-                        </a:spcBef>
-                        <a:spcAft>
-                          <a:spcPts val="0"/>
-                        </a:spcAft>
-                        <a:buClrTx/>
-                        <a:buSzTx/>
-                        <a:buFontTx/>
-                        <a:buNone/>
-                        <a:tabLst/>
-                        <a:defRPr/>
-                      </a:pPr>
-                      <a:r>
-                        <a:rPr kumimoji="1" lang="en-US" altLang="ja-JP" sz="1000" b="0" kern="1200" dirty="0" err="1">
-                          <a:solidFill>
-                            <a:schemeClr val="tx1"/>
-                          </a:solidFill>
-                          <a:effectLst/>
-                          <a:latin typeface="Arial" panose="020B0604020202020204" pitchFamily="34" charset="0"/>
-                          <a:ea typeface="+mn-ea"/>
-                          <a:cs typeface="Arial" panose="020B0604020202020204" pitchFamily="34" charset="0"/>
-                        </a:rPr>
-                        <a:t>bigint</a:t>
-                      </a:r>
-                      <a:endParaRPr kumimoji="1" lang="en-US" altLang="ja-JP" sz="1000" b="0" kern="1200" dirty="0">
-                        <a:solidFill>
-                          <a:schemeClr val="tx1"/>
-                        </a:solidFill>
-                        <a:effectLst/>
-                        <a:latin typeface="Arial" panose="020B0604020202020204" pitchFamily="34" charset="0"/>
-                        <a:ea typeface="+mn-ea"/>
-                        <a:cs typeface="Arial" panose="020B0604020202020204" pitchFamily="34" charset="0"/>
-                      </a:endParaRPr>
-                    </a:p>
-                  </a:txBody>
-                  <a:tcPr/>
-                </a:tc>
-                <a:extLst>
-                  <a:ext uri="{0D108BD9-81ED-4DB2-BD59-A6C34878D82A}">
-                    <a16:rowId xmlns:a16="http://schemas.microsoft.com/office/drawing/2014/main" val="687454561"/>
-                  </a:ext>
-                </a:extLst>
-              </a:tr>
-              <a:tr h="169069">
-                <a:tc>
-                  <a:txBody>
-                    <a:bodyPr/>
-                    <a:lstStyle/>
-                    <a:p>
-                      <a:pPr marL="0" marR="0" lvl="0" indent="0" algn="l" defTabSz="914400" rtl="0" eaLnBrk="1" fontAlgn="auto" latinLnBrk="0" hangingPunct="1">
-                        <a:lnSpc>
-                          <a:spcPct val="100000"/>
-                        </a:lnSpc>
-                        <a:spcBef>
-                          <a:spcPts val="0"/>
-                        </a:spcBef>
-                        <a:spcAft>
-                          <a:spcPts val="0"/>
-                        </a:spcAft>
-                        <a:buClrTx/>
-                        <a:buSzTx/>
-                        <a:buFont typeface="Arial" panose="020B0604020202020204" pitchFamily="34" charset="0"/>
-                        <a:buNone/>
-                        <a:tabLst/>
-                        <a:defRPr/>
-                      </a:pPr>
-                      <a:r>
-                        <a:rPr lang="en-US" altLang="ja-JP" sz="1000" dirty="0" err="1">
-                          <a:latin typeface="Arial" panose="020B0604020202020204" pitchFamily="34" charset="0"/>
-                          <a:cs typeface="Arial" panose="020B0604020202020204" pitchFamily="34" charset="0"/>
-                        </a:rPr>
-                        <a:t>SpentTime</a:t>
-                      </a:r>
-                      <a:endParaRPr lang="en-US" altLang="ja-JP" sz="1000" b="1" dirty="0">
-                        <a:solidFill>
-                          <a:srgbClr val="FF0000"/>
-                        </a:solidFill>
-                        <a:latin typeface="Arial" panose="020B0604020202020204" pitchFamily="34" charset="0"/>
-                        <a:cs typeface="Arial" panose="020B0604020202020204" pitchFamily="34" charset="0"/>
-                      </a:endParaRPr>
-                    </a:p>
-                  </a:txBody>
-                  <a:tcPr/>
-                </a:tc>
-                <a:tc>
-                  <a:txBody>
-                    <a:bodyPr/>
-                    <a:lstStyle/>
-                    <a:p>
-                      <a:pPr marL="0" marR="0" lvl="0" indent="0" algn="l" defTabSz="914400" rtl="0" eaLnBrk="1" fontAlgn="auto" latinLnBrk="0" hangingPunct="1">
-                        <a:lnSpc>
-                          <a:spcPct val="100000"/>
-                        </a:lnSpc>
-                        <a:spcBef>
-                          <a:spcPts val="0"/>
-                        </a:spcBef>
-                        <a:spcAft>
-                          <a:spcPts val="0"/>
-                        </a:spcAft>
-                        <a:buClrTx/>
-                        <a:buSzTx/>
-                        <a:buFontTx/>
-                        <a:buNone/>
-                        <a:tabLst/>
-                        <a:defRPr/>
-                      </a:pPr>
-                      <a:r>
-                        <a:rPr kumimoji="1" lang="en-US" altLang="ja-JP" sz="1000" b="0" kern="1200" dirty="0">
-                          <a:solidFill>
-                            <a:schemeClr val="tx1"/>
-                          </a:solidFill>
-                          <a:effectLst/>
-                          <a:latin typeface="Arial" panose="020B0604020202020204" pitchFamily="34" charset="0"/>
-                          <a:ea typeface="+mn-ea"/>
-                          <a:cs typeface="Arial" panose="020B0604020202020204" pitchFamily="34" charset="0"/>
-                        </a:rPr>
-                        <a:t>TINYINT</a:t>
-                      </a:r>
-                    </a:p>
-                  </a:txBody>
-                  <a:tcPr/>
-                </a:tc>
-                <a:extLst>
-                  <a:ext uri="{0D108BD9-81ED-4DB2-BD59-A6C34878D82A}">
-                    <a16:rowId xmlns:a16="http://schemas.microsoft.com/office/drawing/2014/main" val="2200225552"/>
-                  </a:ext>
-                </a:extLst>
-              </a:tr>
-              <a:tr h="169069">
-                <a:tc>
-                  <a:txBody>
-                    <a:bodyPr/>
-                    <a:lstStyle/>
-                    <a:p>
-                      <a:pPr marL="0" indent="0">
-                        <a:buFont typeface="Arial" panose="020B0604020202020204" pitchFamily="34" charset="0"/>
-                        <a:buNone/>
-                      </a:pPr>
-                      <a:r>
-                        <a:rPr kumimoji="1" lang="en-US" altLang="ja-JP" sz="1000" dirty="0" err="1">
-                          <a:solidFill>
-                            <a:schemeClr val="tx1"/>
-                          </a:solidFill>
-                          <a:latin typeface="Arial" panose="020B0604020202020204" pitchFamily="34" charset="0"/>
-                          <a:cs typeface="Arial" panose="020B0604020202020204" pitchFamily="34" charset="0"/>
-                        </a:rPr>
-                        <a:t>AgeAtTrip</a:t>
-                      </a:r>
-                      <a:endParaRPr kumimoji="1" lang="en-US" altLang="ja-JP" sz="1000" dirty="0">
-                        <a:solidFill>
-                          <a:schemeClr val="tx1"/>
-                        </a:solidFill>
-                        <a:latin typeface="Arial" panose="020B0604020202020204" pitchFamily="34" charset="0"/>
-                        <a:cs typeface="Arial" panose="020B0604020202020204" pitchFamily="34" charset="0"/>
-                      </a:endParaRPr>
-                    </a:p>
-                  </a:txBody>
-                  <a:tcPr/>
-                </a:tc>
-                <a:tc>
-                  <a:txBody>
-                    <a:bodyPr/>
-                    <a:lstStyle/>
-                    <a:p>
-                      <a:pPr marL="0" marR="0" lvl="0" indent="0" algn="l" defTabSz="914400" rtl="0" eaLnBrk="1" fontAlgn="auto" latinLnBrk="0" hangingPunct="1">
-                        <a:lnSpc>
-                          <a:spcPct val="100000"/>
-                        </a:lnSpc>
-                        <a:spcBef>
-                          <a:spcPts val="0"/>
-                        </a:spcBef>
-                        <a:spcAft>
-                          <a:spcPts val="0"/>
-                        </a:spcAft>
-                        <a:buClrTx/>
-                        <a:buSzTx/>
-                        <a:buFontTx/>
-                        <a:buNone/>
-                        <a:tabLst/>
-                        <a:defRPr/>
-                      </a:pPr>
-                      <a:r>
-                        <a:rPr kumimoji="1" lang="en-US" altLang="ja-JP" sz="1000" b="0" kern="1200" dirty="0">
-                          <a:solidFill>
-                            <a:schemeClr val="tx1"/>
-                          </a:solidFill>
-                          <a:effectLst/>
-                          <a:latin typeface="Arial" panose="020B0604020202020204" pitchFamily="34" charset="0"/>
-                          <a:ea typeface="+mn-ea"/>
-                          <a:cs typeface="Arial" panose="020B0604020202020204" pitchFamily="34" charset="0"/>
-                        </a:rPr>
-                        <a:t>TINYINT</a:t>
-                      </a:r>
-                    </a:p>
-                  </a:txBody>
-                  <a:tcPr/>
-                </a:tc>
-                <a:extLst>
-                  <a:ext uri="{0D108BD9-81ED-4DB2-BD59-A6C34878D82A}">
-                    <a16:rowId xmlns:a16="http://schemas.microsoft.com/office/drawing/2014/main" val="663243780"/>
-                  </a:ext>
-                </a:extLst>
-              </a:tr>
-            </a:tbl>
-          </a:graphicData>
-        </a:graphic>
-      </p:graphicFrame>
-      <p:graphicFrame>
-        <p:nvGraphicFramePr>
-          <p:cNvPr id="9" name="表 8">
-            <a:extLst>
-              <a:ext uri="{FF2B5EF4-FFF2-40B4-BE49-F238E27FC236}">
-                <a16:creationId xmlns:a16="http://schemas.microsoft.com/office/drawing/2014/main" id="{48406EDF-6F45-D789-B71A-0F83AB3CCFC2}"/>
-              </a:ext>
-            </a:extLst>
-          </p:cNvPr>
-          <p:cNvGraphicFramePr>
-            <a:graphicFrameLocks noGrp="1"/>
-          </p:cNvGraphicFramePr>
-          <p:nvPr>
-            <p:extLst>
-              <p:ext uri="{D42A27DB-BD31-4B8C-83A1-F6EECF244321}">
-                <p14:modId xmlns:p14="http://schemas.microsoft.com/office/powerpoint/2010/main" val="2231569530"/>
-              </p:ext>
-            </p:extLst>
-          </p:nvPr>
-        </p:nvGraphicFramePr>
-        <p:xfrm>
-          <a:off x="1084289" y="3423089"/>
-          <a:ext cx="2302737" cy="1342792"/>
-        </p:xfrm>
-        <a:graphic>
-          <a:graphicData uri="http://schemas.openxmlformats.org/drawingml/2006/table">
-            <a:tbl>
-              <a:tblPr firstRow="1" bandRow="1">
-                <a:tableStyleId>{F5AB1C69-6EDB-4FF4-983F-18BD219EF322}</a:tableStyleId>
-              </a:tblPr>
-              <a:tblGrid>
-                <a:gridCol w="1170499">
-                  <a:extLst>
-                    <a:ext uri="{9D8B030D-6E8A-4147-A177-3AD203B41FA5}">
-                      <a16:colId xmlns:a16="http://schemas.microsoft.com/office/drawing/2014/main" val="2952130031"/>
-                    </a:ext>
-                  </a:extLst>
-                </a:gridCol>
-                <a:gridCol w="1132238">
-                  <a:extLst>
-                    <a:ext uri="{9D8B030D-6E8A-4147-A177-3AD203B41FA5}">
-                      <a16:colId xmlns:a16="http://schemas.microsoft.com/office/drawing/2014/main" val="792604804"/>
-                    </a:ext>
-                  </a:extLst>
-                </a:gridCol>
-              </a:tblGrid>
-              <a:tr h="123856">
-                <a:tc>
-                  <a:txBody>
-                    <a:bodyPr/>
-                    <a:lstStyle/>
-                    <a:p>
-                      <a:r>
-                        <a:rPr kumimoji="1" lang="en-US" altLang="ja-JP" sz="1000" dirty="0"/>
-                        <a:t>Payment</a:t>
+                        <a:rPr kumimoji="1" lang="en-US" altLang="ja-JP" sz="1000" dirty="0" err="1"/>
+                        <a:t>Payment_fact</a:t>
                       </a:r>
                       <a:endParaRPr kumimoji="1" lang="ja-JP" altLang="en-US" sz="1000" dirty="0">
                         <a:latin typeface="Arial" panose="020B0604020202020204" pitchFamily="34" charset="0"/>
@@ -13835,509 +14352,12 @@
           </a:graphicData>
         </a:graphic>
       </p:graphicFrame>
-      <p:graphicFrame>
-        <p:nvGraphicFramePr>
-          <p:cNvPr id="13" name="表 10">
+      <p:sp>
+        <p:nvSpPr>
+          <p:cNvPr id="19" name="正方形/長方形 18">
             <a:extLst>
               <a:ext uri="{FF2B5EF4-FFF2-40B4-BE49-F238E27FC236}">
-                <a16:creationId xmlns:a16="http://schemas.microsoft.com/office/drawing/2014/main" id="{55A3E47E-D1A8-868C-52D4-8FA69A17629D}"/>
-              </a:ext>
-            </a:extLst>
-          </p:cNvPr>
-          <p:cNvGraphicFramePr>
-            <a:graphicFrameLocks noGrp="1"/>
-          </p:cNvGraphicFramePr>
-          <p:nvPr>
-            <p:extLst>
-              <p:ext uri="{D42A27DB-BD31-4B8C-83A1-F6EECF244321}">
-                <p14:modId xmlns:p14="http://schemas.microsoft.com/office/powerpoint/2010/main" val="1163314378"/>
-              </p:ext>
-            </p:extLst>
-          </p:nvPr>
-        </p:nvGraphicFramePr>
-        <p:xfrm>
-          <a:off x="5206552" y="1839614"/>
-          <a:ext cx="2284063" cy="1612296"/>
-        </p:xfrm>
-        <a:graphic>
-          <a:graphicData uri="http://schemas.openxmlformats.org/drawingml/2006/table">
-            <a:tbl>
-              <a:tblPr firstRow="1" bandRow="1">
-                <a:tableStyleId>{912C8C85-51F0-491E-9774-3900AFEF0FD7}</a:tableStyleId>
-              </a:tblPr>
-              <a:tblGrid>
-                <a:gridCol w="1151828">
-                  <a:extLst>
-                    <a:ext uri="{9D8B030D-6E8A-4147-A177-3AD203B41FA5}">
-                      <a16:colId xmlns:a16="http://schemas.microsoft.com/office/drawing/2014/main" val="2952130031"/>
-                    </a:ext>
-                  </a:extLst>
-                </a:gridCol>
-                <a:gridCol w="1132235">
-                  <a:extLst>
-                    <a:ext uri="{9D8B030D-6E8A-4147-A177-3AD203B41FA5}">
-                      <a16:colId xmlns:a16="http://schemas.microsoft.com/office/drawing/2014/main" val="792604804"/>
-                    </a:ext>
-                  </a:extLst>
-                </a:gridCol>
-              </a:tblGrid>
-              <a:tr h="166610">
-                <a:tc>
-                  <a:txBody>
-                    <a:bodyPr/>
-                    <a:lstStyle/>
-                    <a:p>
-                      <a:r>
-                        <a:rPr kumimoji="1" lang="en-US" altLang="ja-JP" sz="1000" dirty="0">
-                          <a:latin typeface="Arial" panose="020B0604020202020204" pitchFamily="34" charset="0"/>
-                          <a:cs typeface="Arial" panose="020B0604020202020204" pitchFamily="34" charset="0"/>
-                        </a:rPr>
-                        <a:t>Calendar</a:t>
-                      </a:r>
-                      <a:endParaRPr kumimoji="1" lang="ja-JP" altLang="en-US" sz="1000" dirty="0">
-                        <a:latin typeface="Arial" panose="020B0604020202020204" pitchFamily="34" charset="0"/>
-                        <a:cs typeface="Arial" panose="020B0604020202020204" pitchFamily="34" charset="0"/>
-                      </a:endParaRPr>
-                    </a:p>
-                  </a:txBody>
-                  <a:tcPr/>
-                </a:tc>
-                <a:tc>
-                  <a:txBody>
-                    <a:bodyPr/>
-                    <a:lstStyle/>
-                    <a:p>
-                      <a:endParaRPr kumimoji="1" lang="ja-JP" altLang="en-US" sz="1000">
-                        <a:latin typeface="Arial" panose="020B0604020202020204" pitchFamily="34" charset="0"/>
-                        <a:cs typeface="Arial" panose="020B0604020202020204" pitchFamily="34" charset="0"/>
-                      </a:endParaRPr>
-                    </a:p>
-                  </a:txBody>
-                  <a:tcPr/>
-                </a:tc>
-                <a:extLst>
-                  <a:ext uri="{0D108BD9-81ED-4DB2-BD59-A6C34878D82A}">
-                    <a16:rowId xmlns:a16="http://schemas.microsoft.com/office/drawing/2014/main" val="659651961"/>
-                  </a:ext>
-                </a:extLst>
-              </a:tr>
-              <a:tr h="171816">
-                <a:tc>
-                  <a:txBody>
-                    <a:bodyPr/>
-                    <a:lstStyle/>
-                    <a:p>
-                      <a:pPr marL="0" marR="0" lvl="0" indent="0" algn="l" defTabSz="914400" rtl="0" eaLnBrk="1" fontAlgn="auto" latinLnBrk="0" hangingPunct="1">
-                        <a:lnSpc>
-                          <a:spcPct val="100000"/>
-                        </a:lnSpc>
-                        <a:spcBef>
-                          <a:spcPts val="0"/>
-                        </a:spcBef>
-                        <a:spcAft>
-                          <a:spcPts val="0"/>
-                        </a:spcAft>
-                        <a:buClrTx/>
-                        <a:buSzTx/>
-                        <a:buFontTx/>
-                        <a:buNone/>
-                        <a:tabLst/>
-                        <a:defRPr/>
-                      </a:pPr>
-                      <a:r>
-                        <a:rPr kumimoji="1" lang="en-US" altLang="ja-JP" sz="1000" dirty="0">
-                          <a:latin typeface="Arial" panose="020B0604020202020204" pitchFamily="34" charset="0"/>
-                          <a:cs typeface="Arial" panose="020B0604020202020204" pitchFamily="34" charset="0"/>
-                        </a:rPr>
-                        <a:t>Date</a:t>
-                      </a:r>
-                      <a:endParaRPr kumimoji="1" lang="en-US" altLang="ja-JP" sz="1000" dirty="0">
-                        <a:solidFill>
-                          <a:schemeClr val="tx1"/>
-                        </a:solidFill>
-                        <a:latin typeface="Arial" panose="020B0604020202020204" pitchFamily="34" charset="0"/>
-                        <a:cs typeface="Arial" panose="020B0604020202020204" pitchFamily="34" charset="0"/>
-                      </a:endParaRPr>
-                    </a:p>
-                  </a:txBody>
-                  <a:tcPr/>
-                </a:tc>
-                <a:tc>
-                  <a:txBody>
-                    <a:bodyPr/>
-                    <a:lstStyle/>
-                    <a:p>
-                      <a:r>
-                        <a:rPr kumimoji="1" lang="en-US" altLang="ja-JP" sz="1000" dirty="0">
-                          <a:latin typeface="Arial" panose="020B0604020202020204" pitchFamily="34" charset="0"/>
-                          <a:cs typeface="Arial" panose="020B0604020202020204" pitchFamily="34" charset="0"/>
-                        </a:rPr>
-                        <a:t>Date</a:t>
-                      </a:r>
-                      <a:endParaRPr kumimoji="1" lang="ja-JP" altLang="en-US" sz="1000" dirty="0">
-                        <a:latin typeface="Arial" panose="020B0604020202020204" pitchFamily="34" charset="0"/>
-                        <a:cs typeface="Arial" panose="020B0604020202020204" pitchFamily="34" charset="0"/>
-                      </a:endParaRPr>
-                    </a:p>
-                  </a:txBody>
-                  <a:tcPr/>
-                </a:tc>
-                <a:extLst>
-                  <a:ext uri="{0D108BD9-81ED-4DB2-BD59-A6C34878D82A}">
-                    <a16:rowId xmlns:a16="http://schemas.microsoft.com/office/drawing/2014/main" val="1254725891"/>
-                  </a:ext>
-                </a:extLst>
-              </a:tr>
-              <a:tr h="281154">
-                <a:tc>
-                  <a:txBody>
-                    <a:bodyPr/>
-                    <a:lstStyle/>
-                    <a:p>
-                      <a:pPr marL="0" marR="0" lvl="0" indent="0" algn="l" defTabSz="914400" rtl="0" eaLnBrk="1" fontAlgn="auto" latinLnBrk="0" hangingPunct="1">
-                        <a:lnSpc>
-                          <a:spcPct val="100000"/>
-                        </a:lnSpc>
-                        <a:spcBef>
-                          <a:spcPts val="0"/>
-                        </a:spcBef>
-                        <a:spcAft>
-                          <a:spcPts val="0"/>
-                        </a:spcAft>
-                        <a:buClrTx/>
-                        <a:buSzTx/>
-                        <a:buFontTx/>
-                        <a:buNone/>
-                        <a:tabLst/>
-                        <a:defRPr/>
-                      </a:pPr>
-                      <a:r>
-                        <a:rPr lang="en-US" altLang="ja-JP" sz="1000" dirty="0">
-                          <a:latin typeface="Arial" panose="020B0604020202020204" pitchFamily="34" charset="0"/>
-                          <a:cs typeface="Arial" panose="020B0604020202020204" pitchFamily="34" charset="0"/>
-                        </a:rPr>
-                        <a:t>Day of week</a:t>
-                      </a:r>
-                      <a:endParaRPr lang="en-US" altLang="ja-JP" sz="1000" dirty="0">
-                        <a:solidFill>
-                          <a:schemeClr val="tx1"/>
-                        </a:solidFill>
-                        <a:latin typeface="Arial" panose="020B0604020202020204" pitchFamily="34" charset="0"/>
-                        <a:cs typeface="Arial" panose="020B0604020202020204" pitchFamily="34" charset="0"/>
-                      </a:endParaRPr>
-                    </a:p>
-                  </a:txBody>
-                  <a:tcPr/>
-                </a:tc>
-                <a:tc>
-                  <a:txBody>
-                    <a:bodyPr/>
-                    <a:lstStyle/>
-                    <a:p>
-                      <a:pPr marL="0" marR="0" lvl="0" indent="0" algn="l" defTabSz="914400" rtl="0" eaLnBrk="1" fontAlgn="auto" latinLnBrk="0" hangingPunct="1">
-                        <a:lnSpc>
-                          <a:spcPct val="100000"/>
-                        </a:lnSpc>
-                        <a:spcBef>
-                          <a:spcPts val="0"/>
-                        </a:spcBef>
-                        <a:spcAft>
-                          <a:spcPts val="0"/>
-                        </a:spcAft>
-                        <a:buClrTx/>
-                        <a:buSzTx/>
-                        <a:buFontTx/>
-                        <a:buNone/>
-                        <a:tabLst/>
-                        <a:defRPr/>
-                      </a:pPr>
-                      <a:r>
-                        <a:rPr kumimoji="1" lang="en-US" altLang="ja-JP" sz="1000" b="0" kern="1200" dirty="0">
-                          <a:solidFill>
-                            <a:schemeClr val="tx1"/>
-                          </a:solidFill>
-                          <a:effectLst/>
-                          <a:latin typeface="Arial" panose="020B0604020202020204" pitchFamily="34" charset="0"/>
-                          <a:ea typeface="+mn-ea"/>
-                          <a:cs typeface="Arial" panose="020B0604020202020204" pitchFamily="34" charset="0"/>
-                        </a:rPr>
-                        <a:t>TINYINT</a:t>
-                      </a:r>
-                    </a:p>
-                  </a:txBody>
-                  <a:tcPr/>
-                </a:tc>
-                <a:extLst>
-                  <a:ext uri="{0D108BD9-81ED-4DB2-BD59-A6C34878D82A}">
-                    <a16:rowId xmlns:a16="http://schemas.microsoft.com/office/drawing/2014/main" val="3179887243"/>
-                  </a:ext>
-                </a:extLst>
-              </a:tr>
-              <a:tr h="281154">
-                <a:tc>
-                  <a:txBody>
-                    <a:bodyPr/>
-                    <a:lstStyle/>
-                    <a:p>
-                      <a:pPr marL="0" marR="0" lvl="0" indent="0" algn="l" defTabSz="914400" rtl="0" eaLnBrk="1" fontAlgn="auto" latinLnBrk="0" hangingPunct="1">
-                        <a:lnSpc>
-                          <a:spcPct val="100000"/>
-                        </a:lnSpc>
-                        <a:spcBef>
-                          <a:spcPts val="0"/>
-                        </a:spcBef>
-                        <a:spcAft>
-                          <a:spcPts val="0"/>
-                        </a:spcAft>
-                        <a:buClrTx/>
-                        <a:buSzTx/>
-                        <a:buFontTx/>
-                        <a:buNone/>
-                        <a:tabLst/>
-                        <a:defRPr/>
-                      </a:pPr>
-                      <a:r>
-                        <a:rPr lang="en-US" altLang="ja-JP" sz="1000" dirty="0">
-                          <a:latin typeface="Arial" panose="020B0604020202020204" pitchFamily="34" charset="0"/>
-                          <a:cs typeface="Arial" panose="020B0604020202020204" pitchFamily="34" charset="0"/>
-                        </a:rPr>
-                        <a:t>Year</a:t>
-                      </a:r>
-                      <a:endParaRPr lang="en-US" altLang="ja-JP" sz="1000" dirty="0">
-                        <a:solidFill>
-                          <a:schemeClr val="tx1"/>
-                        </a:solidFill>
-                        <a:latin typeface="Arial" panose="020B0604020202020204" pitchFamily="34" charset="0"/>
-                        <a:cs typeface="Arial" panose="020B0604020202020204" pitchFamily="34" charset="0"/>
-                      </a:endParaRPr>
-                    </a:p>
-                  </a:txBody>
-                  <a:tcPr/>
-                </a:tc>
-                <a:tc>
-                  <a:txBody>
-                    <a:bodyPr/>
-                    <a:lstStyle/>
-                    <a:p>
-                      <a:pPr marL="0" marR="0" lvl="0" indent="0" algn="l" defTabSz="914400" rtl="0" eaLnBrk="1" fontAlgn="auto" latinLnBrk="0" hangingPunct="1">
-                        <a:lnSpc>
-                          <a:spcPct val="100000"/>
-                        </a:lnSpc>
-                        <a:spcBef>
-                          <a:spcPts val="0"/>
-                        </a:spcBef>
-                        <a:spcAft>
-                          <a:spcPts val="0"/>
-                        </a:spcAft>
-                        <a:buClrTx/>
-                        <a:buSzTx/>
-                        <a:buFontTx/>
-                        <a:buNone/>
-                        <a:tabLst/>
-                        <a:defRPr/>
-                      </a:pPr>
-                      <a:r>
-                        <a:rPr kumimoji="1" lang="en-US" altLang="ja-JP" sz="1000" b="0" kern="1200" dirty="0">
-                          <a:solidFill>
-                            <a:schemeClr val="tx1"/>
-                          </a:solidFill>
-                          <a:effectLst/>
-                          <a:latin typeface="Arial" panose="020B0604020202020204" pitchFamily="34" charset="0"/>
-                          <a:ea typeface="+mn-ea"/>
-                          <a:cs typeface="Arial" panose="020B0604020202020204" pitchFamily="34" charset="0"/>
-                        </a:rPr>
-                        <a:t>Year</a:t>
-                      </a:r>
-                    </a:p>
-                  </a:txBody>
-                  <a:tcPr/>
-                </a:tc>
-                <a:extLst>
-                  <a:ext uri="{0D108BD9-81ED-4DB2-BD59-A6C34878D82A}">
-                    <a16:rowId xmlns:a16="http://schemas.microsoft.com/office/drawing/2014/main" val="1698588673"/>
-                  </a:ext>
-                </a:extLst>
-              </a:tr>
-              <a:tr h="281154">
-                <a:tc>
-                  <a:txBody>
-                    <a:bodyPr/>
-                    <a:lstStyle/>
-                    <a:p>
-                      <a:pPr marL="0" marR="0" lvl="0" indent="0" algn="l" defTabSz="914400" rtl="0" eaLnBrk="1" fontAlgn="auto" latinLnBrk="0" hangingPunct="1">
-                        <a:lnSpc>
-                          <a:spcPct val="100000"/>
-                        </a:lnSpc>
-                        <a:spcBef>
-                          <a:spcPts val="0"/>
-                        </a:spcBef>
-                        <a:spcAft>
-                          <a:spcPts val="0"/>
-                        </a:spcAft>
-                        <a:buClrTx/>
-                        <a:buSzTx/>
-                        <a:buFontTx/>
-                        <a:buNone/>
-                        <a:tabLst/>
-                        <a:defRPr/>
-                      </a:pPr>
-                      <a:r>
-                        <a:rPr kumimoji="1" lang="en-US" altLang="ja-JP" sz="1000" dirty="0">
-                          <a:latin typeface="Arial" panose="020B0604020202020204" pitchFamily="34" charset="0"/>
-                          <a:cs typeface="Arial" panose="020B0604020202020204" pitchFamily="34" charset="0"/>
-                        </a:rPr>
-                        <a:t>Month </a:t>
-                      </a:r>
-                      <a:endParaRPr kumimoji="1" lang="en-US" altLang="ja-JP" sz="1000" dirty="0">
-                        <a:solidFill>
-                          <a:schemeClr val="tx1"/>
-                        </a:solidFill>
-                        <a:latin typeface="Arial" panose="020B0604020202020204" pitchFamily="34" charset="0"/>
-                        <a:cs typeface="Arial" panose="020B0604020202020204" pitchFamily="34" charset="0"/>
-                      </a:endParaRPr>
-                    </a:p>
-                  </a:txBody>
-                  <a:tcPr/>
-                </a:tc>
-                <a:tc>
-                  <a:txBody>
-                    <a:bodyPr/>
-                    <a:lstStyle/>
-                    <a:p>
-                      <a:pPr marL="0" marR="0" lvl="0" indent="0" algn="l" defTabSz="914400" rtl="0" eaLnBrk="1" fontAlgn="auto" latinLnBrk="0" hangingPunct="1">
-                        <a:lnSpc>
-                          <a:spcPct val="100000"/>
-                        </a:lnSpc>
-                        <a:spcBef>
-                          <a:spcPts val="0"/>
-                        </a:spcBef>
-                        <a:spcAft>
-                          <a:spcPts val="0"/>
-                        </a:spcAft>
-                        <a:buClrTx/>
-                        <a:buSzTx/>
-                        <a:buFontTx/>
-                        <a:buNone/>
-                        <a:tabLst/>
-                        <a:defRPr/>
-                      </a:pPr>
-                      <a:r>
-                        <a:rPr kumimoji="1" lang="en-US" altLang="ja-JP" sz="1000" b="0" kern="1200" dirty="0">
-                          <a:solidFill>
-                            <a:schemeClr val="tx1"/>
-                          </a:solidFill>
-                          <a:effectLst/>
-                          <a:latin typeface="Arial" panose="020B0604020202020204" pitchFamily="34" charset="0"/>
-                          <a:ea typeface="+mn-ea"/>
-                          <a:cs typeface="Arial" panose="020B0604020202020204" pitchFamily="34" charset="0"/>
-                        </a:rPr>
-                        <a:t>CHAR(6)</a:t>
-                      </a:r>
-                    </a:p>
-                  </a:txBody>
-                  <a:tcPr/>
-                </a:tc>
-                <a:extLst>
-                  <a:ext uri="{0D108BD9-81ED-4DB2-BD59-A6C34878D82A}">
-                    <a16:rowId xmlns:a16="http://schemas.microsoft.com/office/drawing/2014/main" val="2891859404"/>
-                  </a:ext>
-                </a:extLst>
-              </a:tr>
-              <a:tr h="281154">
-                <a:tc>
-                  <a:txBody>
-                    <a:bodyPr/>
-                    <a:lstStyle/>
-                    <a:p>
-                      <a:pPr marL="0" marR="0" lvl="0" indent="0" algn="l" defTabSz="914400" rtl="0" eaLnBrk="1" fontAlgn="auto" latinLnBrk="0" hangingPunct="1">
-                        <a:lnSpc>
-                          <a:spcPct val="100000"/>
-                        </a:lnSpc>
-                        <a:spcBef>
-                          <a:spcPts val="0"/>
-                        </a:spcBef>
-                        <a:spcAft>
-                          <a:spcPts val="0"/>
-                        </a:spcAft>
-                        <a:buClrTx/>
-                        <a:buSzTx/>
-                        <a:buFontTx/>
-                        <a:buNone/>
-                        <a:tabLst/>
-                        <a:defRPr/>
-                      </a:pPr>
-                      <a:r>
-                        <a:rPr lang="en-US" altLang="ja-JP" sz="1000" dirty="0">
-                          <a:latin typeface="Arial" panose="020B0604020202020204" pitchFamily="34" charset="0"/>
-                          <a:cs typeface="Arial" panose="020B0604020202020204" pitchFamily="34" charset="0"/>
-                        </a:rPr>
-                        <a:t>Quarter</a:t>
-                      </a:r>
-                      <a:endParaRPr lang="en-US" altLang="ja-JP" sz="1000" dirty="0">
-                        <a:solidFill>
-                          <a:schemeClr val="tx1"/>
-                        </a:solidFill>
-                        <a:latin typeface="Arial" panose="020B0604020202020204" pitchFamily="34" charset="0"/>
-                        <a:cs typeface="Arial" panose="020B0604020202020204" pitchFamily="34" charset="0"/>
-                      </a:endParaRPr>
-                    </a:p>
-                  </a:txBody>
-                  <a:tcPr/>
-                </a:tc>
-                <a:tc>
-                  <a:txBody>
-                    <a:bodyPr/>
-                    <a:lstStyle/>
-                    <a:p>
-                      <a:pPr marL="0" marR="0" lvl="0" indent="0" algn="l" defTabSz="914400" rtl="0" eaLnBrk="1" fontAlgn="auto" latinLnBrk="0" hangingPunct="1">
-                        <a:lnSpc>
-                          <a:spcPct val="100000"/>
-                        </a:lnSpc>
-                        <a:spcBef>
-                          <a:spcPts val="0"/>
-                        </a:spcBef>
-                        <a:spcAft>
-                          <a:spcPts val="0"/>
-                        </a:spcAft>
-                        <a:buClrTx/>
-                        <a:buSzTx/>
-                        <a:buFontTx/>
-                        <a:buNone/>
-                        <a:tabLst/>
-                        <a:defRPr/>
-                      </a:pPr>
-                      <a:r>
-                        <a:rPr kumimoji="1" lang="en-US" altLang="ja-JP" sz="1000" b="0" kern="1200" dirty="0">
-                          <a:solidFill>
-                            <a:schemeClr val="tx1"/>
-                          </a:solidFill>
-                          <a:effectLst/>
-                          <a:latin typeface="Arial" panose="020B0604020202020204" pitchFamily="34" charset="0"/>
-                          <a:ea typeface="+mn-ea"/>
-                          <a:cs typeface="Arial" panose="020B0604020202020204" pitchFamily="34" charset="0"/>
-                        </a:rPr>
-                        <a:t>CHAR(6)</a:t>
-                      </a:r>
-                    </a:p>
-                  </a:txBody>
-                  <a:tcPr/>
-                </a:tc>
-                <a:extLst>
-                  <a:ext uri="{0D108BD9-81ED-4DB2-BD59-A6C34878D82A}">
-                    <a16:rowId xmlns:a16="http://schemas.microsoft.com/office/drawing/2014/main" val="2254065369"/>
-                  </a:ext>
-                </a:extLst>
-              </a:tr>
-            </a:tbl>
-          </a:graphicData>
-        </a:graphic>
-      </p:graphicFrame>
-      <p:sp>
-        <p:nvSpPr>
-          <p:cNvPr id="5" name="正方形/長方形 4">
-            <a:extLst>
-              <a:ext uri="{FF2B5EF4-FFF2-40B4-BE49-F238E27FC236}">
-                <a16:creationId xmlns:a16="http://schemas.microsoft.com/office/drawing/2014/main" id="{AC4B98AE-6B82-369F-4349-13AD5C28C3D3}"/>
+                <a16:creationId xmlns:a16="http://schemas.microsoft.com/office/drawing/2014/main" id="{1C2CF9B8-2CD3-E3D7-EA6A-36777C69BAAB}"/>
               </a:ext>
             </a:extLst>
           </p:cNvPr>
@@ -14346,8 +14366,8 @@
         </p:nvSpPr>
         <p:spPr>
           <a:xfrm>
-            <a:off x="1058183" y="4528974"/>
-            <a:ext cx="2284062" cy="203542"/>
+            <a:off x="1140081" y="5648312"/>
+            <a:ext cx="2600679" cy="232729"/>
           </a:xfrm>
           <a:prstGeom prst="rect">
             <a:avLst/>
@@ -14387,7 +14407,7 @@
     </p:spTree>
     <p:extLst>
       <p:ext uri="{BB962C8B-B14F-4D97-AF65-F5344CB8AC3E}">
-        <p14:creationId xmlns:p14="http://schemas.microsoft.com/office/powerpoint/2010/main" val="3660061367"/>
+        <p14:creationId xmlns:p14="http://schemas.microsoft.com/office/powerpoint/2010/main" val="1959839979"/>
       </p:ext>
     </p:extLst>
   </p:cSld>
@@ -14693,21 +14713,6 @@
 </file>
 
 <file path=customXml/item1.xml><?xml version="1.0" encoding="utf-8"?>
-<?mso-contentType ?>
-<FormTemplates xmlns="http://schemas.microsoft.com/sharepoint/v3/contenttype/forms">
-  <Display>DocumentLibraryForm</Display>
-  <Edit>DocumentLibraryForm</Edit>
-  <New>DocumentLibraryForm</New>
-</FormTemplates>
-</file>
-
-<file path=customXml/item2.xml><?xml version="1.0" encoding="utf-8"?>
-<p:properties xmlns:p="http://schemas.microsoft.com/office/2006/metadata/properties" xmlns:xsi="http://www.w3.org/2001/XMLSchema-instance" xmlns:pc="http://schemas.microsoft.com/office/infopath/2007/PartnerControls">
-  <documentManagement/>
-</p:properties>
-</file>
-
-<file path=customXml/item3.xml><?xml version="1.0" encoding="utf-8"?>
 <ct:contentTypeSchema xmlns:ct="http://schemas.microsoft.com/office/2006/metadata/contentType" xmlns:ma="http://schemas.microsoft.com/office/2006/metadata/properties/metaAttributes" ct:_="" ma:_="" ma:contentTypeName="Document" ma:contentTypeID="0x01010042524B95A8915F4D930583508A829F4D" ma:contentTypeVersion="2" ma:contentTypeDescription="Create a new document." ma:contentTypeScope="" ma:versionID="3bad324fc73652d1a5b1b314a3758304">
   <xsd:schema xmlns:xsd="http://www.w3.org/2001/XMLSchema" xmlns:xs="http://www.w3.org/2001/XMLSchema" xmlns:p="http://schemas.microsoft.com/office/2006/metadata/properties" xmlns:ns3="cbc8b81f-eef2-4491-a726-3d095f3400b7" targetNamespace="http://schemas.microsoft.com/office/2006/metadata/properties" ma:root="true" ma:fieldsID="a537806480e3ba30f85acecc285e4aa6" ns3:_="">
     <xsd:import namespace="cbc8b81f-eef2-4491-a726-3d095f3400b7"/>
@@ -14839,10 +14844,35 @@
 </ct:contentTypeSchema>
 </file>
 
+<file path=customXml/item2.xml><?xml version="1.0" encoding="utf-8"?>
+<p:properties xmlns:p="http://schemas.microsoft.com/office/2006/metadata/properties" xmlns:xsi="http://www.w3.org/2001/XMLSchema-instance" xmlns:pc="http://schemas.microsoft.com/office/infopath/2007/PartnerControls">
+  <documentManagement/>
+</p:properties>
+</file>
+
+<file path=customXml/item3.xml><?xml version="1.0" encoding="utf-8"?>
+<?mso-contentType ?>
+<FormTemplates xmlns="http://schemas.microsoft.com/sharepoint/v3/contenttype/forms">
+  <Display>DocumentLibraryForm</Display>
+  <Edit>DocumentLibraryForm</Edit>
+  <New>DocumentLibraryForm</New>
+</FormTemplates>
+</file>
+
 <file path=customXml/itemProps1.xml><?xml version="1.0" encoding="utf-8"?>
-<ds:datastoreItem xmlns:ds="http://schemas.openxmlformats.org/officeDocument/2006/customXml" ds:itemID="{80AEBBAE-CF7E-43B8-8EDE-50BF67322FAE}">
+<ds:datastoreItem xmlns:ds="http://schemas.openxmlformats.org/officeDocument/2006/customXml" ds:itemID="{AD30A41B-3CCC-4506-A035-19689DC44519}">
   <ds:schemaRefs>
-    <ds:schemaRef ds:uri="http://schemas.microsoft.com/sharepoint/v3/contenttype/forms"/>
+    <ds:schemaRef ds:uri="http://schemas.microsoft.com/office/2006/metadata/contentType"/>
+    <ds:schemaRef ds:uri="http://schemas.microsoft.com/office/2006/metadata/properties/metaAttributes"/>
+    <ds:schemaRef ds:uri="http://www.w3.org/2001/XMLSchema"/>
+    <ds:schemaRef ds:uri="http://schemas.microsoft.com/office/2006/metadata/properties"/>
+    <ds:schemaRef ds:uri="cbc8b81f-eef2-4491-a726-3d095f3400b7"/>
+    <ds:schemaRef ds:uri="http://schemas.microsoft.com/office/2006/documentManagement/types"/>
+    <ds:schemaRef ds:uri="http://schemas.microsoft.com/office/infopath/2007/PartnerControls"/>
+    <ds:schemaRef ds:uri="http://schemas.openxmlformats.org/package/2006/metadata/core-properties"/>
+    <ds:schemaRef ds:uri="http://purl.org/dc/elements/1.1/"/>
+    <ds:schemaRef ds:uri="http://purl.org/dc/terms/"/>
+    <ds:schemaRef ds:uri="http://schemas.microsoft.com/internal/obd"/>
   </ds:schemaRefs>
 </ds:datastoreItem>
 </file>
@@ -14864,19 +14894,9 @@
 </file>
 
 <file path=customXml/itemProps3.xml><?xml version="1.0" encoding="utf-8"?>
-<ds:datastoreItem xmlns:ds="http://schemas.openxmlformats.org/officeDocument/2006/customXml" ds:itemID="{AD30A41B-3CCC-4506-A035-19689DC44519}">
+<ds:datastoreItem xmlns:ds="http://schemas.openxmlformats.org/officeDocument/2006/customXml" ds:itemID="{80AEBBAE-CF7E-43B8-8EDE-50BF67322FAE}">
   <ds:schemaRefs>
-    <ds:schemaRef ds:uri="http://schemas.microsoft.com/office/2006/metadata/contentType"/>
-    <ds:schemaRef ds:uri="http://schemas.microsoft.com/office/2006/metadata/properties/metaAttributes"/>
-    <ds:schemaRef ds:uri="http://www.w3.org/2001/XMLSchema"/>
-    <ds:schemaRef ds:uri="http://schemas.microsoft.com/office/2006/metadata/properties"/>
-    <ds:schemaRef ds:uri="cbc8b81f-eef2-4491-a726-3d095f3400b7"/>
-    <ds:schemaRef ds:uri="http://schemas.microsoft.com/office/2006/documentManagement/types"/>
-    <ds:schemaRef ds:uri="http://schemas.microsoft.com/office/infopath/2007/PartnerControls"/>
-    <ds:schemaRef ds:uri="http://schemas.openxmlformats.org/package/2006/metadata/core-properties"/>
-    <ds:schemaRef ds:uri="http://purl.org/dc/elements/1.1/"/>
-    <ds:schemaRef ds:uri="http://purl.org/dc/terms/"/>
-    <ds:schemaRef ds:uri="http://schemas.microsoft.com/internal/obd"/>
+    <ds:schemaRef ds:uri="http://schemas.microsoft.com/sharepoint/v3/contenttype/forms"/>
   </ds:schemaRefs>
 </ds:datastoreItem>
 </file>
--- a/BikeShareDataAnalytics/StarSchemaDesigned .pptx
+++ b/BikeShareDataAnalytics/StarSchemaDesigned .pptx
@@ -11,6 +11,7 @@
     <p:sldId id="259" r:id="rId8"/>
     <p:sldId id="262" r:id="rId9"/>
     <p:sldId id="265" r:id="rId10"/>
+    <p:sldId id="266" r:id="rId11"/>
   </p:sldIdLst>
   <p:sldSz cx="12192000" cy="6858000"/>
   <p:notesSz cx="6858000" cy="9144000"/>
@@ -264,7 +265,7 @@
           <a:p>
             <a:fld id="{7CFE3D0C-4712-453B-88C0-2CE8E7C08B9F}" type="datetimeFigureOut">
               <a:rPr kumimoji="1" lang="ja-JP" altLang="en-US" smtClean="0"/>
-              <a:t>2022/10/7</a:t>
+              <a:t>2022/10/9</a:t>
             </a:fld>
             <a:endParaRPr kumimoji="1" lang="ja-JP" altLang="en-US"/>
           </a:p>
@@ -494,7 +495,7 @@
           <a:p>
             <a:fld id="{7CFE3D0C-4712-453B-88C0-2CE8E7C08B9F}" type="datetimeFigureOut">
               <a:rPr kumimoji="1" lang="ja-JP" altLang="en-US" smtClean="0"/>
-              <a:t>2022/10/7</a:t>
+              <a:t>2022/10/9</a:t>
             </a:fld>
             <a:endParaRPr kumimoji="1" lang="ja-JP" altLang="en-US"/>
           </a:p>
@@ -734,7 +735,7 @@
           <a:p>
             <a:fld id="{7CFE3D0C-4712-453B-88C0-2CE8E7C08B9F}" type="datetimeFigureOut">
               <a:rPr kumimoji="1" lang="ja-JP" altLang="en-US" smtClean="0"/>
-              <a:t>2022/10/7</a:t>
+              <a:t>2022/10/9</a:t>
             </a:fld>
             <a:endParaRPr kumimoji="1" lang="ja-JP" altLang="en-US"/>
           </a:p>
@@ -964,7 +965,7 @@
           <a:p>
             <a:fld id="{7CFE3D0C-4712-453B-88C0-2CE8E7C08B9F}" type="datetimeFigureOut">
               <a:rPr kumimoji="1" lang="ja-JP" altLang="en-US" smtClean="0"/>
-              <a:t>2022/10/7</a:t>
+              <a:t>2022/10/9</a:t>
             </a:fld>
             <a:endParaRPr kumimoji="1" lang="ja-JP" altLang="en-US"/>
           </a:p>
@@ -1239,7 +1240,7 @@
           <a:p>
             <a:fld id="{7CFE3D0C-4712-453B-88C0-2CE8E7C08B9F}" type="datetimeFigureOut">
               <a:rPr kumimoji="1" lang="ja-JP" altLang="en-US" smtClean="0"/>
-              <a:t>2022/10/7</a:t>
+              <a:t>2022/10/9</a:t>
             </a:fld>
             <a:endParaRPr kumimoji="1" lang="ja-JP" altLang="en-US"/>
           </a:p>
@@ -1568,7 +1569,7 @@
           <a:p>
             <a:fld id="{7CFE3D0C-4712-453B-88C0-2CE8E7C08B9F}" type="datetimeFigureOut">
               <a:rPr kumimoji="1" lang="ja-JP" altLang="en-US" smtClean="0"/>
-              <a:t>2022/10/7</a:t>
+              <a:t>2022/10/9</a:t>
             </a:fld>
             <a:endParaRPr kumimoji="1" lang="ja-JP" altLang="en-US"/>
           </a:p>
@@ -2044,7 +2045,7 @@
           <a:p>
             <a:fld id="{7CFE3D0C-4712-453B-88C0-2CE8E7C08B9F}" type="datetimeFigureOut">
               <a:rPr kumimoji="1" lang="ja-JP" altLang="en-US" smtClean="0"/>
-              <a:t>2022/10/7</a:t>
+              <a:t>2022/10/9</a:t>
             </a:fld>
             <a:endParaRPr kumimoji="1" lang="ja-JP" altLang="en-US"/>
           </a:p>
@@ -2185,7 +2186,7 @@
           <a:p>
             <a:fld id="{7CFE3D0C-4712-453B-88C0-2CE8E7C08B9F}" type="datetimeFigureOut">
               <a:rPr kumimoji="1" lang="ja-JP" altLang="en-US" smtClean="0"/>
-              <a:t>2022/10/7</a:t>
+              <a:t>2022/10/9</a:t>
             </a:fld>
             <a:endParaRPr kumimoji="1" lang="ja-JP" altLang="en-US"/>
           </a:p>
@@ -2298,7 +2299,7 @@
           <a:p>
             <a:fld id="{7CFE3D0C-4712-453B-88C0-2CE8E7C08B9F}" type="datetimeFigureOut">
               <a:rPr kumimoji="1" lang="ja-JP" altLang="en-US" smtClean="0"/>
-              <a:t>2022/10/7</a:t>
+              <a:t>2022/10/9</a:t>
             </a:fld>
             <a:endParaRPr kumimoji="1" lang="ja-JP" altLang="en-US"/>
           </a:p>
@@ -2641,7 +2642,7 @@
           <a:p>
             <a:fld id="{7CFE3D0C-4712-453B-88C0-2CE8E7C08B9F}" type="datetimeFigureOut">
               <a:rPr kumimoji="1" lang="ja-JP" altLang="en-US" smtClean="0"/>
-              <a:t>2022/10/7</a:t>
+              <a:t>2022/10/9</a:t>
             </a:fld>
             <a:endParaRPr kumimoji="1" lang="ja-JP" altLang="en-US"/>
           </a:p>
@@ -2929,7 +2930,7 @@
           <a:p>
             <a:fld id="{7CFE3D0C-4712-453B-88C0-2CE8E7C08B9F}" type="datetimeFigureOut">
               <a:rPr kumimoji="1" lang="ja-JP" altLang="en-US" smtClean="0"/>
-              <a:t>2022/10/7</a:t>
+              <a:t>2022/10/9</a:t>
             </a:fld>
             <a:endParaRPr kumimoji="1" lang="ja-JP" altLang="en-US"/>
           </a:p>
@@ -3202,7 +3203,7 @@
           <a:p>
             <a:fld id="{7CFE3D0C-4712-453B-88C0-2CE8E7C08B9F}" type="datetimeFigureOut">
               <a:rPr kumimoji="1" lang="ja-JP" altLang="en-US" smtClean="0"/>
-              <a:t>2022/10/7</a:t>
+              <a:t>2022/10/9</a:t>
             </a:fld>
             <a:endParaRPr kumimoji="1" lang="ja-JP" altLang="en-US"/>
           </a:p>
@@ -3994,7 +3995,7 @@
           <p:nvPr>
             <p:extLst>
               <p:ext uri="{D42A27DB-BD31-4B8C-83A1-F6EECF244321}">
-                <p14:modId xmlns:p14="http://schemas.microsoft.com/office/powerpoint/2010/main" val="3762928078"/>
+                <p14:modId xmlns:p14="http://schemas.microsoft.com/office/powerpoint/2010/main" val="3913582636"/>
               </p:ext>
             </p:extLst>
           </p:nvPr>
@@ -4115,22 +4116,13 @@
                         <a:defRPr/>
                       </a:pPr>
                       <a:r>
-                        <a:rPr kumimoji="1" lang="en-US" altLang="ja-JP" sz="1000" b="0" kern="1200" dirty="0" err="1">
-                          <a:solidFill>
-                            <a:schemeClr val="tx1"/>
-                          </a:solidFill>
-                          <a:effectLst/>
-                        </a:rPr>
-                        <a:t>nvarchar</a:t>
-                      </a:r>
-                      <a:r>
                         <a:rPr kumimoji="1" lang="en-US" altLang="ja-JP" sz="1000" b="0" kern="1200" dirty="0">
                           <a:solidFill>
                             <a:schemeClr val="tx1"/>
                           </a:solidFill>
                           <a:effectLst/>
                         </a:rPr>
-                        <a:t>(4000)</a:t>
+                        <a:t>varchar(45)</a:t>
                       </a:r>
                       <a:endParaRPr kumimoji="1" lang="en-US" altLang="ja-JP" sz="1000" b="0" kern="1200" dirty="0">
                         <a:solidFill>
@@ -4207,32 +4199,17 @@
                         <a:defRPr/>
                       </a:pPr>
                       <a:r>
-                        <a:rPr kumimoji="1" lang="en-US" altLang="ja-JP" sz="1000" b="0" kern="1200" dirty="0" err="1">
-                          <a:solidFill>
-                            <a:schemeClr val="tx1"/>
-                          </a:solidFill>
-                          <a:effectLst/>
-                        </a:rPr>
-                        <a:t>nvarchar</a:t>
-                      </a:r>
-                      <a:r>
                         <a:rPr kumimoji="1" lang="en-US" altLang="ja-JP" sz="1000" b="0" kern="1200" dirty="0">
                           <a:solidFill>
                             <a:schemeClr val="tx1"/>
                           </a:solidFill>
                           <a:effectLst/>
-                        </a:rPr>
-                        <a:t>(4000)</a:t>
-                      </a:r>
-                      <a:endParaRPr kumimoji="1" lang="en-US" altLang="ja-JP" sz="1000" b="0" kern="1200" dirty="0">
-                        <a:solidFill>
-                          <a:schemeClr val="tx1"/>
-                        </a:solidFill>
-                        <a:effectLst/>
-                        <a:latin typeface="Arial" panose="020B0604020202020204" pitchFamily="34" charset="0"/>
-                        <a:ea typeface="+mn-ea"/>
-                        <a:cs typeface="Arial" panose="020B0604020202020204" pitchFamily="34" charset="0"/>
-                      </a:endParaRPr>
+                          <a:latin typeface="Arial" panose="020B0604020202020204" pitchFamily="34" charset="0"/>
+                          <a:ea typeface="+mn-ea"/>
+                          <a:cs typeface="Arial" panose="020B0604020202020204" pitchFamily="34" charset="0"/>
+                        </a:rPr>
+                        <a:t>date</a:t>
+                      </a:r>
                     </a:p>
                   </a:txBody>
                   <a:tcPr/>
@@ -4313,17 +4290,11 @@
                             <a:schemeClr val="tx1"/>
                           </a:solidFill>
                           <a:effectLst/>
-                        </a:rPr>
-                        <a:t>nvarchar</a:t>
-                      </a:r>
-                      <a:r>
-                        <a:rPr kumimoji="1" lang="en-US" altLang="ja-JP" sz="1000" b="0" kern="1200" dirty="0">
-                          <a:solidFill>
-                            <a:schemeClr val="tx1"/>
-                          </a:solidFill>
-                          <a:effectLst/>
-                        </a:rPr>
-                        <a:t>(4000)</a:t>
+                          <a:latin typeface="Arial" panose="020B0604020202020204" pitchFamily="34" charset="0"/>
+                          <a:ea typeface="+mn-ea"/>
+                          <a:cs typeface="Arial" panose="020B0604020202020204" pitchFamily="34" charset="0"/>
+                        </a:rPr>
+                        <a:t>bigint</a:t>
                       </a:r>
                       <a:endParaRPr kumimoji="1" lang="en-US" altLang="ja-JP" sz="1000" b="0" kern="1200" dirty="0">
                         <a:solidFill>
@@ -4405,32 +4376,17 @@
                         <a:defRPr/>
                       </a:pPr>
                       <a:r>
-                        <a:rPr kumimoji="1" lang="en-US" altLang="ja-JP" sz="1000" b="0" kern="1200" dirty="0" err="1">
-                          <a:solidFill>
-                            <a:schemeClr val="tx1"/>
-                          </a:solidFill>
-                          <a:effectLst/>
-                        </a:rPr>
-                        <a:t>nvarchar</a:t>
-                      </a:r>
-                      <a:r>
                         <a:rPr kumimoji="1" lang="en-US" altLang="ja-JP" sz="1000" b="0" kern="1200" dirty="0">
                           <a:solidFill>
                             <a:schemeClr val="tx1"/>
                           </a:solidFill>
                           <a:effectLst/>
-                        </a:rPr>
-                        <a:t>(4000)</a:t>
-                      </a:r>
-                      <a:endParaRPr kumimoji="1" lang="en-US" altLang="ja-JP" sz="1000" b="0" kern="1200" dirty="0">
-                        <a:solidFill>
-                          <a:schemeClr val="tx1"/>
-                        </a:solidFill>
-                        <a:effectLst/>
-                        <a:latin typeface="Arial" panose="020B0604020202020204" pitchFamily="34" charset="0"/>
-                        <a:ea typeface="+mn-ea"/>
-                        <a:cs typeface="Arial" panose="020B0604020202020204" pitchFamily="34" charset="0"/>
-                      </a:endParaRPr>
+                          <a:latin typeface="Arial" panose="020B0604020202020204" pitchFamily="34" charset="0"/>
+                          <a:ea typeface="+mn-ea"/>
+                          <a:cs typeface="Arial" panose="020B0604020202020204" pitchFamily="34" charset="0"/>
+                        </a:rPr>
+                        <a:t>int</a:t>
+                      </a:r>
                     </a:p>
                   </a:txBody>
                   <a:tcPr/>
@@ -4460,14 +4416,14 @@
           <p:nvPr>
             <p:extLst>
               <p:ext uri="{D42A27DB-BD31-4B8C-83A1-F6EECF244321}">
-                <p14:modId xmlns:p14="http://schemas.microsoft.com/office/powerpoint/2010/main" val="3841643018"/>
+                <p14:modId xmlns:p14="http://schemas.microsoft.com/office/powerpoint/2010/main" val="1686367197"/>
               </p:ext>
             </p:extLst>
           </p:nvPr>
         </p:nvGraphicFramePr>
         <p:xfrm>
           <a:off x="350875" y="2762061"/>
-          <a:ext cx="2495069" cy="1612296"/>
+          <a:ext cx="2495069" cy="1893450"/>
         </p:xfrm>
         <a:graphic>
           <a:graphicData uri="http://schemas.openxmlformats.org/drawingml/2006/table">
@@ -4582,7 +4538,7 @@
                           <a:latin typeface="Arial" panose="020B0604020202020204" pitchFamily="34" charset="0"/>
                           <a:cs typeface="Arial" panose="020B0604020202020204" pitchFamily="34" charset="0"/>
                         </a:rPr>
-                        <a:t>Date</a:t>
+                        <a:t>date</a:t>
                       </a:r>
                       <a:endParaRPr kumimoji="1" lang="ja-JP" altLang="en-US" sz="1000" dirty="0">
                         <a:latin typeface="Arial" panose="020B0604020202020204" pitchFamily="34" charset="0"/>
@@ -4623,18 +4579,14 @@
                       </a:pPr>
                       <a:r>
                         <a:rPr lang="en-US" altLang="ja-JP" sz="1000" dirty="0">
-                          <a:latin typeface="Arial" panose="020B0604020202020204" pitchFamily="34" charset="0"/>
-                          <a:cs typeface="Arial" panose="020B0604020202020204" pitchFamily="34" charset="0"/>
-                        </a:rPr>
-                        <a:t>Day of week</a:t>
-                      </a:r>
-                      <a:endParaRPr lang="en-US" altLang="ja-JP" sz="1000" dirty="0">
-                        <a:solidFill>
-                          <a:schemeClr val="tx1"/>
-                        </a:solidFill>
-                        <a:latin typeface="Arial" panose="020B0604020202020204" pitchFamily="34" charset="0"/>
-                        <a:cs typeface="Arial" panose="020B0604020202020204" pitchFamily="34" charset="0"/>
-                      </a:endParaRPr>
+                          <a:solidFill>
+                            <a:schemeClr val="tx1"/>
+                          </a:solidFill>
+                          <a:latin typeface="Arial" panose="020B0604020202020204" pitchFamily="34" charset="0"/>
+                          <a:cs typeface="Arial" panose="020B0604020202020204" pitchFamily="34" charset="0"/>
+                        </a:rPr>
+                        <a:t>Day</a:t>
+                      </a:r>
                     </a:p>
                   </a:txBody>
                   <a:tcPr/>
@@ -4662,7 +4614,7 @@
                         <a:defRPr/>
                       </a:pPr>
                       <a:r>
-                        <a:rPr kumimoji="1" lang="en-US" altLang="ja-JP" sz="1000" b="0" kern="1200" dirty="0">
+                        <a:rPr kumimoji="1" lang="en-US" altLang="ja-JP" sz="1000" b="0" kern="1200" dirty="0" err="1">
                           <a:solidFill>
                             <a:schemeClr val="tx1"/>
                           </a:solidFill>
@@ -4671,8 +4623,107 @@
                           <a:ea typeface="+mn-ea"/>
                           <a:cs typeface="Arial" panose="020B0604020202020204" pitchFamily="34" charset="0"/>
                         </a:rPr>
-                        <a:t>TINYINT</a:t>
-                      </a:r>
+                        <a:t>tinyint</a:t>
+                      </a:r>
+                      <a:endParaRPr kumimoji="1" lang="en-US" altLang="ja-JP" sz="1000" b="0" kern="1200" dirty="0">
+                        <a:solidFill>
+                          <a:schemeClr val="tx1"/>
+                        </a:solidFill>
+                        <a:effectLst/>
+                        <a:latin typeface="Arial" panose="020B0604020202020204" pitchFamily="34" charset="0"/>
+                        <a:ea typeface="+mn-ea"/>
+                        <a:cs typeface="Arial" panose="020B0604020202020204" pitchFamily="34" charset="0"/>
+                      </a:endParaRPr>
+                    </a:p>
+                  </a:txBody>
+                  <a:tcPr/>
+                </a:tc>
+                <a:extLst>
+                  <a:ext uri="{0D108BD9-81ED-4DB2-BD59-A6C34878D82A}">
+                    <a16:rowId xmlns:a16="http://schemas.microsoft.com/office/drawing/2014/main" val="2151431456"/>
+                  </a:ext>
+                </a:extLst>
+              </a:tr>
+              <a:tr h="281154">
+                <a:tc>
+                  <a:txBody>
+                    <a:bodyPr/>
+                    <a:lstStyle/>
+                    <a:p>
+                      <a:pPr marL="0" marR="0" lvl="0" indent="0" algn="l" defTabSz="914400" rtl="0" eaLnBrk="1" fontAlgn="auto" latinLnBrk="0" hangingPunct="1">
+                        <a:lnSpc>
+                          <a:spcPct val="100000"/>
+                        </a:lnSpc>
+                        <a:spcBef>
+                          <a:spcPts val="0"/>
+                        </a:spcBef>
+                        <a:spcAft>
+                          <a:spcPts val="0"/>
+                        </a:spcAft>
+                        <a:buClrTx/>
+                        <a:buSzTx/>
+                        <a:buFontTx/>
+                        <a:buNone/>
+                        <a:tabLst/>
+                        <a:defRPr/>
+                      </a:pPr>
+                      <a:r>
+                        <a:rPr lang="en-US" altLang="ja-JP" sz="1000" dirty="0">
+                          <a:solidFill>
+                            <a:schemeClr val="tx1"/>
+                          </a:solidFill>
+                          <a:latin typeface="Arial" panose="020B0604020202020204" pitchFamily="34" charset="0"/>
+                          <a:cs typeface="Arial" panose="020B0604020202020204" pitchFamily="34" charset="0"/>
+                        </a:rPr>
+                        <a:t>Weekday</a:t>
+                      </a:r>
+                    </a:p>
+                  </a:txBody>
+                  <a:tcPr/>
+                </a:tc>
+                <a:tc>
+                  <a:txBody>
+                    <a:bodyPr/>
+                    <a:lstStyle/>
+                    <a:p>
+                      <a:pPr marL="0" marR="0" lvl="0" indent="0" algn="l" defTabSz="914400" rtl="0" eaLnBrk="1" fontAlgn="auto" latinLnBrk="0" hangingPunct="1">
+                        <a:lnSpc>
+                          <a:spcPct val="100000"/>
+                        </a:lnSpc>
+                        <a:spcBef>
+                          <a:spcPts val="0"/>
+                        </a:spcBef>
+                        <a:spcAft>
+                          <a:spcPts val="0"/>
+                        </a:spcAft>
+                        <a:buClrTx/>
+                        <a:buSzTx/>
+                        <a:buFontTx/>
+                        <a:buNone/>
+                        <a:tabLst/>
+                        <a:defRPr/>
+                      </a:pPr>
+                      <a:r>
+                        <a:rPr kumimoji="1" lang="en-US" altLang="ja-JP" sz="1000" b="0" kern="1200" dirty="0" err="1">
+                          <a:solidFill>
+                            <a:schemeClr val="tx1"/>
+                          </a:solidFill>
+                          <a:effectLst/>
+                          <a:latin typeface="Arial" panose="020B0604020202020204" pitchFamily="34" charset="0"/>
+                          <a:ea typeface="+mn-ea"/>
+                          <a:cs typeface="Arial" panose="020B0604020202020204" pitchFamily="34" charset="0"/>
+                        </a:rPr>
+                        <a:t>tinyint</a:t>
+                      </a:r>
+                      <a:endParaRPr kumimoji="1" lang="en-US" altLang="ja-JP" sz="1000" b="0" kern="1200" dirty="0">
+                        <a:solidFill>
+                          <a:schemeClr val="tx1"/>
+                        </a:solidFill>
+                        <a:effectLst/>
+                        <a:latin typeface="Arial" panose="020B0604020202020204" pitchFamily="34" charset="0"/>
+                        <a:ea typeface="+mn-ea"/>
+                        <a:cs typeface="Arial" panose="020B0604020202020204" pitchFamily="34" charset="0"/>
+                      </a:endParaRPr>
                     </a:p>
                   </a:txBody>
                   <a:tcPr/>
@@ -4747,7 +4798,7 @@
                         <a:defRPr/>
                       </a:pPr>
                       <a:r>
-                        <a:rPr kumimoji="1" lang="en-US" altLang="ja-JP" sz="1000" b="0" kern="1200" dirty="0">
+                        <a:rPr kumimoji="1" lang="en-US" altLang="ja-JP" sz="1000" b="0" kern="1200" dirty="0" err="1">
                           <a:solidFill>
                             <a:schemeClr val="tx1"/>
                           </a:solidFill>
@@ -4756,8 +4807,17 @@
                           <a:ea typeface="+mn-ea"/>
                           <a:cs typeface="Arial" panose="020B0604020202020204" pitchFamily="34" charset="0"/>
                         </a:rPr>
-                        <a:t>Year</a:t>
-                      </a:r>
+                        <a:t>smallint</a:t>
+                      </a:r>
+                      <a:endParaRPr kumimoji="1" lang="en-US" altLang="ja-JP" sz="1000" b="0" kern="1200" dirty="0">
+                        <a:solidFill>
+                          <a:schemeClr val="tx1"/>
+                        </a:solidFill>
+                        <a:effectLst/>
+                        <a:latin typeface="Arial" panose="020B0604020202020204" pitchFamily="34" charset="0"/>
+                        <a:ea typeface="+mn-ea"/>
+                        <a:cs typeface="Arial" panose="020B0604020202020204" pitchFamily="34" charset="0"/>
+                      </a:endParaRPr>
                     </a:p>
                   </a:txBody>
                   <a:tcPr/>
@@ -4832,7 +4892,7 @@
                         <a:defRPr/>
                       </a:pPr>
                       <a:r>
-                        <a:rPr kumimoji="1" lang="en-US" altLang="ja-JP" sz="1000" b="0" kern="1200" dirty="0">
+                        <a:rPr kumimoji="1" lang="en-US" altLang="ja-JP" sz="1000" b="0" kern="1200" dirty="0" err="1">
                           <a:solidFill>
                             <a:schemeClr val="tx1"/>
                           </a:solidFill>
@@ -4841,8 +4901,17 @@
                           <a:ea typeface="+mn-ea"/>
                           <a:cs typeface="Arial" panose="020B0604020202020204" pitchFamily="34" charset="0"/>
                         </a:rPr>
-                        <a:t>CHAR(6)</a:t>
-                      </a:r>
+                        <a:t>tinyint</a:t>
+                      </a:r>
+                      <a:endParaRPr kumimoji="1" lang="en-US" altLang="ja-JP" sz="1000" b="0" kern="1200" dirty="0">
+                        <a:solidFill>
+                          <a:schemeClr val="tx1"/>
+                        </a:solidFill>
+                        <a:effectLst/>
+                        <a:latin typeface="Arial" panose="020B0604020202020204" pitchFamily="34" charset="0"/>
+                        <a:ea typeface="+mn-ea"/>
+                        <a:cs typeface="Arial" panose="020B0604020202020204" pitchFamily="34" charset="0"/>
+                      </a:endParaRPr>
                     </a:p>
                   </a:txBody>
                   <a:tcPr/>
@@ -4917,7 +4986,7 @@
                         <a:defRPr/>
                       </a:pPr>
                       <a:r>
-                        <a:rPr kumimoji="1" lang="en-US" altLang="ja-JP" sz="1000" b="0" kern="1200" dirty="0">
+                        <a:rPr kumimoji="1" lang="en-US" altLang="ja-JP" sz="1000" b="0" kern="1200" dirty="0" err="1">
                           <a:solidFill>
                             <a:schemeClr val="tx1"/>
                           </a:solidFill>
@@ -4926,8 +4995,17 @@
                           <a:ea typeface="+mn-ea"/>
                           <a:cs typeface="Arial" panose="020B0604020202020204" pitchFamily="34" charset="0"/>
                         </a:rPr>
-                        <a:t>CHAR(6)</a:t>
-                      </a:r>
+                        <a:t>tinyint</a:t>
+                      </a:r>
+                      <a:endParaRPr kumimoji="1" lang="en-US" altLang="ja-JP" sz="1000" b="0" kern="1200" dirty="0">
+                        <a:solidFill>
+                          <a:schemeClr val="tx1"/>
+                        </a:solidFill>
+                        <a:effectLst/>
+                        <a:latin typeface="Arial" panose="020B0604020202020204" pitchFamily="34" charset="0"/>
+                        <a:ea typeface="+mn-ea"/>
+                        <a:cs typeface="Arial" panose="020B0604020202020204" pitchFamily="34" charset="0"/>
+                      </a:endParaRPr>
                     </a:p>
                   </a:txBody>
                   <a:tcPr/>
@@ -4957,7 +5035,7 @@
           <p:nvPr>
             <p:extLst>
               <p:ext uri="{D42A27DB-BD31-4B8C-83A1-F6EECF244321}">
-                <p14:modId xmlns:p14="http://schemas.microsoft.com/office/powerpoint/2010/main" val="143256233"/>
+                <p14:modId xmlns:p14="http://schemas.microsoft.com/office/powerpoint/2010/main" val="2042895935"/>
               </p:ext>
             </p:extLst>
           </p:nvPr>
@@ -5036,13 +5114,13 @@
                         <a:buNone/>
                       </a:pPr>
                       <a:r>
-                        <a:rPr kumimoji="1" lang="en-US" altLang="ja-JP" sz="1000" dirty="0" err="1">
+                        <a:rPr kumimoji="1" lang="en-US" altLang="ja-JP" sz="1000" b="0" dirty="0" err="1">
                           <a:latin typeface="Arial" panose="020B0604020202020204" pitchFamily="34" charset="0"/>
                           <a:cs typeface="Arial" panose="020B0604020202020204" pitchFamily="34" charset="0"/>
                         </a:rPr>
                         <a:t>trip_id</a:t>
                       </a:r>
-                      <a:endParaRPr kumimoji="1" lang="en-US" altLang="ja-JP" sz="1000" dirty="0">
+                      <a:endParaRPr kumimoji="1" lang="en-US" altLang="ja-JP" sz="1000" b="0" dirty="0">
                         <a:solidFill>
                           <a:schemeClr val="accent1">
                             <a:lumMod val="50000"/>
@@ -5078,18 +5156,6 @@
                         <a:defRPr/>
                       </a:pPr>
                       <a:r>
-                        <a:rPr kumimoji="1" lang="en-US" altLang="ja-JP" sz="1000" b="0" kern="1200" dirty="0" err="1">
-                          <a:solidFill>
-                            <a:schemeClr val="tx1"/>
-                          </a:solidFill>
-                          <a:effectLst/>
-                          <a:latin typeface="Arial" panose="020B0604020202020204" pitchFamily="34" charset="0"/>
-                          <a:ea typeface="+mn-ea"/>
-                          <a:cs typeface="Arial" panose="020B0604020202020204" pitchFamily="34" charset="0"/>
-                        </a:rPr>
-                        <a:t>nvarchar</a:t>
-                      </a:r>
-                      <a:r>
                         <a:rPr kumimoji="1" lang="en-US" altLang="ja-JP" sz="1000" b="0" kern="1200" dirty="0">
                           <a:solidFill>
                             <a:schemeClr val="tx1"/>
@@ -5099,7 +5165,7 @@
                           <a:ea typeface="+mn-ea"/>
                           <a:cs typeface="Arial" panose="020B0604020202020204" pitchFamily="34" charset="0"/>
                         </a:rPr>
-                        <a:t>(4000)</a:t>
+                        <a:t>varchar(50)</a:t>
                       </a:r>
                     </a:p>
                   </a:txBody>
@@ -5135,13 +5201,13 @@
                         <a:defRPr/>
                       </a:pPr>
                       <a:r>
-                        <a:rPr kumimoji="1" lang="en-US" altLang="ja-JP" sz="1000" dirty="0" err="1">
+                        <a:rPr kumimoji="1" lang="en-US" altLang="ja-JP" sz="1000" b="0" dirty="0" err="1">
                           <a:latin typeface="Arial" panose="020B0604020202020204" pitchFamily="34" charset="0"/>
                           <a:cs typeface="Arial" panose="020B0604020202020204" pitchFamily="34" charset="0"/>
                         </a:rPr>
                         <a:t>start_at</a:t>
                       </a:r>
-                      <a:endParaRPr lang="en-US" altLang="ja-JP" sz="1000" dirty="0">
+                      <a:endParaRPr lang="en-US" altLang="ja-JP" sz="1000" b="0" dirty="0">
                         <a:solidFill>
                           <a:schemeClr val="tx1"/>
                         </a:solidFill>
@@ -5175,18 +5241,6 @@
                         <a:defRPr/>
                       </a:pPr>
                       <a:r>
-                        <a:rPr kumimoji="1" lang="en-US" altLang="ja-JP" sz="1000" b="0" kern="1200" dirty="0" err="1">
-                          <a:solidFill>
-                            <a:schemeClr val="tx1"/>
-                          </a:solidFill>
-                          <a:effectLst/>
-                          <a:latin typeface="Arial" panose="020B0604020202020204" pitchFamily="34" charset="0"/>
-                          <a:ea typeface="+mn-ea"/>
-                          <a:cs typeface="Arial" panose="020B0604020202020204" pitchFamily="34" charset="0"/>
-                        </a:rPr>
-                        <a:t>nvarchar</a:t>
-                      </a:r>
-                      <a:r>
                         <a:rPr kumimoji="1" lang="en-US" altLang="ja-JP" sz="1000" b="0" kern="1200" dirty="0">
                           <a:solidFill>
                             <a:schemeClr val="tx1"/>
@@ -5196,7 +5250,7 @@
                           <a:ea typeface="+mn-ea"/>
                           <a:cs typeface="Arial" panose="020B0604020202020204" pitchFamily="34" charset="0"/>
                         </a:rPr>
-                        <a:t>(4000)</a:t>
+                        <a:t>varchar(50)</a:t>
                       </a:r>
                     </a:p>
                   </a:txBody>
@@ -5232,13 +5286,13 @@
                         <a:defRPr/>
                       </a:pPr>
                       <a:r>
-                        <a:rPr lang="en-US" altLang="ja-JP" sz="1000" dirty="0" err="1">
+                        <a:rPr lang="en-US" altLang="ja-JP" sz="1000" b="0" dirty="0" err="1">
                           <a:latin typeface="Arial" panose="020B0604020202020204" pitchFamily="34" charset="0"/>
                           <a:cs typeface="Arial" panose="020B0604020202020204" pitchFamily="34" charset="0"/>
                         </a:rPr>
                         <a:t>end_at</a:t>
                       </a:r>
-                      <a:endParaRPr kumimoji="1" lang="en-US" altLang="ja-JP" sz="1000" dirty="0">
+                      <a:endParaRPr kumimoji="1" lang="en-US" altLang="ja-JP" sz="1000" b="0" dirty="0">
                         <a:solidFill>
                           <a:schemeClr val="tx1"/>
                         </a:solidFill>
@@ -5272,18 +5326,6 @@
                         <a:defRPr/>
                       </a:pPr>
                       <a:r>
-                        <a:rPr kumimoji="1" lang="en-US" altLang="ja-JP" sz="1000" b="0" kern="1200" dirty="0" err="1">
-                          <a:solidFill>
-                            <a:schemeClr val="tx1"/>
-                          </a:solidFill>
-                          <a:effectLst/>
-                          <a:latin typeface="Arial" panose="020B0604020202020204" pitchFamily="34" charset="0"/>
-                          <a:ea typeface="+mn-ea"/>
-                          <a:cs typeface="Arial" panose="020B0604020202020204" pitchFamily="34" charset="0"/>
-                        </a:rPr>
-                        <a:t>nvarchar</a:t>
-                      </a:r>
-                      <a:r>
                         <a:rPr kumimoji="1" lang="en-US" altLang="ja-JP" sz="1000" b="0" kern="1200" dirty="0">
                           <a:solidFill>
                             <a:schemeClr val="tx1"/>
@@ -5293,7 +5335,7 @@
                           <a:ea typeface="+mn-ea"/>
                           <a:cs typeface="Arial" panose="020B0604020202020204" pitchFamily="34" charset="0"/>
                         </a:rPr>
-                        <a:t>(4000)</a:t>
+                        <a:t>varchar(50)</a:t>
                       </a:r>
                     </a:p>
                   </a:txBody>
@@ -5316,13 +5358,13 @@
                         <a:buNone/>
                       </a:pPr>
                       <a:r>
-                        <a:rPr kumimoji="1" lang="en-US" altLang="ja-JP" sz="1000" dirty="0" err="1">
+                        <a:rPr kumimoji="1" lang="en-US" altLang="ja-JP" sz="1000" b="0" dirty="0" err="1">
                           <a:latin typeface="Arial" panose="020B0604020202020204" pitchFamily="34" charset="0"/>
                           <a:cs typeface="Arial" panose="020B0604020202020204" pitchFamily="34" charset="0"/>
                         </a:rPr>
                         <a:t>start_station_id</a:t>
                       </a:r>
-                      <a:endParaRPr kumimoji="1" lang="en-US" altLang="ja-JP" sz="1000" dirty="0">
+                      <a:endParaRPr kumimoji="1" lang="en-US" altLang="ja-JP" sz="1000" b="0" dirty="0">
                         <a:solidFill>
                           <a:schemeClr val="accent1">
                             <a:lumMod val="50000"/>
@@ -5358,18 +5400,6 @@
                         <a:defRPr/>
                       </a:pPr>
                       <a:r>
-                        <a:rPr kumimoji="1" lang="en-US" altLang="ja-JP" sz="1000" b="0" kern="1200" dirty="0" err="1">
-                          <a:solidFill>
-                            <a:schemeClr val="tx1"/>
-                          </a:solidFill>
-                          <a:effectLst/>
-                          <a:latin typeface="Arial" panose="020B0604020202020204" pitchFamily="34" charset="0"/>
-                          <a:ea typeface="+mn-ea"/>
-                          <a:cs typeface="Arial" panose="020B0604020202020204" pitchFamily="34" charset="0"/>
-                        </a:rPr>
-                        <a:t>nvarchar</a:t>
-                      </a:r>
-                      <a:r>
                         <a:rPr kumimoji="1" lang="en-US" altLang="ja-JP" sz="1000" b="0" kern="1200" dirty="0">
                           <a:solidFill>
                             <a:schemeClr val="tx1"/>
@@ -5379,7 +5409,7 @@
                           <a:ea typeface="+mn-ea"/>
                           <a:cs typeface="Arial" panose="020B0604020202020204" pitchFamily="34" charset="0"/>
                         </a:rPr>
-                        <a:t>(4000)</a:t>
+                        <a:t>varchar(50)</a:t>
                       </a:r>
                     </a:p>
                   </a:txBody>
@@ -5415,20 +5445,20 @@
                         <a:defRPr/>
                       </a:pPr>
                       <a:r>
-                        <a:rPr lang="en-US" altLang="ja-JP" sz="1000" dirty="0" err="1">
+                        <a:rPr lang="en-US" altLang="ja-JP" sz="1000" b="0" dirty="0" err="1">
                           <a:latin typeface="Arial" panose="020B0604020202020204" pitchFamily="34" charset="0"/>
                           <a:cs typeface="Arial" panose="020B0604020202020204" pitchFamily="34" charset="0"/>
                         </a:rPr>
                         <a:t>TimeDay</a:t>
                       </a:r>
                       <a:r>
-                        <a:rPr lang="en-US" altLang="ja-JP" sz="1000" dirty="0">
+                        <a:rPr lang="en-US" altLang="ja-JP" sz="1000" b="0" dirty="0">
                           <a:latin typeface="Arial" panose="020B0604020202020204" pitchFamily="34" charset="0"/>
                           <a:cs typeface="Arial" panose="020B0604020202020204" pitchFamily="34" charset="0"/>
                         </a:rPr>
                         <a:t>,</a:t>
                       </a:r>
-                      <a:endParaRPr lang="en-US" altLang="ja-JP" sz="1000" dirty="0">
+                      <a:endParaRPr lang="en-US" altLang="ja-JP" sz="1000" b="0" dirty="0">
                         <a:solidFill>
                           <a:schemeClr val="accent1">
                             <a:lumMod val="50000"/>
@@ -5473,20 +5503,17 @@
                           <a:ea typeface="+mn-ea"/>
                           <a:cs typeface="Arial" panose="020B0604020202020204" pitchFamily="34" charset="0"/>
                         </a:rPr>
-                        <a:t>nvarchar</a:t>
-                      </a:r>
-                      <a:r>
-                        <a:rPr kumimoji="1" lang="en-US" altLang="ja-JP" sz="1000" b="0" kern="1200" dirty="0">
-                          <a:solidFill>
-                            <a:schemeClr val="tx1"/>
-                          </a:solidFill>
-                          <a:effectLst/>
-                          <a:latin typeface="Arial" panose="020B0604020202020204" pitchFamily="34" charset="0"/>
-                          <a:ea typeface="+mn-ea"/>
-                          <a:cs typeface="Arial" panose="020B0604020202020204" pitchFamily="34" charset="0"/>
-                        </a:rPr>
-                        <a:t>(4000)</a:t>
-                      </a:r>
+                        <a:t>tinyint</a:t>
+                      </a:r>
+                      <a:endParaRPr kumimoji="1" lang="en-US" altLang="ja-JP" sz="1000" b="0" kern="1200" dirty="0">
+                        <a:solidFill>
+                          <a:schemeClr val="tx1"/>
+                        </a:solidFill>
+                        <a:effectLst/>
+                        <a:latin typeface="Arial" panose="020B0604020202020204" pitchFamily="34" charset="0"/>
+                        <a:ea typeface="+mn-ea"/>
+                        <a:cs typeface="Arial" panose="020B0604020202020204" pitchFamily="34" charset="0"/>
+                      </a:endParaRPr>
                     </a:p>
                   </a:txBody>
                   <a:tcPr/>
@@ -5521,13 +5548,13 @@
                         <a:defRPr/>
                       </a:pPr>
                       <a:r>
-                        <a:rPr lang="en-US" altLang="ja-JP" sz="1000" dirty="0" err="1">
+                        <a:rPr lang="en-US" altLang="ja-JP" sz="1000" b="0" dirty="0" err="1">
                           <a:latin typeface="Arial" panose="020B0604020202020204" pitchFamily="34" charset="0"/>
                           <a:cs typeface="Arial" panose="020B0604020202020204" pitchFamily="34" charset="0"/>
                         </a:rPr>
                         <a:t>member_id</a:t>
                       </a:r>
-                      <a:endParaRPr lang="en-US" altLang="ja-JP" sz="1000" dirty="0">
+                      <a:endParaRPr lang="en-US" altLang="ja-JP" sz="1000" b="0" dirty="0">
                         <a:solidFill>
                           <a:schemeClr val="accent1">
                             <a:lumMod val="50000"/>
@@ -5563,7 +5590,7 @@
                         <a:defRPr/>
                       </a:pPr>
                       <a:r>
-                        <a:rPr kumimoji="1" lang="en-US" altLang="ja-JP" sz="1000" b="0" kern="1200" dirty="0" err="1">
+                        <a:rPr kumimoji="1" lang="en-US" altLang="ja-JP" sz="1000" b="0" kern="1200" dirty="0">
                           <a:solidFill>
                             <a:schemeClr val="tx1"/>
                           </a:solidFill>
@@ -5572,17 +5599,8 @@
                           <a:ea typeface="+mn-ea"/>
                           <a:cs typeface="Arial" panose="020B0604020202020204" pitchFamily="34" charset="0"/>
                         </a:rPr>
-                        <a:t>bigint</a:t>
-                      </a:r>
-                      <a:endParaRPr kumimoji="1" lang="en-US" altLang="ja-JP" sz="1000" b="0" kern="1200" dirty="0">
-                        <a:solidFill>
-                          <a:schemeClr val="tx1"/>
-                        </a:solidFill>
-                        <a:effectLst/>
-                        <a:latin typeface="Arial" panose="020B0604020202020204" pitchFamily="34" charset="0"/>
-                        <a:ea typeface="+mn-ea"/>
-                        <a:cs typeface="Arial" panose="020B0604020202020204" pitchFamily="34" charset="0"/>
-                      </a:endParaRPr>
+                        <a:t>int</a:t>
+                      </a:r>
                     </a:p>
                   </a:txBody>
                   <a:tcPr/>
@@ -5617,7 +5635,7 @@
                         <a:defRPr/>
                       </a:pPr>
                       <a:r>
-                        <a:rPr lang="en-US" altLang="ja-JP" sz="1000" b="1" dirty="0" err="1">
+                        <a:rPr lang="en-US" altLang="ja-JP" sz="1000" b="0" dirty="0" err="1">
                           <a:solidFill>
                             <a:schemeClr val="tx1"/>
                           </a:solidFill>
@@ -5626,7 +5644,7 @@
                         </a:rPr>
                         <a:t>Druation</a:t>
                       </a:r>
-                      <a:endParaRPr lang="en-US" altLang="ja-JP" sz="1000" b="1" dirty="0">
+                      <a:endParaRPr lang="en-US" altLang="ja-JP" sz="1000" b="0" dirty="0">
                         <a:solidFill>
                           <a:schemeClr val="tx1"/>
                         </a:solidFill>
@@ -5669,7 +5687,7 @@
                           <a:ea typeface="+mn-ea"/>
                           <a:cs typeface="Arial" panose="020B0604020202020204" pitchFamily="34" charset="0"/>
                         </a:rPr>
-                        <a:t>TINYINT</a:t>
+                        <a:t>int</a:t>
                       </a:r>
                     </a:p>
                   </a:txBody>
@@ -5692,7 +5710,7 @@
                         <a:buNone/>
                       </a:pPr>
                       <a:r>
-                        <a:rPr kumimoji="1" lang="en-US" altLang="ja-JP" sz="1000" dirty="0" err="1">
+                        <a:rPr kumimoji="1" lang="en-US" altLang="ja-JP" sz="1000" b="0" dirty="0" err="1">
                           <a:solidFill>
                             <a:schemeClr val="tx1"/>
                           </a:solidFill>
@@ -5702,7 +5720,7 @@
                         <a:t>Age_at_Time_of</a:t>
                       </a:r>
                       <a:r>
-                        <a:rPr kumimoji="1" lang="en-US" altLang="ja-JP" sz="1000" dirty="0">
+                        <a:rPr kumimoji="1" lang="en-US" altLang="ja-JP" sz="1000" b="0" dirty="0">
                           <a:solidFill>
                             <a:schemeClr val="tx1"/>
                           </a:solidFill>
@@ -5738,7 +5756,7 @@
                         <a:defRPr/>
                       </a:pPr>
                       <a:r>
-                        <a:rPr kumimoji="1" lang="en-US" altLang="ja-JP" sz="1000" b="0" kern="1200" dirty="0">
+                        <a:rPr kumimoji="1" lang="en-US" altLang="ja-JP" sz="1000" b="0" kern="1200" dirty="0" err="1">
                           <a:solidFill>
                             <a:schemeClr val="tx1"/>
                           </a:solidFill>
@@ -5747,8 +5765,17 @@
                           <a:ea typeface="+mn-ea"/>
                           <a:cs typeface="Arial" panose="020B0604020202020204" pitchFamily="34" charset="0"/>
                         </a:rPr>
-                        <a:t>TINYINT</a:t>
-                      </a:r>
+                        <a:t>tinyint</a:t>
+                      </a:r>
+                      <a:endParaRPr kumimoji="1" lang="en-US" altLang="ja-JP" sz="1000" b="0" kern="1200" dirty="0">
+                        <a:solidFill>
+                          <a:schemeClr val="tx1"/>
+                        </a:solidFill>
+                        <a:effectLst/>
+                        <a:latin typeface="Arial" panose="020B0604020202020204" pitchFamily="34" charset="0"/>
+                        <a:ea typeface="+mn-ea"/>
+                        <a:cs typeface="Arial" panose="020B0604020202020204" pitchFamily="34" charset="0"/>
+                      </a:endParaRPr>
                     </a:p>
                   </a:txBody>
                   <a:tcPr/>
@@ -5778,13 +5805,13 @@
           <p:nvPr>
             <p:extLst>
               <p:ext uri="{D42A27DB-BD31-4B8C-83A1-F6EECF244321}">
-                <p14:modId xmlns:p14="http://schemas.microsoft.com/office/powerpoint/2010/main" val="3874370212"/>
+                <p14:modId xmlns:p14="http://schemas.microsoft.com/office/powerpoint/2010/main" val="2900579113"/>
               </p:ext>
             </p:extLst>
           </p:nvPr>
         </p:nvGraphicFramePr>
         <p:xfrm>
-          <a:off x="7920397" y="1119052"/>
+          <a:off x="8122620" y="941876"/>
           <a:ext cx="2673010" cy="1716537"/>
         </p:xfrm>
         <a:graphic>
@@ -5899,7 +5926,7 @@
                         <a:defRPr/>
                       </a:pPr>
                       <a:r>
-                        <a:rPr kumimoji="1" lang="en-US" altLang="ja-JP" sz="1000" b="0" kern="1200" dirty="0" err="1">
+                        <a:rPr kumimoji="1" lang="en-US" altLang="ja-JP" sz="1000" b="0" kern="1200" dirty="0">
                           <a:solidFill>
                             <a:schemeClr val="tx1"/>
                           </a:solidFill>
@@ -5908,17 +5935,8 @@
                           <a:ea typeface="+mn-ea"/>
                           <a:cs typeface="Arial" panose="020B0604020202020204" pitchFamily="34" charset="0"/>
                         </a:rPr>
-                        <a:t>bigint</a:t>
-                      </a:r>
-                      <a:endParaRPr kumimoji="1" lang="en-US" altLang="ja-JP" sz="1000" b="0" kern="1200" dirty="0">
-                        <a:solidFill>
-                          <a:schemeClr val="tx1"/>
-                        </a:solidFill>
-                        <a:effectLst/>
-                        <a:latin typeface="Arial" panose="020B0604020202020204" pitchFamily="34" charset="0"/>
-                        <a:ea typeface="+mn-ea"/>
-                        <a:cs typeface="Arial" panose="020B0604020202020204" pitchFamily="34" charset="0"/>
-                      </a:endParaRPr>
+                        <a:t>int</a:t>
+                      </a:r>
                     </a:p>
                   </a:txBody>
                   <a:tcPr/>
@@ -5978,18 +5996,6 @@
                         <a:defRPr/>
                       </a:pPr>
                       <a:r>
-                        <a:rPr kumimoji="1" lang="en-US" altLang="ja-JP" sz="1000" b="0" kern="1200" dirty="0" err="1">
-                          <a:solidFill>
-                            <a:schemeClr val="tx1"/>
-                          </a:solidFill>
-                          <a:effectLst/>
-                          <a:latin typeface="Arial" panose="020B0604020202020204" pitchFamily="34" charset="0"/>
-                          <a:ea typeface="+mn-ea"/>
-                          <a:cs typeface="Arial" panose="020B0604020202020204" pitchFamily="34" charset="0"/>
-                        </a:rPr>
-                        <a:t>nvarchar</a:t>
-                      </a:r>
-                      <a:r>
                         <a:rPr kumimoji="1" lang="en-US" altLang="ja-JP" sz="1000" b="0" kern="1200" dirty="0">
                           <a:solidFill>
                             <a:schemeClr val="tx1"/>
@@ -5999,7 +6005,7 @@
                           <a:ea typeface="+mn-ea"/>
                           <a:cs typeface="Arial" panose="020B0604020202020204" pitchFamily="34" charset="0"/>
                         </a:rPr>
-                        <a:t>(4000)</a:t>
+                        <a:t>Date</a:t>
                       </a:r>
                     </a:p>
                   </a:txBody>
@@ -6123,18 +6129,6 @@
                         <a:defRPr/>
                       </a:pPr>
                       <a:r>
-                        <a:rPr kumimoji="1" lang="en-US" altLang="ja-JP" sz="1000" b="0" kern="1200" dirty="0" err="1">
-                          <a:solidFill>
-                            <a:schemeClr val="tx1"/>
-                          </a:solidFill>
-                          <a:effectLst/>
-                          <a:latin typeface="Arial" panose="020B0604020202020204" pitchFamily="34" charset="0"/>
-                          <a:ea typeface="+mn-ea"/>
-                          <a:cs typeface="Arial" panose="020B0604020202020204" pitchFamily="34" charset="0"/>
-                        </a:rPr>
-                        <a:t>nvarchar</a:t>
-                      </a:r>
-                      <a:r>
                         <a:rPr kumimoji="1" lang="en-US" altLang="ja-JP" sz="1000" b="0" kern="1200" dirty="0">
                           <a:solidFill>
                             <a:schemeClr val="tx1"/>
@@ -6144,7 +6138,7 @@
                           <a:ea typeface="+mn-ea"/>
                           <a:cs typeface="Arial" panose="020B0604020202020204" pitchFamily="34" charset="0"/>
                         </a:rPr>
-                        <a:t>(4000)</a:t>
+                        <a:t>Date</a:t>
                       </a:r>
                     </a:p>
                   </a:txBody>
@@ -6220,7 +6214,7 @@
                         <a:defRPr/>
                       </a:pPr>
                       <a:r>
-                        <a:rPr kumimoji="1" lang="en-US" altLang="ja-JP" sz="1000" b="0" kern="1200" dirty="0">
+                        <a:rPr kumimoji="1" lang="en-US" altLang="ja-JP" sz="1000" b="0" kern="1200" dirty="0" err="1">
                           <a:solidFill>
                             <a:schemeClr val="tx1"/>
                           </a:solidFill>
@@ -6229,8 +6223,17 @@
                           <a:ea typeface="+mn-ea"/>
                           <a:cs typeface="Arial" panose="020B0604020202020204" pitchFamily="34" charset="0"/>
                         </a:rPr>
-                        <a:t>TINYINT</a:t>
-                      </a:r>
+                        <a:t>tynyint</a:t>
+                      </a:r>
+                      <a:endParaRPr kumimoji="1" lang="en-US" altLang="ja-JP" sz="1000" b="0" kern="1200" dirty="0">
+                        <a:solidFill>
+                          <a:schemeClr val="tx1"/>
+                        </a:solidFill>
+                        <a:effectLst/>
+                        <a:latin typeface="Arial" panose="020B0604020202020204" pitchFamily="34" charset="0"/>
+                        <a:ea typeface="+mn-ea"/>
+                        <a:cs typeface="Arial" panose="020B0604020202020204" pitchFamily="34" charset="0"/>
+                      </a:endParaRPr>
                     </a:p>
                   </a:txBody>
                   <a:tcPr/>
@@ -6302,7 +6305,7 @@
           <p:nvPr>
             <p:extLst>
               <p:ext uri="{D42A27DB-BD31-4B8C-83A1-F6EECF244321}">
-                <p14:modId xmlns:p14="http://schemas.microsoft.com/office/powerpoint/2010/main" val="144876327"/>
+                <p14:modId xmlns:p14="http://schemas.microsoft.com/office/powerpoint/2010/main" val="3850965433"/>
               </p:ext>
             </p:extLst>
           </p:nvPr>
@@ -6434,18 +6437,6 @@
                         <a:defRPr/>
                       </a:pPr>
                       <a:r>
-                        <a:rPr kumimoji="1" lang="en-US" altLang="ja-JP" sz="1000" b="0" kern="1200" dirty="0" err="1">
-                          <a:solidFill>
-                            <a:schemeClr val="tx1"/>
-                          </a:solidFill>
-                          <a:effectLst/>
-                          <a:latin typeface="Arial" panose="020B0604020202020204" pitchFamily="34" charset="0"/>
-                          <a:ea typeface="+mn-ea"/>
-                          <a:cs typeface="Arial" panose="020B0604020202020204" pitchFamily="34" charset="0"/>
-                        </a:rPr>
-                        <a:t>nvarchar</a:t>
-                      </a:r>
-                      <a:r>
                         <a:rPr kumimoji="1" lang="en-US" altLang="ja-JP" sz="1000" b="0" kern="1200" dirty="0">
                           <a:solidFill>
                             <a:schemeClr val="tx1"/>
@@ -6455,7 +6446,7 @@
                           <a:ea typeface="+mn-ea"/>
                           <a:cs typeface="Arial" panose="020B0604020202020204" pitchFamily="34" charset="0"/>
                         </a:rPr>
-                        <a:t>(4000)</a:t>
+                        <a:t>varchar(50)</a:t>
                       </a:r>
                     </a:p>
                   </a:txBody>
@@ -6507,18 +6498,6 @@
                         <a:defRPr/>
                       </a:pPr>
                       <a:r>
-                        <a:rPr kumimoji="1" lang="en-US" altLang="ja-JP" sz="1000" b="0" kern="1200" dirty="0" err="1">
-                          <a:solidFill>
-                            <a:schemeClr val="tx1"/>
-                          </a:solidFill>
-                          <a:effectLst/>
-                          <a:latin typeface="Arial" panose="020B0604020202020204" pitchFamily="34" charset="0"/>
-                          <a:ea typeface="+mn-ea"/>
-                          <a:cs typeface="Arial" panose="020B0604020202020204" pitchFamily="34" charset="0"/>
-                        </a:rPr>
-                        <a:t>nvarchar</a:t>
-                      </a:r>
-                      <a:r>
                         <a:rPr kumimoji="1" lang="en-US" altLang="ja-JP" sz="1000" b="0" kern="1200" dirty="0">
                           <a:solidFill>
                             <a:schemeClr val="tx1"/>
@@ -6528,7 +6507,7 @@
                           <a:ea typeface="+mn-ea"/>
                           <a:cs typeface="Arial" panose="020B0604020202020204" pitchFamily="34" charset="0"/>
                         </a:rPr>
-                        <a:t>(4000)</a:t>
+                        <a:t>varchar(100)</a:t>
                       </a:r>
                     </a:p>
                   </a:txBody>
@@ -6715,7 +6694,7 @@
         </p:nvSpPr>
         <p:spPr>
           <a:xfrm>
-            <a:off x="7942579" y="1379467"/>
+            <a:off x="8144803" y="1225020"/>
             <a:ext cx="2650827" cy="194152"/>
           </a:xfrm>
           <a:prstGeom prst="rect">
@@ -6917,8 +6896,8 @@
         </p:nvCxnSpPr>
         <p:spPr>
           <a:xfrm rot="10800000" flipV="1">
-            <a:off x="7036953" y="1476543"/>
-            <a:ext cx="905626" cy="3784368"/>
+            <a:off x="7036953" y="1322095"/>
+            <a:ext cx="1107850" cy="3938815"/>
           </a:xfrm>
           <a:prstGeom prst="bentConnector3">
             <a:avLst>
@@ -7065,7 +7044,7 @@
         </p:nvSpPr>
         <p:spPr>
           <a:xfrm>
-            <a:off x="4440741" y="1649761"/>
+            <a:off x="4423157" y="1962948"/>
             <a:ext cx="2638742" cy="232729"/>
           </a:xfrm>
           <a:prstGeom prst="rect">
@@ -7121,8 +7100,8 @@
         </p:nvCxnSpPr>
         <p:spPr>
           <a:xfrm flipV="1">
-            <a:off x="2845944" y="1766126"/>
-            <a:ext cx="1594797" cy="1371054"/>
+            <a:off x="2845944" y="2079313"/>
+            <a:ext cx="1577213" cy="1057867"/>
           </a:xfrm>
           <a:prstGeom prst="bentConnector3">
             <a:avLst/>
@@ -7167,12 +7146,12 @@
         </p:nvCxnSpPr>
         <p:spPr>
           <a:xfrm rot="10800000" flipV="1">
-            <a:off x="7046669" y="1476543"/>
-            <a:ext cx="895911" cy="859398"/>
+            <a:off x="7056399" y="1322096"/>
+            <a:ext cx="1088404" cy="1278408"/>
           </a:xfrm>
           <a:prstGeom prst="bentConnector3">
             <a:avLst>
-              <a:gd name="adj1" fmla="val 50000"/>
+              <a:gd name="adj1" fmla="val 30612"/>
             </a:avLst>
           </a:prstGeom>
           <a:ln>
@@ -7211,7 +7190,7 @@
         </p:nvSpPr>
         <p:spPr>
           <a:xfrm>
-            <a:off x="4445989" y="2219576"/>
+            <a:off x="4455720" y="2484139"/>
             <a:ext cx="2600679" cy="232729"/>
           </a:xfrm>
           <a:prstGeom prst="rect">
@@ -7417,10 +7396,10 @@
       </p:sp>
       <p:graphicFrame>
         <p:nvGraphicFramePr>
-          <p:cNvPr id="55" name="表 10">
+          <p:cNvPr id="4" name="表 10">
             <a:extLst>
               <a:ext uri="{FF2B5EF4-FFF2-40B4-BE49-F238E27FC236}">
-                <a16:creationId xmlns:a16="http://schemas.microsoft.com/office/drawing/2014/main" id="{A248BC28-6C9C-8AAD-8B5B-AD58892A282A}"/>
+                <a16:creationId xmlns:a16="http://schemas.microsoft.com/office/drawing/2014/main" id="{9755DF5A-5B79-41F6-8308-CEF02BF4EED3}"/>
               </a:ext>
             </a:extLst>
           </p:cNvPr>
@@ -7430,14 +7409,14 @@
           <p:nvPr>
             <p:extLst>
               <p:ext uri="{D42A27DB-BD31-4B8C-83A1-F6EECF244321}">
-                <p14:modId xmlns:p14="http://schemas.microsoft.com/office/powerpoint/2010/main" val="4017609198"/>
+                <p14:modId xmlns:p14="http://schemas.microsoft.com/office/powerpoint/2010/main" val="54748892"/>
               </p:ext>
             </p:extLst>
           </p:nvPr>
         </p:nvGraphicFramePr>
         <p:xfrm>
           <a:off x="350875" y="2762061"/>
-          <a:ext cx="2495069" cy="1612296"/>
+          <a:ext cx="2495069" cy="1893450"/>
         </p:xfrm>
         <a:graphic>
           <a:graphicData uri="http://schemas.openxmlformats.org/drawingml/2006/table">
@@ -7552,7 +7531,7 @@
                           <a:latin typeface="Arial" panose="020B0604020202020204" pitchFamily="34" charset="0"/>
                           <a:cs typeface="Arial" panose="020B0604020202020204" pitchFamily="34" charset="0"/>
                         </a:rPr>
-                        <a:t>Date</a:t>
+                        <a:t>date</a:t>
                       </a:r>
                       <a:endParaRPr kumimoji="1" lang="ja-JP" altLang="en-US" sz="1000" dirty="0">
                         <a:latin typeface="Arial" panose="020B0604020202020204" pitchFamily="34" charset="0"/>
@@ -7593,18 +7572,14 @@
                       </a:pPr>
                       <a:r>
                         <a:rPr lang="en-US" altLang="ja-JP" sz="1000" dirty="0">
-                          <a:latin typeface="Arial" panose="020B0604020202020204" pitchFamily="34" charset="0"/>
-                          <a:cs typeface="Arial" panose="020B0604020202020204" pitchFamily="34" charset="0"/>
-                        </a:rPr>
-                        <a:t>Day of week</a:t>
-                      </a:r>
-                      <a:endParaRPr lang="en-US" altLang="ja-JP" sz="1000" dirty="0">
-                        <a:solidFill>
-                          <a:schemeClr val="tx1"/>
-                        </a:solidFill>
-                        <a:latin typeface="Arial" panose="020B0604020202020204" pitchFamily="34" charset="0"/>
-                        <a:cs typeface="Arial" panose="020B0604020202020204" pitchFamily="34" charset="0"/>
-                      </a:endParaRPr>
+                          <a:solidFill>
+                            <a:schemeClr val="tx1"/>
+                          </a:solidFill>
+                          <a:latin typeface="Arial" panose="020B0604020202020204" pitchFamily="34" charset="0"/>
+                          <a:cs typeface="Arial" panose="020B0604020202020204" pitchFamily="34" charset="0"/>
+                        </a:rPr>
+                        <a:t>Day</a:t>
+                      </a:r>
                     </a:p>
                   </a:txBody>
                   <a:tcPr/>
@@ -7632,7 +7607,7 @@
                         <a:defRPr/>
                       </a:pPr>
                       <a:r>
-                        <a:rPr kumimoji="1" lang="en-US" altLang="ja-JP" sz="1000" b="0" kern="1200" dirty="0">
+                        <a:rPr kumimoji="1" lang="en-US" altLang="ja-JP" sz="1000" b="0" kern="1200" dirty="0" err="1">
                           <a:solidFill>
                             <a:schemeClr val="tx1"/>
                           </a:solidFill>
@@ -7641,8 +7616,107 @@
                           <a:ea typeface="+mn-ea"/>
                           <a:cs typeface="Arial" panose="020B0604020202020204" pitchFamily="34" charset="0"/>
                         </a:rPr>
-                        <a:t>TINYINT</a:t>
-                      </a:r>
+                        <a:t>tinyint</a:t>
+                      </a:r>
+                      <a:endParaRPr kumimoji="1" lang="en-US" altLang="ja-JP" sz="1000" b="0" kern="1200" dirty="0">
+                        <a:solidFill>
+                          <a:schemeClr val="tx1"/>
+                        </a:solidFill>
+                        <a:effectLst/>
+                        <a:latin typeface="Arial" panose="020B0604020202020204" pitchFamily="34" charset="0"/>
+                        <a:ea typeface="+mn-ea"/>
+                        <a:cs typeface="Arial" panose="020B0604020202020204" pitchFamily="34" charset="0"/>
+                      </a:endParaRPr>
+                    </a:p>
+                  </a:txBody>
+                  <a:tcPr/>
+                </a:tc>
+                <a:extLst>
+                  <a:ext uri="{0D108BD9-81ED-4DB2-BD59-A6C34878D82A}">
+                    <a16:rowId xmlns:a16="http://schemas.microsoft.com/office/drawing/2014/main" val="2151431456"/>
+                  </a:ext>
+                </a:extLst>
+              </a:tr>
+              <a:tr h="281154">
+                <a:tc>
+                  <a:txBody>
+                    <a:bodyPr/>
+                    <a:lstStyle/>
+                    <a:p>
+                      <a:pPr marL="0" marR="0" lvl="0" indent="0" algn="l" defTabSz="914400" rtl="0" eaLnBrk="1" fontAlgn="auto" latinLnBrk="0" hangingPunct="1">
+                        <a:lnSpc>
+                          <a:spcPct val="100000"/>
+                        </a:lnSpc>
+                        <a:spcBef>
+                          <a:spcPts val="0"/>
+                        </a:spcBef>
+                        <a:spcAft>
+                          <a:spcPts val="0"/>
+                        </a:spcAft>
+                        <a:buClrTx/>
+                        <a:buSzTx/>
+                        <a:buFontTx/>
+                        <a:buNone/>
+                        <a:tabLst/>
+                        <a:defRPr/>
+                      </a:pPr>
+                      <a:r>
+                        <a:rPr lang="en-US" altLang="ja-JP" sz="1000" dirty="0">
+                          <a:solidFill>
+                            <a:schemeClr val="tx1"/>
+                          </a:solidFill>
+                          <a:latin typeface="Arial" panose="020B0604020202020204" pitchFamily="34" charset="0"/>
+                          <a:cs typeface="Arial" panose="020B0604020202020204" pitchFamily="34" charset="0"/>
+                        </a:rPr>
+                        <a:t>Weekday</a:t>
+                      </a:r>
+                    </a:p>
+                  </a:txBody>
+                  <a:tcPr/>
+                </a:tc>
+                <a:tc>
+                  <a:txBody>
+                    <a:bodyPr/>
+                    <a:lstStyle/>
+                    <a:p>
+                      <a:pPr marL="0" marR="0" lvl="0" indent="0" algn="l" defTabSz="914400" rtl="0" eaLnBrk="1" fontAlgn="auto" latinLnBrk="0" hangingPunct="1">
+                        <a:lnSpc>
+                          <a:spcPct val="100000"/>
+                        </a:lnSpc>
+                        <a:spcBef>
+                          <a:spcPts val="0"/>
+                        </a:spcBef>
+                        <a:spcAft>
+                          <a:spcPts val="0"/>
+                        </a:spcAft>
+                        <a:buClrTx/>
+                        <a:buSzTx/>
+                        <a:buFontTx/>
+                        <a:buNone/>
+                        <a:tabLst/>
+                        <a:defRPr/>
+                      </a:pPr>
+                      <a:r>
+                        <a:rPr kumimoji="1" lang="en-US" altLang="ja-JP" sz="1000" b="0" kern="1200" dirty="0" err="1">
+                          <a:solidFill>
+                            <a:schemeClr val="tx1"/>
+                          </a:solidFill>
+                          <a:effectLst/>
+                          <a:latin typeface="Arial" panose="020B0604020202020204" pitchFamily="34" charset="0"/>
+                          <a:ea typeface="+mn-ea"/>
+                          <a:cs typeface="Arial" panose="020B0604020202020204" pitchFamily="34" charset="0"/>
+                        </a:rPr>
+                        <a:t>tinyint</a:t>
+                      </a:r>
+                      <a:endParaRPr kumimoji="1" lang="en-US" altLang="ja-JP" sz="1000" b="0" kern="1200" dirty="0">
+                        <a:solidFill>
+                          <a:schemeClr val="tx1"/>
+                        </a:solidFill>
+                        <a:effectLst/>
+                        <a:latin typeface="Arial" panose="020B0604020202020204" pitchFamily="34" charset="0"/>
+                        <a:ea typeface="+mn-ea"/>
+                        <a:cs typeface="Arial" panose="020B0604020202020204" pitchFamily="34" charset="0"/>
+                      </a:endParaRPr>
                     </a:p>
                   </a:txBody>
                   <a:tcPr/>
@@ -7717,7 +7791,7 @@
                         <a:defRPr/>
                       </a:pPr>
                       <a:r>
-                        <a:rPr kumimoji="1" lang="en-US" altLang="ja-JP" sz="1000" b="0" kern="1200" dirty="0">
+                        <a:rPr kumimoji="1" lang="en-US" altLang="ja-JP" sz="1000" b="0" kern="1200" dirty="0" err="1">
                           <a:solidFill>
                             <a:schemeClr val="tx1"/>
                           </a:solidFill>
@@ -7726,8 +7800,17 @@
                           <a:ea typeface="+mn-ea"/>
                           <a:cs typeface="Arial" panose="020B0604020202020204" pitchFamily="34" charset="0"/>
                         </a:rPr>
-                        <a:t>Year</a:t>
-                      </a:r>
+                        <a:t>smallint</a:t>
+                      </a:r>
+                      <a:endParaRPr kumimoji="1" lang="en-US" altLang="ja-JP" sz="1000" b="0" kern="1200" dirty="0">
+                        <a:solidFill>
+                          <a:schemeClr val="tx1"/>
+                        </a:solidFill>
+                        <a:effectLst/>
+                        <a:latin typeface="Arial" panose="020B0604020202020204" pitchFamily="34" charset="0"/>
+                        <a:ea typeface="+mn-ea"/>
+                        <a:cs typeface="Arial" panose="020B0604020202020204" pitchFamily="34" charset="0"/>
+                      </a:endParaRPr>
                     </a:p>
                   </a:txBody>
                   <a:tcPr/>
@@ -7802,7 +7885,7 @@
                         <a:defRPr/>
                       </a:pPr>
                       <a:r>
-                        <a:rPr kumimoji="1" lang="en-US" altLang="ja-JP" sz="1000" b="0" kern="1200" dirty="0">
+                        <a:rPr kumimoji="1" lang="en-US" altLang="ja-JP" sz="1000" b="0" kern="1200" dirty="0" err="1">
                           <a:solidFill>
                             <a:schemeClr val="tx1"/>
                           </a:solidFill>
@@ -7811,8 +7894,17 @@
                           <a:ea typeface="+mn-ea"/>
                           <a:cs typeface="Arial" panose="020B0604020202020204" pitchFamily="34" charset="0"/>
                         </a:rPr>
-                        <a:t>CHAR(6)</a:t>
-                      </a:r>
+                        <a:t>tinyint</a:t>
+                      </a:r>
+                      <a:endParaRPr kumimoji="1" lang="en-US" altLang="ja-JP" sz="1000" b="0" kern="1200" dirty="0">
+                        <a:solidFill>
+                          <a:schemeClr val="tx1"/>
+                        </a:solidFill>
+                        <a:effectLst/>
+                        <a:latin typeface="Arial" panose="020B0604020202020204" pitchFamily="34" charset="0"/>
+                        <a:ea typeface="+mn-ea"/>
+                        <a:cs typeface="Arial" panose="020B0604020202020204" pitchFamily="34" charset="0"/>
+                      </a:endParaRPr>
                     </a:p>
                   </a:txBody>
                   <a:tcPr/>
@@ -7887,7 +7979,7 @@
                         <a:defRPr/>
                       </a:pPr>
                       <a:r>
-                        <a:rPr kumimoji="1" lang="en-US" altLang="ja-JP" sz="1000" b="0" kern="1200" dirty="0">
+                        <a:rPr kumimoji="1" lang="en-US" altLang="ja-JP" sz="1000" b="0" kern="1200" dirty="0" err="1">
                           <a:solidFill>
                             <a:schemeClr val="tx1"/>
                           </a:solidFill>
@@ -7896,8 +7988,17 @@
                           <a:ea typeface="+mn-ea"/>
                           <a:cs typeface="Arial" panose="020B0604020202020204" pitchFamily="34" charset="0"/>
                         </a:rPr>
-                        <a:t>CHAR(6)</a:t>
-                      </a:r>
+                        <a:t>tinyint</a:t>
+                      </a:r>
+                      <a:endParaRPr kumimoji="1" lang="en-US" altLang="ja-JP" sz="1000" b="0" kern="1200" dirty="0">
+                        <a:solidFill>
+                          <a:schemeClr val="tx1"/>
+                        </a:solidFill>
+                        <a:effectLst/>
+                        <a:latin typeface="Arial" panose="020B0604020202020204" pitchFamily="34" charset="0"/>
+                        <a:ea typeface="+mn-ea"/>
+                        <a:cs typeface="Arial" panose="020B0604020202020204" pitchFamily="34" charset="0"/>
+                      </a:endParaRPr>
                     </a:p>
                   </a:txBody>
                   <a:tcPr/>
@@ -7914,10 +8015,10 @@
       </p:graphicFrame>
       <p:graphicFrame>
         <p:nvGraphicFramePr>
-          <p:cNvPr id="56" name="表 55">
+          <p:cNvPr id="5" name="表 4">
             <a:extLst>
               <a:ext uri="{FF2B5EF4-FFF2-40B4-BE49-F238E27FC236}">
-                <a16:creationId xmlns:a16="http://schemas.microsoft.com/office/drawing/2014/main" id="{4CB63270-1E79-D782-07F7-8020E19898DD}"/>
+                <a16:creationId xmlns:a16="http://schemas.microsoft.com/office/drawing/2014/main" id="{28DABBA8-D33B-6DA1-B8FA-BB0293EDCDCF}"/>
               </a:ext>
             </a:extLst>
           </p:cNvPr>
@@ -7927,7 +8028,7 @@
           <p:nvPr>
             <p:extLst>
               <p:ext uri="{D42A27DB-BD31-4B8C-83A1-F6EECF244321}">
-                <p14:modId xmlns:p14="http://schemas.microsoft.com/office/powerpoint/2010/main" val="1048852596"/>
+                <p14:modId xmlns:p14="http://schemas.microsoft.com/office/powerpoint/2010/main" val="332731972"/>
               </p:ext>
             </p:extLst>
           </p:nvPr>
@@ -8006,13 +8107,13 @@
                         <a:buNone/>
                       </a:pPr>
                       <a:r>
-                        <a:rPr kumimoji="1" lang="en-US" altLang="ja-JP" sz="1000" dirty="0" err="1">
+                        <a:rPr kumimoji="1" lang="en-US" altLang="ja-JP" sz="1000" b="0" dirty="0" err="1">
                           <a:latin typeface="Arial" panose="020B0604020202020204" pitchFamily="34" charset="0"/>
                           <a:cs typeface="Arial" panose="020B0604020202020204" pitchFamily="34" charset="0"/>
                         </a:rPr>
                         <a:t>trip_id</a:t>
                       </a:r>
-                      <a:endParaRPr kumimoji="1" lang="en-US" altLang="ja-JP" sz="1000" dirty="0">
+                      <a:endParaRPr kumimoji="1" lang="en-US" altLang="ja-JP" sz="1000" b="0" dirty="0">
                         <a:solidFill>
                           <a:schemeClr val="accent1">
                             <a:lumMod val="50000"/>
@@ -8048,18 +8149,6 @@
                         <a:defRPr/>
                       </a:pPr>
                       <a:r>
-                        <a:rPr kumimoji="1" lang="en-US" altLang="ja-JP" sz="1000" b="0" kern="1200" dirty="0" err="1">
-                          <a:solidFill>
-                            <a:schemeClr val="tx1"/>
-                          </a:solidFill>
-                          <a:effectLst/>
-                          <a:latin typeface="Arial" panose="020B0604020202020204" pitchFamily="34" charset="0"/>
-                          <a:ea typeface="+mn-ea"/>
-                          <a:cs typeface="Arial" panose="020B0604020202020204" pitchFamily="34" charset="0"/>
-                        </a:rPr>
-                        <a:t>nvarchar</a:t>
-                      </a:r>
-                      <a:r>
                         <a:rPr kumimoji="1" lang="en-US" altLang="ja-JP" sz="1000" b="0" kern="1200" dirty="0">
                           <a:solidFill>
                             <a:schemeClr val="tx1"/>
@@ -8069,7 +8158,7 @@
                           <a:ea typeface="+mn-ea"/>
                           <a:cs typeface="Arial" panose="020B0604020202020204" pitchFamily="34" charset="0"/>
                         </a:rPr>
-                        <a:t>(4000)</a:t>
+                        <a:t>varchar(50)</a:t>
                       </a:r>
                     </a:p>
                   </a:txBody>
@@ -8105,13 +8194,13 @@
                         <a:defRPr/>
                       </a:pPr>
                       <a:r>
-                        <a:rPr kumimoji="1" lang="en-US" altLang="ja-JP" sz="1000" dirty="0" err="1">
+                        <a:rPr kumimoji="1" lang="en-US" altLang="ja-JP" sz="1000" b="0" dirty="0" err="1">
                           <a:latin typeface="Arial" panose="020B0604020202020204" pitchFamily="34" charset="0"/>
                           <a:cs typeface="Arial" panose="020B0604020202020204" pitchFamily="34" charset="0"/>
                         </a:rPr>
                         <a:t>start_at</a:t>
                       </a:r>
-                      <a:endParaRPr lang="en-US" altLang="ja-JP" sz="1000" dirty="0">
+                      <a:endParaRPr lang="en-US" altLang="ja-JP" sz="1000" b="0" dirty="0">
                         <a:solidFill>
                           <a:schemeClr val="tx1"/>
                         </a:solidFill>
@@ -8145,18 +8234,6 @@
                         <a:defRPr/>
                       </a:pPr>
                       <a:r>
-                        <a:rPr kumimoji="1" lang="en-US" altLang="ja-JP" sz="1000" b="0" kern="1200" dirty="0" err="1">
-                          <a:solidFill>
-                            <a:schemeClr val="tx1"/>
-                          </a:solidFill>
-                          <a:effectLst/>
-                          <a:latin typeface="Arial" panose="020B0604020202020204" pitchFamily="34" charset="0"/>
-                          <a:ea typeface="+mn-ea"/>
-                          <a:cs typeface="Arial" panose="020B0604020202020204" pitchFamily="34" charset="0"/>
-                        </a:rPr>
-                        <a:t>nvarchar</a:t>
-                      </a:r>
-                      <a:r>
                         <a:rPr kumimoji="1" lang="en-US" altLang="ja-JP" sz="1000" b="0" kern="1200" dirty="0">
                           <a:solidFill>
                             <a:schemeClr val="tx1"/>
@@ -8166,7 +8243,7 @@
                           <a:ea typeface="+mn-ea"/>
                           <a:cs typeface="Arial" panose="020B0604020202020204" pitchFamily="34" charset="0"/>
                         </a:rPr>
-                        <a:t>(4000)</a:t>
+                        <a:t>varchar(50)</a:t>
                       </a:r>
                     </a:p>
                   </a:txBody>
@@ -8202,13 +8279,13 @@
                         <a:defRPr/>
                       </a:pPr>
                       <a:r>
-                        <a:rPr lang="en-US" altLang="ja-JP" sz="1000" dirty="0" err="1">
+                        <a:rPr lang="en-US" altLang="ja-JP" sz="1000" b="0" dirty="0" err="1">
                           <a:latin typeface="Arial" panose="020B0604020202020204" pitchFamily="34" charset="0"/>
                           <a:cs typeface="Arial" panose="020B0604020202020204" pitchFamily="34" charset="0"/>
                         </a:rPr>
                         <a:t>end_at</a:t>
                       </a:r>
-                      <a:endParaRPr kumimoji="1" lang="en-US" altLang="ja-JP" sz="1000" dirty="0">
+                      <a:endParaRPr kumimoji="1" lang="en-US" altLang="ja-JP" sz="1000" b="0" dirty="0">
                         <a:solidFill>
                           <a:schemeClr val="tx1"/>
                         </a:solidFill>
@@ -8242,18 +8319,6 @@
                         <a:defRPr/>
                       </a:pPr>
                       <a:r>
-                        <a:rPr kumimoji="1" lang="en-US" altLang="ja-JP" sz="1000" b="0" kern="1200" dirty="0" err="1">
-                          <a:solidFill>
-                            <a:schemeClr val="tx1"/>
-                          </a:solidFill>
-                          <a:effectLst/>
-                          <a:latin typeface="Arial" panose="020B0604020202020204" pitchFamily="34" charset="0"/>
-                          <a:ea typeface="+mn-ea"/>
-                          <a:cs typeface="Arial" panose="020B0604020202020204" pitchFamily="34" charset="0"/>
-                        </a:rPr>
-                        <a:t>nvarchar</a:t>
-                      </a:r>
-                      <a:r>
                         <a:rPr kumimoji="1" lang="en-US" altLang="ja-JP" sz="1000" b="0" kern="1200" dirty="0">
                           <a:solidFill>
                             <a:schemeClr val="tx1"/>
@@ -8263,7 +8328,7 @@
                           <a:ea typeface="+mn-ea"/>
                           <a:cs typeface="Arial" panose="020B0604020202020204" pitchFamily="34" charset="0"/>
                         </a:rPr>
-                        <a:t>(4000)</a:t>
+                        <a:t>varchar(50)</a:t>
                       </a:r>
                     </a:p>
                   </a:txBody>
@@ -8286,13 +8351,13 @@
                         <a:buNone/>
                       </a:pPr>
                       <a:r>
-                        <a:rPr kumimoji="1" lang="en-US" altLang="ja-JP" sz="1000" dirty="0" err="1">
+                        <a:rPr kumimoji="1" lang="en-US" altLang="ja-JP" sz="1000" b="0" dirty="0" err="1">
                           <a:latin typeface="Arial" panose="020B0604020202020204" pitchFamily="34" charset="0"/>
                           <a:cs typeface="Arial" panose="020B0604020202020204" pitchFamily="34" charset="0"/>
                         </a:rPr>
                         <a:t>start_station_id</a:t>
                       </a:r>
-                      <a:endParaRPr kumimoji="1" lang="en-US" altLang="ja-JP" sz="1000" dirty="0">
+                      <a:endParaRPr kumimoji="1" lang="en-US" altLang="ja-JP" sz="1000" b="0" dirty="0">
                         <a:solidFill>
                           <a:schemeClr val="accent1">
                             <a:lumMod val="50000"/>
@@ -8328,18 +8393,6 @@
                         <a:defRPr/>
                       </a:pPr>
                       <a:r>
-                        <a:rPr kumimoji="1" lang="en-US" altLang="ja-JP" sz="1000" b="0" kern="1200" dirty="0" err="1">
-                          <a:solidFill>
-                            <a:schemeClr val="tx1"/>
-                          </a:solidFill>
-                          <a:effectLst/>
-                          <a:latin typeface="Arial" panose="020B0604020202020204" pitchFamily="34" charset="0"/>
-                          <a:ea typeface="+mn-ea"/>
-                          <a:cs typeface="Arial" panose="020B0604020202020204" pitchFamily="34" charset="0"/>
-                        </a:rPr>
-                        <a:t>nvarchar</a:t>
-                      </a:r>
-                      <a:r>
                         <a:rPr kumimoji="1" lang="en-US" altLang="ja-JP" sz="1000" b="0" kern="1200" dirty="0">
                           <a:solidFill>
                             <a:schemeClr val="tx1"/>
@@ -8349,7 +8402,7 @@
                           <a:ea typeface="+mn-ea"/>
                           <a:cs typeface="Arial" panose="020B0604020202020204" pitchFamily="34" charset="0"/>
                         </a:rPr>
-                        <a:t>(4000)</a:t>
+                        <a:t>varchar(50)</a:t>
                       </a:r>
                     </a:p>
                   </a:txBody>
@@ -8385,20 +8438,20 @@
                         <a:defRPr/>
                       </a:pPr>
                       <a:r>
-                        <a:rPr lang="en-US" altLang="ja-JP" sz="1000" dirty="0" err="1">
+                        <a:rPr lang="en-US" altLang="ja-JP" sz="1000" b="0" dirty="0" err="1">
                           <a:latin typeface="Arial" panose="020B0604020202020204" pitchFamily="34" charset="0"/>
                           <a:cs typeface="Arial" panose="020B0604020202020204" pitchFamily="34" charset="0"/>
                         </a:rPr>
                         <a:t>TimeDay</a:t>
                       </a:r>
                       <a:r>
-                        <a:rPr lang="en-US" altLang="ja-JP" sz="1000" dirty="0">
+                        <a:rPr lang="en-US" altLang="ja-JP" sz="1000" b="0" dirty="0">
                           <a:latin typeface="Arial" panose="020B0604020202020204" pitchFamily="34" charset="0"/>
                           <a:cs typeface="Arial" panose="020B0604020202020204" pitchFamily="34" charset="0"/>
                         </a:rPr>
                         <a:t>,</a:t>
                       </a:r>
-                      <a:endParaRPr lang="en-US" altLang="ja-JP" sz="1000" dirty="0">
+                      <a:endParaRPr lang="en-US" altLang="ja-JP" sz="1000" b="0" dirty="0">
                         <a:solidFill>
                           <a:schemeClr val="accent1">
                             <a:lumMod val="50000"/>
@@ -8443,20 +8496,17 @@
                           <a:ea typeface="+mn-ea"/>
                           <a:cs typeface="Arial" panose="020B0604020202020204" pitchFamily="34" charset="0"/>
                         </a:rPr>
-                        <a:t>nvarchar</a:t>
-                      </a:r>
-                      <a:r>
-                        <a:rPr kumimoji="1" lang="en-US" altLang="ja-JP" sz="1000" b="0" kern="1200" dirty="0">
-                          <a:solidFill>
-                            <a:schemeClr val="tx1"/>
-                          </a:solidFill>
-                          <a:effectLst/>
-                          <a:latin typeface="Arial" panose="020B0604020202020204" pitchFamily="34" charset="0"/>
-                          <a:ea typeface="+mn-ea"/>
-                          <a:cs typeface="Arial" panose="020B0604020202020204" pitchFamily="34" charset="0"/>
-                        </a:rPr>
-                        <a:t>(4000)</a:t>
-                      </a:r>
+                        <a:t>tinyint</a:t>
+                      </a:r>
+                      <a:endParaRPr kumimoji="1" lang="en-US" altLang="ja-JP" sz="1000" b="0" kern="1200" dirty="0">
+                        <a:solidFill>
+                          <a:schemeClr val="tx1"/>
+                        </a:solidFill>
+                        <a:effectLst/>
+                        <a:latin typeface="Arial" panose="020B0604020202020204" pitchFamily="34" charset="0"/>
+                        <a:ea typeface="+mn-ea"/>
+                        <a:cs typeface="Arial" panose="020B0604020202020204" pitchFamily="34" charset="0"/>
+                      </a:endParaRPr>
                     </a:p>
                   </a:txBody>
                   <a:tcPr/>
@@ -8491,13 +8541,13 @@
                         <a:defRPr/>
                       </a:pPr>
                       <a:r>
-                        <a:rPr lang="en-US" altLang="ja-JP" sz="1000" dirty="0" err="1">
+                        <a:rPr lang="en-US" altLang="ja-JP" sz="1000" b="0" dirty="0" err="1">
                           <a:latin typeface="Arial" panose="020B0604020202020204" pitchFamily="34" charset="0"/>
                           <a:cs typeface="Arial" panose="020B0604020202020204" pitchFamily="34" charset="0"/>
                         </a:rPr>
                         <a:t>member_id</a:t>
                       </a:r>
-                      <a:endParaRPr lang="en-US" altLang="ja-JP" sz="1000" dirty="0">
+                      <a:endParaRPr lang="en-US" altLang="ja-JP" sz="1000" b="0" dirty="0">
                         <a:solidFill>
                           <a:schemeClr val="accent1">
                             <a:lumMod val="50000"/>
@@ -8533,7 +8583,7 @@
                         <a:defRPr/>
                       </a:pPr>
                       <a:r>
-                        <a:rPr kumimoji="1" lang="en-US" altLang="ja-JP" sz="1000" b="0" kern="1200" dirty="0" err="1">
+                        <a:rPr kumimoji="1" lang="en-US" altLang="ja-JP" sz="1000" b="0" kern="1200" dirty="0">
                           <a:solidFill>
                             <a:schemeClr val="tx1"/>
                           </a:solidFill>
@@ -8542,17 +8592,8 @@
                           <a:ea typeface="+mn-ea"/>
                           <a:cs typeface="Arial" panose="020B0604020202020204" pitchFamily="34" charset="0"/>
                         </a:rPr>
-                        <a:t>bigint</a:t>
-                      </a:r>
-                      <a:endParaRPr kumimoji="1" lang="en-US" altLang="ja-JP" sz="1000" b="0" kern="1200" dirty="0">
-                        <a:solidFill>
-                          <a:schemeClr val="tx1"/>
-                        </a:solidFill>
-                        <a:effectLst/>
-                        <a:latin typeface="Arial" panose="020B0604020202020204" pitchFamily="34" charset="0"/>
-                        <a:ea typeface="+mn-ea"/>
-                        <a:cs typeface="Arial" panose="020B0604020202020204" pitchFamily="34" charset="0"/>
-                      </a:endParaRPr>
+                        <a:t>int</a:t>
+                      </a:r>
                     </a:p>
                   </a:txBody>
                   <a:tcPr/>
@@ -8587,7 +8628,7 @@
                         <a:defRPr/>
                       </a:pPr>
                       <a:r>
-                        <a:rPr lang="en-US" altLang="ja-JP" sz="1000" b="1" dirty="0" err="1">
+                        <a:rPr lang="en-US" altLang="ja-JP" sz="1000" b="0" dirty="0" err="1">
                           <a:solidFill>
                             <a:schemeClr val="tx1"/>
                           </a:solidFill>
@@ -8596,7 +8637,7 @@
                         </a:rPr>
                         <a:t>Druation</a:t>
                       </a:r>
-                      <a:endParaRPr lang="en-US" altLang="ja-JP" sz="1000" b="1" dirty="0">
+                      <a:endParaRPr lang="en-US" altLang="ja-JP" sz="1000" b="0" dirty="0">
                         <a:solidFill>
                           <a:schemeClr val="tx1"/>
                         </a:solidFill>
@@ -8639,7 +8680,7 @@
                           <a:ea typeface="+mn-ea"/>
                           <a:cs typeface="Arial" panose="020B0604020202020204" pitchFamily="34" charset="0"/>
                         </a:rPr>
-                        <a:t>TINYINT</a:t>
+                        <a:t>int</a:t>
                       </a:r>
                     </a:p>
                   </a:txBody>
@@ -8662,7 +8703,7 @@
                         <a:buNone/>
                       </a:pPr>
                       <a:r>
-                        <a:rPr kumimoji="1" lang="en-US" altLang="ja-JP" sz="1000" dirty="0" err="1">
+                        <a:rPr kumimoji="1" lang="en-US" altLang="ja-JP" sz="1000" b="0" dirty="0" err="1">
                           <a:solidFill>
                             <a:schemeClr val="tx1"/>
                           </a:solidFill>
@@ -8672,7 +8713,7 @@
                         <a:t>Age_at_Time_of</a:t>
                       </a:r>
                       <a:r>
-                        <a:rPr kumimoji="1" lang="en-US" altLang="ja-JP" sz="1000" dirty="0">
+                        <a:rPr kumimoji="1" lang="en-US" altLang="ja-JP" sz="1000" b="0" dirty="0">
                           <a:solidFill>
                             <a:schemeClr val="tx1"/>
                           </a:solidFill>
@@ -8708,7 +8749,7 @@
                         <a:defRPr/>
                       </a:pPr>
                       <a:r>
-                        <a:rPr kumimoji="1" lang="en-US" altLang="ja-JP" sz="1000" b="0" kern="1200" dirty="0">
+                        <a:rPr kumimoji="1" lang="en-US" altLang="ja-JP" sz="1000" b="0" kern="1200" dirty="0" err="1">
                           <a:solidFill>
                             <a:schemeClr val="tx1"/>
                           </a:solidFill>
@@ -8717,8 +8758,17 @@
                           <a:ea typeface="+mn-ea"/>
                           <a:cs typeface="Arial" panose="020B0604020202020204" pitchFamily="34" charset="0"/>
                         </a:rPr>
-                        <a:t>TINYINT</a:t>
-                      </a:r>
+                        <a:t>tinyint</a:t>
+                      </a:r>
+                      <a:endParaRPr kumimoji="1" lang="en-US" altLang="ja-JP" sz="1000" b="0" kern="1200" dirty="0">
+                        <a:solidFill>
+                          <a:schemeClr val="tx1"/>
+                        </a:solidFill>
+                        <a:effectLst/>
+                        <a:latin typeface="Arial" panose="020B0604020202020204" pitchFamily="34" charset="0"/>
+                        <a:ea typeface="+mn-ea"/>
+                        <a:cs typeface="Arial" panose="020B0604020202020204" pitchFamily="34" charset="0"/>
+                      </a:endParaRPr>
                     </a:p>
                   </a:txBody>
                   <a:tcPr/>
@@ -8735,10 +8785,10 @@
       </p:graphicFrame>
       <p:graphicFrame>
         <p:nvGraphicFramePr>
-          <p:cNvPr id="57" name="表 56">
+          <p:cNvPr id="6" name="表 5">
             <a:extLst>
               <a:ext uri="{FF2B5EF4-FFF2-40B4-BE49-F238E27FC236}">
-                <a16:creationId xmlns:a16="http://schemas.microsoft.com/office/drawing/2014/main" id="{2050E67F-FC42-5F11-6675-765CA8A20367}"/>
+                <a16:creationId xmlns:a16="http://schemas.microsoft.com/office/drawing/2014/main" id="{F549C372-3DD2-39CB-8206-99A8863D1572}"/>
               </a:ext>
             </a:extLst>
           </p:cNvPr>
@@ -8748,13 +8798,13 @@
           <p:nvPr>
             <p:extLst>
               <p:ext uri="{D42A27DB-BD31-4B8C-83A1-F6EECF244321}">
-                <p14:modId xmlns:p14="http://schemas.microsoft.com/office/powerpoint/2010/main" val="3196111642"/>
+                <p14:modId xmlns:p14="http://schemas.microsoft.com/office/powerpoint/2010/main" val="958266518"/>
               </p:ext>
             </p:extLst>
           </p:nvPr>
         </p:nvGraphicFramePr>
         <p:xfrm>
-          <a:off x="7920397" y="1119052"/>
+          <a:off x="8122620" y="941876"/>
           <a:ext cx="2673010" cy="1716537"/>
         </p:xfrm>
         <a:graphic>
@@ -8869,7 +8919,7 @@
                         <a:defRPr/>
                       </a:pPr>
                       <a:r>
-                        <a:rPr kumimoji="1" lang="en-US" altLang="ja-JP" sz="1000" b="0" kern="1200" dirty="0" err="1">
+                        <a:rPr kumimoji="1" lang="en-US" altLang="ja-JP" sz="1000" b="0" kern="1200" dirty="0">
                           <a:solidFill>
                             <a:schemeClr val="tx1"/>
                           </a:solidFill>
@@ -8878,17 +8928,8 @@
                           <a:ea typeface="+mn-ea"/>
                           <a:cs typeface="Arial" panose="020B0604020202020204" pitchFamily="34" charset="0"/>
                         </a:rPr>
-                        <a:t>bigint</a:t>
-                      </a:r>
-                      <a:endParaRPr kumimoji="1" lang="en-US" altLang="ja-JP" sz="1000" b="0" kern="1200" dirty="0">
-                        <a:solidFill>
-                          <a:schemeClr val="tx1"/>
-                        </a:solidFill>
-                        <a:effectLst/>
-                        <a:latin typeface="Arial" panose="020B0604020202020204" pitchFamily="34" charset="0"/>
-                        <a:ea typeface="+mn-ea"/>
-                        <a:cs typeface="Arial" panose="020B0604020202020204" pitchFamily="34" charset="0"/>
-                      </a:endParaRPr>
+                        <a:t>int</a:t>
+                      </a:r>
                     </a:p>
                   </a:txBody>
                   <a:tcPr/>
@@ -8948,18 +8989,6 @@
                         <a:defRPr/>
                       </a:pPr>
                       <a:r>
-                        <a:rPr kumimoji="1" lang="en-US" altLang="ja-JP" sz="1000" b="0" kern="1200" dirty="0" err="1">
-                          <a:solidFill>
-                            <a:schemeClr val="tx1"/>
-                          </a:solidFill>
-                          <a:effectLst/>
-                          <a:latin typeface="Arial" panose="020B0604020202020204" pitchFamily="34" charset="0"/>
-                          <a:ea typeface="+mn-ea"/>
-                          <a:cs typeface="Arial" panose="020B0604020202020204" pitchFamily="34" charset="0"/>
-                        </a:rPr>
-                        <a:t>nvarchar</a:t>
-                      </a:r>
-                      <a:r>
                         <a:rPr kumimoji="1" lang="en-US" altLang="ja-JP" sz="1000" b="0" kern="1200" dirty="0">
                           <a:solidFill>
                             <a:schemeClr val="tx1"/>
@@ -8969,7 +8998,7 @@
                           <a:ea typeface="+mn-ea"/>
                           <a:cs typeface="Arial" panose="020B0604020202020204" pitchFamily="34" charset="0"/>
                         </a:rPr>
-                        <a:t>(4000)</a:t>
+                        <a:t>Date</a:t>
                       </a:r>
                     </a:p>
                   </a:txBody>
@@ -9093,18 +9122,6 @@
                         <a:defRPr/>
                       </a:pPr>
                       <a:r>
-                        <a:rPr kumimoji="1" lang="en-US" altLang="ja-JP" sz="1000" b="0" kern="1200" dirty="0" err="1">
-                          <a:solidFill>
-                            <a:schemeClr val="tx1"/>
-                          </a:solidFill>
-                          <a:effectLst/>
-                          <a:latin typeface="Arial" panose="020B0604020202020204" pitchFamily="34" charset="0"/>
-                          <a:ea typeface="+mn-ea"/>
-                          <a:cs typeface="Arial" panose="020B0604020202020204" pitchFamily="34" charset="0"/>
-                        </a:rPr>
-                        <a:t>nvarchar</a:t>
-                      </a:r>
-                      <a:r>
                         <a:rPr kumimoji="1" lang="en-US" altLang="ja-JP" sz="1000" b="0" kern="1200" dirty="0">
                           <a:solidFill>
                             <a:schemeClr val="tx1"/>
@@ -9114,7 +9131,7 @@
                           <a:ea typeface="+mn-ea"/>
                           <a:cs typeface="Arial" panose="020B0604020202020204" pitchFamily="34" charset="0"/>
                         </a:rPr>
-                        <a:t>(4000)</a:t>
+                        <a:t>Date</a:t>
                       </a:r>
                     </a:p>
                   </a:txBody>
@@ -9190,7 +9207,7 @@
                         <a:defRPr/>
                       </a:pPr>
                       <a:r>
-                        <a:rPr kumimoji="1" lang="en-US" altLang="ja-JP" sz="1000" b="0" kern="1200" dirty="0">
+                        <a:rPr kumimoji="1" lang="en-US" altLang="ja-JP" sz="1000" b="0" kern="1200" dirty="0" err="1">
                           <a:solidFill>
                             <a:schemeClr val="tx1"/>
                           </a:solidFill>
@@ -9199,8 +9216,17 @@
                           <a:ea typeface="+mn-ea"/>
                           <a:cs typeface="Arial" panose="020B0604020202020204" pitchFamily="34" charset="0"/>
                         </a:rPr>
-                        <a:t>TINYINT</a:t>
-                      </a:r>
+                        <a:t>tynyint</a:t>
+                      </a:r>
+                      <a:endParaRPr kumimoji="1" lang="en-US" altLang="ja-JP" sz="1000" b="0" kern="1200" dirty="0">
+                        <a:solidFill>
+                          <a:schemeClr val="tx1"/>
+                        </a:solidFill>
+                        <a:effectLst/>
+                        <a:latin typeface="Arial" panose="020B0604020202020204" pitchFamily="34" charset="0"/>
+                        <a:ea typeface="+mn-ea"/>
+                        <a:cs typeface="Arial" panose="020B0604020202020204" pitchFamily="34" charset="0"/>
+                      </a:endParaRPr>
                     </a:p>
                   </a:txBody>
                   <a:tcPr/>
@@ -9259,10 +9285,10 @@
       </p:graphicFrame>
       <p:graphicFrame>
         <p:nvGraphicFramePr>
-          <p:cNvPr id="58" name="表 10">
+          <p:cNvPr id="7" name="表 10">
             <a:extLst>
               <a:ext uri="{FF2B5EF4-FFF2-40B4-BE49-F238E27FC236}">
-                <a16:creationId xmlns:a16="http://schemas.microsoft.com/office/drawing/2014/main" id="{EA95EB38-355B-6F86-2048-283646A6EB87}"/>
+                <a16:creationId xmlns:a16="http://schemas.microsoft.com/office/drawing/2014/main" id="{5B9097A2-3DA2-5CCF-4396-502A34EF88B5}"/>
               </a:ext>
             </a:extLst>
           </p:cNvPr>
@@ -9272,7 +9298,7 @@
           <p:nvPr>
             <p:extLst>
               <p:ext uri="{D42A27DB-BD31-4B8C-83A1-F6EECF244321}">
-                <p14:modId xmlns:p14="http://schemas.microsoft.com/office/powerpoint/2010/main" val="3283429663"/>
+                <p14:modId xmlns:p14="http://schemas.microsoft.com/office/powerpoint/2010/main" val="3403989714"/>
               </p:ext>
             </p:extLst>
           </p:nvPr>
@@ -9404,18 +9430,6 @@
                         <a:defRPr/>
                       </a:pPr>
                       <a:r>
-                        <a:rPr kumimoji="1" lang="en-US" altLang="ja-JP" sz="1000" b="0" kern="1200" dirty="0" err="1">
-                          <a:solidFill>
-                            <a:schemeClr val="tx1"/>
-                          </a:solidFill>
-                          <a:effectLst/>
-                          <a:latin typeface="Arial" panose="020B0604020202020204" pitchFamily="34" charset="0"/>
-                          <a:ea typeface="+mn-ea"/>
-                          <a:cs typeface="Arial" panose="020B0604020202020204" pitchFamily="34" charset="0"/>
-                        </a:rPr>
-                        <a:t>nvarchar</a:t>
-                      </a:r>
-                      <a:r>
                         <a:rPr kumimoji="1" lang="en-US" altLang="ja-JP" sz="1000" b="0" kern="1200" dirty="0">
                           <a:solidFill>
                             <a:schemeClr val="tx1"/>
@@ -9425,7 +9439,7 @@
                           <a:ea typeface="+mn-ea"/>
                           <a:cs typeface="Arial" panose="020B0604020202020204" pitchFamily="34" charset="0"/>
                         </a:rPr>
-                        <a:t>(4000)</a:t>
+                        <a:t>varchar(50)</a:t>
                       </a:r>
                     </a:p>
                   </a:txBody>
@@ -9477,18 +9491,6 @@
                         <a:defRPr/>
                       </a:pPr>
                       <a:r>
-                        <a:rPr kumimoji="1" lang="en-US" altLang="ja-JP" sz="1000" b="0" kern="1200" dirty="0" err="1">
-                          <a:solidFill>
-                            <a:schemeClr val="tx1"/>
-                          </a:solidFill>
-                          <a:effectLst/>
-                          <a:latin typeface="Arial" panose="020B0604020202020204" pitchFamily="34" charset="0"/>
-                          <a:ea typeface="+mn-ea"/>
-                          <a:cs typeface="Arial" panose="020B0604020202020204" pitchFamily="34" charset="0"/>
-                        </a:rPr>
-                        <a:t>nvarchar</a:t>
-                      </a:r>
-                      <a:r>
                         <a:rPr kumimoji="1" lang="en-US" altLang="ja-JP" sz="1000" b="0" kern="1200" dirty="0">
                           <a:solidFill>
                             <a:schemeClr val="tx1"/>
@@ -9498,7 +9500,7 @@
                           <a:ea typeface="+mn-ea"/>
                           <a:cs typeface="Arial" panose="020B0604020202020204" pitchFamily="34" charset="0"/>
                         </a:rPr>
-                        <a:t>(4000)</a:t>
+                        <a:t>varchar(100)</a:t>
                       </a:r>
                     </a:p>
                   </a:txBody>
@@ -9569,10 +9571,10 @@
       </p:graphicFrame>
       <p:sp>
         <p:nvSpPr>
-          <p:cNvPr id="59" name="正方形/長方形 58">
+          <p:cNvPr id="8" name="正方形/長方形 7">
             <a:extLst>
               <a:ext uri="{FF2B5EF4-FFF2-40B4-BE49-F238E27FC236}">
-                <a16:creationId xmlns:a16="http://schemas.microsoft.com/office/drawing/2014/main" id="{AAD7FCF4-D0BC-8FD1-F11C-590460608471}"/>
+                <a16:creationId xmlns:a16="http://schemas.microsoft.com/office/drawing/2014/main" id="{B9BEBDA6-FEFE-5B52-9123-8E646203B683}"/>
               </a:ext>
             </a:extLst>
           </p:cNvPr>
@@ -9621,10 +9623,10 @@
       </p:sp>
       <p:sp>
         <p:nvSpPr>
-          <p:cNvPr id="60" name="正方形/長方形 59">
+          <p:cNvPr id="9" name="正方形/長方形 8">
             <a:extLst>
               <a:ext uri="{FF2B5EF4-FFF2-40B4-BE49-F238E27FC236}">
-                <a16:creationId xmlns:a16="http://schemas.microsoft.com/office/drawing/2014/main" id="{9F0486F0-935E-03E7-E73C-9F0EA4A77CE1}"/>
+                <a16:creationId xmlns:a16="http://schemas.microsoft.com/office/drawing/2014/main" id="{CEF1489D-8DB6-9153-94CF-25C28241B715}"/>
               </a:ext>
             </a:extLst>
           </p:cNvPr>
@@ -9673,10 +9675,10 @@
       </p:sp>
       <p:sp>
         <p:nvSpPr>
-          <p:cNvPr id="61" name="正方形/長方形 60">
+          <p:cNvPr id="10" name="正方形/長方形 9">
             <a:extLst>
               <a:ext uri="{FF2B5EF4-FFF2-40B4-BE49-F238E27FC236}">
-                <a16:creationId xmlns:a16="http://schemas.microsoft.com/office/drawing/2014/main" id="{FCDCF207-65EC-08EF-9375-13281BFB8CF3}"/>
+                <a16:creationId xmlns:a16="http://schemas.microsoft.com/office/drawing/2014/main" id="{22D53FE9-BC54-64B4-E634-F924301F876A}"/>
               </a:ext>
             </a:extLst>
           </p:cNvPr>
@@ -9685,7 +9687,7 @@
         </p:nvSpPr>
         <p:spPr>
           <a:xfrm>
-            <a:off x="7942579" y="1379467"/>
+            <a:off x="8144803" y="1225020"/>
             <a:ext cx="2650827" cy="194152"/>
           </a:xfrm>
           <a:prstGeom prst="rect">
@@ -9725,10 +9727,10 @@
       </p:sp>
       <p:sp>
         <p:nvSpPr>
-          <p:cNvPr id="62" name="正方形/長方形 61">
+          <p:cNvPr id="11" name="正方形/長方形 10">
             <a:extLst>
               <a:ext uri="{FF2B5EF4-FFF2-40B4-BE49-F238E27FC236}">
-                <a16:creationId xmlns:a16="http://schemas.microsoft.com/office/drawing/2014/main" id="{42747399-6070-4E75-E256-77AA6593D894}"/>
+                <a16:creationId xmlns:a16="http://schemas.microsoft.com/office/drawing/2014/main" id="{0D29C67B-D0B7-DD7C-8FD8-429DD932FEF0}"/>
               </a:ext>
             </a:extLst>
           </p:cNvPr>
@@ -9777,17 +9779,17 @@
       </p:sp>
       <p:cxnSp>
         <p:nvCxnSpPr>
-          <p:cNvPr id="63" name="コネクタ: カギ線 62">
+          <p:cNvPr id="12" name="コネクタ: カギ線 11">
             <a:extLst>
               <a:ext uri="{FF2B5EF4-FFF2-40B4-BE49-F238E27FC236}">
-                <a16:creationId xmlns:a16="http://schemas.microsoft.com/office/drawing/2014/main" id="{A21BD368-508D-5661-EE55-71C4E1470C41}"/>
+                <a16:creationId xmlns:a16="http://schemas.microsoft.com/office/drawing/2014/main" id="{18049AE8-3C0D-A4A8-E5D9-3F6324DDDB42}"/>
               </a:ext>
             </a:extLst>
           </p:cNvPr>
           <p:cNvCxnSpPr>
             <a:cxnSpLocks/>
-            <a:stCxn id="59" idx="3"/>
-            <a:endCxn id="60" idx="1"/>
+            <a:stCxn id="8" idx="3"/>
+            <a:endCxn id="9" idx="1"/>
           </p:cNvCxnSpPr>
           <p:nvPr/>
         </p:nvCxnSpPr>
@@ -9823,17 +9825,17 @@
       </p:cxnSp>
       <p:cxnSp>
         <p:nvCxnSpPr>
-          <p:cNvPr id="64" name="コネクタ: カギ線 63">
+          <p:cNvPr id="13" name="コネクタ: カギ線 12">
             <a:extLst>
               <a:ext uri="{FF2B5EF4-FFF2-40B4-BE49-F238E27FC236}">
-                <a16:creationId xmlns:a16="http://schemas.microsoft.com/office/drawing/2014/main" id="{22DC6BAE-EF06-3CBB-0D9E-0CD0F5D4DFA0}"/>
+                <a16:creationId xmlns:a16="http://schemas.microsoft.com/office/drawing/2014/main" id="{CCE4BA09-9E26-4D32-2A07-83DA1EB70356}"/>
               </a:ext>
             </a:extLst>
           </p:cNvPr>
           <p:cNvCxnSpPr>
             <a:cxnSpLocks/>
-            <a:stCxn id="62" idx="1"/>
-            <a:endCxn id="56" idx="3"/>
+            <a:stCxn id="11" idx="1"/>
+            <a:endCxn id="5" idx="3"/>
           </p:cNvCxnSpPr>
           <p:nvPr/>
         </p:nvCxnSpPr>
@@ -9871,24 +9873,24 @@
       </p:cxnSp>
       <p:cxnSp>
         <p:nvCxnSpPr>
-          <p:cNvPr id="65" name="コネクタ: カギ線 64">
+          <p:cNvPr id="14" name="コネクタ: カギ線 13">
             <a:extLst>
               <a:ext uri="{FF2B5EF4-FFF2-40B4-BE49-F238E27FC236}">
-                <a16:creationId xmlns:a16="http://schemas.microsoft.com/office/drawing/2014/main" id="{AB347E31-8064-84C5-ECDD-27A27B60204D}"/>
+                <a16:creationId xmlns:a16="http://schemas.microsoft.com/office/drawing/2014/main" id="{8791B714-2D26-FA00-0DE6-049BF3B68B03}"/>
               </a:ext>
             </a:extLst>
           </p:cNvPr>
           <p:cNvCxnSpPr>
             <a:cxnSpLocks/>
-            <a:stCxn id="61" idx="1"/>
-            <a:endCxn id="67" idx="3"/>
+            <a:stCxn id="10" idx="1"/>
+            <a:endCxn id="16" idx="3"/>
           </p:cNvCxnSpPr>
           <p:nvPr/>
         </p:nvCxnSpPr>
         <p:spPr>
           <a:xfrm rot="10800000" flipV="1">
-            <a:off x="7036953" y="1476543"/>
-            <a:ext cx="905626" cy="3784368"/>
+            <a:off x="7036953" y="1322095"/>
+            <a:ext cx="1107850" cy="3938815"/>
           </a:xfrm>
           <a:prstGeom prst="bentConnector3">
             <a:avLst>
@@ -9919,10 +9921,10 @@
       </p:cxnSp>
       <p:sp>
         <p:nvSpPr>
-          <p:cNvPr id="66" name="正方形/長方形 65">
+          <p:cNvPr id="15" name="正方形/長方形 14">
             <a:extLst>
               <a:ext uri="{FF2B5EF4-FFF2-40B4-BE49-F238E27FC236}">
-                <a16:creationId xmlns:a16="http://schemas.microsoft.com/office/drawing/2014/main" id="{824EDF70-60AE-4C95-C4D0-5BB1AF64714E}"/>
+                <a16:creationId xmlns:a16="http://schemas.microsoft.com/office/drawing/2014/main" id="{EB2FFB67-DA13-0537-D09F-4A2CCD11AC0B}"/>
               </a:ext>
             </a:extLst>
           </p:cNvPr>
@@ -9971,10 +9973,10 @@
       </p:sp>
       <p:sp>
         <p:nvSpPr>
-          <p:cNvPr id="67" name="正方形/長方形 66">
+          <p:cNvPr id="16" name="正方形/長方形 15">
             <a:extLst>
               <a:ext uri="{FF2B5EF4-FFF2-40B4-BE49-F238E27FC236}">
-                <a16:creationId xmlns:a16="http://schemas.microsoft.com/office/drawing/2014/main" id="{54A1C151-2286-EE93-3FDD-D8E3D3A1F2C3}"/>
+                <a16:creationId xmlns:a16="http://schemas.microsoft.com/office/drawing/2014/main" id="{99BDC56D-B74B-BA2A-C0FE-7E02863D3A3A}"/>
               </a:ext>
             </a:extLst>
           </p:cNvPr>
@@ -10129,10 +10131,10 @@
       </p:sp>
       <p:graphicFrame>
         <p:nvGraphicFramePr>
-          <p:cNvPr id="50" name="表 49">
+          <p:cNvPr id="2" name="表 1">
             <a:extLst>
               <a:ext uri="{FF2B5EF4-FFF2-40B4-BE49-F238E27FC236}">
-                <a16:creationId xmlns:a16="http://schemas.microsoft.com/office/drawing/2014/main" id="{CD61180A-1DCE-87E9-0943-60BD9E9882DE}"/>
+                <a16:creationId xmlns:a16="http://schemas.microsoft.com/office/drawing/2014/main" id="{A6A31DF7-D455-3CBD-0444-04D2A5E4F086}"/>
               </a:ext>
             </a:extLst>
           </p:cNvPr>
@@ -10142,13 +10144,13 @@
           <p:nvPr>
             <p:extLst>
               <p:ext uri="{D42A27DB-BD31-4B8C-83A1-F6EECF244321}">
-                <p14:modId xmlns:p14="http://schemas.microsoft.com/office/powerpoint/2010/main" val="1844777320"/>
+                <p14:modId xmlns:p14="http://schemas.microsoft.com/office/powerpoint/2010/main" val="1642077094"/>
               </p:ext>
             </p:extLst>
           </p:nvPr>
         </p:nvGraphicFramePr>
         <p:xfrm>
-          <a:off x="4446768" y="2990533"/>
+          <a:off x="4420391" y="1407917"/>
           <a:ext cx="2648080" cy="1342792"/>
         </p:xfrm>
         <a:graphic>
@@ -10263,22 +10265,13 @@
                         <a:defRPr/>
                       </a:pPr>
                       <a:r>
-                        <a:rPr kumimoji="1" lang="en-US" altLang="ja-JP" sz="1000" b="0" kern="1200" dirty="0" err="1">
-                          <a:solidFill>
-                            <a:schemeClr val="tx1"/>
-                          </a:solidFill>
-                          <a:effectLst/>
-                        </a:rPr>
-                        <a:t>nvarchar</a:t>
-                      </a:r>
-                      <a:r>
                         <a:rPr kumimoji="1" lang="en-US" altLang="ja-JP" sz="1000" b="0" kern="1200" dirty="0">
                           <a:solidFill>
                             <a:schemeClr val="tx1"/>
                           </a:solidFill>
                           <a:effectLst/>
                         </a:rPr>
-                        <a:t>(4000)</a:t>
+                        <a:t>varchar(45)</a:t>
                       </a:r>
                       <a:endParaRPr kumimoji="1" lang="en-US" altLang="ja-JP" sz="1000" b="0" kern="1200" dirty="0">
                         <a:solidFill>
@@ -10355,32 +10348,17 @@
                         <a:defRPr/>
                       </a:pPr>
                       <a:r>
-                        <a:rPr kumimoji="1" lang="en-US" altLang="ja-JP" sz="1000" b="0" kern="1200" dirty="0" err="1">
-                          <a:solidFill>
-                            <a:schemeClr val="tx1"/>
-                          </a:solidFill>
-                          <a:effectLst/>
-                        </a:rPr>
-                        <a:t>nvarchar</a:t>
-                      </a:r>
-                      <a:r>
                         <a:rPr kumimoji="1" lang="en-US" altLang="ja-JP" sz="1000" b="0" kern="1200" dirty="0">
                           <a:solidFill>
                             <a:schemeClr val="tx1"/>
                           </a:solidFill>
                           <a:effectLst/>
-                        </a:rPr>
-                        <a:t>(4000)</a:t>
-                      </a:r>
-                      <a:endParaRPr kumimoji="1" lang="en-US" altLang="ja-JP" sz="1000" b="0" kern="1200" dirty="0">
-                        <a:solidFill>
-                          <a:schemeClr val="tx1"/>
-                        </a:solidFill>
-                        <a:effectLst/>
-                        <a:latin typeface="Arial" panose="020B0604020202020204" pitchFamily="34" charset="0"/>
-                        <a:ea typeface="+mn-ea"/>
-                        <a:cs typeface="Arial" panose="020B0604020202020204" pitchFamily="34" charset="0"/>
-                      </a:endParaRPr>
+                          <a:latin typeface="Arial" panose="020B0604020202020204" pitchFamily="34" charset="0"/>
+                          <a:ea typeface="+mn-ea"/>
+                          <a:cs typeface="Arial" panose="020B0604020202020204" pitchFamily="34" charset="0"/>
+                        </a:rPr>
+                        <a:t>date</a:t>
+                      </a:r>
                     </a:p>
                   </a:txBody>
                   <a:tcPr/>
@@ -10461,17 +10439,11 @@
                             <a:schemeClr val="tx1"/>
                           </a:solidFill>
                           <a:effectLst/>
-                        </a:rPr>
-                        <a:t>nvarchar</a:t>
-                      </a:r>
-                      <a:r>
-                        <a:rPr kumimoji="1" lang="en-US" altLang="ja-JP" sz="1000" b="0" kern="1200" dirty="0">
-                          <a:solidFill>
-                            <a:schemeClr val="tx1"/>
-                          </a:solidFill>
-                          <a:effectLst/>
-                        </a:rPr>
-                        <a:t>(4000)</a:t>
+                          <a:latin typeface="Arial" panose="020B0604020202020204" pitchFamily="34" charset="0"/>
+                          <a:ea typeface="+mn-ea"/>
+                          <a:cs typeface="Arial" panose="020B0604020202020204" pitchFamily="34" charset="0"/>
+                        </a:rPr>
+                        <a:t>bigint</a:t>
                       </a:r>
                       <a:endParaRPr kumimoji="1" lang="en-US" altLang="ja-JP" sz="1000" b="0" kern="1200" dirty="0">
                         <a:solidFill>
@@ -10553,32 +10525,17 @@
                         <a:defRPr/>
                       </a:pPr>
                       <a:r>
-                        <a:rPr kumimoji="1" lang="en-US" altLang="ja-JP" sz="1000" b="0" kern="1200" dirty="0" err="1">
-                          <a:solidFill>
-                            <a:schemeClr val="tx1"/>
-                          </a:solidFill>
-                          <a:effectLst/>
-                        </a:rPr>
-                        <a:t>nvarchar</a:t>
-                      </a:r>
-                      <a:r>
                         <a:rPr kumimoji="1" lang="en-US" altLang="ja-JP" sz="1000" b="0" kern="1200" dirty="0">
                           <a:solidFill>
                             <a:schemeClr val="tx1"/>
                           </a:solidFill>
                           <a:effectLst/>
-                        </a:rPr>
-                        <a:t>(4000)</a:t>
-                      </a:r>
-                      <a:endParaRPr kumimoji="1" lang="en-US" altLang="ja-JP" sz="1000" b="0" kern="1200" dirty="0">
-                        <a:solidFill>
-                          <a:schemeClr val="tx1"/>
-                        </a:solidFill>
-                        <a:effectLst/>
-                        <a:latin typeface="Arial" panose="020B0604020202020204" pitchFamily="34" charset="0"/>
-                        <a:ea typeface="+mn-ea"/>
-                        <a:cs typeface="Arial" panose="020B0604020202020204" pitchFamily="34" charset="0"/>
-                      </a:endParaRPr>
+                          <a:latin typeface="Arial" panose="020B0604020202020204" pitchFamily="34" charset="0"/>
+                          <a:ea typeface="+mn-ea"/>
+                          <a:cs typeface="Arial" panose="020B0604020202020204" pitchFamily="34" charset="0"/>
+                        </a:rPr>
+                        <a:t>int</a:t>
+                      </a:r>
                     </a:p>
                   </a:txBody>
                   <a:tcPr/>
@@ -10595,10 +10552,10 @@
       </p:graphicFrame>
       <p:graphicFrame>
         <p:nvGraphicFramePr>
-          <p:cNvPr id="51" name="表 10">
+          <p:cNvPr id="4" name="表 10">
             <a:extLst>
               <a:ext uri="{FF2B5EF4-FFF2-40B4-BE49-F238E27FC236}">
-                <a16:creationId xmlns:a16="http://schemas.microsoft.com/office/drawing/2014/main" id="{120F3797-BCBA-2B65-082E-E9A29498FCA8}"/>
+                <a16:creationId xmlns:a16="http://schemas.microsoft.com/office/drawing/2014/main" id="{78B3C4AF-8C32-68E7-57C7-0A010DE61AB6}"/>
               </a:ext>
             </a:extLst>
           </p:cNvPr>
@@ -10608,14 +10565,14 @@
           <p:nvPr>
             <p:extLst>
               <p:ext uri="{D42A27DB-BD31-4B8C-83A1-F6EECF244321}">
-                <p14:modId xmlns:p14="http://schemas.microsoft.com/office/powerpoint/2010/main" val="782899551"/>
+                <p14:modId xmlns:p14="http://schemas.microsoft.com/office/powerpoint/2010/main" val="3579011605"/>
               </p:ext>
             </p:extLst>
           </p:nvPr>
         </p:nvGraphicFramePr>
         <p:xfrm>
-          <a:off x="813189" y="3036870"/>
-          <a:ext cx="2495069" cy="1612296"/>
+          <a:off x="350875" y="2762061"/>
+          <a:ext cx="2495069" cy="1893450"/>
         </p:xfrm>
         <a:graphic>
           <a:graphicData uri="http://schemas.openxmlformats.org/drawingml/2006/table">
@@ -10730,7 +10687,7 @@
                           <a:latin typeface="Arial" panose="020B0604020202020204" pitchFamily="34" charset="0"/>
                           <a:cs typeface="Arial" panose="020B0604020202020204" pitchFamily="34" charset="0"/>
                         </a:rPr>
-                        <a:t>Date</a:t>
+                        <a:t>date</a:t>
                       </a:r>
                       <a:endParaRPr kumimoji="1" lang="ja-JP" altLang="en-US" sz="1000" dirty="0">
                         <a:latin typeface="Arial" panose="020B0604020202020204" pitchFamily="34" charset="0"/>
@@ -10771,18 +10728,14 @@
                       </a:pPr>
                       <a:r>
                         <a:rPr lang="en-US" altLang="ja-JP" sz="1000" dirty="0">
-                          <a:latin typeface="Arial" panose="020B0604020202020204" pitchFamily="34" charset="0"/>
-                          <a:cs typeface="Arial" panose="020B0604020202020204" pitchFamily="34" charset="0"/>
-                        </a:rPr>
-                        <a:t>Day of week</a:t>
-                      </a:r>
-                      <a:endParaRPr lang="en-US" altLang="ja-JP" sz="1000" dirty="0">
-                        <a:solidFill>
-                          <a:schemeClr val="tx1"/>
-                        </a:solidFill>
-                        <a:latin typeface="Arial" panose="020B0604020202020204" pitchFamily="34" charset="0"/>
-                        <a:cs typeface="Arial" panose="020B0604020202020204" pitchFamily="34" charset="0"/>
-                      </a:endParaRPr>
+                          <a:solidFill>
+                            <a:schemeClr val="tx1"/>
+                          </a:solidFill>
+                          <a:latin typeface="Arial" panose="020B0604020202020204" pitchFamily="34" charset="0"/>
+                          <a:cs typeface="Arial" panose="020B0604020202020204" pitchFamily="34" charset="0"/>
+                        </a:rPr>
+                        <a:t>Day</a:t>
+                      </a:r>
                     </a:p>
                   </a:txBody>
                   <a:tcPr/>
@@ -10810,7 +10763,7 @@
                         <a:defRPr/>
                       </a:pPr>
                       <a:r>
-                        <a:rPr kumimoji="1" lang="en-US" altLang="ja-JP" sz="1000" b="0" kern="1200" dirty="0">
+                        <a:rPr kumimoji="1" lang="en-US" altLang="ja-JP" sz="1000" b="0" kern="1200" dirty="0" err="1">
                           <a:solidFill>
                             <a:schemeClr val="tx1"/>
                           </a:solidFill>
@@ -10819,8 +10772,107 @@
                           <a:ea typeface="+mn-ea"/>
                           <a:cs typeface="Arial" panose="020B0604020202020204" pitchFamily="34" charset="0"/>
                         </a:rPr>
-                        <a:t>TINYINT</a:t>
-                      </a:r>
+                        <a:t>tinyint</a:t>
+                      </a:r>
+                      <a:endParaRPr kumimoji="1" lang="en-US" altLang="ja-JP" sz="1000" b="0" kern="1200" dirty="0">
+                        <a:solidFill>
+                          <a:schemeClr val="tx1"/>
+                        </a:solidFill>
+                        <a:effectLst/>
+                        <a:latin typeface="Arial" panose="020B0604020202020204" pitchFamily="34" charset="0"/>
+                        <a:ea typeface="+mn-ea"/>
+                        <a:cs typeface="Arial" panose="020B0604020202020204" pitchFamily="34" charset="0"/>
+                      </a:endParaRPr>
+                    </a:p>
+                  </a:txBody>
+                  <a:tcPr/>
+                </a:tc>
+                <a:extLst>
+                  <a:ext uri="{0D108BD9-81ED-4DB2-BD59-A6C34878D82A}">
+                    <a16:rowId xmlns:a16="http://schemas.microsoft.com/office/drawing/2014/main" val="2151431456"/>
+                  </a:ext>
+                </a:extLst>
+              </a:tr>
+              <a:tr h="281154">
+                <a:tc>
+                  <a:txBody>
+                    <a:bodyPr/>
+                    <a:lstStyle/>
+                    <a:p>
+                      <a:pPr marL="0" marR="0" lvl="0" indent="0" algn="l" defTabSz="914400" rtl="0" eaLnBrk="1" fontAlgn="auto" latinLnBrk="0" hangingPunct="1">
+                        <a:lnSpc>
+                          <a:spcPct val="100000"/>
+                        </a:lnSpc>
+                        <a:spcBef>
+                          <a:spcPts val="0"/>
+                        </a:spcBef>
+                        <a:spcAft>
+                          <a:spcPts val="0"/>
+                        </a:spcAft>
+                        <a:buClrTx/>
+                        <a:buSzTx/>
+                        <a:buFontTx/>
+                        <a:buNone/>
+                        <a:tabLst/>
+                        <a:defRPr/>
+                      </a:pPr>
+                      <a:r>
+                        <a:rPr lang="en-US" altLang="ja-JP" sz="1000" dirty="0">
+                          <a:solidFill>
+                            <a:schemeClr val="tx1"/>
+                          </a:solidFill>
+                          <a:latin typeface="Arial" panose="020B0604020202020204" pitchFamily="34" charset="0"/>
+                          <a:cs typeface="Arial" panose="020B0604020202020204" pitchFamily="34" charset="0"/>
+                        </a:rPr>
+                        <a:t>Weekday</a:t>
+                      </a:r>
+                    </a:p>
+                  </a:txBody>
+                  <a:tcPr/>
+                </a:tc>
+                <a:tc>
+                  <a:txBody>
+                    <a:bodyPr/>
+                    <a:lstStyle/>
+                    <a:p>
+                      <a:pPr marL="0" marR="0" lvl="0" indent="0" algn="l" defTabSz="914400" rtl="0" eaLnBrk="1" fontAlgn="auto" latinLnBrk="0" hangingPunct="1">
+                        <a:lnSpc>
+                          <a:spcPct val="100000"/>
+                        </a:lnSpc>
+                        <a:spcBef>
+                          <a:spcPts val="0"/>
+                        </a:spcBef>
+                        <a:spcAft>
+                          <a:spcPts val="0"/>
+                        </a:spcAft>
+                        <a:buClrTx/>
+                        <a:buSzTx/>
+                        <a:buFontTx/>
+                        <a:buNone/>
+                        <a:tabLst/>
+                        <a:defRPr/>
+                      </a:pPr>
+                      <a:r>
+                        <a:rPr kumimoji="1" lang="en-US" altLang="ja-JP" sz="1000" b="0" kern="1200" dirty="0" err="1">
+                          <a:solidFill>
+                            <a:schemeClr val="tx1"/>
+                          </a:solidFill>
+                          <a:effectLst/>
+                          <a:latin typeface="Arial" panose="020B0604020202020204" pitchFamily="34" charset="0"/>
+                          <a:ea typeface="+mn-ea"/>
+                          <a:cs typeface="Arial" panose="020B0604020202020204" pitchFamily="34" charset="0"/>
+                        </a:rPr>
+                        <a:t>tinyint</a:t>
+                      </a:r>
+                      <a:endParaRPr kumimoji="1" lang="en-US" altLang="ja-JP" sz="1000" b="0" kern="1200" dirty="0">
+                        <a:solidFill>
+                          <a:schemeClr val="tx1"/>
+                        </a:solidFill>
+                        <a:effectLst/>
+                        <a:latin typeface="Arial" panose="020B0604020202020204" pitchFamily="34" charset="0"/>
+                        <a:ea typeface="+mn-ea"/>
+                        <a:cs typeface="Arial" panose="020B0604020202020204" pitchFamily="34" charset="0"/>
+                      </a:endParaRPr>
                     </a:p>
                   </a:txBody>
                   <a:tcPr/>
@@ -10895,7 +10947,7 @@
                         <a:defRPr/>
                       </a:pPr>
                       <a:r>
-                        <a:rPr kumimoji="1" lang="en-US" altLang="ja-JP" sz="1000" b="0" kern="1200" dirty="0">
+                        <a:rPr kumimoji="1" lang="en-US" altLang="ja-JP" sz="1000" b="0" kern="1200" dirty="0" err="1">
                           <a:solidFill>
                             <a:schemeClr val="tx1"/>
                           </a:solidFill>
@@ -10904,8 +10956,17 @@
                           <a:ea typeface="+mn-ea"/>
                           <a:cs typeface="Arial" panose="020B0604020202020204" pitchFamily="34" charset="0"/>
                         </a:rPr>
-                        <a:t>Year</a:t>
-                      </a:r>
+                        <a:t>smallint</a:t>
+                      </a:r>
+                      <a:endParaRPr kumimoji="1" lang="en-US" altLang="ja-JP" sz="1000" b="0" kern="1200" dirty="0">
+                        <a:solidFill>
+                          <a:schemeClr val="tx1"/>
+                        </a:solidFill>
+                        <a:effectLst/>
+                        <a:latin typeface="Arial" panose="020B0604020202020204" pitchFamily="34" charset="0"/>
+                        <a:ea typeface="+mn-ea"/>
+                        <a:cs typeface="Arial" panose="020B0604020202020204" pitchFamily="34" charset="0"/>
+                      </a:endParaRPr>
                     </a:p>
                   </a:txBody>
                   <a:tcPr/>
@@ -10980,7 +11041,7 @@
                         <a:defRPr/>
                       </a:pPr>
                       <a:r>
-                        <a:rPr kumimoji="1" lang="en-US" altLang="ja-JP" sz="1000" b="0" kern="1200" dirty="0">
+                        <a:rPr kumimoji="1" lang="en-US" altLang="ja-JP" sz="1000" b="0" kern="1200" dirty="0" err="1">
                           <a:solidFill>
                             <a:schemeClr val="tx1"/>
                           </a:solidFill>
@@ -10989,8 +11050,17 @@
                           <a:ea typeface="+mn-ea"/>
                           <a:cs typeface="Arial" panose="020B0604020202020204" pitchFamily="34" charset="0"/>
                         </a:rPr>
-                        <a:t>CHAR(6)</a:t>
-                      </a:r>
+                        <a:t>tinyint</a:t>
+                      </a:r>
+                      <a:endParaRPr kumimoji="1" lang="en-US" altLang="ja-JP" sz="1000" b="0" kern="1200" dirty="0">
+                        <a:solidFill>
+                          <a:schemeClr val="tx1"/>
+                        </a:solidFill>
+                        <a:effectLst/>
+                        <a:latin typeface="Arial" panose="020B0604020202020204" pitchFamily="34" charset="0"/>
+                        <a:ea typeface="+mn-ea"/>
+                        <a:cs typeface="Arial" panose="020B0604020202020204" pitchFamily="34" charset="0"/>
+                      </a:endParaRPr>
                     </a:p>
                   </a:txBody>
                   <a:tcPr/>
@@ -11065,7 +11135,7 @@
                         <a:defRPr/>
                       </a:pPr>
                       <a:r>
-                        <a:rPr kumimoji="1" lang="en-US" altLang="ja-JP" sz="1000" b="0" kern="1200" dirty="0">
+                        <a:rPr kumimoji="1" lang="en-US" altLang="ja-JP" sz="1000" b="0" kern="1200" dirty="0" err="1">
                           <a:solidFill>
                             <a:schemeClr val="tx1"/>
                           </a:solidFill>
@@ -11074,8 +11144,17 @@
                           <a:ea typeface="+mn-ea"/>
                           <a:cs typeface="Arial" panose="020B0604020202020204" pitchFamily="34" charset="0"/>
                         </a:rPr>
-                        <a:t>CHAR(6)</a:t>
-                      </a:r>
+                        <a:t>tinyint</a:t>
+                      </a:r>
+                      <a:endParaRPr kumimoji="1" lang="en-US" altLang="ja-JP" sz="1000" b="0" kern="1200" dirty="0">
+                        <a:solidFill>
+                          <a:schemeClr val="tx1"/>
+                        </a:solidFill>
+                        <a:effectLst/>
+                        <a:latin typeface="Arial" panose="020B0604020202020204" pitchFamily="34" charset="0"/>
+                        <a:ea typeface="+mn-ea"/>
+                        <a:cs typeface="Arial" panose="020B0604020202020204" pitchFamily="34" charset="0"/>
+                      </a:endParaRPr>
                     </a:p>
                   </a:txBody>
                   <a:tcPr/>
@@ -11092,10 +11171,10 @@
       </p:graphicFrame>
       <p:graphicFrame>
         <p:nvGraphicFramePr>
-          <p:cNvPr id="53" name="表 52">
+          <p:cNvPr id="5" name="表 4">
             <a:extLst>
               <a:ext uri="{FF2B5EF4-FFF2-40B4-BE49-F238E27FC236}">
-                <a16:creationId xmlns:a16="http://schemas.microsoft.com/office/drawing/2014/main" id="{FC15685E-97D8-B946-5902-719311103464}"/>
+                <a16:creationId xmlns:a16="http://schemas.microsoft.com/office/drawing/2014/main" id="{CB40BBB1-5313-CE29-EA1D-D1972D4BC7B5}"/>
               </a:ext>
             </a:extLst>
           </p:cNvPr>
@@ -11105,13 +11184,13 @@
           <p:nvPr>
             <p:extLst>
               <p:ext uri="{D42A27DB-BD31-4B8C-83A1-F6EECF244321}">
-                <p14:modId xmlns:p14="http://schemas.microsoft.com/office/powerpoint/2010/main" val="81908531"/>
+                <p14:modId xmlns:p14="http://schemas.microsoft.com/office/powerpoint/2010/main" val="1551706022"/>
               </p:ext>
             </p:extLst>
           </p:nvPr>
         </p:nvGraphicFramePr>
         <p:xfrm>
-          <a:off x="7946774" y="2988749"/>
+          <a:off x="8122620" y="941876"/>
           <a:ext cx="2673010" cy="1716537"/>
         </p:xfrm>
         <a:graphic>
@@ -11226,7 +11305,7 @@
                         <a:defRPr/>
                       </a:pPr>
                       <a:r>
-                        <a:rPr kumimoji="1" lang="en-US" altLang="ja-JP" sz="1000" b="0" kern="1200" dirty="0" err="1">
+                        <a:rPr kumimoji="1" lang="en-US" altLang="ja-JP" sz="1000" b="0" kern="1200" dirty="0">
                           <a:solidFill>
                             <a:schemeClr val="tx1"/>
                           </a:solidFill>
@@ -11235,17 +11314,8 @@
                           <a:ea typeface="+mn-ea"/>
                           <a:cs typeface="Arial" panose="020B0604020202020204" pitchFamily="34" charset="0"/>
                         </a:rPr>
-                        <a:t>bigint</a:t>
-                      </a:r>
-                      <a:endParaRPr kumimoji="1" lang="en-US" altLang="ja-JP" sz="1000" b="0" kern="1200" dirty="0">
-                        <a:solidFill>
-                          <a:schemeClr val="tx1"/>
-                        </a:solidFill>
-                        <a:effectLst/>
-                        <a:latin typeface="Arial" panose="020B0604020202020204" pitchFamily="34" charset="0"/>
-                        <a:ea typeface="+mn-ea"/>
-                        <a:cs typeface="Arial" panose="020B0604020202020204" pitchFamily="34" charset="0"/>
-                      </a:endParaRPr>
+                        <a:t>int</a:t>
+                      </a:r>
                     </a:p>
                   </a:txBody>
                   <a:tcPr/>
@@ -11305,18 +11375,6 @@
                         <a:defRPr/>
                       </a:pPr>
                       <a:r>
-                        <a:rPr kumimoji="1" lang="en-US" altLang="ja-JP" sz="1000" b="0" kern="1200" dirty="0" err="1">
-                          <a:solidFill>
-                            <a:schemeClr val="tx1"/>
-                          </a:solidFill>
-                          <a:effectLst/>
-                          <a:latin typeface="Arial" panose="020B0604020202020204" pitchFamily="34" charset="0"/>
-                          <a:ea typeface="+mn-ea"/>
-                          <a:cs typeface="Arial" panose="020B0604020202020204" pitchFamily="34" charset="0"/>
-                        </a:rPr>
-                        <a:t>nvarchar</a:t>
-                      </a:r>
-                      <a:r>
                         <a:rPr kumimoji="1" lang="en-US" altLang="ja-JP" sz="1000" b="0" kern="1200" dirty="0">
                           <a:solidFill>
                             <a:schemeClr val="tx1"/>
@@ -11326,7 +11384,7 @@
                           <a:ea typeface="+mn-ea"/>
                           <a:cs typeface="Arial" panose="020B0604020202020204" pitchFamily="34" charset="0"/>
                         </a:rPr>
-                        <a:t>(4000)</a:t>
+                        <a:t>Date</a:t>
                       </a:r>
                     </a:p>
                   </a:txBody>
@@ -11450,18 +11508,6 @@
                         <a:defRPr/>
                       </a:pPr>
                       <a:r>
-                        <a:rPr kumimoji="1" lang="en-US" altLang="ja-JP" sz="1000" b="0" kern="1200" dirty="0" err="1">
-                          <a:solidFill>
-                            <a:schemeClr val="tx1"/>
-                          </a:solidFill>
-                          <a:effectLst/>
-                          <a:latin typeface="Arial" panose="020B0604020202020204" pitchFamily="34" charset="0"/>
-                          <a:ea typeface="+mn-ea"/>
-                          <a:cs typeface="Arial" panose="020B0604020202020204" pitchFamily="34" charset="0"/>
-                        </a:rPr>
-                        <a:t>nvarchar</a:t>
-                      </a:r>
-                      <a:r>
                         <a:rPr kumimoji="1" lang="en-US" altLang="ja-JP" sz="1000" b="0" kern="1200" dirty="0">
                           <a:solidFill>
                             <a:schemeClr val="tx1"/>
@@ -11471,7 +11517,7 @@
                           <a:ea typeface="+mn-ea"/>
                           <a:cs typeface="Arial" panose="020B0604020202020204" pitchFamily="34" charset="0"/>
                         </a:rPr>
-                        <a:t>(4000)</a:t>
+                        <a:t>Date</a:t>
                       </a:r>
                     </a:p>
                   </a:txBody>
@@ -11547,7 +11593,7 @@
                         <a:defRPr/>
                       </a:pPr>
                       <a:r>
-                        <a:rPr kumimoji="1" lang="en-US" altLang="ja-JP" sz="1000" b="0" kern="1200" dirty="0">
+                        <a:rPr kumimoji="1" lang="en-US" altLang="ja-JP" sz="1000" b="0" kern="1200" dirty="0" err="1">
                           <a:solidFill>
                             <a:schemeClr val="tx1"/>
                           </a:solidFill>
@@ -11556,8 +11602,17 @@
                           <a:ea typeface="+mn-ea"/>
                           <a:cs typeface="Arial" panose="020B0604020202020204" pitchFamily="34" charset="0"/>
                         </a:rPr>
-                        <a:t>TINYINT</a:t>
-                      </a:r>
+                        <a:t>tynyint</a:t>
+                      </a:r>
+                      <a:endParaRPr kumimoji="1" lang="en-US" altLang="ja-JP" sz="1000" b="0" kern="1200" dirty="0">
+                        <a:solidFill>
+                          <a:schemeClr val="tx1"/>
+                        </a:solidFill>
+                        <a:effectLst/>
+                        <a:latin typeface="Arial" panose="020B0604020202020204" pitchFamily="34" charset="0"/>
+                        <a:ea typeface="+mn-ea"/>
+                        <a:cs typeface="Arial" panose="020B0604020202020204" pitchFamily="34" charset="0"/>
+                      </a:endParaRPr>
                     </a:p>
                   </a:txBody>
                   <a:tcPr/>
@@ -11616,10 +11671,10 @@
       </p:graphicFrame>
       <p:sp>
         <p:nvSpPr>
-          <p:cNvPr id="55" name="正方形/長方形 54">
+          <p:cNvPr id="6" name="正方形/長方形 5">
             <a:extLst>
               <a:ext uri="{FF2B5EF4-FFF2-40B4-BE49-F238E27FC236}">
-                <a16:creationId xmlns:a16="http://schemas.microsoft.com/office/drawing/2014/main" id="{562DFFC4-1896-ACE7-A371-88EAA4157F72}"/>
+                <a16:creationId xmlns:a16="http://schemas.microsoft.com/office/drawing/2014/main" id="{56E6E2F0-A56B-A053-6A2F-39C1EB8430EA}"/>
               </a:ext>
             </a:extLst>
           </p:cNvPr>
@@ -11628,7 +11683,7 @@
         </p:nvSpPr>
         <p:spPr>
           <a:xfrm>
-            <a:off x="821305" y="3306239"/>
+            <a:off x="358991" y="3031430"/>
             <a:ext cx="2486953" cy="211499"/>
           </a:xfrm>
           <a:prstGeom prst="rect">
@@ -11668,10 +11723,10 @@
       </p:sp>
       <p:sp>
         <p:nvSpPr>
-          <p:cNvPr id="57" name="正方形/長方形 56">
+          <p:cNvPr id="8" name="正方形/長方形 7">
             <a:extLst>
               <a:ext uri="{FF2B5EF4-FFF2-40B4-BE49-F238E27FC236}">
-                <a16:creationId xmlns:a16="http://schemas.microsoft.com/office/drawing/2014/main" id="{AD3D4430-FD76-DF5E-75F1-73AB72F86152}"/>
+                <a16:creationId xmlns:a16="http://schemas.microsoft.com/office/drawing/2014/main" id="{92325C09-E79D-3156-4767-83D6F200196E}"/>
               </a:ext>
             </a:extLst>
           </p:cNvPr>
@@ -11680,7 +11735,7 @@
         </p:nvSpPr>
         <p:spPr>
           <a:xfrm>
-            <a:off x="7968956" y="3249164"/>
+            <a:off x="8144803" y="1225020"/>
             <a:ext cx="2650827" cy="194152"/>
           </a:xfrm>
           <a:prstGeom prst="rect">
@@ -11720,10 +11775,10 @@
       </p:sp>
       <p:sp>
         <p:nvSpPr>
-          <p:cNvPr id="64" name="正方形/長方形 63">
+          <p:cNvPr id="11" name="正方形/長方形 10">
             <a:extLst>
               <a:ext uri="{FF2B5EF4-FFF2-40B4-BE49-F238E27FC236}">
-                <a16:creationId xmlns:a16="http://schemas.microsoft.com/office/drawing/2014/main" id="{86858ACC-B288-4BCF-058A-136E0BE59B5D}"/>
+                <a16:creationId xmlns:a16="http://schemas.microsoft.com/office/drawing/2014/main" id="{990FF3B1-EAB4-9ADF-D721-FE9158468122}"/>
               </a:ext>
             </a:extLst>
           </p:cNvPr>
@@ -11732,7 +11787,7 @@
         </p:nvSpPr>
         <p:spPr>
           <a:xfrm>
-            <a:off x="4467118" y="3232377"/>
+            <a:off x="4423157" y="1962948"/>
             <a:ext cx="2638742" cy="232729"/>
           </a:xfrm>
           <a:prstGeom prst="rect">
@@ -11772,24 +11827,24 @@
       </p:sp>
       <p:cxnSp>
         <p:nvCxnSpPr>
-          <p:cNvPr id="65" name="コネクタ: カギ線 64">
+          <p:cNvPr id="12" name="コネクタ: カギ線 11">
             <a:extLst>
               <a:ext uri="{FF2B5EF4-FFF2-40B4-BE49-F238E27FC236}">
-                <a16:creationId xmlns:a16="http://schemas.microsoft.com/office/drawing/2014/main" id="{B112C5A1-B9FA-9917-E61F-8945D610AE74}"/>
+                <a16:creationId xmlns:a16="http://schemas.microsoft.com/office/drawing/2014/main" id="{FD9A9DF6-7095-C912-21C9-D38D65F2EA30}"/>
               </a:ext>
             </a:extLst>
           </p:cNvPr>
           <p:cNvCxnSpPr>
             <a:cxnSpLocks/>
-            <a:stCxn id="55" idx="3"/>
-            <a:endCxn id="64" idx="1"/>
+            <a:stCxn id="6" idx="3"/>
+            <a:endCxn id="11" idx="1"/>
           </p:cNvCxnSpPr>
           <p:nvPr/>
         </p:nvCxnSpPr>
         <p:spPr>
           <a:xfrm flipV="1">
-            <a:off x="3308258" y="3348742"/>
-            <a:ext cx="1158860" cy="63247"/>
+            <a:off x="2845944" y="2079313"/>
+            <a:ext cx="1577213" cy="1057867"/>
           </a:xfrm>
           <a:prstGeom prst="bentConnector3">
             <a:avLst/>
@@ -11818,28 +11873,28 @@
       </p:cxnSp>
       <p:cxnSp>
         <p:nvCxnSpPr>
-          <p:cNvPr id="66" name="コネクタ: カギ線 65">
+          <p:cNvPr id="13" name="コネクタ: カギ線 12">
             <a:extLst>
               <a:ext uri="{FF2B5EF4-FFF2-40B4-BE49-F238E27FC236}">
-                <a16:creationId xmlns:a16="http://schemas.microsoft.com/office/drawing/2014/main" id="{FE429196-F746-7E71-A70E-7BA9CCFD7B15}"/>
+                <a16:creationId xmlns:a16="http://schemas.microsoft.com/office/drawing/2014/main" id="{BE7177FC-195A-5524-62E0-716D15F453D5}"/>
               </a:ext>
             </a:extLst>
           </p:cNvPr>
           <p:cNvCxnSpPr>
             <a:cxnSpLocks/>
-            <a:stCxn id="57" idx="1"/>
-            <a:endCxn id="67" idx="3"/>
+            <a:stCxn id="8" idx="1"/>
+            <a:endCxn id="14" idx="3"/>
           </p:cNvCxnSpPr>
           <p:nvPr/>
         </p:nvCxnSpPr>
         <p:spPr>
           <a:xfrm rot="10800000" flipV="1">
-            <a:off x="7073046" y="3346239"/>
-            <a:ext cx="895911" cy="572317"/>
+            <a:off x="7056399" y="1322096"/>
+            <a:ext cx="1088404" cy="1278408"/>
           </a:xfrm>
           <a:prstGeom prst="bentConnector3">
             <a:avLst>
-              <a:gd name="adj1" fmla="val 50000"/>
+              <a:gd name="adj1" fmla="val 30612"/>
             </a:avLst>
           </a:prstGeom>
           <a:ln>
@@ -11866,10 +11921,10 @@
       </p:cxnSp>
       <p:sp>
         <p:nvSpPr>
-          <p:cNvPr id="67" name="正方形/長方形 66">
+          <p:cNvPr id="14" name="正方形/長方形 13">
             <a:extLst>
               <a:ext uri="{FF2B5EF4-FFF2-40B4-BE49-F238E27FC236}">
-                <a16:creationId xmlns:a16="http://schemas.microsoft.com/office/drawing/2014/main" id="{4B77C666-5093-419A-47CD-78F412553270}"/>
+                <a16:creationId xmlns:a16="http://schemas.microsoft.com/office/drawing/2014/main" id="{21D6B7D3-0093-5EE9-AF8D-5765E4ED53BD}"/>
               </a:ext>
             </a:extLst>
           </p:cNvPr>
@@ -11878,7 +11933,7 @@
         </p:nvSpPr>
         <p:spPr>
           <a:xfrm>
-            <a:off x="4472366" y="3802192"/>
+            <a:off x="4455720" y="2484139"/>
             <a:ext cx="2600679" cy="232729"/>
           </a:xfrm>
           <a:prstGeom prst="rect">
@@ -12420,6 +12475,2663 @@
       </p:cxnSp>
       <p:graphicFrame>
         <p:nvGraphicFramePr>
+          <p:cNvPr id="18" name="表 17">
+            <a:extLst>
+              <a:ext uri="{FF2B5EF4-FFF2-40B4-BE49-F238E27FC236}">
+                <a16:creationId xmlns:a16="http://schemas.microsoft.com/office/drawing/2014/main" id="{251FCD0B-88B5-42CD-A689-879FB7E31CCF}"/>
+              </a:ext>
+            </a:extLst>
+          </p:cNvPr>
+          <p:cNvGraphicFramePr>
+            <a:graphicFrameLocks noGrp="1"/>
+          </p:cNvGraphicFramePr>
+          <p:nvPr>
+            <p:extLst>
+              <p:ext uri="{D42A27DB-BD31-4B8C-83A1-F6EECF244321}">
+                <p14:modId xmlns:p14="http://schemas.microsoft.com/office/powerpoint/2010/main" val="794789007"/>
+              </p:ext>
+            </p:extLst>
+          </p:nvPr>
+        </p:nvGraphicFramePr>
+        <p:xfrm>
+          <a:off x="1096898" y="4555301"/>
+          <a:ext cx="2648080" cy="1342792"/>
+        </p:xfrm>
+        <a:graphic>
+          <a:graphicData uri="http://schemas.openxmlformats.org/drawingml/2006/table">
+            <a:tbl>
+              <a:tblPr firstRow="1" bandRow="1">
+                <a:tableStyleId>{F5AB1C69-6EDB-4FF4-983F-18BD219EF322}</a:tableStyleId>
+              </a:tblPr>
+              <a:tblGrid>
+                <a:gridCol w="1346040">
+                  <a:extLst>
+                    <a:ext uri="{9D8B030D-6E8A-4147-A177-3AD203B41FA5}">
+                      <a16:colId xmlns:a16="http://schemas.microsoft.com/office/drawing/2014/main" val="2952130031"/>
+                    </a:ext>
+                  </a:extLst>
+                </a:gridCol>
+                <a:gridCol w="1302040">
+                  <a:extLst>
+                    <a:ext uri="{9D8B030D-6E8A-4147-A177-3AD203B41FA5}">
+                      <a16:colId xmlns:a16="http://schemas.microsoft.com/office/drawing/2014/main" val="792604804"/>
+                    </a:ext>
+                  </a:extLst>
+                </a:gridCol>
+              </a:tblGrid>
+              <a:tr h="123856">
+                <a:tc>
+                  <a:txBody>
+                    <a:bodyPr/>
+                    <a:lstStyle/>
+                    <a:p>
+                      <a:r>
+                        <a:rPr kumimoji="1" lang="en-US" altLang="ja-JP" sz="1000" dirty="0" err="1"/>
+                        <a:t>Payment_fact</a:t>
+                      </a:r>
+                      <a:endParaRPr kumimoji="1" lang="ja-JP" altLang="en-US" sz="1000" dirty="0">
+                        <a:latin typeface="Arial" panose="020B0604020202020204" pitchFamily="34" charset="0"/>
+                        <a:cs typeface="Arial" panose="020B0604020202020204" pitchFamily="34" charset="0"/>
+                      </a:endParaRPr>
+                    </a:p>
+                  </a:txBody>
+                  <a:tcPr/>
+                </a:tc>
+                <a:tc>
+                  <a:txBody>
+                    <a:bodyPr/>
+                    <a:lstStyle/>
+                    <a:p>
+                      <a:endParaRPr kumimoji="1" lang="ja-JP" altLang="en-US" sz="1000" dirty="0">
+                        <a:highlight>
+                          <a:srgbClr val="808000"/>
+                        </a:highlight>
+                        <a:latin typeface="Arial" panose="020B0604020202020204" pitchFamily="34" charset="0"/>
+                        <a:cs typeface="Arial" panose="020B0604020202020204" pitchFamily="34" charset="0"/>
+                      </a:endParaRPr>
+                    </a:p>
+                  </a:txBody>
+                  <a:tcPr/>
+                </a:tc>
+                <a:extLst>
+                  <a:ext uri="{0D108BD9-81ED-4DB2-BD59-A6C34878D82A}">
+                    <a16:rowId xmlns:a16="http://schemas.microsoft.com/office/drawing/2014/main" val="659651961"/>
+                  </a:ext>
+                </a:extLst>
+              </a:tr>
+              <a:tr h="274738">
+                <a:tc>
+                  <a:txBody>
+                    <a:bodyPr/>
+                    <a:lstStyle/>
+                    <a:p>
+                      <a:pPr marL="0" indent="0">
+                        <a:buFont typeface="Arial" panose="020B0604020202020204" pitchFamily="34" charset="0"/>
+                        <a:buNone/>
+                      </a:pPr>
+                      <a:r>
+                        <a:rPr kumimoji="1" lang="en-US" altLang="ja-JP" sz="1000" dirty="0" err="1"/>
+                        <a:t>payment_id</a:t>
+                      </a:r>
+                      <a:endParaRPr kumimoji="1" lang="en-US" altLang="ja-JP" sz="1000" dirty="0">
+                        <a:solidFill>
+                          <a:schemeClr val="accent1">
+                            <a:lumMod val="50000"/>
+                          </a:schemeClr>
+                        </a:solidFill>
+                        <a:latin typeface="Arial" panose="020B0604020202020204" pitchFamily="34" charset="0"/>
+                        <a:cs typeface="Arial" panose="020B0604020202020204" pitchFamily="34" charset="0"/>
+                      </a:endParaRPr>
+                    </a:p>
+                  </a:txBody>
+                  <a:tcPr/>
+                </a:tc>
+                <a:tc>
+                  <a:txBody>
+                    <a:bodyPr/>
+                    <a:lstStyle/>
+                    <a:p>
+                      <a:pPr marL="0" marR="0" lvl="0" indent="0" algn="l" defTabSz="914400" rtl="0" eaLnBrk="1" fontAlgn="auto" latinLnBrk="0" hangingPunct="1">
+                        <a:lnSpc>
+                          <a:spcPct val="100000"/>
+                        </a:lnSpc>
+                        <a:spcBef>
+                          <a:spcPts val="0"/>
+                        </a:spcBef>
+                        <a:spcAft>
+                          <a:spcPts val="0"/>
+                        </a:spcAft>
+                        <a:buClrTx/>
+                        <a:buSzTx/>
+                        <a:buFontTx/>
+                        <a:buNone/>
+                        <a:tabLst/>
+                        <a:defRPr/>
+                      </a:pPr>
+                      <a:r>
+                        <a:rPr kumimoji="1" lang="en-US" altLang="ja-JP" sz="1000" b="0" kern="1200" dirty="0" err="1">
+                          <a:solidFill>
+                            <a:schemeClr val="tx1"/>
+                          </a:solidFill>
+                          <a:effectLst/>
+                        </a:rPr>
+                        <a:t>nvarchar</a:t>
+                      </a:r>
+                      <a:r>
+                        <a:rPr kumimoji="1" lang="en-US" altLang="ja-JP" sz="1000" b="0" kern="1200" dirty="0">
+                          <a:solidFill>
+                            <a:schemeClr val="tx1"/>
+                          </a:solidFill>
+                          <a:effectLst/>
+                        </a:rPr>
+                        <a:t>(4000)</a:t>
+                      </a:r>
+                      <a:endParaRPr kumimoji="1" lang="en-US" altLang="ja-JP" sz="1000" b="0" kern="1200" dirty="0">
+                        <a:solidFill>
+                          <a:schemeClr val="tx1"/>
+                        </a:solidFill>
+                        <a:effectLst/>
+                        <a:latin typeface="Arial" panose="020B0604020202020204" pitchFamily="34" charset="0"/>
+                        <a:ea typeface="+mn-ea"/>
+                        <a:cs typeface="Arial" panose="020B0604020202020204" pitchFamily="34" charset="0"/>
+                      </a:endParaRPr>
+                    </a:p>
+                  </a:txBody>
+                  <a:tcPr/>
+                </a:tc>
+                <a:extLst>
+                  <a:ext uri="{0D108BD9-81ED-4DB2-BD59-A6C34878D82A}">
+                    <a16:rowId xmlns:a16="http://schemas.microsoft.com/office/drawing/2014/main" val="1254725891"/>
+                  </a:ext>
+                </a:extLst>
+              </a:tr>
+              <a:tr h="274738">
+                <a:tc>
+                  <a:txBody>
+                    <a:bodyPr/>
+                    <a:lstStyle/>
+                    <a:p>
+                      <a:pPr marL="0" indent="0">
+                        <a:buFont typeface="Arial" panose="020B0604020202020204" pitchFamily="34" charset="0"/>
+                        <a:buNone/>
+                      </a:pPr>
+                      <a:r>
+                        <a:rPr lang="en-US" altLang="ja-JP" sz="1000" dirty="0">
+                          <a:solidFill>
+                            <a:schemeClr val="accent1">
+                              <a:lumMod val="50000"/>
+                            </a:schemeClr>
+                          </a:solidFill>
+                        </a:rPr>
+                        <a:t>date</a:t>
+                      </a:r>
+                      <a:endParaRPr lang="en-US" altLang="ja-JP" sz="1000" dirty="0">
+                        <a:solidFill>
+                          <a:schemeClr val="accent1">
+                            <a:lumMod val="50000"/>
+                          </a:schemeClr>
+                        </a:solidFill>
+                        <a:latin typeface="Arial" panose="020B0604020202020204" pitchFamily="34" charset="0"/>
+                        <a:cs typeface="Arial" panose="020B0604020202020204" pitchFamily="34" charset="0"/>
+                      </a:endParaRPr>
+                    </a:p>
+                  </a:txBody>
+                  <a:tcPr/>
+                </a:tc>
+                <a:tc>
+                  <a:txBody>
+                    <a:bodyPr/>
+                    <a:lstStyle/>
+                    <a:p>
+                      <a:pPr marL="0" marR="0" lvl="0" indent="0" algn="l" defTabSz="914400" rtl="0" eaLnBrk="1" fontAlgn="auto" latinLnBrk="0" hangingPunct="1">
+                        <a:lnSpc>
+                          <a:spcPct val="100000"/>
+                        </a:lnSpc>
+                        <a:spcBef>
+                          <a:spcPts val="0"/>
+                        </a:spcBef>
+                        <a:spcAft>
+                          <a:spcPts val="0"/>
+                        </a:spcAft>
+                        <a:buClrTx/>
+                        <a:buSzTx/>
+                        <a:buFontTx/>
+                        <a:buNone/>
+                        <a:tabLst/>
+                        <a:defRPr/>
+                      </a:pPr>
+                      <a:r>
+                        <a:rPr kumimoji="1" lang="en-US" altLang="ja-JP" sz="1000" b="0" kern="1200" dirty="0" err="1">
+                          <a:solidFill>
+                            <a:schemeClr val="tx1"/>
+                          </a:solidFill>
+                          <a:effectLst/>
+                        </a:rPr>
+                        <a:t>nvarchar</a:t>
+                      </a:r>
+                      <a:r>
+                        <a:rPr kumimoji="1" lang="en-US" altLang="ja-JP" sz="1000" b="0" kern="1200" dirty="0">
+                          <a:solidFill>
+                            <a:schemeClr val="tx1"/>
+                          </a:solidFill>
+                          <a:effectLst/>
+                        </a:rPr>
+                        <a:t>(4000)</a:t>
+                      </a:r>
+                      <a:endParaRPr kumimoji="1" lang="en-US" altLang="ja-JP" sz="1000" b="0" kern="1200" dirty="0">
+                        <a:solidFill>
+                          <a:schemeClr val="tx1"/>
+                        </a:solidFill>
+                        <a:effectLst/>
+                        <a:latin typeface="Arial" panose="020B0604020202020204" pitchFamily="34" charset="0"/>
+                        <a:ea typeface="+mn-ea"/>
+                        <a:cs typeface="Arial" panose="020B0604020202020204" pitchFamily="34" charset="0"/>
+                      </a:endParaRPr>
+                    </a:p>
+                  </a:txBody>
+                  <a:tcPr/>
+                </a:tc>
+                <a:extLst>
+                  <a:ext uri="{0D108BD9-81ED-4DB2-BD59-A6C34878D82A}">
+                    <a16:rowId xmlns:a16="http://schemas.microsoft.com/office/drawing/2014/main" val="3179887243"/>
+                  </a:ext>
+                </a:extLst>
+              </a:tr>
+              <a:tr h="274738">
+                <a:tc>
+                  <a:txBody>
+                    <a:bodyPr/>
+                    <a:lstStyle/>
+                    <a:p>
+                      <a:pPr marL="0" marR="0" lvl="0" indent="0" algn="l" defTabSz="914400" rtl="0" eaLnBrk="1" fontAlgn="auto" latinLnBrk="0" hangingPunct="1">
+                        <a:lnSpc>
+                          <a:spcPct val="100000"/>
+                        </a:lnSpc>
+                        <a:spcBef>
+                          <a:spcPts val="0"/>
+                        </a:spcBef>
+                        <a:spcAft>
+                          <a:spcPts val="0"/>
+                        </a:spcAft>
+                        <a:buClrTx/>
+                        <a:buSzTx/>
+                        <a:buFontTx/>
+                        <a:buNone/>
+                        <a:tabLst/>
+                        <a:defRPr/>
+                      </a:pPr>
+                      <a:r>
+                        <a:rPr kumimoji="1" lang="en-US" altLang="ja-JP" sz="1000" dirty="0">
+                          <a:solidFill>
+                            <a:schemeClr val="tx1"/>
+                          </a:solidFill>
+                        </a:rPr>
+                        <a:t>amount</a:t>
+                      </a:r>
+                      <a:endParaRPr lang="en-US" altLang="ja-JP" sz="1000" dirty="0">
+                        <a:solidFill>
+                          <a:schemeClr val="tx1"/>
+                        </a:solidFill>
+                        <a:latin typeface="Arial" panose="020B0604020202020204" pitchFamily="34" charset="0"/>
+                        <a:cs typeface="Arial" panose="020B0604020202020204" pitchFamily="34" charset="0"/>
+                      </a:endParaRPr>
+                    </a:p>
+                  </a:txBody>
+                  <a:tcPr/>
+                </a:tc>
+                <a:tc>
+                  <a:txBody>
+                    <a:bodyPr/>
+                    <a:lstStyle/>
+                    <a:p>
+                      <a:pPr marL="0" marR="0" lvl="0" indent="0" algn="l" defTabSz="914400" rtl="0" eaLnBrk="1" fontAlgn="auto" latinLnBrk="0" hangingPunct="1">
+                        <a:lnSpc>
+                          <a:spcPct val="100000"/>
+                        </a:lnSpc>
+                        <a:spcBef>
+                          <a:spcPts val="0"/>
+                        </a:spcBef>
+                        <a:spcAft>
+                          <a:spcPts val="0"/>
+                        </a:spcAft>
+                        <a:buClrTx/>
+                        <a:buSzTx/>
+                        <a:buFontTx/>
+                        <a:buNone/>
+                        <a:tabLst/>
+                        <a:defRPr/>
+                      </a:pPr>
+                      <a:r>
+                        <a:rPr kumimoji="1" lang="en-US" altLang="ja-JP" sz="1000" b="0" kern="1200" dirty="0" err="1">
+                          <a:solidFill>
+                            <a:schemeClr val="tx1"/>
+                          </a:solidFill>
+                          <a:effectLst/>
+                        </a:rPr>
+                        <a:t>nvarchar</a:t>
+                      </a:r>
+                      <a:r>
+                        <a:rPr kumimoji="1" lang="en-US" altLang="ja-JP" sz="1000" b="0" kern="1200" dirty="0">
+                          <a:solidFill>
+                            <a:schemeClr val="tx1"/>
+                          </a:solidFill>
+                          <a:effectLst/>
+                        </a:rPr>
+                        <a:t>(4000)</a:t>
+                      </a:r>
+                      <a:endParaRPr kumimoji="1" lang="en-US" altLang="ja-JP" sz="1000" b="0" kern="1200" dirty="0">
+                        <a:solidFill>
+                          <a:schemeClr val="tx1"/>
+                        </a:solidFill>
+                        <a:effectLst/>
+                        <a:latin typeface="Arial" panose="020B0604020202020204" pitchFamily="34" charset="0"/>
+                        <a:ea typeface="+mn-ea"/>
+                        <a:cs typeface="Arial" panose="020B0604020202020204" pitchFamily="34" charset="0"/>
+                      </a:endParaRPr>
+                    </a:p>
+                  </a:txBody>
+                  <a:tcPr/>
+                </a:tc>
+                <a:extLst>
+                  <a:ext uri="{0D108BD9-81ED-4DB2-BD59-A6C34878D82A}">
+                    <a16:rowId xmlns:a16="http://schemas.microsoft.com/office/drawing/2014/main" val="1698588673"/>
+                  </a:ext>
+                </a:extLst>
+              </a:tr>
+              <a:tr h="274738">
+                <a:tc>
+                  <a:txBody>
+                    <a:bodyPr/>
+                    <a:lstStyle/>
+                    <a:p>
+                      <a:pPr marL="0" marR="0" lvl="0" indent="0" algn="l" defTabSz="914400" rtl="0" eaLnBrk="1" fontAlgn="auto" latinLnBrk="0" hangingPunct="1">
+                        <a:lnSpc>
+                          <a:spcPct val="100000"/>
+                        </a:lnSpc>
+                        <a:spcBef>
+                          <a:spcPts val="0"/>
+                        </a:spcBef>
+                        <a:spcAft>
+                          <a:spcPts val="0"/>
+                        </a:spcAft>
+                        <a:buClrTx/>
+                        <a:buSzTx/>
+                        <a:buFontTx/>
+                        <a:buNone/>
+                        <a:tabLst/>
+                        <a:defRPr/>
+                      </a:pPr>
+                      <a:r>
+                        <a:rPr lang="en-US" altLang="ja-JP" sz="1000" dirty="0" err="1"/>
+                        <a:t>account_number</a:t>
+                      </a:r>
+                      <a:endParaRPr kumimoji="1" lang="en-US" altLang="ja-JP" sz="1000" dirty="0">
+                        <a:solidFill>
+                          <a:schemeClr val="tx1"/>
+                        </a:solidFill>
+                        <a:latin typeface="Arial" panose="020B0604020202020204" pitchFamily="34" charset="0"/>
+                        <a:cs typeface="Arial" panose="020B0604020202020204" pitchFamily="34" charset="0"/>
+                      </a:endParaRPr>
+                    </a:p>
+                  </a:txBody>
+                  <a:tcPr/>
+                </a:tc>
+                <a:tc>
+                  <a:txBody>
+                    <a:bodyPr/>
+                    <a:lstStyle/>
+                    <a:p>
+                      <a:pPr marL="0" marR="0" lvl="0" indent="0" algn="l" defTabSz="914400" rtl="0" eaLnBrk="1" fontAlgn="auto" latinLnBrk="0" hangingPunct="1">
+                        <a:lnSpc>
+                          <a:spcPct val="100000"/>
+                        </a:lnSpc>
+                        <a:spcBef>
+                          <a:spcPts val="0"/>
+                        </a:spcBef>
+                        <a:spcAft>
+                          <a:spcPts val="0"/>
+                        </a:spcAft>
+                        <a:buClrTx/>
+                        <a:buSzTx/>
+                        <a:buFontTx/>
+                        <a:buNone/>
+                        <a:tabLst/>
+                        <a:defRPr/>
+                      </a:pPr>
+                      <a:r>
+                        <a:rPr kumimoji="1" lang="en-US" altLang="ja-JP" sz="1000" b="0" kern="1200" dirty="0" err="1">
+                          <a:solidFill>
+                            <a:schemeClr val="tx1"/>
+                          </a:solidFill>
+                          <a:effectLst/>
+                        </a:rPr>
+                        <a:t>nvarchar</a:t>
+                      </a:r>
+                      <a:r>
+                        <a:rPr kumimoji="1" lang="en-US" altLang="ja-JP" sz="1000" b="0" kern="1200" dirty="0">
+                          <a:solidFill>
+                            <a:schemeClr val="tx1"/>
+                          </a:solidFill>
+                          <a:effectLst/>
+                        </a:rPr>
+                        <a:t>(4000)</a:t>
+                      </a:r>
+                      <a:endParaRPr kumimoji="1" lang="en-US" altLang="ja-JP" sz="1000" b="0" kern="1200" dirty="0">
+                        <a:solidFill>
+                          <a:schemeClr val="tx1"/>
+                        </a:solidFill>
+                        <a:effectLst/>
+                        <a:latin typeface="Arial" panose="020B0604020202020204" pitchFamily="34" charset="0"/>
+                        <a:ea typeface="+mn-ea"/>
+                        <a:cs typeface="Arial" panose="020B0604020202020204" pitchFamily="34" charset="0"/>
+                      </a:endParaRPr>
+                    </a:p>
+                  </a:txBody>
+                  <a:tcPr/>
+                </a:tc>
+                <a:extLst>
+                  <a:ext uri="{0D108BD9-81ED-4DB2-BD59-A6C34878D82A}">
+                    <a16:rowId xmlns:a16="http://schemas.microsoft.com/office/drawing/2014/main" val="2891859404"/>
+                  </a:ext>
+                </a:extLst>
+              </a:tr>
+            </a:tbl>
+          </a:graphicData>
+        </a:graphic>
+      </p:graphicFrame>
+      <p:sp>
+        <p:nvSpPr>
+          <p:cNvPr id="19" name="正方形/長方形 18">
+            <a:extLst>
+              <a:ext uri="{FF2B5EF4-FFF2-40B4-BE49-F238E27FC236}">
+                <a16:creationId xmlns:a16="http://schemas.microsoft.com/office/drawing/2014/main" id="{1C2CF9B8-2CD3-E3D7-EA6A-36777C69BAAB}"/>
+              </a:ext>
+            </a:extLst>
+          </p:cNvPr>
+          <p:cNvSpPr/>
+          <p:nvPr/>
+        </p:nvSpPr>
+        <p:spPr>
+          <a:xfrm>
+            <a:off x="1140081" y="5648312"/>
+            <a:ext cx="2600679" cy="232729"/>
+          </a:xfrm>
+          <a:prstGeom prst="rect">
+            <a:avLst/>
+          </a:prstGeom>
+          <a:noFill/>
+          <a:ln w="19050">
+            <a:solidFill>
+              <a:srgbClr val="FF0000"/>
+            </a:solidFill>
+          </a:ln>
+        </p:spPr>
+        <p:style>
+          <a:lnRef idx="2">
+            <a:schemeClr val="accent1">
+              <a:shade val="50000"/>
+            </a:schemeClr>
+          </a:lnRef>
+          <a:fillRef idx="1">
+            <a:schemeClr val="accent1"/>
+          </a:fillRef>
+          <a:effectRef idx="0">
+            <a:schemeClr val="accent1"/>
+          </a:effectRef>
+          <a:fontRef idx="minor">
+            <a:schemeClr val="lt1"/>
+          </a:fontRef>
+        </p:style>
+        <p:txBody>
+          <a:bodyPr rtlCol="0" anchor="ctr"/>
+          <a:lstStyle/>
+          <a:p>
+            <a:pPr algn="ctr"/>
+            <a:endParaRPr kumimoji="1" lang="ja-JP" altLang="en-US"/>
+          </a:p>
+        </p:txBody>
+      </p:sp>
+      <p:graphicFrame>
+        <p:nvGraphicFramePr>
+          <p:cNvPr id="5" name="表 10">
+            <a:extLst>
+              <a:ext uri="{FF2B5EF4-FFF2-40B4-BE49-F238E27FC236}">
+                <a16:creationId xmlns:a16="http://schemas.microsoft.com/office/drawing/2014/main" id="{DAF3801D-6388-163B-AC1B-567F60C18530}"/>
+              </a:ext>
+            </a:extLst>
+          </p:cNvPr>
+          <p:cNvGraphicFramePr>
+            <a:graphicFrameLocks noGrp="1"/>
+          </p:cNvGraphicFramePr>
+          <p:nvPr>
+            <p:extLst>
+              <p:ext uri="{D42A27DB-BD31-4B8C-83A1-F6EECF244321}">
+                <p14:modId xmlns:p14="http://schemas.microsoft.com/office/powerpoint/2010/main" val="3966976916"/>
+              </p:ext>
+            </p:extLst>
+          </p:nvPr>
+        </p:nvGraphicFramePr>
+        <p:xfrm>
+          <a:off x="3313882" y="1320799"/>
+          <a:ext cx="2495069" cy="1893450"/>
+        </p:xfrm>
+        <a:graphic>
+          <a:graphicData uri="http://schemas.openxmlformats.org/drawingml/2006/table">
+            <a:tbl>
+              <a:tblPr firstRow="1" bandRow="1">
+                <a:tableStyleId>{912C8C85-51F0-491E-9774-3900AFEF0FD7}</a:tableStyleId>
+              </a:tblPr>
+              <a:tblGrid>
+                <a:gridCol w="1435395">
+                  <a:extLst>
+                    <a:ext uri="{9D8B030D-6E8A-4147-A177-3AD203B41FA5}">
+                      <a16:colId xmlns:a16="http://schemas.microsoft.com/office/drawing/2014/main" val="2952130031"/>
+                    </a:ext>
+                  </a:extLst>
+                </a:gridCol>
+                <a:gridCol w="1059674">
+                  <a:extLst>
+                    <a:ext uri="{9D8B030D-6E8A-4147-A177-3AD203B41FA5}">
+                      <a16:colId xmlns:a16="http://schemas.microsoft.com/office/drawing/2014/main" val="792604804"/>
+                    </a:ext>
+                  </a:extLst>
+                </a:gridCol>
+              </a:tblGrid>
+              <a:tr h="166610">
+                <a:tc>
+                  <a:txBody>
+                    <a:bodyPr/>
+                    <a:lstStyle/>
+                    <a:p>
+                      <a:r>
+                        <a:rPr kumimoji="1" lang="en-US" altLang="ja-JP" sz="1000" dirty="0" err="1">
+                          <a:latin typeface="Arial" panose="020B0604020202020204" pitchFamily="34" charset="0"/>
+                          <a:cs typeface="Arial" panose="020B0604020202020204" pitchFamily="34" charset="0"/>
+                        </a:rPr>
+                        <a:t>Calendar_dimension</a:t>
+                      </a:r>
+                      <a:endParaRPr kumimoji="1" lang="ja-JP" altLang="en-US" sz="1000" dirty="0">
+                        <a:latin typeface="Arial" panose="020B0604020202020204" pitchFamily="34" charset="0"/>
+                        <a:cs typeface="Arial" panose="020B0604020202020204" pitchFamily="34" charset="0"/>
+                      </a:endParaRPr>
+                    </a:p>
+                  </a:txBody>
+                  <a:tcPr/>
+                </a:tc>
+                <a:tc>
+                  <a:txBody>
+                    <a:bodyPr/>
+                    <a:lstStyle/>
+                    <a:p>
+                      <a:endParaRPr kumimoji="1" lang="ja-JP" altLang="en-US" sz="1000">
+                        <a:latin typeface="Arial" panose="020B0604020202020204" pitchFamily="34" charset="0"/>
+                        <a:cs typeface="Arial" panose="020B0604020202020204" pitchFamily="34" charset="0"/>
+                      </a:endParaRPr>
+                    </a:p>
+                  </a:txBody>
+                  <a:tcPr/>
+                </a:tc>
+                <a:extLst>
+                  <a:ext uri="{0D108BD9-81ED-4DB2-BD59-A6C34878D82A}">
+                    <a16:rowId xmlns:a16="http://schemas.microsoft.com/office/drawing/2014/main" val="659651961"/>
+                  </a:ext>
+                </a:extLst>
+              </a:tr>
+              <a:tr h="171816">
+                <a:tc>
+                  <a:txBody>
+                    <a:bodyPr/>
+                    <a:lstStyle/>
+                    <a:p>
+                      <a:pPr marL="0" marR="0" lvl="0" indent="0" algn="l" defTabSz="914400" rtl="0" eaLnBrk="1" fontAlgn="auto" latinLnBrk="0" hangingPunct="1">
+                        <a:lnSpc>
+                          <a:spcPct val="100000"/>
+                        </a:lnSpc>
+                        <a:spcBef>
+                          <a:spcPts val="0"/>
+                        </a:spcBef>
+                        <a:spcAft>
+                          <a:spcPts val="0"/>
+                        </a:spcAft>
+                        <a:buClrTx/>
+                        <a:buSzTx/>
+                        <a:buFontTx/>
+                        <a:buNone/>
+                        <a:tabLst/>
+                        <a:defRPr/>
+                      </a:pPr>
+                      <a:r>
+                        <a:rPr kumimoji="1" lang="en-US" altLang="ja-JP" sz="1000" dirty="0">
+                          <a:latin typeface="Arial" panose="020B0604020202020204" pitchFamily="34" charset="0"/>
+                          <a:cs typeface="Arial" panose="020B0604020202020204" pitchFamily="34" charset="0"/>
+                        </a:rPr>
+                        <a:t>Date</a:t>
+                      </a:r>
+                      <a:endParaRPr kumimoji="1" lang="en-US" altLang="ja-JP" sz="1000" dirty="0">
+                        <a:solidFill>
+                          <a:schemeClr val="tx1"/>
+                        </a:solidFill>
+                        <a:latin typeface="Arial" panose="020B0604020202020204" pitchFamily="34" charset="0"/>
+                        <a:cs typeface="Arial" panose="020B0604020202020204" pitchFamily="34" charset="0"/>
+                      </a:endParaRPr>
+                    </a:p>
+                  </a:txBody>
+                  <a:tcPr/>
+                </a:tc>
+                <a:tc>
+                  <a:txBody>
+                    <a:bodyPr/>
+                    <a:lstStyle/>
+                    <a:p>
+                      <a:r>
+                        <a:rPr kumimoji="1" lang="en-US" altLang="ja-JP" sz="1000" dirty="0">
+                          <a:latin typeface="Arial" panose="020B0604020202020204" pitchFamily="34" charset="0"/>
+                          <a:cs typeface="Arial" panose="020B0604020202020204" pitchFamily="34" charset="0"/>
+                        </a:rPr>
+                        <a:t>date</a:t>
+                      </a:r>
+                      <a:endParaRPr kumimoji="1" lang="ja-JP" altLang="en-US" sz="1000" dirty="0">
+                        <a:latin typeface="Arial" panose="020B0604020202020204" pitchFamily="34" charset="0"/>
+                        <a:cs typeface="Arial" panose="020B0604020202020204" pitchFamily="34" charset="0"/>
+                      </a:endParaRPr>
+                    </a:p>
+                  </a:txBody>
+                  <a:tcPr/>
+                </a:tc>
+                <a:extLst>
+                  <a:ext uri="{0D108BD9-81ED-4DB2-BD59-A6C34878D82A}">
+                    <a16:rowId xmlns:a16="http://schemas.microsoft.com/office/drawing/2014/main" val="1254725891"/>
+                  </a:ext>
+                </a:extLst>
+              </a:tr>
+              <a:tr h="281154">
+                <a:tc>
+                  <a:txBody>
+                    <a:bodyPr/>
+                    <a:lstStyle/>
+                    <a:p>
+                      <a:pPr marL="0" marR="0" lvl="0" indent="0" algn="l" defTabSz="914400" rtl="0" eaLnBrk="1" fontAlgn="auto" latinLnBrk="0" hangingPunct="1">
+                        <a:lnSpc>
+                          <a:spcPct val="100000"/>
+                        </a:lnSpc>
+                        <a:spcBef>
+                          <a:spcPts val="0"/>
+                        </a:spcBef>
+                        <a:spcAft>
+                          <a:spcPts val="0"/>
+                        </a:spcAft>
+                        <a:buClrTx/>
+                        <a:buSzTx/>
+                        <a:buFontTx/>
+                        <a:buNone/>
+                        <a:tabLst/>
+                        <a:defRPr/>
+                      </a:pPr>
+                      <a:r>
+                        <a:rPr lang="en-US" altLang="ja-JP" sz="1000" dirty="0">
+                          <a:solidFill>
+                            <a:schemeClr val="tx1"/>
+                          </a:solidFill>
+                          <a:latin typeface="Arial" panose="020B0604020202020204" pitchFamily="34" charset="0"/>
+                          <a:cs typeface="Arial" panose="020B0604020202020204" pitchFamily="34" charset="0"/>
+                        </a:rPr>
+                        <a:t>Day</a:t>
+                      </a:r>
+                    </a:p>
+                  </a:txBody>
+                  <a:tcPr/>
+                </a:tc>
+                <a:tc>
+                  <a:txBody>
+                    <a:bodyPr/>
+                    <a:lstStyle/>
+                    <a:p>
+                      <a:pPr marL="0" marR="0" lvl="0" indent="0" algn="l" defTabSz="914400" rtl="0" eaLnBrk="1" fontAlgn="auto" latinLnBrk="0" hangingPunct="1">
+                        <a:lnSpc>
+                          <a:spcPct val="100000"/>
+                        </a:lnSpc>
+                        <a:spcBef>
+                          <a:spcPts val="0"/>
+                        </a:spcBef>
+                        <a:spcAft>
+                          <a:spcPts val="0"/>
+                        </a:spcAft>
+                        <a:buClrTx/>
+                        <a:buSzTx/>
+                        <a:buFontTx/>
+                        <a:buNone/>
+                        <a:tabLst/>
+                        <a:defRPr/>
+                      </a:pPr>
+                      <a:r>
+                        <a:rPr kumimoji="1" lang="en-US" altLang="ja-JP" sz="1000" b="0" kern="1200" dirty="0" err="1">
+                          <a:solidFill>
+                            <a:schemeClr val="tx1"/>
+                          </a:solidFill>
+                          <a:effectLst/>
+                          <a:latin typeface="Arial" panose="020B0604020202020204" pitchFamily="34" charset="0"/>
+                          <a:ea typeface="+mn-ea"/>
+                          <a:cs typeface="Arial" panose="020B0604020202020204" pitchFamily="34" charset="0"/>
+                        </a:rPr>
+                        <a:t>tinyint</a:t>
+                      </a:r>
+                      <a:endParaRPr kumimoji="1" lang="en-US" altLang="ja-JP" sz="1000" b="0" kern="1200" dirty="0">
+                        <a:solidFill>
+                          <a:schemeClr val="tx1"/>
+                        </a:solidFill>
+                        <a:effectLst/>
+                        <a:latin typeface="Arial" panose="020B0604020202020204" pitchFamily="34" charset="0"/>
+                        <a:ea typeface="+mn-ea"/>
+                        <a:cs typeface="Arial" panose="020B0604020202020204" pitchFamily="34" charset="0"/>
+                      </a:endParaRPr>
+                    </a:p>
+                  </a:txBody>
+                  <a:tcPr/>
+                </a:tc>
+                <a:extLst>
+                  <a:ext uri="{0D108BD9-81ED-4DB2-BD59-A6C34878D82A}">
+                    <a16:rowId xmlns:a16="http://schemas.microsoft.com/office/drawing/2014/main" val="2151431456"/>
+                  </a:ext>
+                </a:extLst>
+              </a:tr>
+              <a:tr h="281154">
+                <a:tc>
+                  <a:txBody>
+                    <a:bodyPr/>
+                    <a:lstStyle/>
+                    <a:p>
+                      <a:pPr marL="0" marR="0" lvl="0" indent="0" algn="l" defTabSz="914400" rtl="0" eaLnBrk="1" fontAlgn="auto" latinLnBrk="0" hangingPunct="1">
+                        <a:lnSpc>
+                          <a:spcPct val="100000"/>
+                        </a:lnSpc>
+                        <a:spcBef>
+                          <a:spcPts val="0"/>
+                        </a:spcBef>
+                        <a:spcAft>
+                          <a:spcPts val="0"/>
+                        </a:spcAft>
+                        <a:buClrTx/>
+                        <a:buSzTx/>
+                        <a:buFontTx/>
+                        <a:buNone/>
+                        <a:tabLst/>
+                        <a:defRPr/>
+                      </a:pPr>
+                      <a:r>
+                        <a:rPr lang="en-US" altLang="ja-JP" sz="1000" dirty="0">
+                          <a:solidFill>
+                            <a:schemeClr val="tx1"/>
+                          </a:solidFill>
+                          <a:latin typeface="Arial" panose="020B0604020202020204" pitchFamily="34" charset="0"/>
+                          <a:cs typeface="Arial" panose="020B0604020202020204" pitchFamily="34" charset="0"/>
+                        </a:rPr>
+                        <a:t>Weekday</a:t>
+                      </a:r>
+                    </a:p>
+                  </a:txBody>
+                  <a:tcPr/>
+                </a:tc>
+                <a:tc>
+                  <a:txBody>
+                    <a:bodyPr/>
+                    <a:lstStyle/>
+                    <a:p>
+                      <a:pPr marL="0" marR="0" lvl="0" indent="0" algn="l" defTabSz="914400" rtl="0" eaLnBrk="1" fontAlgn="auto" latinLnBrk="0" hangingPunct="1">
+                        <a:lnSpc>
+                          <a:spcPct val="100000"/>
+                        </a:lnSpc>
+                        <a:spcBef>
+                          <a:spcPts val="0"/>
+                        </a:spcBef>
+                        <a:spcAft>
+                          <a:spcPts val="0"/>
+                        </a:spcAft>
+                        <a:buClrTx/>
+                        <a:buSzTx/>
+                        <a:buFontTx/>
+                        <a:buNone/>
+                        <a:tabLst/>
+                        <a:defRPr/>
+                      </a:pPr>
+                      <a:r>
+                        <a:rPr kumimoji="1" lang="en-US" altLang="ja-JP" sz="1000" b="0" kern="1200" dirty="0" err="1">
+                          <a:solidFill>
+                            <a:schemeClr val="tx1"/>
+                          </a:solidFill>
+                          <a:effectLst/>
+                          <a:latin typeface="Arial" panose="020B0604020202020204" pitchFamily="34" charset="0"/>
+                          <a:ea typeface="+mn-ea"/>
+                          <a:cs typeface="Arial" panose="020B0604020202020204" pitchFamily="34" charset="0"/>
+                        </a:rPr>
+                        <a:t>tinyint</a:t>
+                      </a:r>
+                      <a:endParaRPr kumimoji="1" lang="en-US" altLang="ja-JP" sz="1000" b="0" kern="1200" dirty="0">
+                        <a:solidFill>
+                          <a:schemeClr val="tx1"/>
+                        </a:solidFill>
+                        <a:effectLst/>
+                        <a:latin typeface="Arial" panose="020B0604020202020204" pitchFamily="34" charset="0"/>
+                        <a:ea typeface="+mn-ea"/>
+                        <a:cs typeface="Arial" panose="020B0604020202020204" pitchFamily="34" charset="0"/>
+                      </a:endParaRPr>
+                    </a:p>
+                  </a:txBody>
+                  <a:tcPr/>
+                </a:tc>
+                <a:extLst>
+                  <a:ext uri="{0D108BD9-81ED-4DB2-BD59-A6C34878D82A}">
+                    <a16:rowId xmlns:a16="http://schemas.microsoft.com/office/drawing/2014/main" val="3179887243"/>
+                  </a:ext>
+                </a:extLst>
+              </a:tr>
+              <a:tr h="281154">
+                <a:tc>
+                  <a:txBody>
+                    <a:bodyPr/>
+                    <a:lstStyle/>
+                    <a:p>
+                      <a:pPr marL="0" marR="0" lvl="0" indent="0" algn="l" defTabSz="914400" rtl="0" eaLnBrk="1" fontAlgn="auto" latinLnBrk="0" hangingPunct="1">
+                        <a:lnSpc>
+                          <a:spcPct val="100000"/>
+                        </a:lnSpc>
+                        <a:spcBef>
+                          <a:spcPts val="0"/>
+                        </a:spcBef>
+                        <a:spcAft>
+                          <a:spcPts val="0"/>
+                        </a:spcAft>
+                        <a:buClrTx/>
+                        <a:buSzTx/>
+                        <a:buFontTx/>
+                        <a:buNone/>
+                        <a:tabLst/>
+                        <a:defRPr/>
+                      </a:pPr>
+                      <a:r>
+                        <a:rPr lang="en-US" altLang="ja-JP" sz="1000" dirty="0">
+                          <a:latin typeface="Arial" panose="020B0604020202020204" pitchFamily="34" charset="0"/>
+                          <a:cs typeface="Arial" panose="020B0604020202020204" pitchFamily="34" charset="0"/>
+                        </a:rPr>
+                        <a:t>Year</a:t>
+                      </a:r>
+                      <a:endParaRPr lang="en-US" altLang="ja-JP" sz="1000" dirty="0">
+                        <a:solidFill>
+                          <a:schemeClr val="tx1"/>
+                        </a:solidFill>
+                        <a:latin typeface="Arial" panose="020B0604020202020204" pitchFamily="34" charset="0"/>
+                        <a:cs typeface="Arial" panose="020B0604020202020204" pitchFamily="34" charset="0"/>
+                      </a:endParaRPr>
+                    </a:p>
+                  </a:txBody>
+                  <a:tcPr/>
+                </a:tc>
+                <a:tc>
+                  <a:txBody>
+                    <a:bodyPr/>
+                    <a:lstStyle/>
+                    <a:p>
+                      <a:pPr marL="0" marR="0" lvl="0" indent="0" algn="l" defTabSz="914400" rtl="0" eaLnBrk="1" fontAlgn="auto" latinLnBrk="0" hangingPunct="1">
+                        <a:lnSpc>
+                          <a:spcPct val="100000"/>
+                        </a:lnSpc>
+                        <a:spcBef>
+                          <a:spcPts val="0"/>
+                        </a:spcBef>
+                        <a:spcAft>
+                          <a:spcPts val="0"/>
+                        </a:spcAft>
+                        <a:buClrTx/>
+                        <a:buSzTx/>
+                        <a:buFontTx/>
+                        <a:buNone/>
+                        <a:tabLst/>
+                        <a:defRPr/>
+                      </a:pPr>
+                      <a:r>
+                        <a:rPr kumimoji="1" lang="en-US" altLang="ja-JP" sz="1000" b="0" kern="1200" dirty="0" err="1">
+                          <a:solidFill>
+                            <a:schemeClr val="tx1"/>
+                          </a:solidFill>
+                          <a:effectLst/>
+                          <a:latin typeface="Arial" panose="020B0604020202020204" pitchFamily="34" charset="0"/>
+                          <a:ea typeface="+mn-ea"/>
+                          <a:cs typeface="Arial" panose="020B0604020202020204" pitchFamily="34" charset="0"/>
+                        </a:rPr>
+                        <a:t>smallint</a:t>
+                      </a:r>
+                      <a:endParaRPr kumimoji="1" lang="en-US" altLang="ja-JP" sz="1000" b="0" kern="1200" dirty="0">
+                        <a:solidFill>
+                          <a:schemeClr val="tx1"/>
+                        </a:solidFill>
+                        <a:effectLst/>
+                        <a:latin typeface="Arial" panose="020B0604020202020204" pitchFamily="34" charset="0"/>
+                        <a:ea typeface="+mn-ea"/>
+                        <a:cs typeface="Arial" panose="020B0604020202020204" pitchFamily="34" charset="0"/>
+                      </a:endParaRPr>
+                    </a:p>
+                  </a:txBody>
+                  <a:tcPr/>
+                </a:tc>
+                <a:extLst>
+                  <a:ext uri="{0D108BD9-81ED-4DB2-BD59-A6C34878D82A}">
+                    <a16:rowId xmlns:a16="http://schemas.microsoft.com/office/drawing/2014/main" val="1698588673"/>
+                  </a:ext>
+                </a:extLst>
+              </a:tr>
+              <a:tr h="281154">
+                <a:tc>
+                  <a:txBody>
+                    <a:bodyPr/>
+                    <a:lstStyle/>
+                    <a:p>
+                      <a:pPr marL="0" marR="0" lvl="0" indent="0" algn="l" defTabSz="914400" rtl="0" eaLnBrk="1" fontAlgn="auto" latinLnBrk="0" hangingPunct="1">
+                        <a:lnSpc>
+                          <a:spcPct val="100000"/>
+                        </a:lnSpc>
+                        <a:spcBef>
+                          <a:spcPts val="0"/>
+                        </a:spcBef>
+                        <a:spcAft>
+                          <a:spcPts val="0"/>
+                        </a:spcAft>
+                        <a:buClrTx/>
+                        <a:buSzTx/>
+                        <a:buFontTx/>
+                        <a:buNone/>
+                        <a:tabLst/>
+                        <a:defRPr/>
+                      </a:pPr>
+                      <a:r>
+                        <a:rPr kumimoji="1" lang="en-US" altLang="ja-JP" sz="1000" dirty="0">
+                          <a:latin typeface="Arial" panose="020B0604020202020204" pitchFamily="34" charset="0"/>
+                          <a:cs typeface="Arial" panose="020B0604020202020204" pitchFamily="34" charset="0"/>
+                        </a:rPr>
+                        <a:t>Month </a:t>
+                      </a:r>
+                      <a:endParaRPr kumimoji="1" lang="en-US" altLang="ja-JP" sz="1000" dirty="0">
+                        <a:solidFill>
+                          <a:schemeClr val="tx1"/>
+                        </a:solidFill>
+                        <a:latin typeface="Arial" panose="020B0604020202020204" pitchFamily="34" charset="0"/>
+                        <a:cs typeface="Arial" panose="020B0604020202020204" pitchFamily="34" charset="0"/>
+                      </a:endParaRPr>
+                    </a:p>
+                  </a:txBody>
+                  <a:tcPr/>
+                </a:tc>
+                <a:tc>
+                  <a:txBody>
+                    <a:bodyPr/>
+                    <a:lstStyle/>
+                    <a:p>
+                      <a:pPr marL="0" marR="0" lvl="0" indent="0" algn="l" defTabSz="914400" rtl="0" eaLnBrk="1" fontAlgn="auto" latinLnBrk="0" hangingPunct="1">
+                        <a:lnSpc>
+                          <a:spcPct val="100000"/>
+                        </a:lnSpc>
+                        <a:spcBef>
+                          <a:spcPts val="0"/>
+                        </a:spcBef>
+                        <a:spcAft>
+                          <a:spcPts val="0"/>
+                        </a:spcAft>
+                        <a:buClrTx/>
+                        <a:buSzTx/>
+                        <a:buFontTx/>
+                        <a:buNone/>
+                        <a:tabLst/>
+                        <a:defRPr/>
+                      </a:pPr>
+                      <a:r>
+                        <a:rPr kumimoji="1" lang="en-US" altLang="ja-JP" sz="1000" b="0" kern="1200" dirty="0" err="1">
+                          <a:solidFill>
+                            <a:schemeClr val="tx1"/>
+                          </a:solidFill>
+                          <a:effectLst/>
+                          <a:latin typeface="Arial" panose="020B0604020202020204" pitchFamily="34" charset="0"/>
+                          <a:ea typeface="+mn-ea"/>
+                          <a:cs typeface="Arial" panose="020B0604020202020204" pitchFamily="34" charset="0"/>
+                        </a:rPr>
+                        <a:t>tinyint</a:t>
+                      </a:r>
+                      <a:endParaRPr kumimoji="1" lang="en-US" altLang="ja-JP" sz="1000" b="0" kern="1200" dirty="0">
+                        <a:solidFill>
+                          <a:schemeClr val="tx1"/>
+                        </a:solidFill>
+                        <a:effectLst/>
+                        <a:latin typeface="Arial" panose="020B0604020202020204" pitchFamily="34" charset="0"/>
+                        <a:ea typeface="+mn-ea"/>
+                        <a:cs typeface="Arial" panose="020B0604020202020204" pitchFamily="34" charset="0"/>
+                      </a:endParaRPr>
+                    </a:p>
+                  </a:txBody>
+                  <a:tcPr/>
+                </a:tc>
+                <a:extLst>
+                  <a:ext uri="{0D108BD9-81ED-4DB2-BD59-A6C34878D82A}">
+                    <a16:rowId xmlns:a16="http://schemas.microsoft.com/office/drawing/2014/main" val="2891859404"/>
+                  </a:ext>
+                </a:extLst>
+              </a:tr>
+              <a:tr h="281154">
+                <a:tc>
+                  <a:txBody>
+                    <a:bodyPr/>
+                    <a:lstStyle/>
+                    <a:p>
+                      <a:pPr marL="0" marR="0" lvl="0" indent="0" algn="l" defTabSz="914400" rtl="0" eaLnBrk="1" fontAlgn="auto" latinLnBrk="0" hangingPunct="1">
+                        <a:lnSpc>
+                          <a:spcPct val="100000"/>
+                        </a:lnSpc>
+                        <a:spcBef>
+                          <a:spcPts val="0"/>
+                        </a:spcBef>
+                        <a:spcAft>
+                          <a:spcPts val="0"/>
+                        </a:spcAft>
+                        <a:buClrTx/>
+                        <a:buSzTx/>
+                        <a:buFontTx/>
+                        <a:buNone/>
+                        <a:tabLst/>
+                        <a:defRPr/>
+                      </a:pPr>
+                      <a:r>
+                        <a:rPr lang="en-US" altLang="ja-JP" sz="1000" dirty="0">
+                          <a:latin typeface="Arial" panose="020B0604020202020204" pitchFamily="34" charset="0"/>
+                          <a:cs typeface="Arial" panose="020B0604020202020204" pitchFamily="34" charset="0"/>
+                        </a:rPr>
+                        <a:t>Quarter</a:t>
+                      </a:r>
+                      <a:endParaRPr lang="en-US" altLang="ja-JP" sz="1000" dirty="0">
+                        <a:solidFill>
+                          <a:schemeClr val="tx1"/>
+                        </a:solidFill>
+                        <a:latin typeface="Arial" panose="020B0604020202020204" pitchFamily="34" charset="0"/>
+                        <a:cs typeface="Arial" panose="020B0604020202020204" pitchFamily="34" charset="0"/>
+                      </a:endParaRPr>
+                    </a:p>
+                  </a:txBody>
+                  <a:tcPr/>
+                </a:tc>
+                <a:tc>
+                  <a:txBody>
+                    <a:bodyPr/>
+                    <a:lstStyle/>
+                    <a:p>
+                      <a:pPr marL="0" marR="0" lvl="0" indent="0" algn="l" defTabSz="914400" rtl="0" eaLnBrk="1" fontAlgn="auto" latinLnBrk="0" hangingPunct="1">
+                        <a:lnSpc>
+                          <a:spcPct val="100000"/>
+                        </a:lnSpc>
+                        <a:spcBef>
+                          <a:spcPts val="0"/>
+                        </a:spcBef>
+                        <a:spcAft>
+                          <a:spcPts val="0"/>
+                        </a:spcAft>
+                        <a:buClrTx/>
+                        <a:buSzTx/>
+                        <a:buFontTx/>
+                        <a:buNone/>
+                        <a:tabLst/>
+                        <a:defRPr/>
+                      </a:pPr>
+                      <a:r>
+                        <a:rPr kumimoji="1" lang="en-US" altLang="ja-JP" sz="1000" b="0" kern="1200" dirty="0" err="1">
+                          <a:solidFill>
+                            <a:schemeClr val="tx1"/>
+                          </a:solidFill>
+                          <a:effectLst/>
+                          <a:latin typeface="Arial" panose="020B0604020202020204" pitchFamily="34" charset="0"/>
+                          <a:ea typeface="+mn-ea"/>
+                          <a:cs typeface="Arial" panose="020B0604020202020204" pitchFamily="34" charset="0"/>
+                        </a:rPr>
+                        <a:t>tinyint</a:t>
+                      </a:r>
+                      <a:endParaRPr kumimoji="1" lang="en-US" altLang="ja-JP" sz="1000" b="0" kern="1200" dirty="0">
+                        <a:solidFill>
+                          <a:schemeClr val="tx1"/>
+                        </a:solidFill>
+                        <a:effectLst/>
+                        <a:latin typeface="Arial" panose="020B0604020202020204" pitchFamily="34" charset="0"/>
+                        <a:ea typeface="+mn-ea"/>
+                        <a:cs typeface="Arial" panose="020B0604020202020204" pitchFamily="34" charset="0"/>
+                      </a:endParaRPr>
+                    </a:p>
+                  </a:txBody>
+                  <a:tcPr/>
+                </a:tc>
+                <a:extLst>
+                  <a:ext uri="{0D108BD9-81ED-4DB2-BD59-A6C34878D82A}">
+                    <a16:rowId xmlns:a16="http://schemas.microsoft.com/office/drawing/2014/main" val="2254065369"/>
+                  </a:ext>
+                </a:extLst>
+              </a:tr>
+            </a:tbl>
+          </a:graphicData>
+        </a:graphic>
+      </p:graphicFrame>
+      <p:graphicFrame>
+        <p:nvGraphicFramePr>
+          <p:cNvPr id="8" name="表 7">
+            <a:extLst>
+              <a:ext uri="{FF2B5EF4-FFF2-40B4-BE49-F238E27FC236}">
+                <a16:creationId xmlns:a16="http://schemas.microsoft.com/office/drawing/2014/main" id="{233ADB0A-6B43-477F-E826-057841677522}"/>
+              </a:ext>
+            </a:extLst>
+          </p:cNvPr>
+          <p:cNvGraphicFramePr>
+            <a:graphicFrameLocks noGrp="1"/>
+          </p:cNvGraphicFramePr>
+          <p:nvPr>
+            <p:extLst>
+              <p:ext uri="{D42A27DB-BD31-4B8C-83A1-F6EECF244321}">
+                <p14:modId xmlns:p14="http://schemas.microsoft.com/office/powerpoint/2010/main" val="954471703"/>
+              </p:ext>
+            </p:extLst>
+          </p:nvPr>
+        </p:nvGraphicFramePr>
+        <p:xfrm>
+          <a:off x="7349133" y="2110388"/>
+          <a:ext cx="2658946" cy="2349050"/>
+        </p:xfrm>
+        <a:graphic>
+          <a:graphicData uri="http://schemas.openxmlformats.org/drawingml/2006/table">
+            <a:tbl>
+              <a:tblPr firstRow="1" bandRow="1">
+                <a:tableStyleId>{69012ECD-51FC-41F1-AA8D-1B2483CD663E}</a:tableStyleId>
+              </a:tblPr>
+              <a:tblGrid>
+                <a:gridCol w="1589372">
+                  <a:extLst>
+                    <a:ext uri="{9D8B030D-6E8A-4147-A177-3AD203B41FA5}">
+                      <a16:colId xmlns:a16="http://schemas.microsoft.com/office/drawing/2014/main" val="2952130031"/>
+                    </a:ext>
+                  </a:extLst>
+                </a:gridCol>
+                <a:gridCol w="1069574">
+                  <a:extLst>
+                    <a:ext uri="{9D8B030D-6E8A-4147-A177-3AD203B41FA5}">
+                      <a16:colId xmlns:a16="http://schemas.microsoft.com/office/drawing/2014/main" val="792604804"/>
+                    </a:ext>
+                  </a:extLst>
+                </a:gridCol>
+              </a:tblGrid>
+              <a:tr h="123856">
+                <a:tc>
+                  <a:txBody>
+                    <a:bodyPr/>
+                    <a:lstStyle/>
+                    <a:p>
+                      <a:r>
+                        <a:rPr kumimoji="1" lang="en-US" altLang="ja-JP" sz="1000" dirty="0" err="1"/>
+                        <a:t>Trip_fact</a:t>
+                      </a:r>
+                      <a:endParaRPr kumimoji="1" lang="ja-JP" altLang="en-US" sz="1000" dirty="0">
+                        <a:latin typeface="Arial" panose="020B0604020202020204" pitchFamily="34" charset="0"/>
+                        <a:cs typeface="Arial" panose="020B0604020202020204" pitchFamily="34" charset="0"/>
+                      </a:endParaRPr>
+                    </a:p>
+                  </a:txBody>
+                  <a:tcPr/>
+                </a:tc>
+                <a:tc>
+                  <a:txBody>
+                    <a:bodyPr/>
+                    <a:lstStyle/>
+                    <a:p>
+                      <a:endParaRPr kumimoji="1" lang="ja-JP" altLang="en-US" sz="1000" dirty="0">
+                        <a:latin typeface="Arial" panose="020B0604020202020204" pitchFamily="34" charset="0"/>
+                        <a:cs typeface="Arial" panose="020B0604020202020204" pitchFamily="34" charset="0"/>
+                      </a:endParaRPr>
+                    </a:p>
+                  </a:txBody>
+                  <a:tcPr/>
+                </a:tc>
+                <a:extLst>
+                  <a:ext uri="{0D108BD9-81ED-4DB2-BD59-A6C34878D82A}">
+                    <a16:rowId xmlns:a16="http://schemas.microsoft.com/office/drawing/2014/main" val="659651961"/>
+                  </a:ext>
+                </a:extLst>
+              </a:tr>
+              <a:tr h="274738">
+                <a:tc>
+                  <a:txBody>
+                    <a:bodyPr/>
+                    <a:lstStyle/>
+                    <a:p>
+                      <a:pPr marL="0" indent="0">
+                        <a:buFont typeface="Arial" panose="020B0604020202020204" pitchFamily="34" charset="0"/>
+                        <a:buNone/>
+                      </a:pPr>
+                      <a:r>
+                        <a:rPr kumimoji="1" lang="en-US" altLang="ja-JP" sz="1000" b="0" dirty="0" err="1">
+                          <a:latin typeface="Arial" panose="020B0604020202020204" pitchFamily="34" charset="0"/>
+                          <a:cs typeface="Arial" panose="020B0604020202020204" pitchFamily="34" charset="0"/>
+                        </a:rPr>
+                        <a:t>trip_id</a:t>
+                      </a:r>
+                      <a:endParaRPr kumimoji="1" lang="en-US" altLang="ja-JP" sz="1000" b="0" dirty="0">
+                        <a:solidFill>
+                          <a:schemeClr val="accent1">
+                            <a:lumMod val="50000"/>
+                          </a:schemeClr>
+                        </a:solidFill>
+                        <a:latin typeface="Arial" panose="020B0604020202020204" pitchFamily="34" charset="0"/>
+                        <a:cs typeface="Arial" panose="020B0604020202020204" pitchFamily="34" charset="0"/>
+                      </a:endParaRPr>
+                    </a:p>
+                  </a:txBody>
+                  <a:tcPr/>
+                </a:tc>
+                <a:tc>
+                  <a:txBody>
+                    <a:bodyPr/>
+                    <a:lstStyle/>
+                    <a:p>
+                      <a:pPr marL="0" marR="0" lvl="0" indent="0" algn="l" defTabSz="914400" rtl="0" eaLnBrk="1" fontAlgn="auto" latinLnBrk="0" hangingPunct="1">
+                        <a:lnSpc>
+                          <a:spcPct val="100000"/>
+                        </a:lnSpc>
+                        <a:spcBef>
+                          <a:spcPts val="0"/>
+                        </a:spcBef>
+                        <a:spcAft>
+                          <a:spcPts val="0"/>
+                        </a:spcAft>
+                        <a:buClrTx/>
+                        <a:buSzTx/>
+                        <a:buFontTx/>
+                        <a:buNone/>
+                        <a:tabLst/>
+                        <a:defRPr/>
+                      </a:pPr>
+                      <a:r>
+                        <a:rPr kumimoji="1" lang="en-US" altLang="ja-JP" sz="1000" b="0" kern="1200" dirty="0">
+                          <a:solidFill>
+                            <a:schemeClr val="tx1"/>
+                          </a:solidFill>
+                          <a:effectLst/>
+                          <a:latin typeface="Arial" panose="020B0604020202020204" pitchFamily="34" charset="0"/>
+                          <a:ea typeface="+mn-ea"/>
+                          <a:cs typeface="Arial" panose="020B0604020202020204" pitchFamily="34" charset="0"/>
+                        </a:rPr>
+                        <a:t>varchar(50)</a:t>
+                      </a:r>
+                    </a:p>
+                  </a:txBody>
+                  <a:tcPr/>
+                </a:tc>
+                <a:extLst>
+                  <a:ext uri="{0D108BD9-81ED-4DB2-BD59-A6C34878D82A}">
+                    <a16:rowId xmlns:a16="http://schemas.microsoft.com/office/drawing/2014/main" val="1254725891"/>
+                  </a:ext>
+                </a:extLst>
+              </a:tr>
+              <a:tr h="274738">
+                <a:tc>
+                  <a:txBody>
+                    <a:bodyPr/>
+                    <a:lstStyle/>
+                    <a:p>
+                      <a:pPr marL="0" marR="0" lvl="0" indent="0" algn="l" defTabSz="914400" rtl="0" eaLnBrk="1" fontAlgn="auto" latinLnBrk="0" hangingPunct="1">
+                        <a:lnSpc>
+                          <a:spcPct val="100000"/>
+                        </a:lnSpc>
+                        <a:spcBef>
+                          <a:spcPts val="0"/>
+                        </a:spcBef>
+                        <a:spcAft>
+                          <a:spcPts val="0"/>
+                        </a:spcAft>
+                        <a:buClrTx/>
+                        <a:buSzTx/>
+                        <a:buFontTx/>
+                        <a:buNone/>
+                        <a:tabLst/>
+                        <a:defRPr/>
+                      </a:pPr>
+                      <a:r>
+                        <a:rPr kumimoji="1" lang="en-US" altLang="ja-JP" sz="1000" b="0" dirty="0" err="1">
+                          <a:latin typeface="Arial" panose="020B0604020202020204" pitchFamily="34" charset="0"/>
+                          <a:cs typeface="Arial" panose="020B0604020202020204" pitchFamily="34" charset="0"/>
+                        </a:rPr>
+                        <a:t>start_at</a:t>
+                      </a:r>
+                      <a:endParaRPr lang="en-US" altLang="ja-JP" sz="1000" b="0" dirty="0">
+                        <a:solidFill>
+                          <a:schemeClr val="tx1"/>
+                        </a:solidFill>
+                        <a:latin typeface="Arial" panose="020B0604020202020204" pitchFamily="34" charset="0"/>
+                        <a:cs typeface="Arial" panose="020B0604020202020204" pitchFamily="34" charset="0"/>
+                      </a:endParaRPr>
+                    </a:p>
+                  </a:txBody>
+                  <a:tcPr/>
+                </a:tc>
+                <a:tc>
+                  <a:txBody>
+                    <a:bodyPr/>
+                    <a:lstStyle/>
+                    <a:p>
+                      <a:pPr marL="0" marR="0" lvl="0" indent="0" algn="l" defTabSz="914400" rtl="0" eaLnBrk="1" fontAlgn="auto" latinLnBrk="0" hangingPunct="1">
+                        <a:lnSpc>
+                          <a:spcPct val="100000"/>
+                        </a:lnSpc>
+                        <a:spcBef>
+                          <a:spcPts val="0"/>
+                        </a:spcBef>
+                        <a:spcAft>
+                          <a:spcPts val="0"/>
+                        </a:spcAft>
+                        <a:buClrTx/>
+                        <a:buSzTx/>
+                        <a:buFontTx/>
+                        <a:buNone/>
+                        <a:tabLst/>
+                        <a:defRPr/>
+                      </a:pPr>
+                      <a:r>
+                        <a:rPr kumimoji="1" lang="en-US" altLang="ja-JP" sz="1000" b="0" kern="1200" dirty="0">
+                          <a:solidFill>
+                            <a:schemeClr val="tx1"/>
+                          </a:solidFill>
+                          <a:effectLst/>
+                          <a:latin typeface="Arial" panose="020B0604020202020204" pitchFamily="34" charset="0"/>
+                          <a:ea typeface="+mn-ea"/>
+                          <a:cs typeface="Arial" panose="020B0604020202020204" pitchFamily="34" charset="0"/>
+                        </a:rPr>
+                        <a:t>varchar(50)</a:t>
+                      </a:r>
+                    </a:p>
+                  </a:txBody>
+                  <a:tcPr/>
+                </a:tc>
+                <a:extLst>
+                  <a:ext uri="{0D108BD9-81ED-4DB2-BD59-A6C34878D82A}">
+                    <a16:rowId xmlns:a16="http://schemas.microsoft.com/office/drawing/2014/main" val="1698588673"/>
+                  </a:ext>
+                </a:extLst>
+              </a:tr>
+              <a:tr h="274738">
+                <a:tc>
+                  <a:txBody>
+                    <a:bodyPr/>
+                    <a:lstStyle/>
+                    <a:p>
+                      <a:pPr marL="0" marR="0" lvl="0" indent="0" algn="l" defTabSz="914400" rtl="0" eaLnBrk="1" fontAlgn="auto" latinLnBrk="0" hangingPunct="1">
+                        <a:lnSpc>
+                          <a:spcPct val="100000"/>
+                        </a:lnSpc>
+                        <a:spcBef>
+                          <a:spcPts val="0"/>
+                        </a:spcBef>
+                        <a:spcAft>
+                          <a:spcPts val="0"/>
+                        </a:spcAft>
+                        <a:buClrTx/>
+                        <a:buSzTx/>
+                        <a:buFontTx/>
+                        <a:buNone/>
+                        <a:tabLst/>
+                        <a:defRPr/>
+                      </a:pPr>
+                      <a:r>
+                        <a:rPr lang="en-US" altLang="ja-JP" sz="1000" b="0" dirty="0" err="1">
+                          <a:latin typeface="Arial" panose="020B0604020202020204" pitchFamily="34" charset="0"/>
+                          <a:cs typeface="Arial" panose="020B0604020202020204" pitchFamily="34" charset="0"/>
+                        </a:rPr>
+                        <a:t>end_at</a:t>
+                      </a:r>
+                      <a:endParaRPr kumimoji="1" lang="en-US" altLang="ja-JP" sz="1000" b="0" dirty="0">
+                        <a:solidFill>
+                          <a:schemeClr val="tx1"/>
+                        </a:solidFill>
+                        <a:latin typeface="Arial" panose="020B0604020202020204" pitchFamily="34" charset="0"/>
+                        <a:cs typeface="Arial" panose="020B0604020202020204" pitchFamily="34" charset="0"/>
+                      </a:endParaRPr>
+                    </a:p>
+                  </a:txBody>
+                  <a:tcPr/>
+                </a:tc>
+                <a:tc>
+                  <a:txBody>
+                    <a:bodyPr/>
+                    <a:lstStyle/>
+                    <a:p>
+                      <a:pPr marL="0" marR="0" lvl="0" indent="0" algn="l" defTabSz="914400" rtl="0" eaLnBrk="1" fontAlgn="auto" latinLnBrk="0" hangingPunct="1">
+                        <a:lnSpc>
+                          <a:spcPct val="100000"/>
+                        </a:lnSpc>
+                        <a:spcBef>
+                          <a:spcPts val="0"/>
+                        </a:spcBef>
+                        <a:spcAft>
+                          <a:spcPts val="0"/>
+                        </a:spcAft>
+                        <a:buClrTx/>
+                        <a:buSzTx/>
+                        <a:buFontTx/>
+                        <a:buNone/>
+                        <a:tabLst/>
+                        <a:defRPr/>
+                      </a:pPr>
+                      <a:r>
+                        <a:rPr kumimoji="1" lang="en-US" altLang="ja-JP" sz="1000" b="0" kern="1200" dirty="0">
+                          <a:solidFill>
+                            <a:schemeClr val="tx1"/>
+                          </a:solidFill>
+                          <a:effectLst/>
+                          <a:latin typeface="Arial" panose="020B0604020202020204" pitchFamily="34" charset="0"/>
+                          <a:ea typeface="+mn-ea"/>
+                          <a:cs typeface="Arial" panose="020B0604020202020204" pitchFamily="34" charset="0"/>
+                        </a:rPr>
+                        <a:t>varchar(50)</a:t>
+                      </a:r>
+                    </a:p>
+                  </a:txBody>
+                  <a:tcPr/>
+                </a:tc>
+                <a:extLst>
+                  <a:ext uri="{0D108BD9-81ED-4DB2-BD59-A6C34878D82A}">
+                    <a16:rowId xmlns:a16="http://schemas.microsoft.com/office/drawing/2014/main" val="2891859404"/>
+                  </a:ext>
+                </a:extLst>
+              </a:tr>
+              <a:tr h="274738">
+                <a:tc>
+                  <a:txBody>
+                    <a:bodyPr/>
+                    <a:lstStyle/>
+                    <a:p>
+                      <a:pPr marL="0" indent="0">
+                        <a:buFont typeface="Arial" panose="020B0604020202020204" pitchFamily="34" charset="0"/>
+                        <a:buNone/>
+                      </a:pPr>
+                      <a:r>
+                        <a:rPr kumimoji="1" lang="en-US" altLang="ja-JP" sz="1000" b="0" dirty="0" err="1">
+                          <a:latin typeface="Arial" panose="020B0604020202020204" pitchFamily="34" charset="0"/>
+                          <a:cs typeface="Arial" panose="020B0604020202020204" pitchFamily="34" charset="0"/>
+                        </a:rPr>
+                        <a:t>start_station_id</a:t>
+                      </a:r>
+                      <a:endParaRPr kumimoji="1" lang="en-US" altLang="ja-JP" sz="1000" b="0" dirty="0">
+                        <a:solidFill>
+                          <a:schemeClr val="accent1">
+                            <a:lumMod val="50000"/>
+                          </a:schemeClr>
+                        </a:solidFill>
+                        <a:latin typeface="Arial" panose="020B0604020202020204" pitchFamily="34" charset="0"/>
+                        <a:cs typeface="Arial" panose="020B0604020202020204" pitchFamily="34" charset="0"/>
+                      </a:endParaRPr>
+                    </a:p>
+                  </a:txBody>
+                  <a:tcPr/>
+                </a:tc>
+                <a:tc>
+                  <a:txBody>
+                    <a:bodyPr/>
+                    <a:lstStyle/>
+                    <a:p>
+                      <a:pPr marL="0" marR="0" lvl="0" indent="0" algn="l" defTabSz="914400" rtl="0" eaLnBrk="1" fontAlgn="auto" latinLnBrk="0" hangingPunct="1">
+                        <a:lnSpc>
+                          <a:spcPct val="100000"/>
+                        </a:lnSpc>
+                        <a:spcBef>
+                          <a:spcPts val="0"/>
+                        </a:spcBef>
+                        <a:spcAft>
+                          <a:spcPts val="0"/>
+                        </a:spcAft>
+                        <a:buClrTx/>
+                        <a:buSzTx/>
+                        <a:buFontTx/>
+                        <a:buNone/>
+                        <a:tabLst/>
+                        <a:defRPr/>
+                      </a:pPr>
+                      <a:r>
+                        <a:rPr kumimoji="1" lang="en-US" altLang="ja-JP" sz="1000" b="0" kern="1200" dirty="0">
+                          <a:solidFill>
+                            <a:schemeClr val="tx1"/>
+                          </a:solidFill>
+                          <a:effectLst/>
+                          <a:latin typeface="Arial" panose="020B0604020202020204" pitchFamily="34" charset="0"/>
+                          <a:ea typeface="+mn-ea"/>
+                          <a:cs typeface="Arial" panose="020B0604020202020204" pitchFamily="34" charset="0"/>
+                        </a:rPr>
+                        <a:t>varchar(50)</a:t>
+                      </a:r>
+                    </a:p>
+                  </a:txBody>
+                  <a:tcPr/>
+                </a:tc>
+                <a:extLst>
+                  <a:ext uri="{0D108BD9-81ED-4DB2-BD59-A6C34878D82A}">
+                    <a16:rowId xmlns:a16="http://schemas.microsoft.com/office/drawing/2014/main" val="2254065369"/>
+                  </a:ext>
+                </a:extLst>
+              </a:tr>
+              <a:tr h="274738">
+                <a:tc>
+                  <a:txBody>
+                    <a:bodyPr/>
+                    <a:lstStyle/>
+                    <a:p>
+                      <a:pPr marL="0" marR="0" lvl="0" indent="0" algn="l" defTabSz="914400" rtl="0" eaLnBrk="1" fontAlgn="auto" latinLnBrk="0" hangingPunct="1">
+                        <a:lnSpc>
+                          <a:spcPct val="100000"/>
+                        </a:lnSpc>
+                        <a:spcBef>
+                          <a:spcPts val="0"/>
+                        </a:spcBef>
+                        <a:spcAft>
+                          <a:spcPts val="0"/>
+                        </a:spcAft>
+                        <a:buClrTx/>
+                        <a:buSzTx/>
+                        <a:buFont typeface="Arial" panose="020B0604020202020204" pitchFamily="34" charset="0"/>
+                        <a:buNone/>
+                        <a:tabLst/>
+                        <a:defRPr/>
+                      </a:pPr>
+                      <a:r>
+                        <a:rPr lang="en-US" altLang="ja-JP" sz="1000" b="0" dirty="0" err="1">
+                          <a:latin typeface="Arial" panose="020B0604020202020204" pitchFamily="34" charset="0"/>
+                          <a:cs typeface="Arial" panose="020B0604020202020204" pitchFamily="34" charset="0"/>
+                        </a:rPr>
+                        <a:t>TimeDay</a:t>
+                      </a:r>
+                      <a:r>
+                        <a:rPr lang="en-US" altLang="ja-JP" sz="1000" b="0" dirty="0">
+                          <a:latin typeface="Arial" panose="020B0604020202020204" pitchFamily="34" charset="0"/>
+                          <a:cs typeface="Arial" panose="020B0604020202020204" pitchFamily="34" charset="0"/>
+                        </a:rPr>
+                        <a:t>,</a:t>
+                      </a:r>
+                      <a:endParaRPr lang="en-US" altLang="ja-JP" sz="1000" b="0" dirty="0">
+                        <a:solidFill>
+                          <a:schemeClr val="accent1">
+                            <a:lumMod val="50000"/>
+                          </a:schemeClr>
+                        </a:solidFill>
+                        <a:latin typeface="Arial" panose="020B0604020202020204" pitchFamily="34" charset="0"/>
+                        <a:cs typeface="Arial" panose="020B0604020202020204" pitchFamily="34" charset="0"/>
+                      </a:endParaRPr>
+                    </a:p>
+                  </a:txBody>
+                  <a:tcPr/>
+                </a:tc>
+                <a:tc>
+                  <a:txBody>
+                    <a:bodyPr/>
+                    <a:lstStyle/>
+                    <a:p>
+                      <a:pPr marL="0" marR="0" lvl="0" indent="0" algn="l" defTabSz="914400" rtl="0" eaLnBrk="1" fontAlgn="auto" latinLnBrk="0" hangingPunct="1">
+                        <a:lnSpc>
+                          <a:spcPct val="100000"/>
+                        </a:lnSpc>
+                        <a:spcBef>
+                          <a:spcPts val="0"/>
+                        </a:spcBef>
+                        <a:spcAft>
+                          <a:spcPts val="0"/>
+                        </a:spcAft>
+                        <a:buClrTx/>
+                        <a:buSzTx/>
+                        <a:buFontTx/>
+                        <a:buNone/>
+                        <a:tabLst/>
+                        <a:defRPr/>
+                      </a:pPr>
+                      <a:r>
+                        <a:rPr kumimoji="1" lang="en-US" altLang="ja-JP" sz="1000" b="0" kern="1200" dirty="0" err="1">
+                          <a:solidFill>
+                            <a:schemeClr val="tx1"/>
+                          </a:solidFill>
+                          <a:effectLst/>
+                          <a:latin typeface="Arial" panose="020B0604020202020204" pitchFamily="34" charset="0"/>
+                          <a:ea typeface="+mn-ea"/>
+                          <a:cs typeface="Arial" panose="020B0604020202020204" pitchFamily="34" charset="0"/>
+                        </a:rPr>
+                        <a:t>tinyint</a:t>
+                      </a:r>
+                      <a:endParaRPr kumimoji="1" lang="en-US" altLang="ja-JP" sz="1000" b="0" kern="1200" dirty="0">
+                        <a:solidFill>
+                          <a:schemeClr val="tx1"/>
+                        </a:solidFill>
+                        <a:effectLst/>
+                        <a:latin typeface="Arial" panose="020B0604020202020204" pitchFamily="34" charset="0"/>
+                        <a:ea typeface="+mn-ea"/>
+                        <a:cs typeface="Arial" panose="020B0604020202020204" pitchFamily="34" charset="0"/>
+                      </a:endParaRPr>
+                    </a:p>
+                  </a:txBody>
+                  <a:tcPr/>
+                </a:tc>
+                <a:extLst>
+                  <a:ext uri="{0D108BD9-81ED-4DB2-BD59-A6C34878D82A}">
+                    <a16:rowId xmlns:a16="http://schemas.microsoft.com/office/drawing/2014/main" val="2351082811"/>
+                  </a:ext>
+                </a:extLst>
+              </a:tr>
+              <a:tr h="169069">
+                <a:tc>
+                  <a:txBody>
+                    <a:bodyPr/>
+                    <a:lstStyle/>
+                    <a:p>
+                      <a:pPr marL="0" marR="0" lvl="0" indent="0" algn="l" defTabSz="914400" rtl="0" eaLnBrk="1" fontAlgn="auto" latinLnBrk="0" hangingPunct="1">
+                        <a:lnSpc>
+                          <a:spcPct val="100000"/>
+                        </a:lnSpc>
+                        <a:spcBef>
+                          <a:spcPts val="0"/>
+                        </a:spcBef>
+                        <a:spcAft>
+                          <a:spcPts val="0"/>
+                        </a:spcAft>
+                        <a:buClrTx/>
+                        <a:buSzTx/>
+                        <a:buFont typeface="Arial" panose="020B0604020202020204" pitchFamily="34" charset="0"/>
+                        <a:buNone/>
+                        <a:tabLst/>
+                        <a:defRPr/>
+                      </a:pPr>
+                      <a:r>
+                        <a:rPr lang="en-US" altLang="ja-JP" sz="1000" b="0" dirty="0" err="1">
+                          <a:latin typeface="Arial" panose="020B0604020202020204" pitchFamily="34" charset="0"/>
+                          <a:cs typeface="Arial" panose="020B0604020202020204" pitchFamily="34" charset="0"/>
+                        </a:rPr>
+                        <a:t>member_id</a:t>
+                      </a:r>
+                      <a:endParaRPr lang="en-US" altLang="ja-JP" sz="1000" b="0" dirty="0">
+                        <a:solidFill>
+                          <a:schemeClr val="accent1">
+                            <a:lumMod val="50000"/>
+                          </a:schemeClr>
+                        </a:solidFill>
+                        <a:latin typeface="Arial" panose="020B0604020202020204" pitchFamily="34" charset="0"/>
+                        <a:cs typeface="Arial" panose="020B0604020202020204" pitchFamily="34" charset="0"/>
+                      </a:endParaRPr>
+                    </a:p>
+                  </a:txBody>
+                  <a:tcPr/>
+                </a:tc>
+                <a:tc>
+                  <a:txBody>
+                    <a:bodyPr/>
+                    <a:lstStyle/>
+                    <a:p>
+                      <a:pPr marL="0" marR="0" lvl="0" indent="0" algn="l" defTabSz="914400" rtl="0" eaLnBrk="1" fontAlgn="auto" latinLnBrk="0" hangingPunct="1">
+                        <a:lnSpc>
+                          <a:spcPct val="100000"/>
+                        </a:lnSpc>
+                        <a:spcBef>
+                          <a:spcPts val="0"/>
+                        </a:spcBef>
+                        <a:spcAft>
+                          <a:spcPts val="0"/>
+                        </a:spcAft>
+                        <a:buClrTx/>
+                        <a:buSzTx/>
+                        <a:buFontTx/>
+                        <a:buNone/>
+                        <a:tabLst/>
+                        <a:defRPr/>
+                      </a:pPr>
+                      <a:r>
+                        <a:rPr kumimoji="1" lang="en-US" altLang="ja-JP" sz="1000" b="0" kern="1200" dirty="0">
+                          <a:solidFill>
+                            <a:schemeClr val="tx1"/>
+                          </a:solidFill>
+                          <a:effectLst/>
+                          <a:latin typeface="Arial" panose="020B0604020202020204" pitchFamily="34" charset="0"/>
+                          <a:ea typeface="+mn-ea"/>
+                          <a:cs typeface="Arial" panose="020B0604020202020204" pitchFamily="34" charset="0"/>
+                        </a:rPr>
+                        <a:t>int</a:t>
+                      </a:r>
+                    </a:p>
+                  </a:txBody>
+                  <a:tcPr/>
+                </a:tc>
+                <a:extLst>
+                  <a:ext uri="{0D108BD9-81ED-4DB2-BD59-A6C34878D82A}">
+                    <a16:rowId xmlns:a16="http://schemas.microsoft.com/office/drawing/2014/main" val="687454561"/>
+                  </a:ext>
+                </a:extLst>
+              </a:tr>
+              <a:tr h="169069">
+                <a:tc>
+                  <a:txBody>
+                    <a:bodyPr/>
+                    <a:lstStyle/>
+                    <a:p>
+                      <a:pPr marL="0" marR="0" lvl="0" indent="0" algn="l" defTabSz="914400" rtl="0" eaLnBrk="1" fontAlgn="auto" latinLnBrk="0" hangingPunct="1">
+                        <a:lnSpc>
+                          <a:spcPct val="100000"/>
+                        </a:lnSpc>
+                        <a:spcBef>
+                          <a:spcPts val="0"/>
+                        </a:spcBef>
+                        <a:spcAft>
+                          <a:spcPts val="0"/>
+                        </a:spcAft>
+                        <a:buClrTx/>
+                        <a:buSzTx/>
+                        <a:buFont typeface="Arial" panose="020B0604020202020204" pitchFamily="34" charset="0"/>
+                        <a:buNone/>
+                        <a:tabLst/>
+                        <a:defRPr/>
+                      </a:pPr>
+                      <a:r>
+                        <a:rPr lang="en-US" altLang="ja-JP" sz="1000" b="0" dirty="0" err="1">
+                          <a:solidFill>
+                            <a:schemeClr val="tx1"/>
+                          </a:solidFill>
+                          <a:latin typeface="Arial" panose="020B0604020202020204" pitchFamily="34" charset="0"/>
+                          <a:cs typeface="Arial" panose="020B0604020202020204" pitchFamily="34" charset="0"/>
+                        </a:rPr>
+                        <a:t>Druation</a:t>
+                      </a:r>
+                      <a:endParaRPr lang="en-US" altLang="ja-JP" sz="1000" b="0" dirty="0">
+                        <a:solidFill>
+                          <a:schemeClr val="tx1"/>
+                        </a:solidFill>
+                        <a:latin typeface="Arial" panose="020B0604020202020204" pitchFamily="34" charset="0"/>
+                        <a:cs typeface="Arial" panose="020B0604020202020204" pitchFamily="34" charset="0"/>
+                      </a:endParaRPr>
+                    </a:p>
+                  </a:txBody>
+                  <a:tcPr/>
+                </a:tc>
+                <a:tc>
+                  <a:txBody>
+                    <a:bodyPr/>
+                    <a:lstStyle/>
+                    <a:p>
+                      <a:pPr marL="0" marR="0" lvl="0" indent="0" algn="l" defTabSz="914400" rtl="0" eaLnBrk="1" fontAlgn="auto" latinLnBrk="0" hangingPunct="1">
+                        <a:lnSpc>
+                          <a:spcPct val="100000"/>
+                        </a:lnSpc>
+                        <a:spcBef>
+                          <a:spcPts val="0"/>
+                        </a:spcBef>
+                        <a:spcAft>
+                          <a:spcPts val="0"/>
+                        </a:spcAft>
+                        <a:buClrTx/>
+                        <a:buSzTx/>
+                        <a:buFontTx/>
+                        <a:buNone/>
+                        <a:tabLst/>
+                        <a:defRPr/>
+                      </a:pPr>
+                      <a:r>
+                        <a:rPr kumimoji="1" lang="en-US" altLang="ja-JP" sz="1000" b="0" kern="1200" dirty="0">
+                          <a:solidFill>
+                            <a:schemeClr val="tx1"/>
+                          </a:solidFill>
+                          <a:effectLst/>
+                          <a:latin typeface="Arial" panose="020B0604020202020204" pitchFamily="34" charset="0"/>
+                          <a:ea typeface="+mn-ea"/>
+                          <a:cs typeface="Arial" panose="020B0604020202020204" pitchFamily="34" charset="0"/>
+                        </a:rPr>
+                        <a:t>int</a:t>
+                      </a:r>
+                    </a:p>
+                  </a:txBody>
+                  <a:tcPr/>
+                </a:tc>
+                <a:extLst>
+                  <a:ext uri="{0D108BD9-81ED-4DB2-BD59-A6C34878D82A}">
+                    <a16:rowId xmlns:a16="http://schemas.microsoft.com/office/drawing/2014/main" val="2200225552"/>
+                  </a:ext>
+                </a:extLst>
+              </a:tr>
+              <a:tr h="169069">
+                <a:tc>
+                  <a:txBody>
+                    <a:bodyPr/>
+                    <a:lstStyle/>
+                    <a:p>
+                      <a:pPr marL="0" indent="0">
+                        <a:buFont typeface="Arial" panose="020B0604020202020204" pitchFamily="34" charset="0"/>
+                        <a:buNone/>
+                      </a:pPr>
+                      <a:r>
+                        <a:rPr kumimoji="1" lang="en-US" altLang="ja-JP" sz="1000" b="0" dirty="0" err="1">
+                          <a:solidFill>
+                            <a:schemeClr val="tx1"/>
+                          </a:solidFill>
+                          <a:latin typeface="Arial" panose="020B0604020202020204" pitchFamily="34" charset="0"/>
+                          <a:cs typeface="Arial" panose="020B0604020202020204" pitchFamily="34" charset="0"/>
+                        </a:rPr>
+                        <a:t>Age_at_Time_of</a:t>
+                      </a:r>
+                      <a:r>
+                        <a:rPr kumimoji="1" lang="en-US" altLang="ja-JP" sz="1000" b="0" dirty="0">
+                          <a:solidFill>
+                            <a:schemeClr val="tx1"/>
+                          </a:solidFill>
+                          <a:latin typeface="Arial" panose="020B0604020202020204" pitchFamily="34" charset="0"/>
+                          <a:cs typeface="Arial" panose="020B0604020202020204" pitchFamily="34" charset="0"/>
+                        </a:rPr>
+                        <a:t> _Trip</a:t>
+                      </a:r>
+                    </a:p>
+                  </a:txBody>
+                  <a:tcPr/>
+                </a:tc>
+                <a:tc>
+                  <a:txBody>
+                    <a:bodyPr/>
+                    <a:lstStyle/>
+                    <a:p>
+                      <a:pPr marL="0" marR="0" lvl="0" indent="0" algn="l" defTabSz="914400" rtl="0" eaLnBrk="1" fontAlgn="auto" latinLnBrk="0" hangingPunct="1">
+                        <a:lnSpc>
+                          <a:spcPct val="100000"/>
+                        </a:lnSpc>
+                        <a:spcBef>
+                          <a:spcPts val="0"/>
+                        </a:spcBef>
+                        <a:spcAft>
+                          <a:spcPts val="0"/>
+                        </a:spcAft>
+                        <a:buClrTx/>
+                        <a:buSzTx/>
+                        <a:buFontTx/>
+                        <a:buNone/>
+                        <a:tabLst/>
+                        <a:defRPr/>
+                      </a:pPr>
+                      <a:r>
+                        <a:rPr kumimoji="1" lang="en-US" altLang="ja-JP" sz="1000" b="0" kern="1200" dirty="0" err="1">
+                          <a:solidFill>
+                            <a:schemeClr val="tx1"/>
+                          </a:solidFill>
+                          <a:effectLst/>
+                          <a:latin typeface="Arial" panose="020B0604020202020204" pitchFamily="34" charset="0"/>
+                          <a:ea typeface="+mn-ea"/>
+                          <a:cs typeface="Arial" panose="020B0604020202020204" pitchFamily="34" charset="0"/>
+                        </a:rPr>
+                        <a:t>tinyint</a:t>
+                      </a:r>
+                      <a:endParaRPr kumimoji="1" lang="en-US" altLang="ja-JP" sz="1000" b="0" kern="1200" dirty="0">
+                        <a:solidFill>
+                          <a:schemeClr val="tx1"/>
+                        </a:solidFill>
+                        <a:effectLst/>
+                        <a:latin typeface="Arial" panose="020B0604020202020204" pitchFamily="34" charset="0"/>
+                        <a:ea typeface="+mn-ea"/>
+                        <a:cs typeface="Arial" panose="020B0604020202020204" pitchFamily="34" charset="0"/>
+                      </a:endParaRPr>
+                    </a:p>
+                  </a:txBody>
+                  <a:tcPr/>
+                </a:tc>
+                <a:extLst>
+                  <a:ext uri="{0D108BD9-81ED-4DB2-BD59-A6C34878D82A}">
+                    <a16:rowId xmlns:a16="http://schemas.microsoft.com/office/drawing/2014/main" val="663243780"/>
+                  </a:ext>
+                </a:extLst>
+              </a:tr>
+            </a:tbl>
+          </a:graphicData>
+        </a:graphic>
+      </p:graphicFrame>
+      <p:sp>
+        <p:nvSpPr>
+          <p:cNvPr id="9" name="正方形/長方形 8">
+            <a:extLst>
+              <a:ext uri="{FF2B5EF4-FFF2-40B4-BE49-F238E27FC236}">
+                <a16:creationId xmlns:a16="http://schemas.microsoft.com/office/drawing/2014/main" id="{35A0571A-2765-137E-422D-BA66530281E7}"/>
+              </a:ext>
+            </a:extLst>
+          </p:cNvPr>
+          <p:cNvSpPr/>
+          <p:nvPr/>
+        </p:nvSpPr>
+        <p:spPr>
+          <a:xfrm>
+            <a:off x="3321998" y="1590168"/>
+            <a:ext cx="2486953" cy="211499"/>
+          </a:xfrm>
+          <a:prstGeom prst="rect">
+            <a:avLst/>
+          </a:prstGeom>
+          <a:noFill/>
+          <a:ln w="19050">
+            <a:solidFill>
+              <a:srgbClr val="FF0000"/>
+            </a:solidFill>
+          </a:ln>
+        </p:spPr>
+        <p:style>
+          <a:lnRef idx="2">
+            <a:schemeClr val="accent1">
+              <a:shade val="50000"/>
+            </a:schemeClr>
+          </a:lnRef>
+          <a:fillRef idx="1">
+            <a:schemeClr val="accent1"/>
+          </a:fillRef>
+          <a:effectRef idx="0">
+            <a:schemeClr val="accent1"/>
+          </a:effectRef>
+          <a:fontRef idx="minor">
+            <a:schemeClr val="lt1"/>
+          </a:fontRef>
+        </p:style>
+        <p:txBody>
+          <a:bodyPr rtlCol="0" anchor="ctr"/>
+          <a:lstStyle/>
+          <a:p>
+            <a:pPr algn="ctr"/>
+            <a:endParaRPr kumimoji="1" lang="ja-JP" altLang="en-US"/>
+          </a:p>
+        </p:txBody>
+      </p:sp>
+      <p:sp>
+        <p:nvSpPr>
+          <p:cNvPr id="13" name="正方形/長方形 12">
+            <a:extLst>
+              <a:ext uri="{FF2B5EF4-FFF2-40B4-BE49-F238E27FC236}">
+                <a16:creationId xmlns:a16="http://schemas.microsoft.com/office/drawing/2014/main" id="{B199C9E4-AD89-D1E9-7AF6-268DF1A218D5}"/>
+              </a:ext>
+            </a:extLst>
+          </p:cNvPr>
+          <p:cNvSpPr/>
+          <p:nvPr/>
+        </p:nvSpPr>
+        <p:spPr>
+          <a:xfrm>
+            <a:off x="7367804" y="2633462"/>
+            <a:ext cx="2640274" cy="273891"/>
+          </a:xfrm>
+          <a:prstGeom prst="rect">
+            <a:avLst/>
+          </a:prstGeom>
+          <a:noFill/>
+          <a:ln w="19050">
+            <a:solidFill>
+              <a:srgbClr val="FF0000"/>
+            </a:solidFill>
+          </a:ln>
+        </p:spPr>
+        <p:style>
+          <a:lnRef idx="2">
+            <a:schemeClr val="accent1">
+              <a:shade val="50000"/>
+            </a:schemeClr>
+          </a:lnRef>
+          <a:fillRef idx="1">
+            <a:schemeClr val="accent1"/>
+          </a:fillRef>
+          <a:effectRef idx="0">
+            <a:schemeClr val="accent1"/>
+          </a:effectRef>
+          <a:fontRef idx="minor">
+            <a:schemeClr val="lt1"/>
+          </a:fontRef>
+        </p:style>
+        <p:txBody>
+          <a:bodyPr rtlCol="0" anchor="ctr"/>
+          <a:lstStyle/>
+          <a:p>
+            <a:pPr algn="ctr"/>
+            <a:endParaRPr kumimoji="1" lang="ja-JP" altLang="en-US"/>
+          </a:p>
+        </p:txBody>
+      </p:sp>
+      <p:cxnSp>
+        <p:nvCxnSpPr>
+          <p:cNvPr id="14" name="コネクタ: カギ線 13">
+            <a:extLst>
+              <a:ext uri="{FF2B5EF4-FFF2-40B4-BE49-F238E27FC236}">
+                <a16:creationId xmlns:a16="http://schemas.microsoft.com/office/drawing/2014/main" id="{B6E380B8-E330-EF03-FC1E-FF3FCCEC23F4}"/>
+              </a:ext>
+            </a:extLst>
+          </p:cNvPr>
+          <p:cNvCxnSpPr>
+            <a:cxnSpLocks/>
+            <a:stCxn id="9" idx="3"/>
+            <a:endCxn id="13" idx="1"/>
+          </p:cNvCxnSpPr>
+          <p:nvPr/>
+        </p:nvCxnSpPr>
+        <p:spPr>
+          <a:xfrm>
+            <a:off x="5808951" y="1695918"/>
+            <a:ext cx="1558853" cy="1074490"/>
+          </a:xfrm>
+          <a:prstGeom prst="bentConnector3">
+            <a:avLst/>
+          </a:prstGeom>
+          <a:ln>
+            <a:solidFill>
+              <a:srgbClr val="FF0000"/>
+            </a:solidFill>
+            <a:tailEnd type="triangle"/>
+          </a:ln>
+        </p:spPr>
+        <p:style>
+          <a:lnRef idx="1">
+            <a:schemeClr val="accent1"/>
+          </a:lnRef>
+          <a:fillRef idx="0">
+            <a:schemeClr val="accent1"/>
+          </a:fillRef>
+          <a:effectRef idx="0">
+            <a:schemeClr val="accent1"/>
+          </a:effectRef>
+          <a:fontRef idx="minor">
+            <a:schemeClr val="tx1"/>
+          </a:fontRef>
+        </p:style>
+      </p:cxnSp>
+      <p:sp>
+        <p:nvSpPr>
+          <p:cNvPr id="15" name="正方形/長方形 14">
+            <a:extLst>
+              <a:ext uri="{FF2B5EF4-FFF2-40B4-BE49-F238E27FC236}">
+                <a16:creationId xmlns:a16="http://schemas.microsoft.com/office/drawing/2014/main" id="{9CE0D40A-7FE3-631B-62B3-18958BE84F9E}"/>
+              </a:ext>
+            </a:extLst>
+          </p:cNvPr>
+          <p:cNvSpPr/>
+          <p:nvPr/>
+        </p:nvSpPr>
+        <p:spPr>
+          <a:xfrm>
+            <a:off x="7341015" y="3166443"/>
+            <a:ext cx="2658946" cy="283980"/>
+          </a:xfrm>
+          <a:prstGeom prst="rect">
+            <a:avLst/>
+          </a:prstGeom>
+          <a:noFill/>
+          <a:ln w="19050">
+            <a:solidFill>
+              <a:srgbClr val="FF0000"/>
+            </a:solidFill>
+          </a:ln>
+        </p:spPr>
+        <p:style>
+          <a:lnRef idx="2">
+            <a:schemeClr val="accent1">
+              <a:shade val="50000"/>
+            </a:schemeClr>
+          </a:lnRef>
+          <a:fillRef idx="1">
+            <a:schemeClr val="accent1"/>
+          </a:fillRef>
+          <a:effectRef idx="0">
+            <a:schemeClr val="accent1"/>
+          </a:effectRef>
+          <a:fontRef idx="minor">
+            <a:schemeClr val="lt1"/>
+          </a:fontRef>
+        </p:style>
+        <p:txBody>
+          <a:bodyPr rtlCol="0" anchor="ctr"/>
+          <a:lstStyle/>
+          <a:p>
+            <a:pPr algn="ctr"/>
+            <a:endParaRPr kumimoji="1" lang="ja-JP" altLang="en-US"/>
+          </a:p>
+        </p:txBody>
+      </p:sp>
+      <p:sp>
+        <p:nvSpPr>
+          <p:cNvPr id="16" name="正方形/長方形 15">
+            <a:extLst>
+              <a:ext uri="{FF2B5EF4-FFF2-40B4-BE49-F238E27FC236}">
+                <a16:creationId xmlns:a16="http://schemas.microsoft.com/office/drawing/2014/main" id="{7910C07C-C369-C745-27E9-6AAD725FA725}"/>
+              </a:ext>
+            </a:extLst>
+          </p:cNvPr>
+          <p:cNvSpPr/>
+          <p:nvPr/>
+        </p:nvSpPr>
+        <p:spPr>
+          <a:xfrm>
+            <a:off x="7358467" y="3703797"/>
+            <a:ext cx="2641493" cy="231704"/>
+          </a:xfrm>
+          <a:prstGeom prst="rect">
+            <a:avLst/>
+          </a:prstGeom>
+          <a:noFill/>
+          <a:ln w="19050">
+            <a:solidFill>
+              <a:srgbClr val="FF0000"/>
+            </a:solidFill>
+          </a:ln>
+        </p:spPr>
+        <p:style>
+          <a:lnRef idx="2">
+            <a:schemeClr val="accent1">
+              <a:shade val="50000"/>
+            </a:schemeClr>
+          </a:lnRef>
+          <a:fillRef idx="1">
+            <a:schemeClr val="accent1"/>
+          </a:fillRef>
+          <a:effectRef idx="0">
+            <a:schemeClr val="accent1"/>
+          </a:effectRef>
+          <a:fontRef idx="minor">
+            <a:schemeClr val="lt1"/>
+          </a:fontRef>
+        </p:style>
+        <p:txBody>
+          <a:bodyPr rtlCol="0" anchor="ctr"/>
+          <a:lstStyle/>
+          <a:p>
+            <a:pPr algn="ctr"/>
+            <a:endParaRPr kumimoji="1" lang="ja-JP" altLang="en-US"/>
+          </a:p>
+        </p:txBody>
+      </p:sp>
+    </p:spTree>
+    <p:extLst>
+      <p:ext uri="{BB962C8B-B14F-4D97-AF65-F5344CB8AC3E}">
+        <p14:creationId xmlns:p14="http://schemas.microsoft.com/office/powerpoint/2010/main" val="1959839979"/>
+      </p:ext>
+    </p:extLst>
+  </p:cSld>
+  <p:clrMapOvr>
+    <a:masterClrMapping/>
+  </p:clrMapOvr>
+</p:sld>
+</file>
+
+<file path=ppt/slides/slide7.xml><?xml version="1.0" encoding="utf-8"?>
+<p:sld xmlns:a="http://schemas.openxmlformats.org/drawingml/2006/main" xmlns:r="http://schemas.openxmlformats.org/officeDocument/2006/relationships" xmlns:p="http://schemas.openxmlformats.org/presentationml/2006/main">
+  <p:cSld>
+    <p:spTree>
+      <p:nvGrpSpPr>
+        <p:cNvPr id="1" name=""/>
+        <p:cNvGrpSpPr/>
+        <p:nvPr/>
+      </p:nvGrpSpPr>
+      <p:grpSpPr>
+        <a:xfrm>
+          <a:off x="0" y="0"/>
+          <a:ext cx="0" cy="0"/>
+          <a:chOff x="0" y="0"/>
+          <a:chExt cx="0" cy="0"/>
+        </a:xfrm>
+      </p:grpSpPr>
+      <p:sp>
+        <p:nvSpPr>
+          <p:cNvPr id="3" name="コンテンツ プレースホルダー 2">
+            <a:extLst>
+              <a:ext uri="{FF2B5EF4-FFF2-40B4-BE49-F238E27FC236}">
+                <a16:creationId xmlns:a16="http://schemas.microsoft.com/office/drawing/2014/main" id="{3D20138F-B71A-2CF6-0957-4B606570477E}"/>
+              </a:ext>
+            </a:extLst>
+          </p:cNvPr>
+          <p:cNvSpPr>
+            <a:spLocks noGrp="1"/>
+          </p:cNvSpPr>
+          <p:nvPr>
+            <p:ph idx="1"/>
+          </p:nvPr>
+        </p:nvSpPr>
+        <p:spPr>
+          <a:xfrm>
+            <a:off x="265444" y="338469"/>
+            <a:ext cx="7345178" cy="937628"/>
+          </a:xfrm>
+        </p:spPr>
+        <p:txBody>
+          <a:bodyPr/>
+          <a:lstStyle/>
+          <a:p>
+            <a:pPr marL="0" indent="0" algn="l">
+              <a:buNone/>
+            </a:pPr>
+            <a:r>
+              <a:rPr lang="en-US" altLang="ja-JP" sz="1200" b="0" i="0" dirty="0">
+                <a:solidFill>
+                  <a:srgbClr val="1A202C"/>
+                </a:solidFill>
+                <a:effectLst/>
+                <a:latin typeface="Open Sans" panose="020B0606030504020204" pitchFamily="34" charset="0"/>
+              </a:rPr>
+              <a:t>EXTRA CREDIT - Analyze how much money is spent per member</a:t>
+            </a:r>
+          </a:p>
+          <a:p>
+            <a:pPr marL="742950" lvl="1" indent="-285750" algn="l">
+              <a:buFont typeface="+mj-lt"/>
+              <a:buAutoNum type="arabicPeriod"/>
+            </a:pPr>
+            <a:r>
+              <a:rPr lang="en-US" altLang="ja-JP" sz="1200" b="0" i="0" dirty="0">
+                <a:solidFill>
+                  <a:srgbClr val="1A202C"/>
+                </a:solidFill>
+                <a:effectLst/>
+                <a:latin typeface="Open Sans" panose="020B0606030504020204" pitchFamily="34" charset="0"/>
+              </a:rPr>
+              <a:t>Based on how many rides the rider averages per month</a:t>
+            </a:r>
+          </a:p>
+          <a:p>
+            <a:pPr marL="742950" lvl="1" indent="-285750" algn="l">
+              <a:buFont typeface="+mj-lt"/>
+              <a:buAutoNum type="arabicPeriod"/>
+            </a:pPr>
+            <a:r>
+              <a:rPr lang="en-US" altLang="ja-JP" sz="1200" b="0" i="0" dirty="0">
+                <a:solidFill>
+                  <a:srgbClr val="1A202C"/>
+                </a:solidFill>
+                <a:effectLst/>
+                <a:latin typeface="Open Sans" panose="020B0606030504020204" pitchFamily="34" charset="0"/>
+              </a:rPr>
+              <a:t>Based on how many minutes the rider spends on a bike per month</a:t>
+            </a:r>
+          </a:p>
+          <a:p>
+            <a:pPr marL="0" indent="0">
+              <a:buNone/>
+            </a:pPr>
+            <a:endParaRPr kumimoji="1" lang="ja-JP" altLang="en-US" dirty="0"/>
+          </a:p>
+        </p:txBody>
+      </p:sp>
+      <p:graphicFrame>
+        <p:nvGraphicFramePr>
+          <p:cNvPr id="37" name="表 36">
+            <a:extLst>
+              <a:ext uri="{FF2B5EF4-FFF2-40B4-BE49-F238E27FC236}">
+                <a16:creationId xmlns:a16="http://schemas.microsoft.com/office/drawing/2014/main" id="{EA446142-EAD3-A7C5-F9A4-025321AFFDE1}"/>
+              </a:ext>
+            </a:extLst>
+          </p:cNvPr>
+          <p:cNvGraphicFramePr>
+            <a:graphicFrameLocks noGrp="1"/>
+          </p:cNvGraphicFramePr>
+          <p:nvPr/>
+        </p:nvGraphicFramePr>
+        <p:xfrm>
+          <a:off x="5126784" y="4799647"/>
+          <a:ext cx="2223399" cy="975360"/>
+        </p:xfrm>
+        <a:graphic>
+          <a:graphicData uri="http://schemas.openxmlformats.org/drawingml/2006/table">
+            <a:tbl>
+              <a:tblPr firstRow="1" bandRow="1">
+                <a:tableStyleId>{69012ECD-51FC-41F1-AA8D-1B2483CD663E}</a:tableStyleId>
+              </a:tblPr>
+              <a:tblGrid>
+                <a:gridCol w="2223399">
+                  <a:extLst>
+                    <a:ext uri="{9D8B030D-6E8A-4147-A177-3AD203B41FA5}">
+                      <a16:colId xmlns:a16="http://schemas.microsoft.com/office/drawing/2014/main" val="2952130031"/>
+                    </a:ext>
+                  </a:extLst>
+                </a:gridCol>
+              </a:tblGrid>
+              <a:tr h="230491">
+                <a:tc>
+                  <a:txBody>
+                    <a:bodyPr/>
+                    <a:lstStyle/>
+                    <a:p>
+                      <a:pPr marL="0" marR="0" lvl="0" indent="0" algn="l" defTabSz="914400" rtl="0" eaLnBrk="1" fontAlgn="auto" latinLnBrk="0" hangingPunct="1">
+                        <a:lnSpc>
+                          <a:spcPct val="100000"/>
+                        </a:lnSpc>
+                        <a:spcBef>
+                          <a:spcPts val="0"/>
+                        </a:spcBef>
+                        <a:spcAft>
+                          <a:spcPts val="0"/>
+                        </a:spcAft>
+                        <a:buClrTx/>
+                        <a:buSzTx/>
+                        <a:buFontTx/>
+                        <a:buNone/>
+                        <a:tabLst/>
+                        <a:defRPr/>
+                      </a:pPr>
+                      <a:r>
+                        <a:rPr kumimoji="1" lang="en-US" altLang="ja-JP" sz="1000" b="0" kern="1200" dirty="0" err="1">
+                          <a:solidFill>
+                            <a:schemeClr val="bg1"/>
+                          </a:solidFill>
+                          <a:effectLst/>
+                          <a:latin typeface="Arial" panose="020B0604020202020204" pitchFamily="34" charset="0"/>
+                          <a:ea typeface="+mn-ea"/>
+                          <a:cs typeface="Arial" panose="020B0604020202020204" pitchFamily="34" charset="0"/>
+                        </a:rPr>
+                        <a:t>member_behavior</a:t>
+                      </a:r>
+                      <a:endParaRPr kumimoji="1" lang="en-US" altLang="ja-JP" sz="1000" b="0" kern="1200" dirty="0">
+                        <a:solidFill>
+                          <a:schemeClr val="bg1"/>
+                        </a:solidFill>
+                        <a:effectLst/>
+                        <a:latin typeface="Arial" panose="020B0604020202020204" pitchFamily="34" charset="0"/>
+                        <a:ea typeface="+mn-ea"/>
+                        <a:cs typeface="Arial" panose="020B0604020202020204" pitchFamily="34" charset="0"/>
+                      </a:endParaRPr>
+                    </a:p>
+                  </a:txBody>
+                  <a:tcPr/>
+                </a:tc>
+                <a:extLst>
+                  <a:ext uri="{0D108BD9-81ED-4DB2-BD59-A6C34878D82A}">
+                    <a16:rowId xmlns:a16="http://schemas.microsoft.com/office/drawing/2014/main" val="659651961"/>
+                  </a:ext>
+                </a:extLst>
+              </a:tr>
+              <a:tr h="187891">
+                <a:tc>
+                  <a:txBody>
+                    <a:bodyPr/>
+                    <a:lstStyle/>
+                    <a:p>
+                      <a:pPr marL="0" marR="0" lvl="0" indent="0" algn="l" defTabSz="914400" rtl="0" eaLnBrk="1" fontAlgn="auto" latinLnBrk="0" hangingPunct="1">
+                        <a:lnSpc>
+                          <a:spcPct val="100000"/>
+                        </a:lnSpc>
+                        <a:spcBef>
+                          <a:spcPts val="0"/>
+                        </a:spcBef>
+                        <a:spcAft>
+                          <a:spcPts val="0"/>
+                        </a:spcAft>
+                        <a:buClrTx/>
+                        <a:buSzTx/>
+                        <a:buFont typeface="Arial" panose="020B0604020202020204" pitchFamily="34" charset="0"/>
+                        <a:buNone/>
+                        <a:tabLst/>
+                        <a:defRPr/>
+                      </a:pPr>
+                      <a:r>
+                        <a:rPr kumimoji="1" lang="en-US" altLang="ja-JP" sz="1000" b="0" kern="1200" dirty="0" err="1">
+                          <a:solidFill>
+                            <a:schemeClr val="tx1"/>
+                          </a:solidFill>
+                          <a:effectLst/>
+                          <a:latin typeface="Arial" panose="020B0604020202020204" pitchFamily="34" charset="0"/>
+                          <a:ea typeface="+mn-ea"/>
+                          <a:cs typeface="Arial" panose="020B0604020202020204" pitchFamily="34" charset="0"/>
+                        </a:rPr>
+                        <a:t>member_id</a:t>
+                      </a:r>
+                      <a:endParaRPr kumimoji="1" lang="en-US" altLang="ja-JP" sz="1000" b="0" kern="1200" dirty="0">
+                        <a:solidFill>
+                          <a:schemeClr val="tx1"/>
+                        </a:solidFill>
+                        <a:effectLst/>
+                        <a:latin typeface="Arial" panose="020B0604020202020204" pitchFamily="34" charset="0"/>
+                        <a:ea typeface="+mn-ea"/>
+                        <a:cs typeface="Arial" panose="020B0604020202020204" pitchFamily="34" charset="0"/>
+                      </a:endParaRPr>
+                    </a:p>
+                  </a:txBody>
+                  <a:tcPr/>
+                </a:tc>
+                <a:extLst>
+                  <a:ext uri="{0D108BD9-81ED-4DB2-BD59-A6C34878D82A}">
+                    <a16:rowId xmlns:a16="http://schemas.microsoft.com/office/drawing/2014/main" val="1254725891"/>
+                  </a:ext>
+                </a:extLst>
+              </a:tr>
+              <a:tr h="0">
+                <a:tc>
+                  <a:txBody>
+                    <a:bodyPr/>
+                    <a:lstStyle/>
+                    <a:p>
+                      <a:pPr marL="0" marR="0" lvl="0" indent="0" algn="l" defTabSz="914400" rtl="0" eaLnBrk="1" fontAlgn="auto" latinLnBrk="0" hangingPunct="1">
+                        <a:lnSpc>
+                          <a:spcPct val="100000"/>
+                        </a:lnSpc>
+                        <a:spcBef>
+                          <a:spcPts val="0"/>
+                        </a:spcBef>
+                        <a:spcAft>
+                          <a:spcPts val="0"/>
+                        </a:spcAft>
+                        <a:buClrTx/>
+                        <a:buSzTx/>
+                        <a:buFont typeface="Arial" panose="020B0604020202020204" pitchFamily="34" charset="0"/>
+                        <a:buNone/>
+                        <a:tabLst/>
+                        <a:defRPr/>
+                      </a:pPr>
+                      <a:r>
+                        <a:rPr kumimoji="1" lang="en-US" altLang="ja-JP" sz="1000" b="0" kern="1200" dirty="0" err="1">
+                          <a:solidFill>
+                            <a:schemeClr val="tx1"/>
+                          </a:solidFill>
+                          <a:effectLst/>
+                          <a:latin typeface="Arial" panose="020B0604020202020204" pitchFamily="34" charset="0"/>
+                          <a:ea typeface="+mn-ea"/>
+                          <a:cs typeface="Arial" panose="020B0604020202020204" pitchFamily="34" charset="0"/>
+                        </a:rPr>
+                        <a:t>CountTripPerMonth</a:t>
+                      </a:r>
+                      <a:endParaRPr kumimoji="1" lang="en-US" altLang="ja-JP" sz="1000" b="0" kern="1200" dirty="0">
+                        <a:solidFill>
+                          <a:schemeClr val="tx1"/>
+                        </a:solidFill>
+                        <a:effectLst/>
+                        <a:latin typeface="Arial" panose="020B0604020202020204" pitchFamily="34" charset="0"/>
+                        <a:ea typeface="+mn-ea"/>
+                        <a:cs typeface="Arial" panose="020B0604020202020204" pitchFamily="34" charset="0"/>
+                      </a:endParaRPr>
+                    </a:p>
+                  </a:txBody>
+                  <a:tcPr/>
+                </a:tc>
+                <a:extLst>
+                  <a:ext uri="{0D108BD9-81ED-4DB2-BD59-A6C34878D82A}">
+                    <a16:rowId xmlns:a16="http://schemas.microsoft.com/office/drawing/2014/main" val="3179887243"/>
+                  </a:ext>
+                </a:extLst>
+              </a:tr>
+              <a:tr h="0">
+                <a:tc>
+                  <a:txBody>
+                    <a:bodyPr/>
+                    <a:lstStyle/>
+                    <a:p>
+                      <a:r>
+                        <a:rPr kumimoji="1" lang="en-US" altLang="ja-JP" sz="1000" b="0" kern="1200" dirty="0" err="1">
+                          <a:solidFill>
+                            <a:schemeClr val="tx1"/>
+                          </a:solidFill>
+                          <a:effectLst/>
+                          <a:latin typeface="Arial" panose="020B0604020202020204" pitchFamily="34" charset="0"/>
+                          <a:ea typeface="+mn-ea"/>
+                          <a:cs typeface="Arial" panose="020B0604020202020204" pitchFamily="34" charset="0"/>
+                        </a:rPr>
+                        <a:t>SpentTimePerMonth</a:t>
+                      </a:r>
+                      <a:endParaRPr kumimoji="1" lang="en-US" altLang="ja-JP" sz="1000" b="0" kern="1200" dirty="0">
+                        <a:solidFill>
+                          <a:schemeClr val="tx1"/>
+                        </a:solidFill>
+                        <a:effectLst/>
+                        <a:latin typeface="Arial" panose="020B0604020202020204" pitchFamily="34" charset="0"/>
+                        <a:ea typeface="+mn-ea"/>
+                        <a:cs typeface="Arial" panose="020B0604020202020204" pitchFamily="34" charset="0"/>
+                      </a:endParaRPr>
+                    </a:p>
+                  </a:txBody>
+                  <a:tcPr/>
+                </a:tc>
+                <a:extLst>
+                  <a:ext uri="{0D108BD9-81ED-4DB2-BD59-A6C34878D82A}">
+                    <a16:rowId xmlns:a16="http://schemas.microsoft.com/office/drawing/2014/main" val="1698588673"/>
+                  </a:ext>
+                </a:extLst>
+              </a:tr>
+            </a:tbl>
+          </a:graphicData>
+        </a:graphic>
+      </p:graphicFrame>
+      <p:sp>
+        <p:nvSpPr>
+          <p:cNvPr id="43" name="矢印: 折線 42">
+            <a:extLst>
+              <a:ext uri="{FF2B5EF4-FFF2-40B4-BE49-F238E27FC236}">
+                <a16:creationId xmlns:a16="http://schemas.microsoft.com/office/drawing/2014/main" id="{4324698E-7114-C0E0-FC1F-EBFBC5F7973A}"/>
+              </a:ext>
+            </a:extLst>
+          </p:cNvPr>
+          <p:cNvSpPr/>
+          <p:nvPr/>
+        </p:nvSpPr>
+        <p:spPr>
+          <a:xfrm rot="10800000">
+            <a:off x="7394965" y="4500674"/>
+            <a:ext cx="1000182" cy="698688"/>
+          </a:xfrm>
+          <a:prstGeom prst="bentArrow">
+            <a:avLst/>
+          </a:prstGeom>
+        </p:spPr>
+        <p:style>
+          <a:lnRef idx="2">
+            <a:schemeClr val="accent1">
+              <a:shade val="50000"/>
+            </a:schemeClr>
+          </a:lnRef>
+          <a:fillRef idx="1">
+            <a:schemeClr val="accent1"/>
+          </a:fillRef>
+          <a:effectRef idx="0">
+            <a:schemeClr val="accent1"/>
+          </a:effectRef>
+          <a:fontRef idx="minor">
+            <a:schemeClr val="lt1"/>
+          </a:fontRef>
+        </p:style>
+        <p:txBody>
+          <a:bodyPr rtlCol="0" anchor="ctr"/>
+          <a:lstStyle/>
+          <a:p>
+            <a:pPr algn="ctr"/>
+            <a:endParaRPr kumimoji="1" lang="ja-JP" altLang="en-US">
+              <a:solidFill>
+                <a:schemeClr val="tx1"/>
+              </a:solidFill>
+            </a:endParaRPr>
+          </a:p>
+        </p:txBody>
+      </p:sp>
+      <p:sp>
+        <p:nvSpPr>
+          <p:cNvPr id="6" name="正方形/長方形 5">
+            <a:extLst>
+              <a:ext uri="{FF2B5EF4-FFF2-40B4-BE49-F238E27FC236}">
+                <a16:creationId xmlns:a16="http://schemas.microsoft.com/office/drawing/2014/main" id="{FE6B14F1-6461-ADB5-CC99-86EC4263E82A}"/>
+              </a:ext>
+            </a:extLst>
+          </p:cNvPr>
+          <p:cNvSpPr/>
+          <p:nvPr/>
+        </p:nvSpPr>
+        <p:spPr>
+          <a:xfrm>
+            <a:off x="5126783" y="5028041"/>
+            <a:ext cx="2223399" cy="256135"/>
+          </a:xfrm>
+          <a:prstGeom prst="rect">
+            <a:avLst/>
+          </a:prstGeom>
+          <a:noFill/>
+          <a:ln w="19050">
+            <a:solidFill>
+              <a:srgbClr val="FF0000"/>
+            </a:solidFill>
+          </a:ln>
+        </p:spPr>
+        <p:style>
+          <a:lnRef idx="2">
+            <a:schemeClr val="accent1">
+              <a:shade val="50000"/>
+            </a:schemeClr>
+          </a:lnRef>
+          <a:fillRef idx="1">
+            <a:schemeClr val="accent1"/>
+          </a:fillRef>
+          <a:effectRef idx="0">
+            <a:schemeClr val="accent1"/>
+          </a:effectRef>
+          <a:fontRef idx="minor">
+            <a:schemeClr val="lt1"/>
+          </a:fontRef>
+        </p:style>
+        <p:txBody>
+          <a:bodyPr rtlCol="0" anchor="ctr"/>
+          <a:lstStyle/>
+          <a:p>
+            <a:pPr algn="ctr"/>
+            <a:endParaRPr kumimoji="1" lang="ja-JP" altLang="en-US"/>
+          </a:p>
+        </p:txBody>
+      </p:sp>
+      <p:cxnSp>
+        <p:nvCxnSpPr>
+          <p:cNvPr id="7" name="コネクタ: カギ線 6">
+            <a:extLst>
+              <a:ext uri="{FF2B5EF4-FFF2-40B4-BE49-F238E27FC236}">
+                <a16:creationId xmlns:a16="http://schemas.microsoft.com/office/drawing/2014/main" id="{62E8F742-59E1-0BA7-C6EB-9B95A4814ADC}"/>
+              </a:ext>
+            </a:extLst>
+          </p:cNvPr>
+          <p:cNvCxnSpPr>
+            <a:cxnSpLocks/>
+            <a:stCxn id="6" idx="1"/>
+            <a:endCxn id="9" idx="3"/>
+          </p:cNvCxnSpPr>
+          <p:nvPr/>
+        </p:nvCxnSpPr>
+        <p:spPr>
+          <a:xfrm rot="10800000" flipV="1">
+            <a:off x="3683907" y="5156108"/>
+            <a:ext cx="1442877" cy="564445"/>
+          </a:xfrm>
+          <a:prstGeom prst="bentConnector3">
+            <a:avLst>
+              <a:gd name="adj1" fmla="val 50000"/>
+            </a:avLst>
+          </a:prstGeom>
+          <a:ln>
+            <a:solidFill>
+              <a:srgbClr val="FF0000"/>
+            </a:solidFill>
+            <a:tailEnd type="triangle"/>
+          </a:ln>
+        </p:spPr>
+        <p:style>
+          <a:lnRef idx="1">
+            <a:schemeClr val="accent1"/>
+          </a:lnRef>
+          <a:fillRef idx="0">
+            <a:schemeClr val="accent1"/>
+          </a:fillRef>
+          <a:effectRef idx="0">
+            <a:schemeClr val="accent1"/>
+          </a:effectRef>
+          <a:fontRef idx="minor">
+            <a:schemeClr val="tx1"/>
+          </a:fontRef>
+        </p:style>
+      </p:cxnSp>
+      <p:graphicFrame>
+        <p:nvGraphicFramePr>
           <p:cNvPr id="2" name="表 10">
             <a:extLst>
               <a:ext uri="{FF2B5EF4-FFF2-40B4-BE49-F238E27FC236}">
@@ -12430,13 +15142,7 @@
           <p:cNvGraphicFramePr>
             <a:graphicFrameLocks noGrp="1"/>
           </p:cNvGraphicFramePr>
-          <p:nvPr>
-            <p:extLst>
-              <p:ext uri="{D42A27DB-BD31-4B8C-83A1-F6EECF244321}">
-                <p14:modId xmlns:p14="http://schemas.microsoft.com/office/powerpoint/2010/main" val="4129827659"/>
-              </p:ext>
-            </p:extLst>
-          </p:nvPr>
+          <p:nvPr/>
         </p:nvGraphicFramePr>
         <p:xfrm>
           <a:off x="4316203" y="2417213"/>
@@ -12927,13 +15633,7 @@
           <p:cNvGraphicFramePr>
             <a:graphicFrameLocks noGrp="1"/>
           </p:cNvGraphicFramePr>
-          <p:nvPr>
-            <p:extLst>
-              <p:ext uri="{D42A27DB-BD31-4B8C-83A1-F6EECF244321}">
-                <p14:modId xmlns:p14="http://schemas.microsoft.com/office/powerpoint/2010/main" val="2702049468"/>
-              </p:ext>
-            </p:extLst>
-          </p:nvPr>
+          <p:nvPr/>
         </p:nvGraphicFramePr>
         <p:xfrm>
           <a:off x="7771163" y="1975877"/>
@@ -13888,10 +16588,10 @@
       </p:cxnSp>
       <p:graphicFrame>
         <p:nvGraphicFramePr>
-          <p:cNvPr id="18" name="表 17">
+          <p:cNvPr id="5" name="表 4">
             <a:extLst>
               <a:ext uri="{FF2B5EF4-FFF2-40B4-BE49-F238E27FC236}">
-                <a16:creationId xmlns:a16="http://schemas.microsoft.com/office/drawing/2014/main" id="{251FCD0B-88B5-42CD-A689-879FB7E31CCF}"/>
+                <a16:creationId xmlns:a16="http://schemas.microsoft.com/office/drawing/2014/main" id="{0C7F3E77-0628-6886-CACB-9E35049D9246}"/>
               </a:ext>
             </a:extLst>
           </p:cNvPr>
@@ -13901,13 +16601,13 @@
           <p:nvPr>
             <p:extLst>
               <p:ext uri="{D42A27DB-BD31-4B8C-83A1-F6EECF244321}">
-                <p14:modId xmlns:p14="http://schemas.microsoft.com/office/powerpoint/2010/main" val="794789007"/>
+                <p14:modId xmlns:p14="http://schemas.microsoft.com/office/powerpoint/2010/main" val="2166629424"/>
               </p:ext>
             </p:extLst>
           </p:nvPr>
         </p:nvGraphicFramePr>
         <p:xfrm>
-          <a:off x="1096898" y="4555301"/>
+          <a:off x="1047898" y="4527967"/>
           <a:ext cx="2648080" cy="1342792"/>
         </p:xfrm>
         <a:graphic>
@@ -14022,22 +16722,13 @@
                         <a:defRPr/>
                       </a:pPr>
                       <a:r>
-                        <a:rPr kumimoji="1" lang="en-US" altLang="ja-JP" sz="1000" b="0" kern="1200" dirty="0" err="1">
-                          <a:solidFill>
-                            <a:schemeClr val="tx1"/>
-                          </a:solidFill>
-                          <a:effectLst/>
-                        </a:rPr>
-                        <a:t>nvarchar</a:t>
-                      </a:r>
-                      <a:r>
                         <a:rPr kumimoji="1" lang="en-US" altLang="ja-JP" sz="1000" b="0" kern="1200" dirty="0">
                           <a:solidFill>
                             <a:schemeClr val="tx1"/>
                           </a:solidFill>
                           <a:effectLst/>
                         </a:rPr>
-                        <a:t>(4000)</a:t>
+                        <a:t>varchar(45)</a:t>
                       </a:r>
                       <a:endParaRPr kumimoji="1" lang="en-US" altLang="ja-JP" sz="1000" b="0" kern="1200" dirty="0">
                         <a:solidFill>
@@ -14114,32 +16805,17 @@
                         <a:defRPr/>
                       </a:pPr>
                       <a:r>
-                        <a:rPr kumimoji="1" lang="en-US" altLang="ja-JP" sz="1000" b="0" kern="1200" dirty="0" err="1">
-                          <a:solidFill>
-                            <a:schemeClr val="tx1"/>
-                          </a:solidFill>
-                          <a:effectLst/>
-                        </a:rPr>
-                        <a:t>nvarchar</a:t>
-                      </a:r>
-                      <a:r>
                         <a:rPr kumimoji="1" lang="en-US" altLang="ja-JP" sz="1000" b="0" kern="1200" dirty="0">
                           <a:solidFill>
                             <a:schemeClr val="tx1"/>
                           </a:solidFill>
                           <a:effectLst/>
-                        </a:rPr>
-                        <a:t>(4000)</a:t>
-                      </a:r>
-                      <a:endParaRPr kumimoji="1" lang="en-US" altLang="ja-JP" sz="1000" b="0" kern="1200" dirty="0">
-                        <a:solidFill>
-                          <a:schemeClr val="tx1"/>
-                        </a:solidFill>
-                        <a:effectLst/>
-                        <a:latin typeface="Arial" panose="020B0604020202020204" pitchFamily="34" charset="0"/>
-                        <a:ea typeface="+mn-ea"/>
-                        <a:cs typeface="Arial" panose="020B0604020202020204" pitchFamily="34" charset="0"/>
-                      </a:endParaRPr>
+                          <a:latin typeface="Arial" panose="020B0604020202020204" pitchFamily="34" charset="0"/>
+                          <a:ea typeface="+mn-ea"/>
+                          <a:cs typeface="Arial" panose="020B0604020202020204" pitchFamily="34" charset="0"/>
+                        </a:rPr>
+                        <a:t>date</a:t>
+                      </a:r>
                     </a:p>
                   </a:txBody>
                   <a:tcPr/>
@@ -14220,17 +16896,11 @@
                             <a:schemeClr val="tx1"/>
                           </a:solidFill>
                           <a:effectLst/>
-                        </a:rPr>
-                        <a:t>nvarchar</a:t>
-                      </a:r>
-                      <a:r>
-                        <a:rPr kumimoji="1" lang="en-US" altLang="ja-JP" sz="1000" b="0" kern="1200" dirty="0">
-                          <a:solidFill>
-                            <a:schemeClr val="tx1"/>
-                          </a:solidFill>
-                          <a:effectLst/>
-                        </a:rPr>
-                        <a:t>(4000)</a:t>
+                          <a:latin typeface="Arial" panose="020B0604020202020204" pitchFamily="34" charset="0"/>
+                          <a:ea typeface="+mn-ea"/>
+                          <a:cs typeface="Arial" panose="020B0604020202020204" pitchFamily="34" charset="0"/>
+                        </a:rPr>
+                        <a:t>bigint</a:t>
                       </a:r>
                       <a:endParaRPr kumimoji="1" lang="en-US" altLang="ja-JP" sz="1000" b="0" kern="1200" dirty="0">
                         <a:solidFill>
@@ -14312,32 +16982,17 @@
                         <a:defRPr/>
                       </a:pPr>
                       <a:r>
-                        <a:rPr kumimoji="1" lang="en-US" altLang="ja-JP" sz="1000" b="0" kern="1200" dirty="0" err="1">
-                          <a:solidFill>
-                            <a:schemeClr val="tx1"/>
-                          </a:solidFill>
-                          <a:effectLst/>
-                        </a:rPr>
-                        <a:t>nvarchar</a:t>
-                      </a:r>
-                      <a:r>
                         <a:rPr kumimoji="1" lang="en-US" altLang="ja-JP" sz="1000" b="0" kern="1200" dirty="0">
                           <a:solidFill>
                             <a:schemeClr val="tx1"/>
                           </a:solidFill>
                           <a:effectLst/>
-                        </a:rPr>
-                        <a:t>(4000)</a:t>
-                      </a:r>
-                      <a:endParaRPr kumimoji="1" lang="en-US" altLang="ja-JP" sz="1000" b="0" kern="1200" dirty="0">
-                        <a:solidFill>
-                          <a:schemeClr val="tx1"/>
-                        </a:solidFill>
-                        <a:effectLst/>
-                        <a:latin typeface="Arial" panose="020B0604020202020204" pitchFamily="34" charset="0"/>
-                        <a:ea typeface="+mn-ea"/>
-                        <a:cs typeface="Arial" panose="020B0604020202020204" pitchFamily="34" charset="0"/>
-                      </a:endParaRPr>
+                          <a:latin typeface="Arial" panose="020B0604020202020204" pitchFamily="34" charset="0"/>
+                          <a:ea typeface="+mn-ea"/>
+                          <a:cs typeface="Arial" panose="020B0604020202020204" pitchFamily="34" charset="0"/>
+                        </a:rPr>
+                        <a:t>int</a:t>
+                      </a:r>
                     </a:p>
                   </a:txBody>
                   <a:tcPr/>
@@ -14354,10 +17009,10 @@
       </p:graphicFrame>
       <p:sp>
         <p:nvSpPr>
-          <p:cNvPr id="19" name="正方形/長方形 18">
+          <p:cNvPr id="9" name="正方形/長方形 8">
             <a:extLst>
               <a:ext uri="{FF2B5EF4-FFF2-40B4-BE49-F238E27FC236}">
-                <a16:creationId xmlns:a16="http://schemas.microsoft.com/office/drawing/2014/main" id="{1C2CF9B8-2CD3-E3D7-EA6A-36777C69BAAB}"/>
+                <a16:creationId xmlns:a16="http://schemas.microsoft.com/office/drawing/2014/main" id="{AE0EF590-E910-54EC-FE95-45CEF58CE66F}"/>
               </a:ext>
             </a:extLst>
           </p:cNvPr>
@@ -14366,7 +17021,7 @@
         </p:nvSpPr>
         <p:spPr>
           <a:xfrm>
-            <a:off x="1140081" y="5648312"/>
+            <a:off x="1083227" y="5604189"/>
             <a:ext cx="2600679" cy="232729"/>
           </a:xfrm>
           <a:prstGeom prst="rect">
@@ -14407,7 +17062,7 @@
     </p:spTree>
     <p:extLst>
       <p:ext uri="{BB962C8B-B14F-4D97-AF65-F5344CB8AC3E}">
-        <p14:creationId xmlns:p14="http://schemas.microsoft.com/office/powerpoint/2010/main" val="1959839979"/>
+        <p14:creationId xmlns:p14="http://schemas.microsoft.com/office/powerpoint/2010/main" val="2096576366"/>
       </p:ext>
     </p:extLst>
   </p:cSld>
@@ -14713,6 +17368,21 @@
 </file>
 
 <file path=customXml/item1.xml><?xml version="1.0" encoding="utf-8"?>
+<?mso-contentType ?>
+<FormTemplates xmlns="http://schemas.microsoft.com/sharepoint/v3/contenttype/forms">
+  <Display>DocumentLibraryForm</Display>
+  <Edit>DocumentLibraryForm</Edit>
+  <New>DocumentLibraryForm</New>
+</FormTemplates>
+</file>
+
+<file path=customXml/item2.xml><?xml version="1.0" encoding="utf-8"?>
+<p:properties xmlns:p="http://schemas.microsoft.com/office/2006/metadata/properties" xmlns:xsi="http://www.w3.org/2001/XMLSchema-instance" xmlns:pc="http://schemas.microsoft.com/office/infopath/2007/PartnerControls">
+  <documentManagement/>
+</p:properties>
+</file>
+
+<file path=customXml/item3.xml><?xml version="1.0" encoding="utf-8"?>
 <ct:contentTypeSchema xmlns:ct="http://schemas.microsoft.com/office/2006/metadata/contentType" xmlns:ma="http://schemas.microsoft.com/office/2006/metadata/properties/metaAttributes" ct:_="" ma:_="" ma:contentTypeName="Document" ma:contentTypeID="0x01010042524B95A8915F4D930583508A829F4D" ma:contentTypeVersion="2" ma:contentTypeDescription="Create a new document." ma:contentTypeScope="" ma:versionID="3bad324fc73652d1a5b1b314a3758304">
   <xsd:schema xmlns:xsd="http://www.w3.org/2001/XMLSchema" xmlns:xs="http://www.w3.org/2001/XMLSchema" xmlns:p="http://schemas.microsoft.com/office/2006/metadata/properties" xmlns:ns3="cbc8b81f-eef2-4491-a726-3d095f3400b7" targetNamespace="http://schemas.microsoft.com/office/2006/metadata/properties" ma:root="true" ma:fieldsID="a537806480e3ba30f85acecc285e4aa6" ns3:_="">
     <xsd:import namespace="cbc8b81f-eef2-4491-a726-3d095f3400b7"/>
@@ -14844,35 +17514,10 @@
 </ct:contentTypeSchema>
 </file>
 
-<file path=customXml/item2.xml><?xml version="1.0" encoding="utf-8"?>
-<p:properties xmlns:p="http://schemas.microsoft.com/office/2006/metadata/properties" xmlns:xsi="http://www.w3.org/2001/XMLSchema-instance" xmlns:pc="http://schemas.microsoft.com/office/infopath/2007/PartnerControls">
-  <documentManagement/>
-</p:properties>
-</file>
-
-<file path=customXml/item3.xml><?xml version="1.0" encoding="utf-8"?>
-<?mso-contentType ?>
-<FormTemplates xmlns="http://schemas.microsoft.com/sharepoint/v3/contenttype/forms">
-  <Display>DocumentLibraryForm</Display>
-  <Edit>DocumentLibraryForm</Edit>
-  <New>DocumentLibraryForm</New>
-</FormTemplates>
-</file>
-
 <file path=customXml/itemProps1.xml><?xml version="1.0" encoding="utf-8"?>
-<ds:datastoreItem xmlns:ds="http://schemas.openxmlformats.org/officeDocument/2006/customXml" ds:itemID="{AD30A41B-3CCC-4506-A035-19689DC44519}">
+<ds:datastoreItem xmlns:ds="http://schemas.openxmlformats.org/officeDocument/2006/customXml" ds:itemID="{80AEBBAE-CF7E-43B8-8EDE-50BF67322FAE}">
   <ds:schemaRefs>
-    <ds:schemaRef ds:uri="http://schemas.microsoft.com/office/2006/metadata/contentType"/>
-    <ds:schemaRef ds:uri="http://schemas.microsoft.com/office/2006/metadata/properties/metaAttributes"/>
-    <ds:schemaRef ds:uri="http://www.w3.org/2001/XMLSchema"/>
-    <ds:schemaRef ds:uri="http://schemas.microsoft.com/office/2006/metadata/properties"/>
-    <ds:schemaRef ds:uri="cbc8b81f-eef2-4491-a726-3d095f3400b7"/>
-    <ds:schemaRef ds:uri="http://schemas.microsoft.com/office/2006/documentManagement/types"/>
-    <ds:schemaRef ds:uri="http://schemas.microsoft.com/office/infopath/2007/PartnerControls"/>
-    <ds:schemaRef ds:uri="http://schemas.openxmlformats.org/package/2006/metadata/core-properties"/>
-    <ds:schemaRef ds:uri="http://purl.org/dc/elements/1.1/"/>
-    <ds:schemaRef ds:uri="http://purl.org/dc/terms/"/>
-    <ds:schemaRef ds:uri="http://schemas.microsoft.com/internal/obd"/>
+    <ds:schemaRef ds:uri="http://schemas.microsoft.com/sharepoint/v3/contenttype/forms"/>
   </ds:schemaRefs>
 </ds:datastoreItem>
 </file>
@@ -14894,9 +17539,19 @@
 </file>
 
 <file path=customXml/itemProps3.xml><?xml version="1.0" encoding="utf-8"?>
-<ds:datastoreItem xmlns:ds="http://schemas.openxmlformats.org/officeDocument/2006/customXml" ds:itemID="{80AEBBAE-CF7E-43B8-8EDE-50BF67322FAE}">
+<ds:datastoreItem xmlns:ds="http://schemas.openxmlformats.org/officeDocument/2006/customXml" ds:itemID="{AD30A41B-3CCC-4506-A035-19689DC44519}">
   <ds:schemaRefs>
-    <ds:schemaRef ds:uri="http://schemas.microsoft.com/sharepoint/v3/contenttype/forms"/>
+    <ds:schemaRef ds:uri="http://schemas.microsoft.com/office/2006/metadata/contentType"/>
+    <ds:schemaRef ds:uri="http://schemas.microsoft.com/office/2006/metadata/properties/metaAttributes"/>
+    <ds:schemaRef ds:uri="http://www.w3.org/2001/XMLSchema"/>
+    <ds:schemaRef ds:uri="http://schemas.microsoft.com/office/2006/metadata/properties"/>
+    <ds:schemaRef ds:uri="cbc8b81f-eef2-4491-a726-3d095f3400b7"/>
+    <ds:schemaRef ds:uri="http://schemas.microsoft.com/office/2006/documentManagement/types"/>
+    <ds:schemaRef ds:uri="http://schemas.microsoft.com/office/infopath/2007/PartnerControls"/>
+    <ds:schemaRef ds:uri="http://schemas.openxmlformats.org/package/2006/metadata/core-properties"/>
+    <ds:schemaRef ds:uri="http://purl.org/dc/elements/1.1/"/>
+    <ds:schemaRef ds:uri="http://purl.org/dc/terms/"/>
+    <ds:schemaRef ds:uri="http://schemas.microsoft.com/internal/obd"/>
   </ds:schemaRefs>
 </ds:datastoreItem>
 </file>